--- a/Phase I/ER Model.pptx
+++ b/Phase I/ER Model.pptx
@@ -121,7 +121,7 @@
 <file path=ppt/revisionInfo.xml><?xml version="1.0" encoding="utf-8"?>
 <p1510:revInfo xmlns:a="http://schemas.openxmlformats.org/drawingml/2006/main" xmlns:r="http://schemas.openxmlformats.org/officeDocument/2006/relationships" xmlns:p1510="http://schemas.microsoft.com/office/powerpoint/2015/10/main">
   <p1510:revLst>
-    <p1510:client id="{4A7DDA94-6371-42D1-B025-C351617463C0}" v="28" dt="2022-11-10T15:41:31.241"/>
+    <p1510:client id="{4A7DDA94-6371-42D1-B025-C351617463C0}" v="30" dt="2022-11-10T20:45:32.993"/>
   </p1510:revLst>
 </p1510:revInfo>
 </file>
@@ -208,12 +208,12 @@
   <pc:docChgLst>
     <pc:chgData name="Clark Necciai" userId="2d3c143e28508c56" providerId="LiveId" clId="{4A7DDA94-6371-42D1-B025-C351617463C0}"/>
     <pc:docChg chg="undo redo custSel addSld delSld modSld">
-      <pc:chgData name="Clark Necciai" userId="2d3c143e28508c56" providerId="LiveId" clId="{4A7DDA94-6371-42D1-B025-C351617463C0}" dt="2022-11-10T15:41:41.512" v="388" actId="20577"/>
+      <pc:chgData name="Clark Necciai" userId="2d3c143e28508c56" providerId="LiveId" clId="{4A7DDA94-6371-42D1-B025-C351617463C0}" dt="2022-11-10T20:46:12.133" v="417" actId="1076"/>
       <pc:docMkLst>
         <pc:docMk/>
       </pc:docMkLst>
       <pc:sldChg chg="addSp delSp modSp mod">
-        <pc:chgData name="Clark Necciai" userId="2d3c143e28508c56" providerId="LiveId" clId="{4A7DDA94-6371-42D1-B025-C351617463C0}" dt="2022-11-10T15:35:26.033" v="170" actId="692"/>
+        <pc:chgData name="Clark Necciai" userId="2d3c143e28508c56" providerId="LiveId" clId="{4A7DDA94-6371-42D1-B025-C351617463C0}" dt="2022-11-10T20:46:12.133" v="417" actId="1076"/>
         <pc:sldMkLst>
           <pc:docMk/>
           <pc:sldMk cId="3265300168" sldId="257"/>
@@ -226,6 +226,22 @@
             <ac:spMk id="2" creationId="{E016AA6F-4934-890B-B68E-3D4C513B02EA}"/>
           </ac:spMkLst>
         </pc:spChg>
+        <pc:spChg chg="add mod">
+          <ac:chgData name="Clark Necciai" userId="2d3c143e28508c56" providerId="LiveId" clId="{4A7DDA94-6371-42D1-B025-C351617463C0}" dt="2022-11-10T20:45:49.494" v="409" actId="1076"/>
+          <ac:spMkLst>
+            <pc:docMk/>
+            <pc:sldMk cId="3265300168" sldId="257"/>
+            <ac:spMk id="2" creationId="{FC7451FD-3E1D-975B-3DF1-6A341AA68BFB}"/>
+          </ac:spMkLst>
+        </pc:spChg>
+        <pc:spChg chg="mod">
+          <ac:chgData name="Clark Necciai" userId="2d3c143e28508c56" providerId="LiveId" clId="{4A7DDA94-6371-42D1-B025-C351617463C0}" dt="2022-11-10T20:46:01.696" v="412" actId="1076"/>
+          <ac:spMkLst>
+            <pc:docMk/>
+            <pc:sldMk cId="3265300168" sldId="257"/>
+            <ac:spMk id="9" creationId="{50C2FC4D-2AEB-28A5-225D-5C71EC72E750}"/>
+          </ac:spMkLst>
+        </pc:spChg>
         <pc:spChg chg="mod">
           <ac:chgData name="Clark Necciai" userId="2d3c143e28508c56" providerId="LiveId" clId="{4A7DDA94-6371-42D1-B025-C351617463C0}" dt="2022-11-10T15:26:51.776" v="40" actId="1076"/>
           <ac:spMkLst>
@@ -275,7 +291,7 @@
           </ac:spMkLst>
         </pc:spChg>
         <pc:spChg chg="mod">
-          <ac:chgData name="Clark Necciai" userId="2d3c143e28508c56" providerId="LiveId" clId="{4A7DDA94-6371-42D1-B025-C351617463C0}" dt="2022-11-10T15:27:10.875" v="49" actId="1076"/>
+          <ac:chgData name="Clark Necciai" userId="2d3c143e28508c56" providerId="LiveId" clId="{4A7DDA94-6371-42D1-B025-C351617463C0}" dt="2022-11-10T20:46:12.133" v="417" actId="1076"/>
           <ac:spMkLst>
             <pc:docMk/>
             <pc:sldMk cId="3265300168" sldId="257"/>
@@ -299,13 +315,21 @@
           </ac:grpSpMkLst>
         </pc:grpChg>
         <pc:grpChg chg="mod">
-          <ac:chgData name="Clark Necciai" userId="2d3c143e28508c56" providerId="LiveId" clId="{4A7DDA94-6371-42D1-B025-C351617463C0}" dt="2022-11-10T15:27:09.368" v="48" actId="1076"/>
+          <ac:chgData name="Clark Necciai" userId="2d3c143e28508c56" providerId="LiveId" clId="{4A7DDA94-6371-42D1-B025-C351617463C0}" dt="2022-11-10T20:46:08.718" v="416" actId="1076"/>
           <ac:grpSpMkLst>
             <pc:docMk/>
             <pc:sldMk cId="3265300168" sldId="257"/>
             <ac:grpSpMk id="195" creationId="{50E2324A-C040-F4E1-FDD1-54D5FF9745C1}"/>
           </ac:grpSpMkLst>
         </pc:grpChg>
+        <pc:cxnChg chg="add mod">
+          <ac:chgData name="Clark Necciai" userId="2d3c143e28508c56" providerId="LiveId" clId="{4A7DDA94-6371-42D1-B025-C351617463C0}" dt="2022-11-10T20:45:53.134" v="411" actId="14100"/>
+          <ac:cxnSpMkLst>
+            <pc:docMk/>
+            <pc:sldMk cId="3265300168" sldId="257"/>
+            <ac:cxnSpMk id="3" creationId="{7C79688D-A9BE-0B7D-1F05-88FC63EF0CEE}"/>
+          </ac:cxnSpMkLst>
+        </pc:cxnChg>
         <pc:cxnChg chg="mod">
           <ac:chgData name="Clark Necciai" userId="2d3c143e28508c56" providerId="LiveId" clId="{4A7DDA94-6371-42D1-B025-C351617463C0}" dt="2022-11-10T15:26:53.809" v="41" actId="14100"/>
           <ac:cxnSpMkLst>
@@ -322,6 +346,14 @@
             <ac:cxnSpMk id="22" creationId="{15333F18-1238-FD55-1ED2-22F290DDD873}"/>
           </ac:cxnSpMkLst>
         </pc:cxnChg>
+        <pc:cxnChg chg="mod">
+          <ac:chgData name="Clark Necciai" userId="2d3c143e28508c56" providerId="LiveId" clId="{4A7DDA94-6371-42D1-B025-C351617463C0}" dt="2022-11-10T20:46:01.696" v="412" actId="1076"/>
+          <ac:cxnSpMkLst>
+            <pc:docMk/>
+            <pc:sldMk cId="3265300168" sldId="257"/>
+            <ac:cxnSpMk id="29" creationId="{96E51764-604E-BA68-17AB-C96E314151A0}"/>
+          </ac:cxnSpMkLst>
+        </pc:cxnChg>
         <pc:cxnChg chg="add mod">
           <ac:chgData name="Clark Necciai" userId="2d3c143e28508c56" providerId="LiveId" clId="{4A7DDA94-6371-42D1-B025-C351617463C0}" dt="2022-11-10T15:35:26.033" v="170" actId="692"/>
           <ac:cxnSpMkLst>
@@ -331,7 +363,7 @@
           </ac:cxnSpMkLst>
         </pc:cxnChg>
         <pc:cxnChg chg="mod">
-          <ac:chgData name="Clark Necciai" userId="2d3c143e28508c56" providerId="LiveId" clId="{4A7DDA94-6371-42D1-B025-C351617463C0}" dt="2022-11-10T15:27:10.875" v="49" actId="1076"/>
+          <ac:chgData name="Clark Necciai" userId="2d3c143e28508c56" providerId="LiveId" clId="{4A7DDA94-6371-42D1-B025-C351617463C0}" dt="2022-11-10T20:46:12.133" v="417" actId="1076"/>
           <ac:cxnSpMkLst>
             <pc:docMk/>
             <pc:sldMk cId="3265300168" sldId="257"/>
@@ -339,7 +371,7 @@
           </ac:cxnSpMkLst>
         </pc:cxnChg>
         <pc:cxnChg chg="mod">
-          <ac:chgData name="Clark Necciai" userId="2d3c143e28508c56" providerId="LiveId" clId="{4A7DDA94-6371-42D1-B025-C351617463C0}" dt="2022-11-10T15:27:09.368" v="48" actId="1076"/>
+          <ac:chgData name="Clark Necciai" userId="2d3c143e28508c56" providerId="LiveId" clId="{4A7DDA94-6371-42D1-B025-C351617463C0}" dt="2022-11-10T20:46:08.718" v="416" actId="1076"/>
           <ac:cxnSpMkLst>
             <pc:docMk/>
             <pc:sldMk cId="3265300168" sldId="257"/>
@@ -498,13 +530,13 @@
         </pc:spChg>
       </pc:sldChg>
       <pc:sldChg chg="modSp mod">
-        <pc:chgData name="Clark Necciai" userId="2d3c143e28508c56" providerId="LiveId" clId="{4A7DDA94-6371-42D1-B025-C351617463C0}" dt="2022-11-10T15:41:29.081" v="386" actId="115"/>
+        <pc:chgData name="Clark Necciai" userId="2d3c143e28508c56" providerId="LiveId" clId="{4A7DDA94-6371-42D1-B025-C351617463C0}" dt="2022-11-10T18:43:45.017" v="402" actId="20577"/>
         <pc:sldMkLst>
           <pc:docMk/>
           <pc:sldMk cId="298272431" sldId="261"/>
         </pc:sldMkLst>
         <pc:spChg chg="mod">
-          <ac:chgData name="Clark Necciai" userId="2d3c143e28508c56" providerId="LiveId" clId="{4A7DDA94-6371-42D1-B025-C351617463C0}" dt="2022-11-10T15:41:29.081" v="386" actId="115"/>
+          <ac:chgData name="Clark Necciai" userId="2d3c143e28508c56" providerId="LiveId" clId="{4A7DDA94-6371-42D1-B025-C351617463C0}" dt="2022-11-10T18:43:45.017" v="402" actId="20577"/>
           <ac:spMkLst>
             <pc:docMk/>
             <pc:sldMk cId="298272431" sldId="261"/>
@@ -521,7 +553,7 @@
         </pc:spChg>
       </pc:sldChg>
       <pc:sldChg chg="addSp delSp modSp mod">
-        <pc:chgData name="Clark Necciai" userId="2d3c143e28508c56" providerId="LiveId" clId="{4A7DDA94-6371-42D1-B025-C351617463C0}" dt="2022-11-10T15:38:47.305" v="219" actId="1076"/>
+        <pc:chgData name="Clark Necciai" userId="2d3c143e28508c56" providerId="LiveId" clId="{4A7DDA94-6371-42D1-B025-C351617463C0}" dt="2022-11-10T17:22:51.880" v="400" actId="1076"/>
         <pc:sldMkLst>
           <pc:docMk/>
           <pc:sldMk cId="804916847" sldId="262"/>
@@ -535,7 +567,7 @@
           </ac:spMkLst>
         </pc:spChg>
         <pc:spChg chg="mod">
-          <ac:chgData name="Clark Necciai" userId="2d3c143e28508c56" providerId="LiveId" clId="{4A7DDA94-6371-42D1-B025-C351617463C0}" dt="2022-11-10T15:36:31.047" v="185" actId="1076"/>
+          <ac:chgData name="Clark Necciai" userId="2d3c143e28508c56" providerId="LiveId" clId="{4A7DDA94-6371-42D1-B025-C351617463C0}" dt="2022-11-10T17:22:28.127" v="394" actId="14100"/>
           <ac:spMkLst>
             <pc:docMk/>
             <pc:sldMk cId="804916847" sldId="262"/>
@@ -551,7 +583,7 @@
           </ac:spMkLst>
         </pc:spChg>
         <pc:spChg chg="mod">
-          <ac:chgData name="Clark Necciai" userId="2d3c143e28508c56" providerId="LiveId" clId="{4A7DDA94-6371-42D1-B025-C351617463C0}" dt="2022-11-10T15:36:32.845" v="186" actId="1076"/>
+          <ac:chgData name="Clark Necciai" userId="2d3c143e28508c56" providerId="LiveId" clId="{4A7DDA94-6371-42D1-B025-C351617463C0}" dt="2022-11-10T17:22:22.504" v="391" actId="1076"/>
           <ac:spMkLst>
             <pc:docMk/>
             <pc:sldMk cId="804916847" sldId="262"/>
@@ -591,7 +623,7 @@
           </ac:spMkLst>
         </pc:spChg>
         <pc:spChg chg="add mod">
-          <ac:chgData name="Clark Necciai" userId="2d3c143e28508c56" providerId="LiveId" clId="{4A7DDA94-6371-42D1-B025-C351617463C0}" dt="2022-11-10T15:38:47.305" v="219" actId="1076"/>
+          <ac:chgData name="Clark Necciai" userId="2d3c143e28508c56" providerId="LiveId" clId="{4A7DDA94-6371-42D1-B025-C351617463C0}" dt="2022-11-10T17:22:51.880" v="400" actId="1076"/>
           <ac:spMkLst>
             <pc:docMk/>
             <pc:sldMk cId="804916847" sldId="262"/>
@@ -599,7 +631,7 @@
           </ac:spMkLst>
         </pc:spChg>
         <pc:spChg chg="add mod">
-          <ac:chgData name="Clark Necciai" userId="2d3c143e28508c56" providerId="LiveId" clId="{4A7DDA94-6371-42D1-B025-C351617463C0}" dt="2022-11-10T15:38:44.858" v="218" actId="1076"/>
+          <ac:chgData name="Clark Necciai" userId="2d3c143e28508c56" providerId="LiveId" clId="{4A7DDA94-6371-42D1-B025-C351617463C0}" dt="2022-11-10T17:22:49.386" v="399" actId="1076"/>
           <ac:spMkLst>
             <pc:docMk/>
             <pc:sldMk cId="804916847" sldId="262"/>
@@ -647,7 +679,7 @@
           </ac:spMkLst>
         </pc:spChg>
         <pc:spChg chg="mod">
-          <ac:chgData name="Clark Necciai" userId="2d3c143e28508c56" providerId="LiveId" clId="{4A7DDA94-6371-42D1-B025-C351617463C0}" dt="2022-11-10T15:36:36.380" v="188" actId="1076"/>
+          <ac:chgData name="Clark Necciai" userId="2d3c143e28508c56" providerId="LiveId" clId="{4A7DDA94-6371-42D1-B025-C351617463C0}" dt="2022-11-10T17:22:37.129" v="396" actId="1076"/>
           <ac:spMkLst>
             <pc:docMk/>
             <pc:sldMk cId="804916847" sldId="262"/>
@@ -663,7 +695,7 @@
           </ac:spMkLst>
         </pc:spChg>
         <pc:spChg chg="mod">
-          <ac:chgData name="Clark Necciai" userId="2d3c143e28508c56" providerId="LiveId" clId="{4A7DDA94-6371-42D1-B025-C351617463C0}" dt="2022-11-10T15:36:34.559" v="187" actId="1076"/>
+          <ac:chgData name="Clark Necciai" userId="2d3c143e28508c56" providerId="LiveId" clId="{4A7DDA94-6371-42D1-B025-C351617463C0}" dt="2022-11-10T17:22:39.097" v="397" actId="1076"/>
           <ac:spMkLst>
             <pc:docMk/>
             <pc:sldMk cId="804916847" sldId="262"/>
@@ -671,7 +703,7 @@
           </ac:spMkLst>
         </pc:spChg>
         <pc:cxnChg chg="mod">
-          <ac:chgData name="Clark Necciai" userId="2d3c143e28508c56" providerId="LiveId" clId="{4A7DDA94-6371-42D1-B025-C351617463C0}" dt="2022-11-10T15:36:32.845" v="186" actId="1076"/>
+          <ac:chgData name="Clark Necciai" userId="2d3c143e28508c56" providerId="LiveId" clId="{4A7DDA94-6371-42D1-B025-C351617463C0}" dt="2022-11-10T17:22:22.504" v="391" actId="1076"/>
           <ac:cxnSpMkLst>
             <pc:docMk/>
             <pc:sldMk cId="804916847" sldId="262"/>
@@ -687,7 +719,7 @@
           </ac:cxnSpMkLst>
         </pc:cxnChg>
         <pc:cxnChg chg="mod">
-          <ac:chgData name="Clark Necciai" userId="2d3c143e28508c56" providerId="LiveId" clId="{4A7DDA94-6371-42D1-B025-C351617463C0}" dt="2022-11-10T15:36:31.047" v="185" actId="1076"/>
+          <ac:chgData name="Clark Necciai" userId="2d3c143e28508c56" providerId="LiveId" clId="{4A7DDA94-6371-42D1-B025-C351617463C0}" dt="2022-11-10T17:22:29.962" v="395" actId="14100"/>
           <ac:cxnSpMkLst>
             <pc:docMk/>
             <pc:sldMk cId="804916847" sldId="262"/>
@@ -695,7 +727,7 @@
           </ac:cxnSpMkLst>
         </pc:cxnChg>
         <pc:cxnChg chg="add mod">
-          <ac:chgData name="Clark Necciai" userId="2d3c143e28508c56" providerId="LiveId" clId="{4A7DDA94-6371-42D1-B025-C351617463C0}" dt="2022-11-10T15:38:44.858" v="218" actId="1076"/>
+          <ac:chgData name="Clark Necciai" userId="2d3c143e28508c56" providerId="LiveId" clId="{4A7DDA94-6371-42D1-B025-C351617463C0}" dt="2022-11-10T17:22:49.386" v="399" actId="1076"/>
           <ac:cxnSpMkLst>
             <pc:docMk/>
             <pc:sldMk cId="804916847" sldId="262"/>
@@ -703,7 +735,7 @@
           </ac:cxnSpMkLst>
         </pc:cxnChg>
         <pc:cxnChg chg="add mod">
-          <ac:chgData name="Clark Necciai" userId="2d3c143e28508c56" providerId="LiveId" clId="{4A7DDA94-6371-42D1-B025-C351617463C0}" dt="2022-11-10T15:38:47.305" v="219" actId="1076"/>
+          <ac:chgData name="Clark Necciai" userId="2d3c143e28508c56" providerId="LiveId" clId="{4A7DDA94-6371-42D1-B025-C351617463C0}" dt="2022-11-10T17:22:51.880" v="400" actId="1076"/>
           <ac:cxnSpMkLst>
             <pc:docMk/>
             <pc:sldMk cId="804916847" sldId="262"/>
@@ -767,7 +799,7 @@
           </ac:cxnSpMkLst>
         </pc:cxnChg>
         <pc:cxnChg chg="mod">
-          <ac:chgData name="Clark Necciai" userId="2d3c143e28508c56" providerId="LiveId" clId="{4A7DDA94-6371-42D1-B025-C351617463C0}" dt="2022-11-10T15:36:34.559" v="187" actId="1076"/>
+          <ac:chgData name="Clark Necciai" userId="2d3c143e28508c56" providerId="LiveId" clId="{4A7DDA94-6371-42D1-B025-C351617463C0}" dt="2022-11-10T17:22:39.097" v="397" actId="1076"/>
           <ac:cxnSpMkLst>
             <pc:docMk/>
             <pc:sldMk cId="804916847" sldId="262"/>
@@ -783,7 +815,7 @@
           </ac:cxnSpMkLst>
         </pc:cxnChg>
         <pc:cxnChg chg="mod">
-          <ac:chgData name="Clark Necciai" userId="2d3c143e28508c56" providerId="LiveId" clId="{4A7DDA94-6371-42D1-B025-C351617463C0}" dt="2022-11-10T15:36:36.380" v="188" actId="1076"/>
+          <ac:chgData name="Clark Necciai" userId="2d3c143e28508c56" providerId="LiveId" clId="{4A7DDA94-6371-42D1-B025-C351617463C0}" dt="2022-11-10T17:22:37.129" v="396" actId="1076"/>
           <ac:cxnSpMkLst>
             <pc:docMk/>
             <pc:sldMk cId="804916847" sldId="262"/>
@@ -8990,7 +9022,7 @@
         </p:nvSpPr>
         <p:spPr>
           <a:xfrm>
-            <a:off x="9518974" y="2371723"/>
+            <a:off x="9004319" y="1624589"/>
             <a:ext cx="2198946" cy="555227"/>
           </a:xfrm>
           <a:prstGeom prst="ellipse">
@@ -9253,7 +9285,7 @@
         <p:spPr>
           <a:xfrm>
             <a:off x="10103792" y="1333457"/>
-            <a:ext cx="514655" cy="1038266"/>
+            <a:ext cx="0" cy="291132"/>
           </a:xfrm>
           <a:prstGeom prst="line">
             <a:avLst/>
@@ -9297,8 +9329,8 @@
         </p:nvCxnSpPr>
         <p:spPr>
           <a:xfrm flipH="1">
-            <a:off x="6465672" y="3454800"/>
-            <a:ext cx="441898" cy="260248"/>
+            <a:off x="6891074" y="3454800"/>
+            <a:ext cx="16496" cy="244589"/>
           </a:xfrm>
           <a:prstGeom prst="line">
             <a:avLst/>
@@ -9335,15 +9367,15 @@
           </p:cNvPr>
           <p:cNvCxnSpPr>
             <a:cxnSpLocks/>
-            <a:stCxn id="4" idx="2"/>
-            <a:endCxn id="196" idx="0"/>
+            <a:stCxn id="4" idx="3"/>
+            <a:endCxn id="196" idx="2"/>
           </p:cNvCxnSpPr>
           <p:nvPr/>
         </p:nvCxnSpPr>
         <p:spPr>
           <a:xfrm>
-            <a:off x="6907570" y="3454800"/>
-            <a:ext cx="1271227" cy="223095"/>
+            <a:off x="7839465" y="3039588"/>
+            <a:ext cx="676960" cy="0"/>
           </a:xfrm>
           <a:prstGeom prst="line">
             <a:avLst/>
@@ -9666,7 +9698,7 @@
         </p:nvSpPr>
         <p:spPr>
           <a:xfrm>
-            <a:off x="5701080" y="3715048"/>
+            <a:off x="6126482" y="3699389"/>
             <a:ext cx="1529183" cy="507903"/>
           </a:xfrm>
           <a:prstGeom prst="ellipse">
@@ -9722,7 +9754,7 @@
         </p:nvGrpSpPr>
         <p:grpSpPr>
           <a:xfrm>
-            <a:off x="7385113" y="3677895"/>
+            <a:off x="8516425" y="2785636"/>
             <a:ext cx="1587367" cy="507903"/>
             <a:chOff x="9543722" y="5803912"/>
             <a:chExt cx="1474713" cy="468634"/>
@@ -10162,6 +10194,107 @@
           </a:p>
         </p:txBody>
       </p:sp>
+      <p:sp>
+        <p:nvSpPr>
+          <p:cNvPr id="2" name="Oval 1">
+            <a:extLst>
+              <a:ext uri="{FF2B5EF4-FFF2-40B4-BE49-F238E27FC236}">
+                <a16:creationId xmlns:a16="http://schemas.microsoft.com/office/drawing/2014/main" id="{FC7451FD-3E1D-975B-3DF1-6A341AA68BFB}"/>
+              </a:ext>
+            </a:extLst>
+          </p:cNvPr>
+          <p:cNvSpPr/>
+          <p:nvPr/>
+        </p:nvSpPr>
+        <p:spPr>
+          <a:xfrm>
+            <a:off x="9340783" y="6084091"/>
+            <a:ext cx="2040670" cy="453291"/>
+          </a:xfrm>
+          <a:prstGeom prst="ellipse">
+            <a:avLst/>
+          </a:prstGeom>
+          <a:solidFill>
+            <a:schemeClr val="bg1"/>
+          </a:solidFill>
+        </p:spPr>
+        <p:style>
+          <a:lnRef idx="2">
+            <a:schemeClr val="dk1">
+              <a:shade val="50000"/>
+            </a:schemeClr>
+          </a:lnRef>
+          <a:fillRef idx="1">
+            <a:schemeClr val="dk1"/>
+          </a:fillRef>
+          <a:effectRef idx="0">
+            <a:schemeClr val="dk1"/>
+          </a:effectRef>
+          <a:fontRef idx="minor">
+            <a:schemeClr val="lt1"/>
+          </a:fontRef>
+        </p:style>
+        <p:txBody>
+          <a:bodyPr rtlCol="0" anchor="ctr"/>
+          <a:lstStyle/>
+          <a:p>
+            <a:pPr algn="ctr"/>
+            <a:r>
+              <a:rPr lang="en-US" u="sng" dirty="0">
+                <a:solidFill>
+                  <a:schemeClr val="tx1"/>
+                </a:solidFill>
+              </a:rPr>
+              <a:t>customer_ID</a:t>
+            </a:r>
+          </a:p>
+        </p:txBody>
+      </p:sp>
+      <p:cxnSp>
+        <p:nvCxnSpPr>
+          <p:cNvPr id="3" name="Straight Connector 2">
+            <a:extLst>
+              <a:ext uri="{FF2B5EF4-FFF2-40B4-BE49-F238E27FC236}">
+                <a16:creationId xmlns:a16="http://schemas.microsoft.com/office/drawing/2014/main" id="{7C79688D-A9BE-0B7D-1F05-88FC63EF0CEE}"/>
+              </a:ext>
+            </a:extLst>
+          </p:cNvPr>
+          <p:cNvCxnSpPr>
+            <a:cxnSpLocks/>
+            <a:stCxn id="20" idx="2"/>
+            <a:endCxn id="2" idx="0"/>
+          </p:cNvCxnSpPr>
+          <p:nvPr/>
+        </p:nvCxnSpPr>
+        <p:spPr>
+          <a:xfrm flipH="1">
+            <a:off x="10361118" y="5770391"/>
+            <a:ext cx="1" cy="313700"/>
+          </a:xfrm>
+          <a:prstGeom prst="line">
+            <a:avLst/>
+          </a:prstGeom>
+          <a:ln w="38100">
+            <a:solidFill>
+              <a:schemeClr val="tx1"/>
+            </a:solidFill>
+          </a:ln>
+        </p:spPr>
+        <p:style>
+          <a:lnRef idx="1">
+            <a:schemeClr val="dk1"/>
+          </a:lnRef>
+          <a:fillRef idx="0">
+            <a:schemeClr val="dk1"/>
+          </a:fillRef>
+          <a:effectRef idx="0">
+            <a:schemeClr val="dk1"/>
+          </a:effectRef>
+          <a:fontRef idx="minor">
+            <a:schemeClr val="tx1"/>
+          </a:fontRef>
+        </p:style>
+      </p:cxnSp>
     </p:spTree>
     <p:extLst>
       <p:ext uri="{BB962C8B-B14F-4D97-AF65-F5344CB8AC3E}">
@@ -13262,7 +13395,7 @@
         </p:nvSpPr>
         <p:spPr>
           <a:xfrm>
-            <a:off x="5860254" y="4378148"/>
+            <a:off x="5860254" y="3637600"/>
             <a:ext cx="2397345" cy="532498"/>
           </a:xfrm>
           <a:prstGeom prst="ellipse">
@@ -13323,7 +13456,7 @@
         </p:nvSpPr>
         <p:spPr>
           <a:xfrm>
-            <a:off x="4978630" y="5304161"/>
+            <a:off x="4864297" y="4708074"/>
             <a:ext cx="2234740" cy="675563"/>
           </a:xfrm>
           <a:prstGeom prst="ellipse">
@@ -13614,7 +13747,7 @@
         <p:spPr>
           <a:xfrm flipH="1" flipV="1">
             <a:off x="4064184" y="4418198"/>
-            <a:ext cx="1241716" cy="984897"/>
+            <a:ext cx="1127383" cy="388810"/>
           </a:xfrm>
           <a:prstGeom prst="line">
             <a:avLst/>
@@ -13657,9 +13790,9 @@
           <p:nvPr/>
         </p:nvCxnSpPr>
         <p:spPr>
-          <a:xfrm flipH="1" flipV="1">
+          <a:xfrm flipH="1">
             <a:off x="5528204" y="3903849"/>
-            <a:ext cx="332050" cy="740548"/>
+            <a:ext cx="332050" cy="0"/>
           </a:xfrm>
           <a:prstGeom prst="line">
             <a:avLst/>
@@ -13911,8 +14044,8 @@
         </p:nvSpPr>
         <p:spPr>
           <a:xfrm>
-            <a:off x="34379" y="4132229"/>
-            <a:ext cx="2447759" cy="571938"/>
+            <a:off x="202818" y="4318855"/>
+            <a:ext cx="2397345" cy="571938"/>
           </a:xfrm>
           <a:prstGeom prst="ellipse">
             <a:avLst/>
@@ -13972,7 +14105,7 @@
         </p:nvSpPr>
         <p:spPr>
           <a:xfrm>
-            <a:off x="313056" y="4990136"/>
+            <a:off x="290785" y="5086118"/>
             <a:ext cx="1142812" cy="554538"/>
           </a:xfrm>
           <a:prstGeom prst="ellipse">
@@ -14030,15 +14163,15 @@
           </p:cNvPr>
           <p:cNvCxnSpPr>
             <a:cxnSpLocks/>
-            <a:stCxn id="8" idx="7"/>
+            <a:stCxn id="8" idx="6"/>
             <a:endCxn id="13" idx="2"/>
           </p:cNvCxnSpPr>
           <p:nvPr/>
         </p:nvCxnSpPr>
         <p:spPr>
           <a:xfrm>
-            <a:off x="1288507" y="5071346"/>
-            <a:ext cx="525827" cy="292042"/>
+            <a:off x="1433597" y="5363387"/>
+            <a:ext cx="380737" cy="1"/>
           </a:xfrm>
           <a:prstGeom prst="line">
             <a:avLst/>
@@ -14075,15 +14208,15 @@
           </p:cNvPr>
           <p:cNvCxnSpPr>
             <a:cxnSpLocks/>
-            <a:stCxn id="3" idx="5"/>
+            <a:stCxn id="3" idx="4"/>
             <a:endCxn id="13" idx="2"/>
           </p:cNvCxnSpPr>
           <p:nvPr/>
         </p:nvCxnSpPr>
         <p:spPr>
-          <a:xfrm flipH="1">
-            <a:off x="1814334" y="4620409"/>
-            <a:ext cx="309338" cy="742979"/>
+          <a:xfrm>
+            <a:off x="1401491" y="4890793"/>
+            <a:ext cx="412843" cy="472595"/>
           </a:xfrm>
           <a:prstGeom prst="line">
             <a:avLst/>
@@ -14181,8 +14314,8 @@
         </p:nvCxnSpPr>
         <p:spPr>
           <a:xfrm flipV="1">
-            <a:off x="9118119" y="1526226"/>
-            <a:ext cx="1181729" cy="557391"/>
+            <a:off x="9075247" y="1526226"/>
+            <a:ext cx="1224601" cy="351534"/>
           </a:xfrm>
           <a:prstGeom prst="line">
             <a:avLst/>
@@ -14220,14 +14353,14 @@
           <p:cNvCxnSpPr>
             <a:cxnSpLocks/>
             <a:stCxn id="42" idx="2"/>
-            <a:endCxn id="47" idx="2"/>
+            <a:endCxn id="47" idx="0"/>
           </p:cNvCxnSpPr>
           <p:nvPr/>
         </p:nvCxnSpPr>
         <p:spPr>
           <a:xfrm flipH="1">
-            <a:off x="9519242" y="1526226"/>
-            <a:ext cx="780606" cy="799587"/>
+            <a:off x="10277142" y="1526226"/>
+            <a:ext cx="22706" cy="404896"/>
           </a:xfrm>
           <a:prstGeom prst="line">
             <a:avLst/>
@@ -14267,7 +14400,7 @@
         </p:nvSpPr>
         <p:spPr>
           <a:xfrm>
-            <a:off x="9519242" y="1988031"/>
+            <a:off x="9088619" y="1931122"/>
             <a:ext cx="2377045" cy="675563"/>
           </a:xfrm>
           <a:prstGeom prst="ellipse">
@@ -14328,7 +14461,7 @@
         </p:nvSpPr>
         <p:spPr>
           <a:xfrm>
-            <a:off x="7098410" y="1745835"/>
+            <a:off x="7055538" y="1539978"/>
             <a:ext cx="2019709" cy="675563"/>
           </a:xfrm>
           <a:prstGeom prst="ellipse">
@@ -14584,7 +14717,7 @@
             </a:r>
             <a:r>
               <a:rPr lang="en-US" sz="1600" u="sng" dirty="0"/>
-              <a:t>customer_id</a:t>
+              <a:t>customer_ID</a:t>
             </a:r>
             <a:r>
               <a:rPr lang="en-US" sz="1600" dirty="0"/>

--- a/Phase I/ER Model.pptx
+++ b/Phase I/ER Model.pptx
@@ -121,7 +121,7 @@
 <file path=ppt/revisionInfo.xml><?xml version="1.0" encoding="utf-8"?>
 <p1510:revInfo xmlns:a="http://schemas.openxmlformats.org/drawingml/2006/main" xmlns:r="http://schemas.openxmlformats.org/officeDocument/2006/relationships" xmlns:p1510="http://schemas.microsoft.com/office/powerpoint/2015/10/main">
   <p1510:revLst>
-    <p1510:client id="{4A7DDA94-6371-42D1-B025-C351617463C0}" v="30" dt="2022-11-10T20:45:32.993"/>
+    <p1510:client id="{4A7DDA94-6371-42D1-B025-C351617463C0}" v="34" dt="2022-11-15T20:48:27.670"/>
   </p1510:revLst>
 </p1510:revInfo>
 </file>
@@ -208,12 +208,12 @@
   <pc:docChgLst>
     <pc:chgData name="Clark Necciai" userId="2d3c143e28508c56" providerId="LiveId" clId="{4A7DDA94-6371-42D1-B025-C351617463C0}"/>
     <pc:docChg chg="undo redo custSel addSld delSld modSld">
-      <pc:chgData name="Clark Necciai" userId="2d3c143e28508c56" providerId="LiveId" clId="{4A7DDA94-6371-42D1-B025-C351617463C0}" dt="2022-11-10T20:46:12.133" v="417" actId="1076"/>
+      <pc:chgData name="Clark Necciai" userId="2d3c143e28508c56" providerId="LiveId" clId="{4A7DDA94-6371-42D1-B025-C351617463C0}" dt="2022-11-15T20:48:49.650" v="462" actId="1076"/>
       <pc:docMkLst>
         <pc:docMk/>
       </pc:docMkLst>
       <pc:sldChg chg="addSp delSp modSp mod">
-        <pc:chgData name="Clark Necciai" userId="2d3c143e28508c56" providerId="LiveId" clId="{4A7DDA94-6371-42D1-B025-C351617463C0}" dt="2022-11-10T20:46:12.133" v="417" actId="1076"/>
+        <pc:chgData name="Clark Necciai" userId="2d3c143e28508c56" providerId="LiveId" clId="{4A7DDA94-6371-42D1-B025-C351617463C0}" dt="2022-11-15T20:48:49.650" v="462" actId="1076"/>
         <pc:sldMkLst>
           <pc:docMk/>
           <pc:sldMk cId="3265300168" sldId="257"/>
@@ -235,7 +235,15 @@
           </ac:spMkLst>
         </pc:spChg>
         <pc:spChg chg="mod">
-          <ac:chgData name="Clark Necciai" userId="2d3c143e28508c56" providerId="LiveId" clId="{4A7DDA94-6371-42D1-B025-C351617463C0}" dt="2022-11-10T20:46:01.696" v="412" actId="1076"/>
+          <ac:chgData name="Clark Necciai" userId="2d3c143e28508c56" providerId="LiveId" clId="{4A7DDA94-6371-42D1-B025-C351617463C0}" dt="2022-11-15T20:48:45.965" v="461" actId="1076"/>
+          <ac:spMkLst>
+            <pc:docMk/>
+            <pc:sldMk cId="3265300168" sldId="257"/>
+            <ac:spMk id="4" creationId="{4A1C037F-862B-DB0E-9BFB-63FF9E935B69}"/>
+          </ac:spMkLst>
+        </pc:spChg>
+        <pc:spChg chg="mod">
+          <ac:chgData name="Clark Necciai" userId="2d3c143e28508c56" providerId="LiveId" clId="{4A7DDA94-6371-42D1-B025-C351617463C0}" dt="2022-11-15T20:46:37.385" v="440" actId="1076"/>
           <ac:spMkLst>
             <pc:docMk/>
             <pc:sldMk cId="3265300168" sldId="257"/>
@@ -267,6 +275,14 @@
           </ac:spMkLst>
         </pc:spChg>
         <pc:spChg chg="add mod">
+          <ac:chgData name="Clark Necciai" userId="2d3c143e28508c56" providerId="LiveId" clId="{4A7DDA94-6371-42D1-B025-C351617463C0}" dt="2022-11-15T20:48:49.650" v="462" actId="1076"/>
+          <ac:spMkLst>
+            <pc:docMk/>
+            <pc:sldMk cId="3265300168" sldId="257"/>
+            <ac:spMk id="26" creationId="{A3212B53-C4ED-22A7-E047-947996D6F31B}"/>
+          </ac:spMkLst>
+        </pc:spChg>
+        <pc:spChg chg="add mod">
           <ac:chgData name="Clark Necciai" userId="2d3c143e28508c56" providerId="LiveId" clId="{4A7DDA94-6371-42D1-B025-C351617463C0}" dt="2022-11-10T15:31:57.378" v="160" actId="1076"/>
           <ac:spMkLst>
             <pc:docMk/>
@@ -290,12 +306,28 @@
             <ac:spMk id="38" creationId="{2A35CB83-1396-AF14-5659-2B120F6AB726}"/>
           </ac:spMkLst>
         </pc:spChg>
+        <pc:spChg chg="add mod">
+          <ac:chgData name="Clark Necciai" userId="2d3c143e28508c56" providerId="LiveId" clId="{4A7DDA94-6371-42D1-B025-C351617463C0}" dt="2022-11-15T20:48:33.287" v="459" actId="1076"/>
+          <ac:spMkLst>
+            <pc:docMk/>
+            <pc:sldMk cId="3265300168" sldId="257"/>
+            <ac:spMk id="59" creationId="{F42B7CD0-D1AD-F100-F90E-9F565A784941}"/>
+          </ac:spMkLst>
+        </pc:spChg>
         <pc:spChg chg="mod">
-          <ac:chgData name="Clark Necciai" userId="2d3c143e28508c56" providerId="LiveId" clId="{4A7DDA94-6371-42D1-B025-C351617463C0}" dt="2022-11-10T20:46:12.133" v="417" actId="1076"/>
+          <ac:chgData name="Clark Necciai" userId="2d3c143e28508c56" providerId="LiveId" clId="{4A7DDA94-6371-42D1-B025-C351617463C0}" dt="2022-11-15T20:45:37.026" v="418" actId="1076"/>
           <ac:spMkLst>
             <pc:docMk/>
             <pc:sldMk cId="3265300168" sldId="257"/>
             <ac:spMk id="194" creationId="{09685404-D215-D3A0-FA4E-3F2AA108597D}"/>
+          </ac:spMkLst>
+        </pc:spChg>
+        <pc:spChg chg="mod">
+          <ac:chgData name="Clark Necciai" userId="2d3c143e28508c56" providerId="LiveId" clId="{4A7DDA94-6371-42D1-B025-C351617463C0}" dt="2022-11-15T20:48:21.576" v="455" actId="1076"/>
+          <ac:spMkLst>
+            <pc:docMk/>
+            <pc:sldMk cId="3265300168" sldId="257"/>
+            <ac:spMk id="234" creationId="{66D19437-939F-5A79-99D5-F72C4DEC4C95}"/>
           </ac:spMkLst>
         </pc:spChg>
         <pc:grpChg chg="add del mod">
@@ -315,7 +347,7 @@
           </ac:grpSpMkLst>
         </pc:grpChg>
         <pc:grpChg chg="mod">
-          <ac:chgData name="Clark Necciai" userId="2d3c143e28508c56" providerId="LiveId" clId="{4A7DDA94-6371-42D1-B025-C351617463C0}" dt="2022-11-10T20:46:08.718" v="416" actId="1076"/>
+          <ac:chgData name="Clark Necciai" userId="2d3c143e28508c56" providerId="LiveId" clId="{4A7DDA94-6371-42D1-B025-C351617463C0}" dt="2022-11-15T20:45:46.359" v="423" actId="1076"/>
           <ac:grpSpMkLst>
             <pc:docMk/>
             <pc:sldMk cId="3265300168" sldId="257"/>
@@ -338,6 +370,22 @@
             <ac:cxnSpMk id="17" creationId="{2908FEA3-3F65-7118-477F-FCEC86E40A39}"/>
           </ac:cxnSpMkLst>
         </pc:cxnChg>
+        <pc:cxnChg chg="mod">
+          <ac:chgData name="Clark Necciai" userId="2d3c143e28508c56" providerId="LiveId" clId="{4A7DDA94-6371-42D1-B025-C351617463C0}" dt="2022-11-15T20:48:45.965" v="461" actId="1076"/>
+          <ac:cxnSpMkLst>
+            <pc:docMk/>
+            <pc:sldMk cId="3265300168" sldId="257"/>
+            <ac:cxnSpMk id="18" creationId="{96707A57-E3A1-652D-76B9-9CC1C91A65A1}"/>
+          </ac:cxnSpMkLst>
+        </pc:cxnChg>
+        <pc:cxnChg chg="add mod">
+          <ac:chgData name="Clark Necciai" userId="2d3c143e28508c56" providerId="LiveId" clId="{4A7DDA94-6371-42D1-B025-C351617463C0}" dt="2022-11-15T20:48:49.650" v="462" actId="1076"/>
+          <ac:cxnSpMkLst>
+            <pc:docMk/>
+            <pc:sldMk cId="3265300168" sldId="257"/>
+            <ac:cxnSpMk id="21" creationId="{CB8EDF73-4625-2318-98A1-F5350A9ADC30}"/>
+          </ac:cxnSpMkLst>
+        </pc:cxnChg>
         <pc:cxnChg chg="add mod">
           <ac:chgData name="Clark Necciai" userId="2d3c143e28508c56" providerId="LiveId" clId="{4A7DDA94-6371-42D1-B025-C351617463C0}" dt="2022-11-10T15:31:55.186" v="159" actId="1076"/>
           <ac:cxnSpMkLst>
@@ -346,8 +394,16 @@
             <ac:cxnSpMk id="22" creationId="{15333F18-1238-FD55-1ED2-22F290DDD873}"/>
           </ac:cxnSpMkLst>
         </pc:cxnChg>
+        <pc:cxnChg chg="del mod">
+          <ac:chgData name="Clark Necciai" userId="2d3c143e28508c56" providerId="LiveId" clId="{4A7DDA94-6371-42D1-B025-C351617463C0}" dt="2022-11-15T20:48:17.990" v="454" actId="478"/>
+          <ac:cxnSpMkLst>
+            <pc:docMk/>
+            <pc:sldMk cId="3265300168" sldId="257"/>
+            <ac:cxnSpMk id="28" creationId="{2A6FC7FD-49B4-CA70-4548-E644A0AE6D58}"/>
+          </ac:cxnSpMkLst>
+        </pc:cxnChg>
         <pc:cxnChg chg="mod">
-          <ac:chgData name="Clark Necciai" userId="2d3c143e28508c56" providerId="LiveId" clId="{4A7DDA94-6371-42D1-B025-C351617463C0}" dt="2022-11-10T20:46:01.696" v="412" actId="1076"/>
+          <ac:chgData name="Clark Necciai" userId="2d3c143e28508c56" providerId="LiveId" clId="{4A7DDA94-6371-42D1-B025-C351617463C0}" dt="2022-11-15T20:46:37.385" v="440" actId="1076"/>
           <ac:cxnSpMkLst>
             <pc:docMk/>
             <pc:sldMk cId="3265300168" sldId="257"/>
@@ -362,8 +418,16 @@
             <ac:cxnSpMk id="31" creationId="{8071CAE8-4D15-C46C-B8FE-2EEA5AF62A13}"/>
           </ac:cxnSpMkLst>
         </pc:cxnChg>
+        <pc:cxnChg chg="add mod">
+          <ac:chgData name="Clark Necciai" userId="2d3c143e28508c56" providerId="LiveId" clId="{4A7DDA94-6371-42D1-B025-C351617463C0}" dt="2022-11-15T20:48:49.650" v="462" actId="1076"/>
+          <ac:cxnSpMkLst>
+            <pc:docMk/>
+            <pc:sldMk cId="3265300168" sldId="257"/>
+            <ac:cxnSpMk id="35" creationId="{64603A7F-42B6-A491-3EE0-BB440D66FBA9}"/>
+          </ac:cxnSpMkLst>
+        </pc:cxnChg>
         <pc:cxnChg chg="mod">
-          <ac:chgData name="Clark Necciai" userId="2d3c143e28508c56" providerId="LiveId" clId="{4A7DDA94-6371-42D1-B025-C351617463C0}" dt="2022-11-10T20:46:12.133" v="417" actId="1076"/>
+          <ac:chgData name="Clark Necciai" userId="2d3c143e28508c56" providerId="LiveId" clId="{4A7DDA94-6371-42D1-B025-C351617463C0}" dt="2022-11-15T20:48:45.965" v="461" actId="1076"/>
           <ac:cxnSpMkLst>
             <pc:docMk/>
             <pc:sldMk cId="3265300168" sldId="257"/>
@@ -371,7 +435,7 @@
           </ac:cxnSpMkLst>
         </pc:cxnChg>
         <pc:cxnChg chg="mod">
-          <ac:chgData name="Clark Necciai" userId="2d3c143e28508c56" providerId="LiveId" clId="{4A7DDA94-6371-42D1-B025-C351617463C0}" dt="2022-11-10T20:46:08.718" v="416" actId="1076"/>
+          <ac:chgData name="Clark Necciai" userId="2d3c143e28508c56" providerId="LiveId" clId="{4A7DDA94-6371-42D1-B025-C351617463C0}" dt="2022-11-15T20:48:45.965" v="461" actId="1076"/>
           <ac:cxnSpMkLst>
             <pc:docMk/>
             <pc:sldMk cId="3265300168" sldId="257"/>
@@ -4422,7 +4486,7 @@
           <a:p>
             <a:fld id="{E0981F5B-2BEF-4D8E-8064-E6D20D34FC04}" type="datetimeFigureOut">
               <a:rPr lang="en-US" smtClean="0"/>
-              <a:t>11/10/2022</a:t>
+              <a:t>11/15/2022</a:t>
             </a:fld>
             <a:endParaRPr lang="en-US"/>
           </a:p>
@@ -4630,7 +4694,7 @@
           <a:p>
             <a:fld id="{E0981F5B-2BEF-4D8E-8064-E6D20D34FC04}" type="datetimeFigureOut">
               <a:rPr lang="en-US" smtClean="0"/>
-              <a:t>11/10/2022</a:t>
+              <a:t>11/15/2022</a:t>
             </a:fld>
             <a:endParaRPr lang="en-US"/>
           </a:p>
@@ -4886,7 +4950,7 @@
           <a:p>
             <a:fld id="{E0981F5B-2BEF-4D8E-8064-E6D20D34FC04}" type="datetimeFigureOut">
               <a:rPr lang="en-US" smtClean="0"/>
-              <a:t>11/10/2022</a:t>
+              <a:t>11/15/2022</a:t>
             </a:fld>
             <a:endParaRPr lang="en-US"/>
           </a:p>
@@ -5060,7 +5124,7 @@
           <a:p>
             <a:fld id="{E0981F5B-2BEF-4D8E-8064-E6D20D34FC04}" type="datetimeFigureOut">
               <a:rPr lang="en-US" smtClean="0"/>
-              <a:t>11/10/2022</a:t>
+              <a:t>11/15/2022</a:t>
             </a:fld>
             <a:endParaRPr lang="en-US"/>
           </a:p>
@@ -5403,7 +5467,7 @@
           <a:p>
             <a:fld id="{E0981F5B-2BEF-4D8E-8064-E6D20D34FC04}" type="datetimeFigureOut">
               <a:rPr lang="en-US" smtClean="0"/>
-              <a:t>11/10/2022</a:t>
+              <a:t>11/15/2022</a:t>
             </a:fld>
             <a:endParaRPr lang="en-US"/>
           </a:p>
@@ -5678,7 +5742,7 @@
           <a:p>
             <a:fld id="{E0981F5B-2BEF-4D8E-8064-E6D20D34FC04}" type="datetimeFigureOut">
               <a:rPr lang="en-US" smtClean="0"/>
-              <a:t>11/10/2022</a:t>
+              <a:t>11/15/2022</a:t>
             </a:fld>
             <a:endParaRPr lang="en-US"/>
           </a:p>
@@ -6057,7 +6121,7 @@
           <a:p>
             <a:fld id="{E0981F5B-2BEF-4D8E-8064-E6D20D34FC04}" type="datetimeFigureOut">
               <a:rPr lang="en-US" smtClean="0"/>
-              <a:t>11/10/2022</a:t>
+              <a:t>11/15/2022</a:t>
             </a:fld>
             <a:endParaRPr lang="en-US"/>
           </a:p>
@@ -6175,7 +6239,7 @@
           <a:p>
             <a:fld id="{E0981F5B-2BEF-4D8E-8064-E6D20D34FC04}" type="datetimeFigureOut">
               <a:rPr lang="en-US" smtClean="0"/>
-              <a:t>11/10/2022</a:t>
+              <a:t>11/15/2022</a:t>
             </a:fld>
             <a:endParaRPr lang="en-US"/>
           </a:p>
@@ -6346,7 +6410,7 @@
           <a:p>
             <a:fld id="{E0981F5B-2BEF-4D8E-8064-E6D20D34FC04}" type="datetimeFigureOut">
               <a:rPr lang="en-US" smtClean="0"/>
-              <a:t>11/10/2022</a:t>
+              <a:t>11/15/2022</a:t>
             </a:fld>
             <a:endParaRPr lang="en-US"/>
           </a:p>
@@ -6700,7 +6764,7 @@
           <a:p>
             <a:fld id="{E0981F5B-2BEF-4D8E-8064-E6D20D34FC04}" type="datetimeFigureOut">
               <a:rPr lang="en-US" smtClean="0"/>
-              <a:t>11/10/2022</a:t>
+              <a:t>11/15/2022</a:t>
             </a:fld>
             <a:endParaRPr lang="en-US"/>
           </a:p>
@@ -7082,7 +7146,7 @@
           <a:p>
             <a:fld id="{E0981F5B-2BEF-4D8E-8064-E6D20D34FC04}" type="datetimeFigureOut">
               <a:rPr lang="en-US" smtClean="0"/>
-              <a:t>11/10/2022</a:t>
+              <a:t>11/15/2022</a:t>
             </a:fld>
             <a:endParaRPr lang="en-US"/>
           </a:p>
@@ -7369,7 +7433,7 @@
           <a:p>
             <a:fld id="{E0981F5B-2BEF-4D8E-8064-E6D20D34FC04}" type="datetimeFigureOut">
               <a:rPr lang="en-US" smtClean="0"/>
-              <a:t>11/10/2022</a:t>
+              <a:t>11/15/2022</a:t>
             </a:fld>
             <a:endParaRPr lang="en-US"/>
           </a:p>
@@ -8056,7 +8120,7 @@
         </p:nvSpPr>
         <p:spPr>
           <a:xfrm>
-            <a:off x="5975674" y="2624376"/>
+            <a:off x="5867110" y="2624856"/>
             <a:ext cx="1863791" cy="830424"/>
           </a:xfrm>
           <a:prstGeom prst="rect">
@@ -8489,53 +8553,8 @@
         </p:nvCxnSpPr>
         <p:spPr>
           <a:xfrm flipH="1">
-            <a:off x="5092914" y="3039588"/>
-            <a:ext cx="882760" cy="12187"/>
-          </a:xfrm>
-          <a:prstGeom prst="line">
-            <a:avLst/>
-          </a:prstGeom>
-          <a:ln w="38100">
-            <a:solidFill>
-              <a:schemeClr val="tx1"/>
-            </a:solidFill>
-          </a:ln>
-        </p:spPr>
-        <p:style>
-          <a:lnRef idx="1">
-            <a:schemeClr val="dk1"/>
-          </a:lnRef>
-          <a:fillRef idx="0">
-            <a:schemeClr val="dk1"/>
-          </a:fillRef>
-          <a:effectRef idx="0">
-            <a:schemeClr val="dk1"/>
-          </a:effectRef>
-          <a:fontRef idx="minor">
-            <a:schemeClr val="tx1"/>
-          </a:fontRef>
-        </p:style>
-      </p:cxnSp>
-      <p:cxnSp>
-        <p:nvCxnSpPr>
-          <p:cNvPr id="28" name="Straight Connector 27">
-            <a:extLst>
-              <a:ext uri="{FF2B5EF4-FFF2-40B4-BE49-F238E27FC236}">
-                <a16:creationId xmlns:a16="http://schemas.microsoft.com/office/drawing/2014/main" id="{2A6FC7FD-49B4-CA70-4548-E644A0AE6D58}"/>
-              </a:ext>
-            </a:extLst>
-          </p:cNvPr>
-          <p:cNvCxnSpPr>
-            <a:cxnSpLocks/>
-            <a:stCxn id="4" idx="0"/>
-            <a:endCxn id="27" idx="2"/>
-          </p:cNvCxnSpPr>
-          <p:nvPr/>
-        </p:nvCxnSpPr>
-        <p:spPr>
-          <a:xfrm flipH="1" flipV="1">
-            <a:off x="6891074" y="1549363"/>
-            <a:ext cx="16496" cy="1075013"/>
+            <a:off x="5092914" y="3040068"/>
+            <a:ext cx="774196" cy="11707"/>
           </a:xfrm>
           <a:prstGeom prst="line">
             <a:avLst/>
@@ -9022,7 +9041,7 @@
         </p:nvSpPr>
         <p:spPr>
           <a:xfrm>
-            <a:off x="9004319" y="1624589"/>
+            <a:off x="9914004" y="2168329"/>
             <a:ext cx="2198946" cy="555227"/>
           </a:xfrm>
           <a:prstGeom prst="ellipse">
@@ -9277,15 +9296,15 @@
           </p:cNvPr>
           <p:cNvCxnSpPr>
             <a:cxnSpLocks/>
-            <a:stCxn id="5" idx="2"/>
-            <a:endCxn id="9" idx="0"/>
+            <a:stCxn id="5" idx="3"/>
+            <a:endCxn id="9" idx="7"/>
           </p:cNvCxnSpPr>
           <p:nvPr/>
         </p:nvCxnSpPr>
         <p:spPr>
-          <a:xfrm>
-            <a:off x="10103792" y="1333457"/>
-            <a:ext cx="0" cy="291132"/>
+          <a:xfrm flipH="1">
+            <a:off x="11790922" y="819108"/>
+            <a:ext cx="6797" cy="1430532"/>
           </a:xfrm>
           <a:prstGeom prst="line">
             <a:avLst/>
@@ -9329,8 +9348,8 @@
         </p:nvCxnSpPr>
         <p:spPr>
           <a:xfrm flipH="1">
-            <a:off x="6891074" y="3454800"/>
-            <a:ext cx="16496" cy="244589"/>
+            <a:off x="6142978" y="3455280"/>
+            <a:ext cx="656028" cy="290103"/>
           </a:xfrm>
           <a:prstGeom prst="line">
             <a:avLst/>
@@ -9367,15 +9386,15 @@
           </p:cNvPr>
           <p:cNvCxnSpPr>
             <a:cxnSpLocks/>
-            <a:stCxn id="4" idx="3"/>
-            <a:endCxn id="196" idx="2"/>
+            <a:stCxn id="4" idx="2"/>
+            <a:endCxn id="196" idx="1"/>
           </p:cNvCxnSpPr>
           <p:nvPr/>
         </p:nvCxnSpPr>
         <p:spPr>
           <a:xfrm>
-            <a:off x="7839465" y="3039588"/>
-            <a:ext cx="676960" cy="0"/>
+            <a:off x="6799006" y="3455280"/>
+            <a:ext cx="687781" cy="307740"/>
           </a:xfrm>
           <a:prstGeom prst="line">
             <a:avLst/>
@@ -9698,7 +9717,7 @@
         </p:nvSpPr>
         <p:spPr>
           <a:xfrm>
-            <a:off x="6126482" y="3699389"/>
+            <a:off x="5378386" y="3745383"/>
             <a:ext cx="1529183" cy="507903"/>
           </a:xfrm>
           <a:prstGeom prst="ellipse">
@@ -9754,7 +9773,7 @@
         </p:nvGrpSpPr>
         <p:grpSpPr>
           <a:xfrm>
-            <a:off x="8516425" y="2785636"/>
+            <a:off x="7254322" y="3688639"/>
             <a:ext cx="1587367" cy="507903"/>
             <a:chOff x="9543722" y="5803912"/>
             <a:chExt cx="1474713" cy="468634"/>
@@ -9902,7 +9921,7 @@
         </p:nvSpPr>
         <p:spPr>
           <a:xfrm>
-            <a:off x="6989272" y="1902203"/>
+            <a:off x="7938138" y="2399343"/>
             <a:ext cx="336952" cy="369332"/>
           </a:xfrm>
           <a:prstGeom prst="rect">
@@ -10295,6 +10314,188 @@
           </a:fontRef>
         </p:style>
       </p:cxnSp>
+      <p:cxnSp>
+        <p:nvCxnSpPr>
+          <p:cNvPr id="21" name="Straight Connector 20">
+            <a:extLst>
+              <a:ext uri="{FF2B5EF4-FFF2-40B4-BE49-F238E27FC236}">
+                <a16:creationId xmlns:a16="http://schemas.microsoft.com/office/drawing/2014/main" id="{CB8EDF73-4625-2318-98A1-F5350A9ADC30}"/>
+              </a:ext>
+            </a:extLst>
+          </p:cNvPr>
+          <p:cNvCxnSpPr>
+            <a:cxnSpLocks/>
+            <a:stCxn id="4" idx="3"/>
+            <a:endCxn id="26" idx="1"/>
+          </p:cNvCxnSpPr>
+          <p:nvPr/>
+        </p:nvCxnSpPr>
+        <p:spPr>
+          <a:xfrm flipV="1">
+            <a:off x="7730901" y="2646022"/>
+            <a:ext cx="603782" cy="394046"/>
+          </a:xfrm>
+          <a:prstGeom prst="line">
+            <a:avLst/>
+          </a:prstGeom>
+          <a:ln w="38100">
+            <a:solidFill>
+              <a:schemeClr val="tx1"/>
+            </a:solidFill>
+          </a:ln>
+        </p:spPr>
+        <p:style>
+          <a:lnRef idx="1">
+            <a:schemeClr val="dk1"/>
+          </a:lnRef>
+          <a:fillRef idx="0">
+            <a:schemeClr val="dk1"/>
+          </a:fillRef>
+          <a:effectRef idx="0">
+            <a:schemeClr val="dk1"/>
+          </a:effectRef>
+          <a:fontRef idx="minor">
+            <a:schemeClr val="tx1"/>
+          </a:fontRef>
+        </p:style>
+      </p:cxnSp>
+      <p:sp>
+        <p:nvSpPr>
+          <p:cNvPr id="26" name="Diamond 25">
+            <a:extLst>
+              <a:ext uri="{FF2B5EF4-FFF2-40B4-BE49-F238E27FC236}">
+                <a16:creationId xmlns:a16="http://schemas.microsoft.com/office/drawing/2014/main" id="{A3212B53-C4ED-22A7-E047-947996D6F31B}"/>
+              </a:ext>
+            </a:extLst>
+          </p:cNvPr>
+          <p:cNvSpPr/>
+          <p:nvPr/>
+        </p:nvSpPr>
+        <p:spPr>
+          <a:xfrm>
+            <a:off x="8334683" y="1913569"/>
+            <a:ext cx="1590148" cy="1464906"/>
+          </a:xfrm>
+          <a:prstGeom prst="diamond">
+            <a:avLst/>
+          </a:prstGeom>
+          <a:solidFill>
+            <a:schemeClr val="accent2"/>
+          </a:solidFill>
+          <a:ln w="38100">
+            <a:solidFill>
+              <a:schemeClr val="tx1"/>
+            </a:solidFill>
+          </a:ln>
+        </p:spPr>
+        <p:style>
+          <a:lnRef idx="2">
+            <a:schemeClr val="accent1">
+              <a:shade val="50000"/>
+            </a:schemeClr>
+          </a:lnRef>
+          <a:fillRef idx="1">
+            <a:schemeClr val="accent1"/>
+          </a:fillRef>
+          <a:effectRef idx="0">
+            <a:schemeClr val="accent1"/>
+          </a:effectRef>
+          <a:fontRef idx="minor">
+            <a:schemeClr val="lt1"/>
+          </a:fontRef>
+        </p:style>
+        <p:txBody>
+          <a:bodyPr rtlCol="0" anchor="ctr"/>
+          <a:lstStyle/>
+          <a:p>
+            <a:pPr algn="ctr"/>
+            <a:r>
+              <a:rPr lang="en-US" sz="1000" dirty="0"/>
+              <a:t>Carries</a:t>
+            </a:r>
+          </a:p>
+        </p:txBody>
+      </p:sp>
+      <p:cxnSp>
+        <p:nvCxnSpPr>
+          <p:cNvPr id="35" name="Straight Connector 34">
+            <a:extLst>
+              <a:ext uri="{FF2B5EF4-FFF2-40B4-BE49-F238E27FC236}">
+                <a16:creationId xmlns:a16="http://schemas.microsoft.com/office/drawing/2014/main" id="{64603A7F-42B6-A491-3EE0-BB440D66FBA9}"/>
+              </a:ext>
+            </a:extLst>
+          </p:cNvPr>
+          <p:cNvCxnSpPr>
+            <a:cxnSpLocks/>
+            <a:stCxn id="26" idx="0"/>
+            <a:endCxn id="5" idx="2"/>
+          </p:cNvCxnSpPr>
+          <p:nvPr/>
+        </p:nvCxnSpPr>
+        <p:spPr>
+          <a:xfrm flipV="1">
+            <a:off x="9129757" y="1333457"/>
+            <a:ext cx="974035" cy="580112"/>
+          </a:xfrm>
+          <a:prstGeom prst="line">
+            <a:avLst/>
+          </a:prstGeom>
+          <a:ln w="38100" cmpd="dbl">
+            <a:solidFill>
+              <a:schemeClr val="tx1"/>
+            </a:solidFill>
+          </a:ln>
+        </p:spPr>
+        <p:style>
+          <a:lnRef idx="1">
+            <a:schemeClr val="dk1"/>
+          </a:lnRef>
+          <a:fillRef idx="0">
+            <a:schemeClr val="dk1"/>
+          </a:fillRef>
+          <a:effectRef idx="0">
+            <a:schemeClr val="dk1"/>
+          </a:effectRef>
+          <a:fontRef idx="minor">
+            <a:schemeClr val="tx1"/>
+          </a:fontRef>
+        </p:style>
+      </p:cxnSp>
+      <p:sp>
+        <p:nvSpPr>
+          <p:cNvPr id="59" name="TextBox 58">
+            <a:extLst>
+              <a:ext uri="{FF2B5EF4-FFF2-40B4-BE49-F238E27FC236}">
+                <a16:creationId xmlns:a16="http://schemas.microsoft.com/office/drawing/2014/main" id="{F42B7CD0-D1AD-F100-F90E-9F565A784941}"/>
+              </a:ext>
+            </a:extLst>
+          </p:cNvPr>
+          <p:cNvSpPr txBox="1"/>
+          <p:nvPr/>
+        </p:nvSpPr>
+        <p:spPr>
+          <a:xfrm>
+            <a:off x="9031281" y="1502951"/>
+            <a:ext cx="292068" cy="369332"/>
+          </a:xfrm>
+          <a:prstGeom prst="rect">
+            <a:avLst/>
+          </a:prstGeom>
+          <a:noFill/>
+        </p:spPr>
+        <p:txBody>
+          <a:bodyPr wrap="none" rtlCol="0">
+            <a:spAutoFit/>
+          </a:bodyPr>
+          <a:lstStyle/>
+          <a:p>
+            <a:r>
+              <a:rPr lang="en-US" dirty="0"/>
+              <a:t>Z</a:t>
+            </a:r>
+          </a:p>
+        </p:txBody>
+      </p:sp>
     </p:spTree>
     <p:extLst>
       <p:ext uri="{BB962C8B-B14F-4D97-AF65-F5344CB8AC3E}">

--- a/Phase I/ER Model.pptx
+++ b/Phase I/ER Model.pptx
@@ -121,7 +121,7 @@
 <file path=ppt/revisionInfo.xml><?xml version="1.0" encoding="utf-8"?>
 <p1510:revInfo xmlns:a="http://schemas.openxmlformats.org/drawingml/2006/main" xmlns:r="http://schemas.openxmlformats.org/officeDocument/2006/relationships" xmlns:p1510="http://schemas.microsoft.com/office/powerpoint/2015/10/main">
   <p1510:revLst>
-    <p1510:client id="{4A7DDA94-6371-42D1-B025-C351617463C0}" v="34" dt="2022-11-15T20:48:27.670"/>
+    <p1510:client id="{3702DADB-023C-45AA-BE49-595FA9D5C0EA}" v="2" dt="2022-11-24T14:36:14.666"/>
   </p1510:revLst>
 </p1510:revInfo>
 </file>
@@ -1560,6 +1560,53 @@
             <pc:docMk/>
             <pc:sldMk cId="804916847" sldId="262"/>
             <ac:cxnSpMk id="17" creationId="{05C61E30-9BFD-8251-939D-2662AE0E24B5}"/>
+          </ac:cxnSpMkLst>
+        </pc:cxnChg>
+      </pc:sldChg>
+    </pc:docChg>
+  </pc:docChgLst>
+  <pc:docChgLst>
+    <pc:chgData name="Parmanto, Dharma" userId="4f9a10d7-3858-4ebd-b991-a7b30feaabcd" providerId="ADAL" clId="{3702DADB-023C-45AA-BE49-595FA9D5C0EA}"/>
+    <pc:docChg chg="custSel modSld">
+      <pc:chgData name="Parmanto, Dharma" userId="4f9a10d7-3858-4ebd-b991-a7b30feaabcd" providerId="ADAL" clId="{3702DADB-023C-45AA-BE49-595FA9D5C0EA}" dt="2022-11-24T14:36:30.604" v="17" actId="14100"/>
+      <pc:docMkLst>
+        <pc:docMk/>
+      </pc:docMkLst>
+      <pc:sldChg chg="modSp mod">
+        <pc:chgData name="Parmanto, Dharma" userId="4f9a10d7-3858-4ebd-b991-a7b30feaabcd" providerId="ADAL" clId="{3702DADB-023C-45AA-BE49-595FA9D5C0EA}" dt="2022-11-24T14:35:39.721" v="2" actId="1076"/>
+        <pc:sldMkLst>
+          <pc:docMk/>
+          <pc:sldMk cId="3265300168" sldId="257"/>
+        </pc:sldMkLst>
+        <pc:spChg chg="mod">
+          <ac:chgData name="Parmanto, Dharma" userId="4f9a10d7-3858-4ebd-b991-a7b30feaabcd" providerId="ADAL" clId="{3702DADB-023C-45AA-BE49-595FA9D5C0EA}" dt="2022-11-24T14:35:39.721" v="2" actId="1076"/>
+          <ac:spMkLst>
+            <pc:docMk/>
+            <pc:sldMk cId="3265300168" sldId="257"/>
+            <ac:spMk id="36" creationId="{C5183DD8-AD63-135F-B551-46B5334C36D5}"/>
+          </ac:spMkLst>
+        </pc:spChg>
+      </pc:sldChg>
+      <pc:sldChg chg="addSp modSp mod">
+        <pc:chgData name="Parmanto, Dharma" userId="4f9a10d7-3858-4ebd-b991-a7b30feaabcd" providerId="ADAL" clId="{3702DADB-023C-45AA-BE49-595FA9D5C0EA}" dt="2022-11-24T14:36:30.604" v="17" actId="14100"/>
+        <pc:sldMkLst>
+          <pc:docMk/>
+          <pc:sldMk cId="804916847" sldId="262"/>
+        </pc:sldMkLst>
+        <pc:spChg chg="add mod">
+          <ac:chgData name="Parmanto, Dharma" userId="4f9a10d7-3858-4ebd-b991-a7b30feaabcd" providerId="ADAL" clId="{3702DADB-023C-45AA-BE49-595FA9D5C0EA}" dt="2022-11-24T14:36:22.826" v="14" actId="1076"/>
+          <ac:spMkLst>
+            <pc:docMk/>
+            <pc:sldMk cId="804916847" sldId="262"/>
+            <ac:spMk id="5" creationId="{AFB70D9D-DB7C-F7F8-2493-5454F4EBD029}"/>
+          </ac:spMkLst>
+        </pc:spChg>
+        <pc:cxnChg chg="add mod">
+          <ac:chgData name="Parmanto, Dharma" userId="4f9a10d7-3858-4ebd-b991-a7b30feaabcd" providerId="ADAL" clId="{3702DADB-023C-45AA-BE49-595FA9D5C0EA}" dt="2022-11-24T14:36:30.604" v="17" actId="14100"/>
+          <ac:cxnSpMkLst>
+            <pc:docMk/>
+            <pc:sldMk cId="804916847" sldId="262"/>
+            <ac:cxnSpMk id="6" creationId="{ABE47B3D-9042-53EB-4273-E067525DFCDC}"/>
           </ac:cxnSpMkLst>
         </pc:cxnChg>
       </pc:sldChg>
@@ -4486,7 +4533,7 @@
           <a:p>
             <a:fld id="{E0981F5B-2BEF-4D8E-8064-E6D20D34FC04}" type="datetimeFigureOut">
               <a:rPr lang="en-US" smtClean="0"/>
-              <a:t>11/15/2022</a:t>
+              <a:t>11/24/2022</a:t>
             </a:fld>
             <a:endParaRPr lang="en-US"/>
           </a:p>
@@ -4694,7 +4741,7 @@
           <a:p>
             <a:fld id="{E0981F5B-2BEF-4D8E-8064-E6D20D34FC04}" type="datetimeFigureOut">
               <a:rPr lang="en-US" smtClean="0"/>
-              <a:t>11/15/2022</a:t>
+              <a:t>11/24/2022</a:t>
             </a:fld>
             <a:endParaRPr lang="en-US"/>
           </a:p>
@@ -4950,7 +4997,7 @@
           <a:p>
             <a:fld id="{E0981F5B-2BEF-4D8E-8064-E6D20D34FC04}" type="datetimeFigureOut">
               <a:rPr lang="en-US" smtClean="0"/>
-              <a:t>11/15/2022</a:t>
+              <a:t>11/24/2022</a:t>
             </a:fld>
             <a:endParaRPr lang="en-US"/>
           </a:p>
@@ -5124,7 +5171,7 @@
           <a:p>
             <a:fld id="{E0981F5B-2BEF-4D8E-8064-E6D20D34FC04}" type="datetimeFigureOut">
               <a:rPr lang="en-US" smtClean="0"/>
-              <a:t>11/15/2022</a:t>
+              <a:t>11/24/2022</a:t>
             </a:fld>
             <a:endParaRPr lang="en-US"/>
           </a:p>
@@ -5467,7 +5514,7 @@
           <a:p>
             <a:fld id="{E0981F5B-2BEF-4D8E-8064-E6D20D34FC04}" type="datetimeFigureOut">
               <a:rPr lang="en-US" smtClean="0"/>
-              <a:t>11/15/2022</a:t>
+              <a:t>11/24/2022</a:t>
             </a:fld>
             <a:endParaRPr lang="en-US"/>
           </a:p>
@@ -5742,7 +5789,7 @@
           <a:p>
             <a:fld id="{E0981F5B-2BEF-4D8E-8064-E6D20D34FC04}" type="datetimeFigureOut">
               <a:rPr lang="en-US" smtClean="0"/>
-              <a:t>11/15/2022</a:t>
+              <a:t>11/24/2022</a:t>
             </a:fld>
             <a:endParaRPr lang="en-US"/>
           </a:p>
@@ -6121,7 +6168,7 @@
           <a:p>
             <a:fld id="{E0981F5B-2BEF-4D8E-8064-E6D20D34FC04}" type="datetimeFigureOut">
               <a:rPr lang="en-US" smtClean="0"/>
-              <a:t>11/15/2022</a:t>
+              <a:t>11/24/2022</a:t>
             </a:fld>
             <a:endParaRPr lang="en-US"/>
           </a:p>
@@ -6239,7 +6286,7 @@
           <a:p>
             <a:fld id="{E0981F5B-2BEF-4D8E-8064-E6D20D34FC04}" type="datetimeFigureOut">
               <a:rPr lang="en-US" smtClean="0"/>
-              <a:t>11/15/2022</a:t>
+              <a:t>11/24/2022</a:t>
             </a:fld>
             <a:endParaRPr lang="en-US"/>
           </a:p>
@@ -6410,7 +6457,7 @@
           <a:p>
             <a:fld id="{E0981F5B-2BEF-4D8E-8064-E6D20D34FC04}" type="datetimeFigureOut">
               <a:rPr lang="en-US" smtClean="0"/>
-              <a:t>11/15/2022</a:t>
+              <a:t>11/24/2022</a:t>
             </a:fld>
             <a:endParaRPr lang="en-US"/>
           </a:p>
@@ -6764,7 +6811,7 @@
           <a:p>
             <a:fld id="{E0981F5B-2BEF-4D8E-8064-E6D20D34FC04}" type="datetimeFigureOut">
               <a:rPr lang="en-US" smtClean="0"/>
-              <a:t>11/15/2022</a:t>
+              <a:t>11/24/2022</a:t>
             </a:fld>
             <a:endParaRPr lang="en-US"/>
           </a:p>
@@ -7146,7 +7193,7 @@
           <a:p>
             <a:fld id="{E0981F5B-2BEF-4D8E-8064-E6D20D34FC04}" type="datetimeFigureOut">
               <a:rPr lang="en-US" smtClean="0"/>
-              <a:t>11/15/2022</a:t>
+              <a:t>11/24/2022</a:t>
             </a:fld>
             <a:endParaRPr lang="en-US"/>
           </a:p>
@@ -7433,7 +7480,7 @@
           <a:p>
             <a:fld id="{E0981F5B-2BEF-4D8E-8064-E6D20D34FC04}" type="datetimeFigureOut">
               <a:rPr lang="en-US" smtClean="0"/>
-              <a:t>11/15/2022</a:t>
+              <a:t>11/24/2022</a:t>
             </a:fld>
             <a:endParaRPr lang="en-US"/>
           </a:p>
@@ -10157,8 +10204,8 @@
         </p:nvSpPr>
         <p:spPr>
           <a:xfrm>
-            <a:off x="6211436" y="4798638"/>
-            <a:ext cx="301686" cy="369332"/>
+            <a:off x="6096143" y="4772875"/>
+            <a:ext cx="340158" cy="369332"/>
           </a:xfrm>
           <a:prstGeom prst="rect">
             <a:avLst/>
@@ -10173,7 +10220,7 @@
           <a:p>
             <a:r>
               <a:rPr lang="en-US" dirty="0"/>
-              <a:t>1</a:t>
+              <a:t>Q</a:t>
             </a:r>
           </a:p>
         </p:txBody>
@@ -14709,6 +14756,116 @@
           </a:p>
         </p:txBody>
       </p:sp>
+      <p:sp>
+        <p:nvSpPr>
+          <p:cNvPr id="5" name="Oval 4">
+            <a:extLst>
+              <a:ext uri="{FF2B5EF4-FFF2-40B4-BE49-F238E27FC236}">
+                <a16:creationId xmlns:a16="http://schemas.microsoft.com/office/drawing/2014/main" id="{AFB70D9D-DB7C-F7F8-2493-5454F4EBD029}"/>
+              </a:ext>
+            </a:extLst>
+          </p:cNvPr>
+          <p:cNvSpPr/>
+          <p:nvPr/>
+        </p:nvSpPr>
+        <p:spPr>
+          <a:xfrm>
+            <a:off x="6439745" y="309458"/>
+            <a:ext cx="2019709" cy="675563"/>
+          </a:xfrm>
+          <a:prstGeom prst="ellipse">
+            <a:avLst/>
+          </a:prstGeom>
+          <a:solidFill>
+            <a:schemeClr val="bg1"/>
+          </a:solidFill>
+          <a:ln>
+            <a:solidFill>
+              <a:schemeClr val="tx1"/>
+            </a:solidFill>
+          </a:ln>
+        </p:spPr>
+        <p:style>
+          <a:lnRef idx="2">
+            <a:schemeClr val="accent1">
+              <a:shade val="50000"/>
+            </a:schemeClr>
+          </a:lnRef>
+          <a:fillRef idx="1">
+            <a:schemeClr val="accent1"/>
+          </a:fillRef>
+          <a:effectRef idx="0">
+            <a:schemeClr val="accent1"/>
+          </a:effectRef>
+          <a:fontRef idx="minor">
+            <a:schemeClr val="lt1"/>
+          </a:fontRef>
+        </p:style>
+        <p:txBody>
+          <a:bodyPr rtlCol="0" anchor="ctr"/>
+          <a:lstStyle/>
+          <a:p>
+            <a:pPr algn="ctr"/>
+            <a:r>
+              <a:rPr lang="en-US" dirty="0" err="1">
+                <a:solidFill>
+                  <a:schemeClr val="tx1"/>
+                </a:solidFill>
+              </a:rPr>
+              <a:t>level_id</a:t>
+            </a:r>
+            <a:endParaRPr lang="en-US" dirty="0">
+              <a:solidFill>
+                <a:schemeClr val="tx1"/>
+              </a:solidFill>
+            </a:endParaRPr>
+          </a:p>
+        </p:txBody>
+      </p:sp>
+      <p:cxnSp>
+        <p:nvCxnSpPr>
+          <p:cNvPr id="6" name="Straight Connector 5">
+            <a:extLst>
+              <a:ext uri="{FF2B5EF4-FFF2-40B4-BE49-F238E27FC236}">
+                <a16:creationId xmlns:a16="http://schemas.microsoft.com/office/drawing/2014/main" id="{ABE47B3D-9042-53EB-4273-E067525DFCDC}"/>
+              </a:ext>
+            </a:extLst>
+          </p:cNvPr>
+          <p:cNvCxnSpPr>
+            <a:cxnSpLocks/>
+            <a:stCxn id="5" idx="5"/>
+          </p:cNvCxnSpPr>
+          <p:nvPr/>
+        </p:nvCxnSpPr>
+        <p:spPr>
+          <a:xfrm>
+            <a:off x="8163674" y="886087"/>
+            <a:ext cx="672159" cy="66713"/>
+          </a:xfrm>
+          <a:prstGeom prst="line">
+            <a:avLst/>
+          </a:prstGeom>
+          <a:ln w="38100">
+            <a:solidFill>
+              <a:schemeClr val="tx1"/>
+            </a:solidFill>
+          </a:ln>
+        </p:spPr>
+        <p:style>
+          <a:lnRef idx="1">
+            <a:schemeClr val="dk1"/>
+          </a:lnRef>
+          <a:fillRef idx="0">
+            <a:schemeClr val="dk1"/>
+          </a:fillRef>
+          <a:effectRef idx="0">
+            <a:schemeClr val="dk1"/>
+          </a:effectRef>
+          <a:fontRef idx="minor">
+            <a:schemeClr val="tx1"/>
+          </a:fontRef>
+        </p:style>
+      </p:cxnSp>
     </p:spTree>
     <p:extLst>
       <p:ext uri="{BB962C8B-B14F-4D97-AF65-F5344CB8AC3E}">

--- a/Phase I/ER Model.pptx
+++ b/Phase I/ER Model.pptx
@@ -121,7 +121,7 @@
 <file path=ppt/revisionInfo.xml><?xml version="1.0" encoding="utf-8"?>
 <p1510:revInfo xmlns:a="http://schemas.openxmlformats.org/drawingml/2006/main" xmlns:r="http://schemas.openxmlformats.org/officeDocument/2006/relationships" xmlns:p1510="http://schemas.microsoft.com/office/powerpoint/2015/10/main">
   <p1510:revLst>
-    <p1510:client id="{3702DADB-023C-45AA-BE49-595FA9D5C0EA}" v="2" dt="2022-11-24T14:36:14.666"/>
+    <p1510:client id="{FDCC823D-83BF-4529-845A-3B7882525FFA}" v="5" dt="2022-11-29T14:36:48.152"/>
   </p1510:revLst>
 </p1510:revInfo>
 </file>
@@ -1607,6 +1607,155 @@
             <pc:docMk/>
             <pc:sldMk cId="804916847" sldId="262"/>
             <ac:cxnSpMk id="6" creationId="{ABE47B3D-9042-53EB-4273-E067525DFCDC}"/>
+          </ac:cxnSpMkLst>
+        </pc:cxnChg>
+      </pc:sldChg>
+    </pc:docChg>
+  </pc:docChgLst>
+  <pc:docChgLst>
+    <pc:chgData name="Clark Necciai" userId="2d3c143e28508c56" providerId="LiveId" clId="{FDCC823D-83BF-4529-845A-3B7882525FFA}"/>
+    <pc:docChg chg="undo custSel modSld">
+      <pc:chgData name="Clark Necciai" userId="2d3c143e28508c56" providerId="LiveId" clId="{FDCC823D-83BF-4529-845A-3B7882525FFA}" dt="2022-11-29T15:15:06.978" v="798" actId="20577"/>
+      <pc:docMkLst>
+        <pc:docMk/>
+      </pc:docMkLst>
+      <pc:sldChg chg="modSp mod">
+        <pc:chgData name="Clark Necciai" userId="2d3c143e28508c56" providerId="LiveId" clId="{FDCC823D-83BF-4529-845A-3B7882525FFA}" dt="2022-11-29T15:04:29.796" v="766" actId="1076"/>
+        <pc:sldMkLst>
+          <pc:docMk/>
+          <pc:sldMk cId="3265300168" sldId="257"/>
+        </pc:sldMkLst>
+        <pc:spChg chg="mod">
+          <ac:chgData name="Clark Necciai" userId="2d3c143e28508c56" providerId="LiveId" clId="{FDCC823D-83BF-4529-845A-3B7882525FFA}" dt="2022-11-29T14:36:03.786" v="41"/>
+          <ac:spMkLst>
+            <pc:docMk/>
+            <pc:sldMk cId="3265300168" sldId="257"/>
+            <ac:spMk id="2" creationId="{FC7451FD-3E1D-975B-3DF1-6A341AA68BFB}"/>
+          </ac:spMkLst>
+        </pc:spChg>
+        <pc:spChg chg="mod">
+          <ac:chgData name="Clark Necciai" userId="2d3c143e28508c56" providerId="LiveId" clId="{FDCC823D-83BF-4529-845A-3B7882525FFA}" dt="2022-11-29T15:04:29.796" v="766" actId="1076"/>
+          <ac:spMkLst>
+            <pc:docMk/>
+            <pc:sldMk cId="3265300168" sldId="257"/>
+            <ac:spMk id="15" creationId="{D9276FFC-6D66-3754-9235-4F5C6C65E24F}"/>
+          </ac:spMkLst>
+        </pc:spChg>
+        <pc:cxnChg chg="mod">
+          <ac:chgData name="Clark Necciai" userId="2d3c143e28508c56" providerId="LiveId" clId="{FDCC823D-83BF-4529-845A-3B7882525FFA}" dt="2022-11-29T15:04:29.796" v="766" actId="1076"/>
+          <ac:cxnSpMkLst>
+            <pc:docMk/>
+            <pc:sldMk cId="3265300168" sldId="257"/>
+            <ac:cxnSpMk id="23" creationId="{64285A40-F14E-4ABF-6413-52C56A46E9D6}"/>
+          </ac:cxnSpMkLst>
+        </pc:cxnChg>
+      </pc:sldChg>
+      <pc:sldChg chg="modSp mod">
+        <pc:chgData name="Clark Necciai" userId="2d3c143e28508c56" providerId="LiveId" clId="{FDCC823D-83BF-4529-845A-3B7882525FFA}" dt="2022-11-29T14:53:39.393" v="765" actId="27636"/>
+        <pc:sldMkLst>
+          <pc:docMk/>
+          <pc:sldMk cId="1871788821" sldId="260"/>
+        </pc:sldMkLst>
+        <pc:spChg chg="mod">
+          <ac:chgData name="Clark Necciai" userId="2d3c143e28508c56" providerId="LiveId" clId="{FDCC823D-83BF-4529-845A-3B7882525FFA}" dt="2022-11-29T14:53:39.393" v="765" actId="27636"/>
+          <ac:spMkLst>
+            <pc:docMk/>
+            <pc:sldMk cId="1871788821" sldId="260"/>
+            <ac:spMk id="3" creationId="{59C44DD6-9389-6B4C-6D7C-CE926EF1EED2}"/>
+          </ac:spMkLst>
+        </pc:spChg>
+      </pc:sldChg>
+      <pc:sldChg chg="modSp mod">
+        <pc:chgData name="Clark Necciai" userId="2d3c143e28508c56" providerId="LiveId" clId="{FDCC823D-83BF-4529-845A-3B7882525FFA}" dt="2022-11-29T15:15:06.978" v="798" actId="20577"/>
+        <pc:sldMkLst>
+          <pc:docMk/>
+          <pc:sldMk cId="298272431" sldId="261"/>
+        </pc:sldMkLst>
+        <pc:spChg chg="mod">
+          <ac:chgData name="Clark Necciai" userId="2d3c143e28508c56" providerId="LiveId" clId="{FDCC823D-83BF-4529-845A-3B7882525FFA}" dt="2022-11-29T15:15:06.978" v="798" actId="20577"/>
+          <ac:spMkLst>
+            <pc:docMk/>
+            <pc:sldMk cId="298272431" sldId="261"/>
+            <ac:spMk id="14" creationId="{78A00FC0-0405-9527-02BB-751FA92154E5}"/>
+          </ac:spMkLst>
+        </pc:spChg>
+        <pc:spChg chg="mod">
+          <ac:chgData name="Clark Necciai" userId="2d3c143e28508c56" providerId="LiveId" clId="{FDCC823D-83BF-4529-845A-3B7882525FFA}" dt="2022-11-29T15:11:42.209" v="787" actId="404"/>
+          <ac:spMkLst>
+            <pc:docMk/>
+            <pc:sldMk cId="298272431" sldId="261"/>
+            <ac:spMk id="15" creationId="{645AFB24-AF41-6A9E-0A67-ADDB00DBC052}"/>
+          </ac:spMkLst>
+        </pc:spChg>
+      </pc:sldChg>
+      <pc:sldChg chg="addSp delSp modSp mod">
+        <pc:chgData name="Clark Necciai" userId="2d3c143e28508c56" providerId="LiveId" clId="{FDCC823D-83BF-4529-845A-3B7882525FFA}" dt="2022-11-29T15:15:01.307" v="793" actId="20577"/>
+        <pc:sldMkLst>
+          <pc:docMk/>
+          <pc:sldMk cId="804916847" sldId="262"/>
+        </pc:sldMkLst>
+        <pc:spChg chg="mod">
+          <ac:chgData name="Clark Necciai" userId="2d3c143e28508c56" providerId="LiveId" clId="{FDCC823D-83BF-4529-845A-3B7882525FFA}" dt="2022-11-29T15:04:51.230" v="769" actId="1076"/>
+          <ac:spMkLst>
+            <pc:docMk/>
+            <pc:sldMk cId="804916847" sldId="262"/>
+            <ac:spMk id="5" creationId="{AFB70D9D-DB7C-F7F8-2493-5454F4EBD029}"/>
+          </ac:spMkLst>
+        </pc:spChg>
+        <pc:spChg chg="add del mod">
+          <ac:chgData name="Clark Necciai" userId="2d3c143e28508c56" providerId="LiveId" clId="{FDCC823D-83BF-4529-845A-3B7882525FFA}" dt="2022-11-29T14:36:09.507" v="42" actId="478"/>
+          <ac:spMkLst>
+            <pc:docMk/>
+            <pc:sldMk cId="804916847" sldId="262"/>
+            <ac:spMk id="12" creationId="{24DC28E6-9DCB-0D2B-94CA-6E65B7B980C9}"/>
+          </ac:spMkLst>
+        </pc:spChg>
+        <pc:spChg chg="mod">
+          <ac:chgData name="Clark Necciai" userId="2d3c143e28508c56" providerId="LiveId" clId="{FDCC823D-83BF-4529-845A-3B7882525FFA}" dt="2022-11-29T15:04:54.941" v="771" actId="1076"/>
+          <ac:spMkLst>
+            <pc:docMk/>
+            <pc:sldMk cId="804916847" sldId="262"/>
+            <ac:spMk id="47" creationId="{1C687A2B-D75D-CD26-4B3B-8F77663D1073}"/>
+          </ac:spMkLst>
+        </pc:spChg>
+        <pc:spChg chg="mod">
+          <ac:chgData name="Clark Necciai" userId="2d3c143e28508c56" providerId="LiveId" clId="{FDCC823D-83BF-4529-845A-3B7882525FFA}" dt="2022-11-29T15:15:01.307" v="793" actId="20577"/>
+          <ac:spMkLst>
+            <pc:docMk/>
+            <pc:sldMk cId="804916847" sldId="262"/>
+            <ac:spMk id="49" creationId="{1713136E-260E-2057-5ACA-9ADC9B6BFE22}"/>
+          </ac:spMkLst>
+        </pc:spChg>
+        <pc:cxnChg chg="mod">
+          <ac:chgData name="Clark Necciai" userId="2d3c143e28508c56" providerId="LiveId" clId="{FDCC823D-83BF-4529-845A-3B7882525FFA}" dt="2022-11-29T15:04:51.230" v="769" actId="1076"/>
+          <ac:cxnSpMkLst>
+            <pc:docMk/>
+            <pc:sldMk cId="804916847" sldId="262"/>
+            <ac:cxnSpMk id="6" creationId="{ABE47B3D-9042-53EB-4273-E067525DFCDC}"/>
+          </ac:cxnSpMkLst>
+        </pc:cxnChg>
+        <pc:cxnChg chg="add del mod">
+          <ac:chgData name="Clark Necciai" userId="2d3c143e28508c56" providerId="LiveId" clId="{FDCC823D-83BF-4529-845A-3B7882525FFA}" dt="2022-11-29T14:36:10.762" v="43" actId="478"/>
+          <ac:cxnSpMkLst>
+            <pc:docMk/>
+            <pc:sldMk cId="804916847" sldId="262"/>
+            <ac:cxnSpMk id="15" creationId="{523997AD-C9B0-D0BB-B9FC-C7A264B79810}"/>
+          </ac:cxnSpMkLst>
+        </pc:cxnChg>
+        <pc:cxnChg chg="mod">
+          <ac:chgData name="Clark Necciai" userId="2d3c143e28508c56" providerId="LiveId" clId="{FDCC823D-83BF-4529-845A-3B7882525FFA}" dt="2022-11-29T15:04:52.663" v="770" actId="1076"/>
+          <ac:cxnSpMkLst>
+            <pc:docMk/>
+            <pc:sldMk cId="804916847" sldId="262"/>
+            <ac:cxnSpMk id="43" creationId="{826938B7-2B4A-6E6D-7BCA-D9A22D590929}"/>
+          </ac:cxnSpMkLst>
+        </pc:cxnChg>
+        <pc:cxnChg chg="mod">
+          <ac:chgData name="Clark Necciai" userId="2d3c143e28508c56" providerId="LiveId" clId="{FDCC823D-83BF-4529-845A-3B7882525FFA}" dt="2022-11-29T15:04:54.941" v="771" actId="1076"/>
+          <ac:cxnSpMkLst>
+            <pc:docMk/>
+            <pc:sldMk cId="804916847" sldId="262"/>
+            <ac:cxnSpMk id="45" creationId="{8924DA3C-A942-D568-B5DA-2D5804E66ABC}"/>
           </ac:cxnSpMkLst>
         </pc:cxnChg>
       </pc:sldChg>
@@ -4533,7 +4682,7 @@
           <a:p>
             <a:fld id="{E0981F5B-2BEF-4D8E-8064-E6D20D34FC04}" type="datetimeFigureOut">
               <a:rPr lang="en-US" smtClean="0"/>
-              <a:t>11/24/2022</a:t>
+              <a:t>11/29/2022</a:t>
             </a:fld>
             <a:endParaRPr lang="en-US"/>
           </a:p>
@@ -4741,7 +4890,7 @@
           <a:p>
             <a:fld id="{E0981F5B-2BEF-4D8E-8064-E6D20D34FC04}" type="datetimeFigureOut">
               <a:rPr lang="en-US" smtClean="0"/>
-              <a:t>11/24/2022</a:t>
+              <a:t>11/29/2022</a:t>
             </a:fld>
             <a:endParaRPr lang="en-US"/>
           </a:p>
@@ -4997,7 +5146,7 @@
           <a:p>
             <a:fld id="{E0981F5B-2BEF-4D8E-8064-E6D20D34FC04}" type="datetimeFigureOut">
               <a:rPr lang="en-US" smtClean="0"/>
-              <a:t>11/24/2022</a:t>
+              <a:t>11/29/2022</a:t>
             </a:fld>
             <a:endParaRPr lang="en-US"/>
           </a:p>
@@ -5171,7 +5320,7 @@
           <a:p>
             <a:fld id="{E0981F5B-2BEF-4D8E-8064-E6D20D34FC04}" type="datetimeFigureOut">
               <a:rPr lang="en-US" smtClean="0"/>
-              <a:t>11/24/2022</a:t>
+              <a:t>11/29/2022</a:t>
             </a:fld>
             <a:endParaRPr lang="en-US"/>
           </a:p>
@@ -5514,7 +5663,7 @@
           <a:p>
             <a:fld id="{E0981F5B-2BEF-4D8E-8064-E6D20D34FC04}" type="datetimeFigureOut">
               <a:rPr lang="en-US" smtClean="0"/>
-              <a:t>11/24/2022</a:t>
+              <a:t>11/29/2022</a:t>
             </a:fld>
             <a:endParaRPr lang="en-US"/>
           </a:p>
@@ -5789,7 +5938,7 @@
           <a:p>
             <a:fld id="{E0981F5B-2BEF-4D8E-8064-E6D20D34FC04}" type="datetimeFigureOut">
               <a:rPr lang="en-US" smtClean="0"/>
-              <a:t>11/24/2022</a:t>
+              <a:t>11/29/2022</a:t>
             </a:fld>
             <a:endParaRPr lang="en-US"/>
           </a:p>
@@ -6168,7 +6317,7 @@
           <a:p>
             <a:fld id="{E0981F5B-2BEF-4D8E-8064-E6D20D34FC04}" type="datetimeFigureOut">
               <a:rPr lang="en-US" smtClean="0"/>
-              <a:t>11/24/2022</a:t>
+              <a:t>11/29/2022</a:t>
             </a:fld>
             <a:endParaRPr lang="en-US"/>
           </a:p>
@@ -6286,7 +6435,7 @@
           <a:p>
             <a:fld id="{E0981F5B-2BEF-4D8E-8064-E6D20D34FC04}" type="datetimeFigureOut">
               <a:rPr lang="en-US" smtClean="0"/>
-              <a:t>11/24/2022</a:t>
+              <a:t>11/29/2022</a:t>
             </a:fld>
             <a:endParaRPr lang="en-US"/>
           </a:p>
@@ -6457,7 +6606,7 @@
           <a:p>
             <a:fld id="{E0981F5B-2BEF-4D8E-8064-E6D20D34FC04}" type="datetimeFigureOut">
               <a:rPr lang="en-US" smtClean="0"/>
-              <a:t>11/24/2022</a:t>
+              <a:t>11/29/2022</a:t>
             </a:fld>
             <a:endParaRPr lang="en-US"/>
           </a:p>
@@ -6811,7 +6960,7 @@
           <a:p>
             <a:fld id="{E0981F5B-2BEF-4D8E-8064-E6D20D34FC04}" type="datetimeFigureOut">
               <a:rPr lang="en-US" smtClean="0"/>
-              <a:t>11/24/2022</a:t>
+              <a:t>11/29/2022</a:t>
             </a:fld>
             <a:endParaRPr lang="en-US"/>
           </a:p>
@@ -7193,7 +7342,7 @@
           <a:p>
             <a:fld id="{E0981F5B-2BEF-4D8E-8064-E6D20D34FC04}" type="datetimeFigureOut">
               <a:rPr lang="en-US" smtClean="0"/>
-              <a:t>11/24/2022</a:t>
+              <a:t>11/29/2022</a:t>
             </a:fld>
             <a:endParaRPr lang="en-US"/>
           </a:p>
@@ -7480,7 +7629,7 @@
           <a:p>
             <a:fld id="{E0981F5B-2BEF-4D8E-8064-E6D20D34FC04}" type="datetimeFigureOut">
               <a:rPr lang="en-US" smtClean="0"/>
-              <a:t>11/24/2022</a:t>
+              <a:t>11/29/2022</a:t>
             </a:fld>
             <a:endParaRPr lang="en-US"/>
           </a:p>
@@ -8105,21 +8254,8 @@
                   <a:schemeClr val="bg1"/>
                 </a:solidFill>
               </a:rPr>
-              <a:t>Clark – </a:t>
-            </a:r>
-            <a:r>
-              <a:rPr lang="en-US" sz="3600">
-                <a:solidFill>
-                  <a:schemeClr val="bg1"/>
-                </a:solidFill>
-              </a:rPr>
-              <a:t>Daniel – dharma </a:t>
-            </a:r>
-            <a:endParaRPr lang="en-US" sz="3600" dirty="0">
-              <a:solidFill>
-                <a:schemeClr val="bg1"/>
-              </a:solidFill>
-            </a:endParaRPr>
+              <a:t>Clark – Daniel – dharma </a:t>
+            </a:r>
           </a:p>
         </p:txBody>
       </p:sp>
@@ -9144,7 +9280,7 @@
         </p:nvSpPr>
         <p:spPr>
           <a:xfrm>
-            <a:off x="3365612" y="1549363"/>
+            <a:off x="3483930" y="1405442"/>
             <a:ext cx="1628725" cy="479844"/>
           </a:xfrm>
           <a:prstGeom prst="ellipse">
@@ -9305,8 +9441,8 @@
         </p:nvCxnSpPr>
         <p:spPr>
           <a:xfrm flipH="1">
-            <a:off x="4179975" y="1236451"/>
-            <a:ext cx="118319" cy="312912"/>
+            <a:off x="4298293" y="1236451"/>
+            <a:ext cx="1" cy="168991"/>
           </a:xfrm>
           <a:prstGeom prst="line">
             <a:avLst/>
@@ -10311,7 +10447,7 @@
                   <a:schemeClr val="tx1"/>
                 </a:solidFill>
               </a:rPr>
-              <a:t>customer_ID</a:t>
+              <a:t>level_ID</a:t>
             </a:r>
           </a:p>
         </p:txBody>
@@ -14555,15 +14691,15 @@
           </p:cNvPr>
           <p:cNvCxnSpPr>
             <a:cxnSpLocks/>
-            <a:stCxn id="49" idx="6"/>
-            <a:endCxn id="42" idx="2"/>
+            <a:stCxn id="49" idx="7"/>
+            <a:endCxn id="42" idx="1"/>
           </p:cNvCxnSpPr>
           <p:nvPr/>
         </p:nvCxnSpPr>
         <p:spPr>
           <a:xfrm flipV="1">
-            <a:off x="9075247" y="1526226"/>
-            <a:ext cx="1224601" cy="351534"/>
+            <a:off x="8479821" y="939152"/>
+            <a:ext cx="356012" cy="711137"/>
           </a:xfrm>
           <a:prstGeom prst="line">
             <a:avLst/>
@@ -14607,8 +14743,8 @@
         </p:nvCxnSpPr>
         <p:spPr>
           <a:xfrm flipH="1">
-            <a:off x="10277142" y="1526226"/>
-            <a:ext cx="22706" cy="404896"/>
+            <a:off x="10299847" y="1526226"/>
+            <a:ext cx="1" cy="323086"/>
           </a:xfrm>
           <a:prstGeom prst="line">
             <a:avLst/>
@@ -14648,7 +14784,7 @@
         </p:nvSpPr>
         <p:spPr>
           <a:xfrm>
-            <a:off x="9088619" y="1931122"/>
+            <a:off x="9111324" y="1849312"/>
             <a:ext cx="2377045" cy="675563"/>
           </a:xfrm>
           <a:prstGeom prst="ellipse">
@@ -14709,7 +14845,7 @@
         </p:nvSpPr>
         <p:spPr>
           <a:xfrm>
-            <a:off x="7055538" y="1539978"/>
+            <a:off x="6755892" y="1551355"/>
             <a:ext cx="2019709" cy="675563"/>
           </a:xfrm>
           <a:prstGeom prst="ellipse">
@@ -14746,13 +14882,18 @@
           <a:p>
             <a:pPr algn="ctr"/>
             <a:r>
-              <a:rPr lang="en-US" dirty="0">
+              <a:rPr lang="en-US" dirty="0" err="1">
                 <a:solidFill>
                   <a:schemeClr val="tx1"/>
                 </a:solidFill>
               </a:rPr>
-              <a:t>level</a:t>
-            </a:r>
+              <a:t>Level_name</a:t>
+            </a:r>
+            <a:endParaRPr lang="en-US" dirty="0">
+              <a:solidFill>
+                <a:schemeClr val="tx1"/>
+              </a:solidFill>
+            </a:endParaRPr>
           </a:p>
         </p:txBody>
       </p:sp>
@@ -14770,7 +14911,7 @@
         </p:nvSpPr>
         <p:spPr>
           <a:xfrm>
-            <a:off x="6439745" y="309458"/>
+            <a:off x="6478192" y="601370"/>
             <a:ext cx="2019709" cy="675563"/>
           </a:xfrm>
           <a:prstGeom prst="ellipse">
@@ -14807,18 +14948,13 @@
           <a:p>
             <a:pPr algn="ctr"/>
             <a:r>
-              <a:rPr lang="en-US" dirty="0" err="1">
+              <a:rPr lang="en-US" u="sng" dirty="0">
                 <a:solidFill>
                   <a:schemeClr val="tx1"/>
                 </a:solidFill>
               </a:rPr>
-              <a:t>level_id</a:t>
-            </a:r>
-            <a:endParaRPr lang="en-US" dirty="0">
-              <a:solidFill>
-                <a:schemeClr val="tx1"/>
-              </a:solidFill>
-            </a:endParaRPr>
+              <a:t>level_ID</a:t>
+            </a:r>
           </a:p>
         </p:txBody>
       </p:sp>
@@ -14833,14 +14969,15 @@
           </p:cNvPr>
           <p:cNvCxnSpPr>
             <a:cxnSpLocks/>
-            <a:stCxn id="5" idx="5"/>
+            <a:stCxn id="5" idx="6"/>
+            <a:endCxn id="42" idx="1"/>
           </p:cNvCxnSpPr>
           <p:nvPr/>
         </p:nvCxnSpPr>
         <p:spPr>
           <a:xfrm>
-            <a:off x="8163674" y="886087"/>
-            <a:ext cx="672159" cy="66713"/>
+            <a:off x="8497901" y="939152"/>
+            <a:ext cx="337932" cy="0"/>
           </a:xfrm>
           <a:prstGeom prst="line">
             <a:avLst/>
@@ -15075,11 +15212,19 @@
             </a:r>
             <a:r>
               <a:rPr lang="en-US" sz="1600" u="sng" dirty="0"/>
-              <a:t>customer_ID</a:t>
+              <a:t>level_ID</a:t>
             </a:r>
             <a:r>
               <a:rPr lang="en-US" sz="1600" dirty="0"/>
-              <a:t>, level, booster_factor;</a:t>
+              <a:t>, </a:t>
+            </a:r>
+            <a:r>
+              <a:rPr lang="en-US" sz="1600" dirty="0" err="1"/>
+              <a:t>level_name</a:t>
+            </a:r>
+            <a:r>
+              <a:rPr lang="en-US" sz="1600" dirty="0"/>
+              <a:t>, booster_factor;</a:t>
             </a:r>
             <a:endParaRPr lang="en-US" sz="1600" b="1" dirty="0"/>
           </a:p>
@@ -15099,8 +15244,8 @@
         </p:nvSpPr>
         <p:spPr>
           <a:xfrm>
-            <a:off x="6096000" y="-1"/>
-            <a:ext cx="6096000" cy="4385816"/>
+            <a:off x="6096000" y="10159"/>
+            <a:ext cx="6096000" cy="4108817"/>
           </a:xfrm>
           <a:prstGeom prst="rect">
             <a:avLst/>
@@ -15135,12 +15280,12 @@
               <a:buAutoNum type="arabicPeriod"/>
             </a:pPr>
             <a:r>
-              <a:rPr lang="en-US" b="1" dirty="0"/>
+              <a:rPr lang="en-US" sz="1600" b="1" dirty="0"/>
               <a:t>PROMOTES</a:t>
             </a:r>
             <a:r>
-              <a:rPr lang="en-US" dirty="0"/>
-              <a:t>:&lt;COFFEE, PROMOTION, STORE&gt;, P:Q:O, PARTIAL/TOTAL/PARTIAL;</a:t>
+              <a:rPr lang="en-US" sz="1600" dirty="0"/>
+              <a:t>:&lt;COFFEE, PROMOTION&gt;, P:Q, PARTIAL/TOTAL;</a:t>
             </a:r>
           </a:p>
           <a:p>
@@ -15151,11 +15296,11 @@
               <a:buAutoNum type="arabicPeriod"/>
             </a:pPr>
             <a:r>
-              <a:rPr lang="en-US" b="1" dirty="0"/>
+              <a:rPr lang="en-US" sz="1600" b="1" dirty="0"/>
               <a:t>CONTAINS</a:t>
             </a:r>
             <a:r>
-              <a:rPr lang="en-US" dirty="0"/>
+              <a:rPr lang="en-US" sz="1600" dirty="0"/>
               <a:t>: &lt;COFFEE, SALE&gt;, 1:R, PARTIAL/TOTAL;</a:t>
             </a:r>
           </a:p>
@@ -15167,11 +15312,11 @@
               <a:buAutoNum type="arabicPeriod"/>
             </a:pPr>
             <a:r>
-              <a:rPr lang="en-US" b="1" dirty="0"/>
+              <a:rPr lang="en-US" sz="1600" b="1" dirty="0"/>
               <a:t>RECEIVES: </a:t>
             </a:r>
             <a:r>
-              <a:rPr lang="en-US" dirty="0"/>
+              <a:rPr lang="en-US" sz="1600" dirty="0"/>
               <a:t>&lt;CUSTOMER, SALE&gt;, 1:N, PARTIAL/TOTAL;</a:t>
             </a:r>
           </a:p>
@@ -15183,14 +15328,14 @@
               <a:buAutoNum type="arabicPeriod"/>
             </a:pPr>
             <a:r>
-              <a:rPr lang="en-US" b="1" dirty="0"/>
+              <a:rPr lang="en-US" sz="1600" b="1" dirty="0"/>
               <a:t>TRANSACTION: </a:t>
             </a:r>
             <a:r>
-              <a:rPr lang="en-US" dirty="0"/>
+              <a:rPr lang="en-US" sz="1600" dirty="0"/>
               <a:t>&lt;SALE, STORE&gt;, M:1, TOTAL/PARTIAL;</a:t>
             </a:r>
-            <a:endParaRPr lang="en-US" b="1" dirty="0"/>
+            <a:endParaRPr lang="en-US" sz="1600" b="1" dirty="0"/>
           </a:p>
           <a:p>
             <a:pPr marL="742950" marR="0" lvl="0" indent="-742950" algn="l" defTabSz="457200" rtl="0" eaLnBrk="1" fontAlgn="auto" latinLnBrk="0" hangingPunct="1">
@@ -15211,7 +15356,7 @@
               <a:defRPr/>
             </a:pPr>
             <a:r>
-              <a:rPr kumimoji="0" lang="en-US" sz="1800" b="1" i="0" u="none" strike="noStrike" kern="1200" cap="none" spc="0" normalizeH="0" baseline="0" noProof="0" dirty="0">
+              <a:rPr kumimoji="0" lang="en-US" sz="1600" b="1" i="0" u="none" strike="noStrike" kern="1200" cap="none" spc="0" normalizeH="0" baseline="0" noProof="0" dirty="0">
                 <a:ln>
                   <a:noFill/>
                 </a:ln>
@@ -15228,7 +15373,7 @@
               <a:t>BELONGS: </a:t>
             </a:r>
             <a:r>
-              <a:rPr kumimoji="0" lang="en-US" sz="1800" b="0" i="0" u="none" strike="noStrike" kern="1200" cap="none" spc="0" normalizeH="0" baseline="0" noProof="0" dirty="0">
+              <a:rPr kumimoji="0" lang="en-US" sz="1600" b="0" i="0" u="none" strike="noStrike" kern="1200" cap="none" spc="0" normalizeH="0" baseline="0" noProof="0" dirty="0">
                 <a:ln>
                   <a:noFill/>
                 </a:ln>
@@ -15242,9 +15387,46 @@
                 <a:ea typeface="+mn-ea"/>
                 <a:cs typeface="+mn-cs"/>
               </a:rPr>
-              <a:t>&lt;CUSTOMER, LOYALTY PROGRAM&gt;, 1:1, PARTIAL/TOTAL;</a:t>
-            </a:r>
-            <a:endParaRPr kumimoji="0" lang="en-US" sz="1800" b="1" i="0" u="none" strike="noStrike" kern="1200" cap="none" spc="0" normalizeH="0" baseline="0" noProof="0" dirty="0">
+              <a:t>&lt;CUSTOMER, LOYALTY PROGRAM&gt;, N:1, PARTIAL/TOTAL;</a:t>
+            </a:r>
+          </a:p>
+          <a:p>
+            <a:pPr marL="742950" marR="0" lvl="0" indent="-742950" algn="l" defTabSz="457200" rtl="0" eaLnBrk="1" fontAlgn="auto" latinLnBrk="0" hangingPunct="1">
+              <a:lnSpc>
+                <a:spcPct val="150000"/>
+              </a:lnSpc>
+              <a:spcBef>
+                <a:spcPts val="0"/>
+              </a:spcBef>
+              <a:spcAft>
+                <a:spcPts val="0"/>
+              </a:spcAft>
+              <a:buClrTx/>
+              <a:buSzTx/>
+              <a:buFontTx/>
+              <a:buAutoNum type="arabicPeriod"/>
+              <a:tabLst/>
+              <a:defRPr/>
+            </a:pPr>
+            <a:r>
+              <a:rPr lang="en-US" sz="1600" b="1" dirty="0">
+                <a:solidFill>
+                  <a:srgbClr val="000000"/>
+                </a:solidFill>
+                <a:latin typeface="Calibri" panose="020F0502020204030204"/>
+              </a:rPr>
+              <a:t>CARRIES: </a:t>
+            </a:r>
+            <a:r>
+              <a:rPr lang="en-US" sz="1600" dirty="0">
+                <a:solidFill>
+                  <a:srgbClr val="000000"/>
+                </a:solidFill>
+                <a:latin typeface="Calibri" panose="020F0502020204030204"/>
+              </a:rPr>
+              <a:t>&lt;STORE, PROMOTION&gt;, O:Z, PARTIAL/TOTAL;</a:t>
+            </a:r>
+            <a:endParaRPr kumimoji="0" lang="en-US" sz="1600" b="1" i="0" u="none" strike="noStrike" kern="1200" cap="none" spc="0" normalizeH="0" baseline="0" noProof="0" dirty="0">
               <a:ln>
                 <a:noFill/>
               </a:ln>
@@ -15519,13 +15701,13 @@
         </p:nvSpPr>
         <p:spPr>
           <a:xfrm>
-            <a:off x="4247910" y="643466"/>
-            <a:ext cx="7555313" cy="5225628"/>
+            <a:off x="4247910" y="1056640"/>
+            <a:ext cx="7555313" cy="4812454"/>
           </a:xfrm>
         </p:spPr>
         <p:txBody>
           <a:bodyPr anchor="ctr">
-            <a:normAutofit/>
+            <a:normAutofit lnSpcReduction="10000"/>
           </a:bodyPr>
           <a:lstStyle/>
           <a:p>
@@ -15536,10 +15718,10 @@
               <a:buNone/>
             </a:pPr>
             <a:r>
-              <a:rPr lang="en-US" sz="1400" dirty="0">
+              <a:rPr lang="en-US" sz="1800" dirty="0">
                 <a:latin typeface="+mj-lt"/>
               </a:rPr>
-              <a:t>A customer only maintains 1 level of membership at any given time and so the attributes of `loyalty_level` and `points_earned`</a:t>
+              <a:t>A customer only maintains 1 level of membership at any given time. </a:t>
             </a:r>
           </a:p>
           <a:p>
@@ -15549,16 +15731,7 @@
               </a:lnSpc>
               <a:buNone/>
             </a:pPr>
-            <a:r>
-              <a:rPr lang="en-US" sz="1400" dirty="0">
-                <a:effectLst/>
-                <a:latin typeface="+mj-lt"/>
-                <a:ea typeface="Calibri" panose="020F0502020204030204" pitchFamily="34" charset="0"/>
-                <a:cs typeface="Times New Roman" panose="02020603050405020304" pitchFamily="18" charset="0"/>
-              </a:rPr>
-              <a:t>If a member has a NULL value for their loyalty_level, that member is considered NOT to be a member. Additionally, that member’s `points_earned` value will remain 0 if they are NOT a member(NULL value for loyalty_level).</a:t>
-            </a:r>
-            <a:endParaRPr lang="en-US" sz="1400" dirty="0">
+            <a:endParaRPr lang="en-US" sz="1800" dirty="0">
               <a:latin typeface="+mj-lt"/>
             </a:endParaRPr>
           </a:p>
@@ -15570,10 +15743,10 @@
               <a:buNone/>
             </a:pPr>
             <a:r>
-              <a:rPr lang="en-US" sz="1400" dirty="0">
+              <a:rPr lang="en-US" sz="1800" dirty="0">
                 <a:latin typeface="+mj-lt"/>
               </a:rPr>
-              <a:t>Each Sale entry of coffee(single/multiple types of coffee) will be recorded as one type per entry with any amount of quantity per entry. `quantity` will therefore be added as an attribute to SALE.</a:t>
+              <a:t>Each SALE transaction of coffee(single/multiple types of coffee) will be recorded as one type per entry with any amount of quantity per entry.  `quantity` will therefore be added as an attribute to SALE to account for this.</a:t>
             </a:r>
           </a:p>
           <a:p>
@@ -15583,12 +15756,34 @@
               </a:lnSpc>
               <a:buNone/>
             </a:pPr>
-            <a:r>
-              <a:rPr lang="en-US" sz="1400" dirty="0">
+            <a:endParaRPr lang="en-US" sz="1800" dirty="0">
+              <a:latin typeface="+mj-lt"/>
+            </a:endParaRPr>
+          </a:p>
+          <a:p>
+            <a:pPr marL="0" indent="0">
+              <a:lnSpc>
+                <a:spcPct val="100000"/>
+              </a:lnSpc>
+              <a:buNone/>
+            </a:pPr>
+            <a:r>
+              <a:rPr lang="en-US" sz="1800" dirty="0">
                 <a:latin typeface="+mj-lt"/>
               </a:rPr>
-              <a:t>Each Promotion Will have at least one store and Coffee where it is promoted thus Promotion will have Total Participation with “Promotes”. (Total Participation of this entity will be Enforced through Triggers and is not implemented in the SQL DB of Part 1).</a:t>
-            </a:r>
+              <a:t>Each Promotion will have at least one store and Coffee where it is promoted thus Promotion will have Total Participation with STORE and COFFEE entity. </a:t>
+            </a:r>
+          </a:p>
+          <a:p>
+            <a:pPr marL="0" indent="0">
+              <a:lnSpc>
+                <a:spcPct val="100000"/>
+              </a:lnSpc>
+              <a:buNone/>
+            </a:pPr>
+            <a:endParaRPr lang="en-US" sz="1800" dirty="0">
+              <a:latin typeface="+mj-lt"/>
+            </a:endParaRPr>
           </a:p>
           <a:p>
             <a:pPr marL="0" indent="0">
@@ -15603,9 +15798,32 @@
               </a:spcAft>
               <a:buNone/>
             </a:pPr>
-            <a:endParaRPr lang="en-US" sz="1400" dirty="0">
-              <a:latin typeface="+mj-lt"/>
-            </a:endParaRPr>
+            <a:r>
+              <a:rPr lang="en-US" sz="1800" dirty="0">
+                <a:effectLst/>
+                <a:latin typeface="+mj-lt"/>
+                <a:ea typeface="Calibri" panose="020F0502020204030204" pitchFamily="34" charset="0"/>
+                <a:cs typeface="Times New Roman" panose="02020603050405020304" pitchFamily="18" charset="0"/>
+              </a:rPr>
+              <a:t>When a customer purchases a coffee, they will earn </a:t>
+            </a:r>
+            <a:r>
+              <a:rPr lang="en-US" sz="1800" dirty="0">
+                <a:latin typeface="+mj-lt"/>
+                <a:ea typeface="Calibri" panose="020F0502020204030204" pitchFamily="34" charset="0"/>
+                <a:cs typeface="Times New Roman" panose="02020603050405020304" pitchFamily="18" charset="0"/>
+              </a:rPr>
+              <a:t>reward </a:t>
+            </a:r>
+            <a:r>
+              <a:rPr lang="en-US" sz="1800" dirty="0">
+                <a:effectLst/>
+                <a:latin typeface="+mj-lt"/>
+                <a:ea typeface="Calibri" panose="020F0502020204030204" pitchFamily="34" charset="0"/>
+                <a:cs typeface="Times New Roman" panose="02020603050405020304" pitchFamily="18" charset="0"/>
+              </a:rPr>
+              <a:t>points equal to 10x the price for that coffee. </a:t>
+            </a:r>
           </a:p>
           <a:p>
             <a:pPr marL="0" indent="0">
@@ -15621,52 +15839,15 @@
               <a:buNone/>
             </a:pPr>
             <a:r>
-              <a:rPr lang="en-US" sz="1400" dirty="0">
+              <a:rPr lang="en-US" sz="1800" dirty="0">
                 <a:effectLst/>
                 <a:latin typeface="+mj-lt"/>
                 <a:ea typeface="Calibri" panose="020F0502020204030204" pitchFamily="34" charset="0"/>
                 <a:cs typeface="Times New Roman" panose="02020603050405020304" pitchFamily="18" charset="0"/>
               </a:rPr>
-              <a:t>When a customer purchases a coffee, they will earn 1/10 points for every 1 cent spent per coffee. </a:t>
-            </a:r>
-          </a:p>
-          <a:p>
-            <a:pPr marL="0" indent="0">
-              <a:lnSpc>
-                <a:spcPct val="100000"/>
-              </a:lnSpc>
-              <a:spcBef>
-                <a:spcPts val="0"/>
-              </a:spcBef>
-              <a:spcAft>
-                <a:spcPts val="0"/>
-              </a:spcAft>
-              <a:buNone/>
-            </a:pPr>
-            <a:r>
-              <a:rPr lang="en-US" sz="1400" dirty="0">
-                <a:effectLst/>
-                <a:latin typeface="+mj-lt"/>
-                <a:ea typeface="Calibri" panose="020F0502020204030204" pitchFamily="34" charset="0"/>
-                <a:cs typeface="Times New Roman" panose="02020603050405020304" pitchFamily="18" charset="0"/>
-              </a:rPr>
-              <a:t>When a customer purchases a coffee, the value of the reward points earned will be the cost of the coffee multiplied by ten. Every point will then be the equivalent to 1 cent. For example, a customer uses 10 points to redeem a coffee and that customer will get 10 cents off the coffee. </a:t>
-            </a:r>
-          </a:p>
-          <a:p>
-            <a:pPr marL="0" indent="0">
-              <a:lnSpc>
-                <a:spcPct val="100000"/>
-              </a:lnSpc>
-              <a:spcBef>
-                <a:spcPts val="0"/>
-              </a:spcBef>
-              <a:spcAft>
-                <a:spcPts val="0"/>
-              </a:spcAft>
-              <a:buNone/>
-            </a:pPr>
-            <a:endParaRPr lang="en-US" sz="1400" dirty="0">
+              <a:t>The value of the redeem points for any given coffee will be 100x the price for that coffee. Essentially, this means that a customer with a booster factor of `basic` (1.0x points multiplier) must purchase 10 coffees to earn a free coffee. </a:t>
+            </a:r>
+            <a:endParaRPr lang="en-US" sz="1800" dirty="0">
               <a:latin typeface="+mj-lt"/>
               <a:ea typeface="Calibri" panose="020F0502020204030204" pitchFamily="34" charset="0"/>
               <a:cs typeface="Times New Roman" panose="02020603050405020304" pitchFamily="18" charset="0"/>

--- a/Phase I/ER Model.pptx
+++ b/Phase I/ER Model.pptx
@@ -1615,12 +1615,12 @@
   <pc:docChgLst>
     <pc:chgData name="Clark Necciai" userId="2d3c143e28508c56" providerId="LiveId" clId="{FDCC823D-83BF-4529-845A-3B7882525FFA}"/>
     <pc:docChg chg="undo custSel modSld">
-      <pc:chgData name="Clark Necciai" userId="2d3c143e28508c56" providerId="LiveId" clId="{FDCC823D-83BF-4529-845A-3B7882525FFA}" dt="2022-11-29T15:15:06.978" v="798" actId="20577"/>
+      <pc:chgData name="Clark Necciai" userId="2d3c143e28508c56" providerId="LiveId" clId="{FDCC823D-83BF-4529-845A-3B7882525FFA}" dt="2022-11-29T17:30:00.735" v="828" actId="20577"/>
       <pc:docMkLst>
         <pc:docMk/>
       </pc:docMkLst>
       <pc:sldChg chg="modSp mod">
-        <pc:chgData name="Clark Necciai" userId="2d3c143e28508c56" providerId="LiveId" clId="{FDCC823D-83BF-4529-845A-3B7882525FFA}" dt="2022-11-29T15:04:29.796" v="766" actId="1076"/>
+        <pc:chgData name="Clark Necciai" userId="2d3c143e28508c56" providerId="LiveId" clId="{FDCC823D-83BF-4529-845A-3B7882525FFA}" dt="2022-11-29T17:22:45.504" v="799" actId="20577"/>
         <pc:sldMkLst>
           <pc:docMk/>
           <pc:sldMk cId="3265300168" sldId="257"/>
@@ -1639,6 +1639,14 @@
             <pc:docMk/>
             <pc:sldMk cId="3265300168" sldId="257"/>
             <ac:spMk id="15" creationId="{D9276FFC-6D66-3754-9235-4F5C6C65E24F}"/>
+          </ac:spMkLst>
+        </pc:spChg>
+        <pc:spChg chg="mod">
+          <ac:chgData name="Clark Necciai" userId="2d3c143e28508c56" providerId="LiveId" clId="{FDCC823D-83BF-4529-845A-3B7882525FFA}" dt="2022-11-29T17:22:45.504" v="799" actId="20577"/>
+          <ac:spMkLst>
+            <pc:docMk/>
+            <pc:sldMk cId="3265300168" sldId="257"/>
+            <ac:spMk id="36" creationId="{C5183DD8-AD63-135F-B551-46B5334C36D5}"/>
           </ac:spMkLst>
         </pc:spChg>
         <pc:cxnChg chg="mod">
@@ -1666,13 +1674,13 @@
         </pc:spChg>
       </pc:sldChg>
       <pc:sldChg chg="modSp mod">
-        <pc:chgData name="Clark Necciai" userId="2d3c143e28508c56" providerId="LiveId" clId="{FDCC823D-83BF-4529-845A-3B7882525FFA}" dt="2022-11-29T15:15:06.978" v="798" actId="20577"/>
+        <pc:chgData name="Clark Necciai" userId="2d3c143e28508c56" providerId="LiveId" clId="{FDCC823D-83BF-4529-845A-3B7882525FFA}" dt="2022-11-29T17:30:00.735" v="828" actId="20577"/>
         <pc:sldMkLst>
           <pc:docMk/>
           <pc:sldMk cId="298272431" sldId="261"/>
         </pc:sldMkLst>
         <pc:spChg chg="mod">
-          <ac:chgData name="Clark Necciai" userId="2d3c143e28508c56" providerId="LiveId" clId="{FDCC823D-83BF-4529-845A-3B7882525FFA}" dt="2022-11-29T15:15:06.978" v="798" actId="20577"/>
+          <ac:chgData name="Clark Necciai" userId="2d3c143e28508c56" providerId="LiveId" clId="{FDCC823D-83BF-4529-845A-3B7882525FFA}" dt="2022-11-29T17:30:00.735" v="828" actId="20577"/>
           <ac:spMkLst>
             <pc:docMk/>
             <pc:sldMk cId="298272431" sldId="261"/>
@@ -1680,7 +1688,7 @@
           </ac:spMkLst>
         </pc:spChg>
         <pc:spChg chg="mod">
-          <ac:chgData name="Clark Necciai" userId="2d3c143e28508c56" providerId="LiveId" clId="{FDCC823D-83BF-4529-845A-3B7882525FFA}" dt="2022-11-29T15:11:42.209" v="787" actId="404"/>
+          <ac:chgData name="Clark Necciai" userId="2d3c143e28508c56" providerId="LiveId" clId="{FDCC823D-83BF-4529-845A-3B7882525FFA}" dt="2022-11-29T17:22:57.617" v="802" actId="20577"/>
           <ac:spMkLst>
             <pc:docMk/>
             <pc:sldMk cId="298272431" sldId="261"/>
@@ -1689,12 +1697,20 @@
         </pc:spChg>
       </pc:sldChg>
       <pc:sldChg chg="addSp delSp modSp mod">
-        <pc:chgData name="Clark Necciai" userId="2d3c143e28508c56" providerId="LiveId" clId="{FDCC823D-83BF-4529-845A-3B7882525FFA}" dt="2022-11-29T15:15:01.307" v="793" actId="20577"/>
+        <pc:chgData name="Clark Necciai" userId="2d3c143e28508c56" providerId="LiveId" clId="{FDCC823D-83BF-4529-845A-3B7882525FFA}" dt="2022-11-29T17:23:46.741" v="811" actId="1076"/>
         <pc:sldMkLst>
           <pc:docMk/>
           <pc:sldMk cId="804916847" sldId="262"/>
         </pc:sldMkLst>
         <pc:spChg chg="mod">
+          <ac:chgData name="Clark Necciai" userId="2d3c143e28508c56" providerId="LiveId" clId="{FDCC823D-83BF-4529-845A-3B7882525FFA}" dt="2022-11-29T17:23:46.741" v="811" actId="1076"/>
+          <ac:spMkLst>
+            <pc:docMk/>
+            <pc:sldMk cId="804916847" sldId="262"/>
+            <ac:spMk id="3" creationId="{37B4A138-19A4-8C60-1F83-BF00B5CE4074}"/>
+          </ac:spMkLst>
+        </pc:spChg>
+        <pc:spChg chg="mod">
           <ac:chgData name="Clark Necciai" userId="2d3c143e28508c56" providerId="LiveId" clId="{FDCC823D-83BF-4529-845A-3B7882525FFA}" dt="2022-11-29T15:04:51.230" v="769" actId="1076"/>
           <ac:spMkLst>
             <pc:docMk/>
@@ -1711,6 +1727,22 @@
           </ac:spMkLst>
         </pc:spChg>
         <pc:spChg chg="mod">
+          <ac:chgData name="Clark Necciai" userId="2d3c143e28508c56" providerId="LiveId" clId="{FDCC823D-83BF-4529-845A-3B7882525FFA}" dt="2022-11-29T17:23:44.927" v="810" actId="1076"/>
+          <ac:spMkLst>
+            <pc:docMk/>
+            <pc:sldMk cId="804916847" sldId="262"/>
+            <ac:spMk id="13" creationId="{C8C613BA-362A-DCC3-145C-A77FEF830EE5}"/>
+          </ac:spMkLst>
+        </pc:spChg>
+        <pc:spChg chg="mod">
+          <ac:chgData name="Clark Necciai" userId="2d3c143e28508c56" providerId="LiveId" clId="{FDCC823D-83BF-4529-845A-3B7882525FFA}" dt="2022-11-29T17:23:36.861" v="806" actId="1076"/>
+          <ac:spMkLst>
+            <pc:docMk/>
+            <pc:sldMk cId="804916847" sldId="262"/>
+            <ac:spMk id="44" creationId="{ABB099F3-34FE-2449-5921-87CFFD7D4A65}"/>
+          </ac:spMkLst>
+        </pc:spChg>
+        <pc:spChg chg="mod">
           <ac:chgData name="Clark Necciai" userId="2d3c143e28508c56" providerId="LiveId" clId="{FDCC823D-83BF-4529-845A-3B7882525FFA}" dt="2022-11-29T15:04:54.941" v="771" actId="1076"/>
           <ac:spMkLst>
             <pc:docMk/>
@@ -1719,13 +1751,45 @@
           </ac:spMkLst>
         </pc:spChg>
         <pc:spChg chg="mod">
-          <ac:chgData name="Clark Necciai" userId="2d3c143e28508c56" providerId="LiveId" clId="{FDCC823D-83BF-4529-845A-3B7882525FFA}" dt="2022-11-29T15:15:01.307" v="793" actId="20577"/>
+          <ac:chgData name="Clark Necciai" userId="2d3c143e28508c56" providerId="LiveId" clId="{FDCC823D-83BF-4529-845A-3B7882525FFA}" dt="2022-11-29T17:23:24.570" v="804" actId="20577"/>
           <ac:spMkLst>
             <pc:docMk/>
             <pc:sldMk cId="804916847" sldId="262"/>
             <ac:spMk id="49" creationId="{1713136E-260E-2057-5ACA-9ADC9B6BFE22}"/>
           </ac:spMkLst>
         </pc:spChg>
+        <pc:spChg chg="mod">
+          <ac:chgData name="Clark Necciai" userId="2d3c143e28508c56" providerId="LiveId" clId="{FDCC823D-83BF-4529-845A-3B7882525FFA}" dt="2022-11-29T17:23:41.257" v="809" actId="1076"/>
+          <ac:spMkLst>
+            <pc:docMk/>
+            <pc:sldMk cId="804916847" sldId="262"/>
+            <ac:spMk id="64" creationId="{541D6C8A-22C1-F9D8-8D20-9C159E64CE4F}"/>
+          </ac:spMkLst>
+        </pc:spChg>
+        <pc:spChg chg="mod">
+          <ac:chgData name="Clark Necciai" userId="2d3c143e28508c56" providerId="LiveId" clId="{FDCC823D-83BF-4529-845A-3B7882525FFA}" dt="2022-11-29T17:23:38.724" v="807" actId="1076"/>
+          <ac:spMkLst>
+            <pc:docMk/>
+            <pc:sldMk cId="804916847" sldId="262"/>
+            <ac:spMk id="65" creationId="{EC784165-8B9F-0EFC-8C9B-203B97E34B5D}"/>
+          </ac:spMkLst>
+        </pc:spChg>
+        <pc:spChg chg="mod">
+          <ac:chgData name="Clark Necciai" userId="2d3c143e28508c56" providerId="LiveId" clId="{FDCC823D-83BF-4529-845A-3B7882525FFA}" dt="2022-11-29T17:23:40.142" v="808" actId="1076"/>
+          <ac:spMkLst>
+            <pc:docMk/>
+            <pc:sldMk cId="804916847" sldId="262"/>
+            <ac:spMk id="66" creationId="{1F057F01-9458-9F80-69FF-FBECB3265856}"/>
+          </ac:spMkLst>
+        </pc:spChg>
+        <pc:spChg chg="mod">
+          <ac:chgData name="Clark Necciai" userId="2d3c143e28508c56" providerId="LiveId" clId="{FDCC823D-83BF-4529-845A-3B7882525FFA}" dt="2022-11-29T17:23:35.378" v="805" actId="1076"/>
+          <ac:spMkLst>
+            <pc:docMk/>
+            <pc:sldMk cId="804916847" sldId="262"/>
+            <ac:spMk id="67" creationId="{6A3EB60A-51DC-F3F1-4615-140FBF7D2523}"/>
+          </ac:spMkLst>
+        </pc:spChg>
         <pc:cxnChg chg="mod">
           <ac:chgData name="Clark Necciai" userId="2d3c143e28508c56" providerId="LiveId" clId="{FDCC823D-83BF-4529-845A-3B7882525FFA}" dt="2022-11-29T15:04:51.230" v="769" actId="1076"/>
           <ac:cxnSpMkLst>
@@ -1734,6 +1798,22 @@
             <ac:cxnSpMk id="6" creationId="{ABE47B3D-9042-53EB-4273-E067525DFCDC}"/>
           </ac:cxnSpMkLst>
         </pc:cxnChg>
+        <pc:cxnChg chg="mod">
+          <ac:chgData name="Clark Necciai" userId="2d3c143e28508c56" providerId="LiveId" clId="{FDCC823D-83BF-4529-845A-3B7882525FFA}" dt="2022-11-29T17:23:44.927" v="810" actId="1076"/>
+          <ac:cxnSpMkLst>
+            <pc:docMk/>
+            <pc:sldMk cId="804916847" sldId="262"/>
+            <ac:cxnSpMk id="10" creationId="{8073A10E-A8B8-B2E4-4584-3205A8E38915}"/>
+          </ac:cxnSpMkLst>
+        </pc:cxnChg>
+        <pc:cxnChg chg="mod">
+          <ac:chgData name="Clark Necciai" userId="2d3c143e28508c56" providerId="LiveId" clId="{FDCC823D-83BF-4529-845A-3B7882525FFA}" dt="2022-11-29T17:23:44.927" v="810" actId="1076"/>
+          <ac:cxnSpMkLst>
+            <pc:docMk/>
+            <pc:sldMk cId="804916847" sldId="262"/>
+            <ac:cxnSpMk id="14" creationId="{7385F875-491E-0A9C-5FF4-9BA918EFC8D1}"/>
+          </ac:cxnSpMkLst>
+        </pc:cxnChg>
         <pc:cxnChg chg="add del mod">
           <ac:chgData name="Clark Necciai" userId="2d3c143e28508c56" providerId="LiveId" clId="{FDCC823D-83BF-4529-845A-3B7882525FFA}" dt="2022-11-29T14:36:10.762" v="43" actId="478"/>
           <ac:cxnSpMkLst>
@@ -1743,6 +1823,14 @@
           </ac:cxnSpMkLst>
         </pc:cxnChg>
         <pc:cxnChg chg="mod">
+          <ac:chgData name="Clark Necciai" userId="2d3c143e28508c56" providerId="LiveId" clId="{FDCC823D-83BF-4529-845A-3B7882525FFA}" dt="2022-11-29T17:23:46.741" v="811" actId="1076"/>
+          <ac:cxnSpMkLst>
+            <pc:docMk/>
+            <pc:sldMk cId="804916847" sldId="262"/>
+            <ac:cxnSpMk id="17" creationId="{05C61E30-9BFD-8251-939D-2662AE0E24B5}"/>
+          </ac:cxnSpMkLst>
+        </pc:cxnChg>
+        <pc:cxnChg chg="mod">
           <ac:chgData name="Clark Necciai" userId="2d3c143e28508c56" providerId="LiveId" clId="{FDCC823D-83BF-4529-845A-3B7882525FFA}" dt="2022-11-29T15:04:52.663" v="770" actId="1076"/>
           <ac:cxnSpMkLst>
             <pc:docMk/>
@@ -1756,6 +1844,46 @@
             <pc:docMk/>
             <pc:sldMk cId="804916847" sldId="262"/>
             <ac:cxnSpMk id="45" creationId="{8924DA3C-A942-D568-B5DA-2D5804E66ABC}"/>
+          </ac:cxnSpMkLst>
+        </pc:cxnChg>
+        <pc:cxnChg chg="mod">
+          <ac:chgData name="Clark Necciai" userId="2d3c143e28508c56" providerId="LiveId" clId="{FDCC823D-83BF-4529-845A-3B7882525FFA}" dt="2022-11-29T17:23:36.861" v="806" actId="1076"/>
+          <ac:cxnSpMkLst>
+            <pc:docMk/>
+            <pc:sldMk cId="804916847" sldId="262"/>
+            <ac:cxnSpMk id="48" creationId="{2B4DE48D-43FF-185D-DA97-55DC167D103D}"/>
+          </ac:cxnSpMkLst>
+        </pc:cxnChg>
+        <pc:cxnChg chg="mod">
+          <ac:chgData name="Clark Necciai" userId="2d3c143e28508c56" providerId="LiveId" clId="{FDCC823D-83BF-4529-845A-3B7882525FFA}" dt="2022-11-29T17:23:35.378" v="805" actId="1076"/>
+          <ac:cxnSpMkLst>
+            <pc:docMk/>
+            <pc:sldMk cId="804916847" sldId="262"/>
+            <ac:cxnSpMk id="76" creationId="{74D6E3A2-6F14-8490-6179-06D757C6C3BD}"/>
+          </ac:cxnSpMkLst>
+        </pc:cxnChg>
+        <pc:cxnChg chg="mod">
+          <ac:chgData name="Clark Necciai" userId="2d3c143e28508c56" providerId="LiveId" clId="{FDCC823D-83BF-4529-845A-3B7882525FFA}" dt="2022-11-29T17:23:38.724" v="807" actId="1076"/>
+          <ac:cxnSpMkLst>
+            <pc:docMk/>
+            <pc:sldMk cId="804916847" sldId="262"/>
+            <ac:cxnSpMk id="79" creationId="{A228EE20-5CEC-7B44-AEFA-D166DA374C82}"/>
+          </ac:cxnSpMkLst>
+        </pc:cxnChg>
+        <pc:cxnChg chg="mod">
+          <ac:chgData name="Clark Necciai" userId="2d3c143e28508c56" providerId="LiveId" clId="{FDCC823D-83BF-4529-845A-3B7882525FFA}" dt="2022-11-29T17:23:40.142" v="808" actId="1076"/>
+          <ac:cxnSpMkLst>
+            <pc:docMk/>
+            <pc:sldMk cId="804916847" sldId="262"/>
+            <ac:cxnSpMk id="82" creationId="{19B3D5D7-359B-C410-3C3C-AE077E298AED}"/>
+          </ac:cxnSpMkLst>
+        </pc:cxnChg>
+        <pc:cxnChg chg="mod">
+          <ac:chgData name="Clark Necciai" userId="2d3c143e28508c56" providerId="LiveId" clId="{FDCC823D-83BF-4529-845A-3B7882525FFA}" dt="2022-11-29T17:23:41.257" v="809" actId="1076"/>
+          <ac:cxnSpMkLst>
+            <pc:docMk/>
+            <pc:sldMk cId="804916847" sldId="262"/>
+            <ac:cxnSpMk id="85" creationId="{C79CCE4D-13EA-72E4-4EB5-C601C4B0765D}"/>
           </ac:cxnSpMkLst>
         </pc:cxnChg>
       </pc:sldChg>
@@ -10341,7 +10469,7 @@
         <p:spPr>
           <a:xfrm>
             <a:off x="6096143" y="4772875"/>
-            <a:ext cx="340158" cy="369332"/>
+            <a:ext cx="290464" cy="369332"/>
           </a:xfrm>
           <a:prstGeom prst="rect">
             <a:avLst/>
@@ -10356,7 +10484,7 @@
           <a:p>
             <a:r>
               <a:rPr lang="en-US" dirty="0"/>
-              <a:t>Q</a:t>
+              <a:t>S</a:t>
             </a:r>
           </a:p>
         </p:txBody>
@@ -13535,7 +13663,7 @@
         </p:nvSpPr>
         <p:spPr>
           <a:xfrm>
-            <a:off x="5412601" y="2172718"/>
+            <a:off x="5091009" y="2187093"/>
             <a:ext cx="1065591" cy="558635"/>
           </a:xfrm>
           <a:prstGeom prst="ellipse">
@@ -13596,7 +13724,7 @@
         </p:nvSpPr>
         <p:spPr>
           <a:xfrm>
-            <a:off x="3132894" y="1529079"/>
+            <a:off x="2945682" y="1815490"/>
             <a:ext cx="1142812" cy="554538"/>
           </a:xfrm>
           <a:prstGeom prst="ellipse">
@@ -13657,7 +13785,7 @@
         </p:nvSpPr>
         <p:spPr>
           <a:xfrm>
-            <a:off x="4411111" y="1254009"/>
+            <a:off x="4223426" y="1452407"/>
             <a:ext cx="2107181" cy="571938"/>
           </a:xfrm>
           <a:prstGeom prst="ellipse">
@@ -13718,7 +13846,7 @@
         </p:nvSpPr>
         <p:spPr>
           <a:xfrm>
-            <a:off x="1246431" y="2226918"/>
+            <a:off x="804479" y="2378598"/>
             <a:ext cx="2019709" cy="571938"/>
           </a:xfrm>
           <a:prstGeom prst="ellipse">
@@ -13950,8 +14078,8 @@
         </p:nvCxnSpPr>
         <p:spPr>
           <a:xfrm flipH="1" flipV="1">
-            <a:off x="2970360" y="2715098"/>
-            <a:ext cx="1093824" cy="674401"/>
+            <a:off x="2528408" y="2866778"/>
+            <a:ext cx="1535776" cy="522721"/>
           </a:xfrm>
           <a:prstGeom prst="line">
             <a:avLst/>
@@ -13995,8 +14123,8 @@
         </p:nvCxnSpPr>
         <p:spPr>
           <a:xfrm>
-            <a:off x="4108345" y="2002407"/>
-            <a:ext cx="28217" cy="604278"/>
+            <a:off x="3921133" y="2288818"/>
+            <a:ext cx="72931" cy="327110"/>
           </a:xfrm>
           <a:prstGeom prst="line">
             <a:avLst/>
@@ -14040,8 +14168,8 @@
         </p:nvCxnSpPr>
         <p:spPr>
           <a:xfrm flipH="1">
-            <a:off x="4513306" y="1742189"/>
-            <a:ext cx="206395" cy="782686"/>
+            <a:off x="4370808" y="1940587"/>
+            <a:ext cx="161208" cy="593531"/>
           </a:xfrm>
           <a:prstGeom prst="line">
             <a:avLst/>
@@ -14085,8 +14213,8 @@
         </p:nvCxnSpPr>
         <p:spPr>
           <a:xfrm flipH="1">
-            <a:off x="4890049" y="2452036"/>
-            <a:ext cx="522552" cy="154649"/>
+            <a:off x="4747551" y="2466411"/>
+            <a:ext cx="343458" cy="149517"/>
           </a:xfrm>
           <a:prstGeom prst="line">
             <a:avLst/>
@@ -14216,7 +14344,7 @@
         </p:nvSpPr>
         <p:spPr>
           <a:xfrm>
-            <a:off x="1814334" y="4990136"/>
+            <a:off x="1835571" y="4831781"/>
             <a:ext cx="2637120" cy="746503"/>
           </a:xfrm>
           <a:prstGeom prst="ellipse">
@@ -14282,7 +14410,7 @@
         <p:spPr>
           <a:xfrm flipH="1" flipV="1">
             <a:off x="4064184" y="4418198"/>
-            <a:ext cx="1073" cy="681261"/>
+            <a:ext cx="22310" cy="522906"/>
           </a:xfrm>
           <a:prstGeom prst="line">
             <a:avLst/>
@@ -14322,7 +14450,7 @@
         </p:nvSpPr>
         <p:spPr>
           <a:xfrm>
-            <a:off x="3980510" y="2524875"/>
+            <a:off x="3838012" y="2534118"/>
             <a:ext cx="1065591" cy="558635"/>
           </a:xfrm>
           <a:prstGeom prst="ellipse">
@@ -14386,9 +14514,9 @@
           <p:nvPr/>
         </p:nvCxnSpPr>
         <p:spPr>
-          <a:xfrm flipH="1">
-            <a:off x="4064184" y="3001700"/>
-            <a:ext cx="72378" cy="387799"/>
+          <a:xfrm>
+            <a:off x="3994064" y="3010943"/>
+            <a:ext cx="70120" cy="378556"/>
           </a:xfrm>
           <a:prstGeom prst="line">
             <a:avLst/>
@@ -14428,7 +14556,7 @@
         </p:nvSpPr>
         <p:spPr>
           <a:xfrm>
-            <a:off x="202818" y="4318855"/>
+            <a:off x="166941" y="4295869"/>
             <a:ext cx="2397345" cy="571938"/>
           </a:xfrm>
           <a:prstGeom prst="ellipse">
@@ -14553,9 +14681,9 @@
           <p:nvPr/>
         </p:nvCxnSpPr>
         <p:spPr>
-          <a:xfrm>
-            <a:off x="1433597" y="5363387"/>
-            <a:ext cx="380737" cy="1"/>
+          <a:xfrm flipV="1">
+            <a:off x="1433597" y="5205033"/>
+            <a:ext cx="401974" cy="158354"/>
           </a:xfrm>
           <a:prstGeom prst="line">
             <a:avLst/>
@@ -14599,8 +14727,8 @@
         </p:nvCxnSpPr>
         <p:spPr>
           <a:xfrm>
-            <a:off x="1401491" y="4890793"/>
-            <a:ext cx="412843" cy="472595"/>
+            <a:off x="1365614" y="4867807"/>
+            <a:ext cx="469957" cy="337226"/>
           </a:xfrm>
           <a:prstGeom prst="line">
             <a:avLst/>
@@ -14882,18 +15010,13 @@
           <a:p>
             <a:pPr algn="ctr"/>
             <a:r>
-              <a:rPr lang="en-US" dirty="0" err="1">
+              <a:rPr lang="en-US" dirty="0">
                 <a:solidFill>
                   <a:schemeClr val="tx1"/>
                 </a:solidFill>
               </a:rPr>
-              <a:t>Level_name</a:t>
-            </a:r>
-            <a:endParaRPr lang="en-US" dirty="0">
-              <a:solidFill>
-                <a:schemeClr val="tx1"/>
-              </a:solidFill>
-            </a:endParaRPr>
+              <a:t>level_name</a:t>
+            </a:r>
           </a:p>
         </p:txBody>
       </p:sp>
@@ -15048,7 +15171,7 @@
         <p:spPr>
           <a:xfrm>
             <a:off x="0" y="-1"/>
-            <a:ext cx="6096000" cy="5317097"/>
+            <a:ext cx="6096000" cy="4947765"/>
           </a:xfrm>
           <a:prstGeom prst="rect">
             <a:avLst/>
@@ -15168,8 +15291,13 @@
             </a:r>
             <a:r>
               <a:rPr lang="en-US" sz="1600" dirty="0"/>
-              <a:t>, name(first, last, middle_initial), day_of_birth, month, points_earned, phone(phone_number, type);</a:t>
-            </a:r>
+              <a:t>, name(first, last, middle_initial), day_of_birth, month, points_earned, phone(phone_number, type), </a:t>
+            </a:r>
+            <a:r>
+              <a:rPr lang="en-US" sz="1600"/>
+              <a:t>loyalty_level;</a:t>
+            </a:r>
+            <a:endParaRPr lang="en-US" sz="1600" dirty="0"/>
           </a:p>
           <a:p>
             <a:pPr marL="742950" indent="-742950">
@@ -15192,7 +15320,7 @@
             </a:r>
             <a:r>
               <a:rPr lang="en-US" sz="1600" dirty="0"/>
-              <a:t>, name, start_date, end_date, promoted_coffees, list_of_stores;</a:t>
+              <a:t>, name, start_date, end_date;</a:t>
             </a:r>
           </a:p>
           <a:p>
@@ -15216,15 +15344,7 @@
             </a:r>
             <a:r>
               <a:rPr lang="en-US" sz="1600" dirty="0"/>
-              <a:t>, </a:t>
-            </a:r>
-            <a:r>
-              <a:rPr lang="en-US" sz="1600" dirty="0" err="1"/>
-              <a:t>level_name</a:t>
-            </a:r>
-            <a:r>
-              <a:rPr lang="en-US" sz="1600" dirty="0"/>
-              <a:t>, booster_factor;</a:t>
+              <a:t>, level_name, booster_factor;</a:t>
             </a:r>
             <a:endParaRPr lang="en-US" sz="1600" b="1" dirty="0"/>
           </a:p>
@@ -15387,7 +15507,33 @@
                 <a:ea typeface="+mn-ea"/>
                 <a:cs typeface="+mn-cs"/>
               </a:rPr>
-              <a:t>&lt;CUSTOMER, LOYALTY PROGRAM&gt;, N:1, PARTIAL/TOTAL;</a:t>
+              <a:t>&lt;CUSTOMER, LOYALTY PROGRAM&gt;, </a:t>
+            </a:r>
+            <a:r>
+              <a:rPr lang="en-US" sz="1600" dirty="0">
+                <a:solidFill>
+                  <a:srgbClr val="000000"/>
+                </a:solidFill>
+                <a:latin typeface="Calibri" panose="020F0502020204030204"/>
+              </a:rPr>
+              <a:t>S</a:t>
+            </a:r>
+            <a:r>
+              <a:rPr kumimoji="0" lang="en-US" sz="1600" b="0" i="0" u="none" strike="noStrike" kern="1200" cap="none" spc="0" normalizeH="0" baseline="0" noProof="0" dirty="0">
+                <a:ln>
+                  <a:noFill/>
+                </a:ln>
+                <a:solidFill>
+                  <a:srgbClr val="000000"/>
+                </a:solidFill>
+                <a:effectLst/>
+                <a:uLnTx/>
+                <a:uFillTx/>
+                <a:latin typeface="Calibri" panose="020F0502020204030204"/>
+                <a:ea typeface="+mn-ea"/>
+                <a:cs typeface="+mn-cs"/>
+              </a:rPr>
+              <a:t>:1, PARTIAL/TOTAL;</a:t>
             </a:r>
           </a:p>
           <a:p>

--- a/Phase I/ER Model.pptx
+++ b/Phase I/ER Model.pptx
@@ -118,14 +118,6 @@
 </p:presentation>
 </file>
 
-<file path=ppt/revisionInfo.xml><?xml version="1.0" encoding="utf-8"?>
-<p1510:revInfo xmlns:a="http://schemas.openxmlformats.org/drawingml/2006/main" xmlns:r="http://schemas.openxmlformats.org/officeDocument/2006/relationships" xmlns:p1510="http://schemas.microsoft.com/office/powerpoint/2015/10/main">
-  <p1510:revLst>
-    <p1510:client id="{FDCC823D-83BF-4529-845A-3B7882525FFA}" v="5" dt="2022-11-29T14:36:48.152"/>
-  </p1510:revLst>
-</p1510:revInfo>
-</file>
-
 <file path=ppt/changesInfos/changesInfo1.xml><?xml version="1.0" encoding="utf-8"?>
 <pc:chgInfo xmlns:a="http://schemas.openxmlformats.org/drawingml/2006/main" xmlns:r="http://schemas.openxmlformats.org/officeDocument/2006/relationships" xmlns:ac="http://schemas.microsoft.com/office/drawing/2013/main/command" xmlns:pc="http://schemas.microsoft.com/office/powerpoint/2013/main/command">
   <pc:docChgLst>
@@ -202,1690 +194,6 @@
             <ac:spMk id="15" creationId="{645AFB24-AF41-6A9E-0A67-ADDB00DBC052}"/>
           </ac:spMkLst>
         </pc:spChg>
-      </pc:sldChg>
-    </pc:docChg>
-  </pc:docChgLst>
-  <pc:docChgLst>
-    <pc:chgData name="Clark Necciai" userId="2d3c143e28508c56" providerId="LiveId" clId="{4A7DDA94-6371-42D1-B025-C351617463C0}"/>
-    <pc:docChg chg="undo redo custSel addSld delSld modSld">
-      <pc:chgData name="Clark Necciai" userId="2d3c143e28508c56" providerId="LiveId" clId="{4A7DDA94-6371-42D1-B025-C351617463C0}" dt="2022-11-15T20:48:49.650" v="462" actId="1076"/>
-      <pc:docMkLst>
-        <pc:docMk/>
-      </pc:docMkLst>
-      <pc:sldChg chg="addSp delSp modSp mod">
-        <pc:chgData name="Clark Necciai" userId="2d3c143e28508c56" providerId="LiveId" clId="{4A7DDA94-6371-42D1-B025-C351617463C0}" dt="2022-11-15T20:48:49.650" v="462" actId="1076"/>
-        <pc:sldMkLst>
-          <pc:docMk/>
-          <pc:sldMk cId="3265300168" sldId="257"/>
-        </pc:sldMkLst>
-        <pc:spChg chg="add del mod topLvl">
-          <ac:chgData name="Clark Necciai" userId="2d3c143e28508c56" providerId="LiveId" clId="{4A7DDA94-6371-42D1-B025-C351617463C0}" dt="2022-11-10T15:34:19.559" v="166" actId="478"/>
-          <ac:spMkLst>
-            <pc:docMk/>
-            <pc:sldMk cId="3265300168" sldId="257"/>
-            <ac:spMk id="2" creationId="{E016AA6F-4934-890B-B68E-3D4C513B02EA}"/>
-          </ac:spMkLst>
-        </pc:spChg>
-        <pc:spChg chg="add mod">
-          <ac:chgData name="Clark Necciai" userId="2d3c143e28508c56" providerId="LiveId" clId="{4A7DDA94-6371-42D1-B025-C351617463C0}" dt="2022-11-10T20:45:49.494" v="409" actId="1076"/>
-          <ac:spMkLst>
-            <pc:docMk/>
-            <pc:sldMk cId="3265300168" sldId="257"/>
-            <ac:spMk id="2" creationId="{FC7451FD-3E1D-975B-3DF1-6A341AA68BFB}"/>
-          </ac:spMkLst>
-        </pc:spChg>
-        <pc:spChg chg="mod">
-          <ac:chgData name="Clark Necciai" userId="2d3c143e28508c56" providerId="LiveId" clId="{4A7DDA94-6371-42D1-B025-C351617463C0}" dt="2022-11-15T20:48:45.965" v="461" actId="1076"/>
-          <ac:spMkLst>
-            <pc:docMk/>
-            <pc:sldMk cId="3265300168" sldId="257"/>
-            <ac:spMk id="4" creationId="{4A1C037F-862B-DB0E-9BFB-63FF9E935B69}"/>
-          </ac:spMkLst>
-        </pc:spChg>
-        <pc:spChg chg="mod">
-          <ac:chgData name="Clark Necciai" userId="2d3c143e28508c56" providerId="LiveId" clId="{4A7DDA94-6371-42D1-B025-C351617463C0}" dt="2022-11-15T20:46:37.385" v="440" actId="1076"/>
-          <ac:spMkLst>
-            <pc:docMk/>
-            <pc:sldMk cId="3265300168" sldId="257"/>
-            <ac:spMk id="9" creationId="{50C2FC4D-2AEB-28A5-225D-5C71EC72E750}"/>
-          </ac:spMkLst>
-        </pc:spChg>
-        <pc:spChg chg="mod">
-          <ac:chgData name="Clark Necciai" userId="2d3c143e28508c56" providerId="LiveId" clId="{4A7DDA94-6371-42D1-B025-C351617463C0}" dt="2022-11-10T15:26:51.776" v="40" actId="1076"/>
-          <ac:spMkLst>
-            <pc:docMk/>
-            <pc:sldMk cId="3265300168" sldId="257"/>
-            <ac:spMk id="16" creationId="{098D29A4-D1BA-5297-E222-79FE349EE517}"/>
-          </ac:spMkLst>
-        </pc:spChg>
-        <pc:spChg chg="add mod ord topLvl">
-          <ac:chgData name="Clark Necciai" userId="2d3c143e28508c56" providerId="LiveId" clId="{4A7DDA94-6371-42D1-B025-C351617463C0}" dt="2022-11-10T15:34:52.793" v="169" actId="1076"/>
-          <ac:spMkLst>
-            <pc:docMk/>
-            <pc:sldMk cId="3265300168" sldId="257"/>
-            <ac:spMk id="20" creationId="{32F25DBB-02A7-F0C3-B18A-6E9AF0FC46B4}"/>
-          </ac:spMkLst>
-        </pc:spChg>
-        <pc:spChg chg="add del mod topLvl">
-          <ac:chgData name="Clark Necciai" userId="2d3c143e28508c56" providerId="LiveId" clId="{4A7DDA94-6371-42D1-B025-C351617463C0}" dt="2022-11-10T15:34:12.367" v="164" actId="478"/>
-          <ac:spMkLst>
-            <pc:docMk/>
-            <pc:sldMk cId="3265300168" sldId="257"/>
-            <ac:spMk id="21" creationId="{53C446EB-44D9-97D5-CA9D-0D883B778AF7}"/>
-          </ac:spMkLst>
-        </pc:spChg>
-        <pc:spChg chg="add mod">
-          <ac:chgData name="Clark Necciai" userId="2d3c143e28508c56" providerId="LiveId" clId="{4A7DDA94-6371-42D1-B025-C351617463C0}" dt="2022-11-15T20:48:49.650" v="462" actId="1076"/>
-          <ac:spMkLst>
-            <pc:docMk/>
-            <pc:sldMk cId="3265300168" sldId="257"/>
-            <ac:spMk id="26" creationId="{A3212B53-C4ED-22A7-E047-947996D6F31B}"/>
-          </ac:spMkLst>
-        </pc:spChg>
-        <pc:spChg chg="add mod">
-          <ac:chgData name="Clark Necciai" userId="2d3c143e28508c56" providerId="LiveId" clId="{4A7DDA94-6371-42D1-B025-C351617463C0}" dt="2022-11-10T15:31:57.378" v="160" actId="1076"/>
-          <ac:spMkLst>
-            <pc:docMk/>
-            <pc:sldMk cId="3265300168" sldId="257"/>
-            <ac:spMk id="36" creationId="{C5183DD8-AD63-135F-B551-46B5334C36D5}"/>
-          </ac:spMkLst>
-        </pc:spChg>
-        <pc:spChg chg="add mod">
-          <ac:chgData name="Clark Necciai" userId="2d3c143e28508c56" providerId="LiveId" clId="{4A7DDA94-6371-42D1-B025-C351617463C0}" dt="2022-11-10T15:31:59.593" v="161" actId="1076"/>
-          <ac:spMkLst>
-            <pc:docMk/>
-            <pc:sldMk cId="3265300168" sldId="257"/>
-            <ac:spMk id="37" creationId="{9ADDFD0A-ECD2-8441-E63F-3CF908903118}"/>
-          </ac:spMkLst>
-        </pc:spChg>
-        <pc:spChg chg="add mod ord topLvl">
-          <ac:chgData name="Clark Necciai" userId="2d3c143e28508c56" providerId="LiveId" clId="{4A7DDA94-6371-42D1-B025-C351617463C0}" dt="2022-11-10T15:34:07.755" v="163" actId="165"/>
-          <ac:spMkLst>
-            <pc:docMk/>
-            <pc:sldMk cId="3265300168" sldId="257"/>
-            <ac:spMk id="38" creationId="{2A35CB83-1396-AF14-5659-2B120F6AB726}"/>
-          </ac:spMkLst>
-        </pc:spChg>
-        <pc:spChg chg="add mod">
-          <ac:chgData name="Clark Necciai" userId="2d3c143e28508c56" providerId="LiveId" clId="{4A7DDA94-6371-42D1-B025-C351617463C0}" dt="2022-11-15T20:48:33.287" v="459" actId="1076"/>
-          <ac:spMkLst>
-            <pc:docMk/>
-            <pc:sldMk cId="3265300168" sldId="257"/>
-            <ac:spMk id="59" creationId="{F42B7CD0-D1AD-F100-F90E-9F565A784941}"/>
-          </ac:spMkLst>
-        </pc:spChg>
-        <pc:spChg chg="mod">
-          <ac:chgData name="Clark Necciai" userId="2d3c143e28508c56" providerId="LiveId" clId="{4A7DDA94-6371-42D1-B025-C351617463C0}" dt="2022-11-15T20:45:37.026" v="418" actId="1076"/>
-          <ac:spMkLst>
-            <pc:docMk/>
-            <pc:sldMk cId="3265300168" sldId="257"/>
-            <ac:spMk id="194" creationId="{09685404-D215-D3A0-FA4E-3F2AA108597D}"/>
-          </ac:spMkLst>
-        </pc:spChg>
-        <pc:spChg chg="mod">
-          <ac:chgData name="Clark Necciai" userId="2d3c143e28508c56" providerId="LiveId" clId="{4A7DDA94-6371-42D1-B025-C351617463C0}" dt="2022-11-15T20:48:21.576" v="455" actId="1076"/>
-          <ac:spMkLst>
-            <pc:docMk/>
-            <pc:sldMk cId="3265300168" sldId="257"/>
-            <ac:spMk id="234" creationId="{66D19437-939F-5A79-99D5-F72C4DEC4C95}"/>
-          </ac:spMkLst>
-        </pc:spChg>
-        <pc:grpChg chg="add del mod">
-          <ac:chgData name="Clark Necciai" userId="2d3c143e28508c56" providerId="LiveId" clId="{4A7DDA94-6371-42D1-B025-C351617463C0}" dt="2022-11-10T15:34:15.954" v="165" actId="165"/>
-          <ac:grpSpMkLst>
-            <pc:docMk/>
-            <pc:sldMk cId="3265300168" sldId="257"/>
-            <ac:grpSpMk id="35" creationId="{B852F7B1-E7AC-A571-FF86-BF4A9767D1C0}"/>
-          </ac:grpSpMkLst>
-        </pc:grpChg>
-        <pc:grpChg chg="add del mod">
-          <ac:chgData name="Clark Necciai" userId="2d3c143e28508c56" providerId="LiveId" clId="{4A7DDA94-6371-42D1-B025-C351617463C0}" dt="2022-11-10T15:34:07.755" v="163" actId="165"/>
-          <ac:grpSpMkLst>
-            <pc:docMk/>
-            <pc:sldMk cId="3265300168" sldId="257"/>
-            <ac:grpSpMk id="46" creationId="{B81EF34D-9993-5068-721D-FF2CA8C6DABE}"/>
-          </ac:grpSpMkLst>
-        </pc:grpChg>
-        <pc:grpChg chg="mod">
-          <ac:chgData name="Clark Necciai" userId="2d3c143e28508c56" providerId="LiveId" clId="{4A7DDA94-6371-42D1-B025-C351617463C0}" dt="2022-11-15T20:45:46.359" v="423" actId="1076"/>
-          <ac:grpSpMkLst>
-            <pc:docMk/>
-            <pc:sldMk cId="3265300168" sldId="257"/>
-            <ac:grpSpMk id="195" creationId="{50E2324A-C040-F4E1-FDD1-54D5FF9745C1}"/>
-          </ac:grpSpMkLst>
-        </pc:grpChg>
-        <pc:cxnChg chg="add mod">
-          <ac:chgData name="Clark Necciai" userId="2d3c143e28508c56" providerId="LiveId" clId="{4A7DDA94-6371-42D1-B025-C351617463C0}" dt="2022-11-10T20:45:53.134" v="411" actId="14100"/>
-          <ac:cxnSpMkLst>
-            <pc:docMk/>
-            <pc:sldMk cId="3265300168" sldId="257"/>
-            <ac:cxnSpMk id="3" creationId="{7C79688D-A9BE-0B7D-1F05-88FC63EF0CEE}"/>
-          </ac:cxnSpMkLst>
-        </pc:cxnChg>
-        <pc:cxnChg chg="mod">
-          <ac:chgData name="Clark Necciai" userId="2d3c143e28508c56" providerId="LiveId" clId="{4A7DDA94-6371-42D1-B025-C351617463C0}" dt="2022-11-10T15:26:53.809" v="41" actId="14100"/>
-          <ac:cxnSpMkLst>
-            <pc:docMk/>
-            <pc:sldMk cId="3265300168" sldId="257"/>
-            <ac:cxnSpMk id="17" creationId="{2908FEA3-3F65-7118-477F-FCEC86E40A39}"/>
-          </ac:cxnSpMkLst>
-        </pc:cxnChg>
-        <pc:cxnChg chg="mod">
-          <ac:chgData name="Clark Necciai" userId="2d3c143e28508c56" providerId="LiveId" clId="{4A7DDA94-6371-42D1-B025-C351617463C0}" dt="2022-11-15T20:48:45.965" v="461" actId="1076"/>
-          <ac:cxnSpMkLst>
-            <pc:docMk/>
-            <pc:sldMk cId="3265300168" sldId="257"/>
-            <ac:cxnSpMk id="18" creationId="{96707A57-E3A1-652D-76B9-9CC1C91A65A1}"/>
-          </ac:cxnSpMkLst>
-        </pc:cxnChg>
-        <pc:cxnChg chg="add mod">
-          <ac:chgData name="Clark Necciai" userId="2d3c143e28508c56" providerId="LiveId" clId="{4A7DDA94-6371-42D1-B025-C351617463C0}" dt="2022-11-15T20:48:49.650" v="462" actId="1076"/>
-          <ac:cxnSpMkLst>
-            <pc:docMk/>
-            <pc:sldMk cId="3265300168" sldId="257"/>
-            <ac:cxnSpMk id="21" creationId="{CB8EDF73-4625-2318-98A1-F5350A9ADC30}"/>
-          </ac:cxnSpMkLst>
-        </pc:cxnChg>
-        <pc:cxnChg chg="add mod">
-          <ac:chgData name="Clark Necciai" userId="2d3c143e28508c56" providerId="LiveId" clId="{4A7DDA94-6371-42D1-B025-C351617463C0}" dt="2022-11-10T15:31:55.186" v="159" actId="1076"/>
-          <ac:cxnSpMkLst>
-            <pc:docMk/>
-            <pc:sldMk cId="3265300168" sldId="257"/>
-            <ac:cxnSpMk id="22" creationId="{15333F18-1238-FD55-1ED2-22F290DDD873}"/>
-          </ac:cxnSpMkLst>
-        </pc:cxnChg>
-        <pc:cxnChg chg="del mod">
-          <ac:chgData name="Clark Necciai" userId="2d3c143e28508c56" providerId="LiveId" clId="{4A7DDA94-6371-42D1-B025-C351617463C0}" dt="2022-11-15T20:48:17.990" v="454" actId="478"/>
-          <ac:cxnSpMkLst>
-            <pc:docMk/>
-            <pc:sldMk cId="3265300168" sldId="257"/>
-            <ac:cxnSpMk id="28" creationId="{2A6FC7FD-49B4-CA70-4548-E644A0AE6D58}"/>
-          </ac:cxnSpMkLst>
-        </pc:cxnChg>
-        <pc:cxnChg chg="mod">
-          <ac:chgData name="Clark Necciai" userId="2d3c143e28508c56" providerId="LiveId" clId="{4A7DDA94-6371-42D1-B025-C351617463C0}" dt="2022-11-15T20:46:37.385" v="440" actId="1076"/>
-          <ac:cxnSpMkLst>
-            <pc:docMk/>
-            <pc:sldMk cId="3265300168" sldId="257"/>
-            <ac:cxnSpMk id="29" creationId="{96E51764-604E-BA68-17AB-C96E314151A0}"/>
-          </ac:cxnSpMkLst>
-        </pc:cxnChg>
-        <pc:cxnChg chg="add mod">
-          <ac:chgData name="Clark Necciai" userId="2d3c143e28508c56" providerId="LiveId" clId="{4A7DDA94-6371-42D1-B025-C351617463C0}" dt="2022-11-10T15:35:26.033" v="170" actId="692"/>
-          <ac:cxnSpMkLst>
-            <pc:docMk/>
-            <pc:sldMk cId="3265300168" sldId="257"/>
-            <ac:cxnSpMk id="31" creationId="{8071CAE8-4D15-C46C-B8FE-2EEA5AF62A13}"/>
-          </ac:cxnSpMkLst>
-        </pc:cxnChg>
-        <pc:cxnChg chg="add mod">
-          <ac:chgData name="Clark Necciai" userId="2d3c143e28508c56" providerId="LiveId" clId="{4A7DDA94-6371-42D1-B025-C351617463C0}" dt="2022-11-15T20:48:49.650" v="462" actId="1076"/>
-          <ac:cxnSpMkLst>
-            <pc:docMk/>
-            <pc:sldMk cId="3265300168" sldId="257"/>
-            <ac:cxnSpMk id="35" creationId="{64603A7F-42B6-A491-3EE0-BB440D66FBA9}"/>
-          </ac:cxnSpMkLst>
-        </pc:cxnChg>
-        <pc:cxnChg chg="mod">
-          <ac:chgData name="Clark Necciai" userId="2d3c143e28508c56" providerId="LiveId" clId="{4A7DDA94-6371-42D1-B025-C351617463C0}" dt="2022-11-15T20:48:45.965" v="461" actId="1076"/>
-          <ac:cxnSpMkLst>
-            <pc:docMk/>
-            <pc:sldMk cId="3265300168" sldId="257"/>
-            <ac:cxnSpMk id="45" creationId="{44DB48E6-BEFA-8353-32B8-4C8A2A71CE99}"/>
-          </ac:cxnSpMkLst>
-        </pc:cxnChg>
-        <pc:cxnChg chg="mod">
-          <ac:chgData name="Clark Necciai" userId="2d3c143e28508c56" providerId="LiveId" clId="{4A7DDA94-6371-42D1-B025-C351617463C0}" dt="2022-11-15T20:48:45.965" v="461" actId="1076"/>
-          <ac:cxnSpMkLst>
-            <pc:docMk/>
-            <pc:sldMk cId="3265300168" sldId="257"/>
-            <ac:cxnSpMk id="49" creationId="{3A69E441-5885-1B5B-1A4D-62ABCD69D6CD}"/>
-          </ac:cxnSpMkLst>
-        </pc:cxnChg>
-      </pc:sldChg>
-      <pc:sldChg chg="delSp modSp mod">
-        <pc:chgData name="Clark Necciai" userId="2d3c143e28508c56" providerId="LiveId" clId="{4A7DDA94-6371-42D1-B025-C351617463C0}" dt="2022-11-10T15:38:02.150" v="214" actId="1076"/>
-        <pc:sldMkLst>
-          <pc:docMk/>
-          <pc:sldMk cId="2741865147" sldId="259"/>
-        </pc:sldMkLst>
-        <pc:spChg chg="del">
-          <ac:chgData name="Clark Necciai" userId="2d3c143e28508c56" providerId="LiveId" clId="{4A7DDA94-6371-42D1-B025-C351617463C0}" dt="2022-11-10T15:25:18.683" v="1" actId="478"/>
-          <ac:spMkLst>
-            <pc:docMk/>
-            <pc:sldMk cId="2741865147" sldId="259"/>
-            <ac:spMk id="5" creationId="{066223B1-B84F-2D14-FBFE-6B79371FA81F}"/>
-          </ac:spMkLst>
-        </pc:spChg>
-        <pc:spChg chg="mod">
-          <ac:chgData name="Clark Necciai" userId="2d3c143e28508c56" providerId="LiveId" clId="{4A7DDA94-6371-42D1-B025-C351617463C0}" dt="2022-11-10T15:38:00.292" v="212" actId="1076"/>
-          <ac:spMkLst>
-            <pc:docMk/>
-            <pc:sldMk cId="2741865147" sldId="259"/>
-            <ac:spMk id="6" creationId="{447B28B3-62F3-290B-E37D-6C9BA063259D}"/>
-          </ac:spMkLst>
-        </pc:spChg>
-        <pc:spChg chg="mod">
-          <ac:chgData name="Clark Necciai" userId="2d3c143e28508c56" providerId="LiveId" clId="{4A7DDA94-6371-42D1-B025-C351617463C0}" dt="2022-11-10T15:25:25.280" v="6" actId="1076"/>
-          <ac:spMkLst>
-            <pc:docMk/>
-            <pc:sldMk cId="2741865147" sldId="259"/>
-            <ac:spMk id="7" creationId="{25E964E7-99DE-1239-D786-70B14193E0D2}"/>
-          </ac:spMkLst>
-        </pc:spChg>
-        <pc:spChg chg="del">
-          <ac:chgData name="Clark Necciai" userId="2d3c143e28508c56" providerId="LiveId" clId="{4A7DDA94-6371-42D1-B025-C351617463C0}" dt="2022-11-10T15:25:18.064" v="0" actId="478"/>
-          <ac:spMkLst>
-            <pc:docMk/>
-            <pc:sldMk cId="2741865147" sldId="259"/>
-            <ac:spMk id="8" creationId="{3D8C3E6B-2AE1-0A03-1A6E-B1D1186E90EE}"/>
-          </ac:spMkLst>
-        </pc:spChg>
-        <pc:spChg chg="del">
-          <ac:chgData name="Clark Necciai" userId="2d3c143e28508c56" providerId="LiveId" clId="{4A7DDA94-6371-42D1-B025-C351617463C0}" dt="2022-11-10T15:25:19.643" v="2" actId="478"/>
-          <ac:spMkLst>
-            <pc:docMk/>
-            <pc:sldMk cId="2741865147" sldId="259"/>
-            <ac:spMk id="9" creationId="{A07A628D-644A-468F-3FFA-45614AB26C4A}"/>
-          </ac:spMkLst>
-        </pc:spChg>
-        <pc:spChg chg="mod">
-          <ac:chgData name="Clark Necciai" userId="2d3c143e28508c56" providerId="LiveId" clId="{4A7DDA94-6371-42D1-B025-C351617463C0}" dt="2022-11-10T15:38:02.150" v="214" actId="1076"/>
-          <ac:spMkLst>
-            <pc:docMk/>
-            <pc:sldMk cId="2741865147" sldId="259"/>
-            <ac:spMk id="10" creationId="{298EE954-4EA3-FDAF-9183-74D74A43262F}"/>
-          </ac:spMkLst>
-        </pc:spChg>
-        <pc:spChg chg="mod">
-          <ac:chgData name="Clark Necciai" userId="2d3c143e28508c56" providerId="LiveId" clId="{4A7DDA94-6371-42D1-B025-C351617463C0}" dt="2022-11-10T15:38:01.241" v="213" actId="1076"/>
-          <ac:spMkLst>
-            <pc:docMk/>
-            <pc:sldMk cId="2741865147" sldId="259"/>
-            <ac:spMk id="11" creationId="{C5D7E4A1-5C41-BC6E-D19E-FFD3E6AE88F6}"/>
-          </ac:spMkLst>
-        </pc:spChg>
-        <pc:spChg chg="mod">
-          <ac:chgData name="Clark Necciai" userId="2d3c143e28508c56" providerId="LiveId" clId="{4A7DDA94-6371-42D1-B025-C351617463C0}" dt="2022-11-10T15:37:59.215" v="211" actId="1076"/>
-          <ac:spMkLst>
-            <pc:docMk/>
-            <pc:sldMk cId="2741865147" sldId="259"/>
-            <ac:spMk id="12" creationId="{900FADDD-C907-2638-6CAC-45829E5065EF}"/>
-          </ac:spMkLst>
-        </pc:spChg>
-        <pc:cxnChg chg="mod">
-          <ac:chgData name="Clark Necciai" userId="2d3c143e28508c56" providerId="LiveId" clId="{4A7DDA94-6371-42D1-B025-C351617463C0}" dt="2022-11-10T15:25:25.280" v="6" actId="1076"/>
-          <ac:cxnSpMkLst>
-            <pc:docMk/>
-            <pc:sldMk cId="2741865147" sldId="259"/>
-            <ac:cxnSpMk id="20" creationId="{8A9934D4-824E-69C0-BE9C-89F258C16798}"/>
-          </ac:cxnSpMkLst>
-        </pc:cxnChg>
-        <pc:cxnChg chg="del mod">
-          <ac:chgData name="Clark Necciai" userId="2d3c143e28508c56" providerId="LiveId" clId="{4A7DDA94-6371-42D1-B025-C351617463C0}" dt="2022-11-10T15:25:21.901" v="4" actId="478"/>
-          <ac:cxnSpMkLst>
-            <pc:docMk/>
-            <pc:sldMk cId="2741865147" sldId="259"/>
-            <ac:cxnSpMk id="23" creationId="{32FCAEAE-67A6-6849-428D-54E492C50C29}"/>
-          </ac:cxnSpMkLst>
-        </pc:cxnChg>
-        <pc:cxnChg chg="del mod">
-          <ac:chgData name="Clark Necciai" userId="2d3c143e28508c56" providerId="LiveId" clId="{4A7DDA94-6371-42D1-B025-C351617463C0}" dt="2022-11-10T15:25:22.704" v="5" actId="478"/>
-          <ac:cxnSpMkLst>
-            <pc:docMk/>
-            <pc:sldMk cId="2741865147" sldId="259"/>
-            <ac:cxnSpMk id="26" creationId="{9E1B4B4D-D670-1758-ACA2-8546A2FBCB5C}"/>
-          </ac:cxnSpMkLst>
-        </pc:cxnChg>
-        <pc:cxnChg chg="del mod">
-          <ac:chgData name="Clark Necciai" userId="2d3c143e28508c56" providerId="LiveId" clId="{4A7DDA94-6371-42D1-B025-C351617463C0}" dt="2022-11-10T15:25:21.225" v="3" actId="478"/>
-          <ac:cxnSpMkLst>
-            <pc:docMk/>
-            <pc:sldMk cId="2741865147" sldId="259"/>
-            <ac:cxnSpMk id="29" creationId="{05580FF9-95A9-0480-A2BF-61EC898479C2}"/>
-          </ac:cxnSpMkLst>
-        </pc:cxnChg>
-        <pc:cxnChg chg="mod">
-          <ac:chgData name="Clark Necciai" userId="2d3c143e28508c56" providerId="LiveId" clId="{4A7DDA94-6371-42D1-B025-C351617463C0}" dt="2022-11-10T15:38:02.150" v="214" actId="1076"/>
-          <ac:cxnSpMkLst>
-            <pc:docMk/>
-            <pc:sldMk cId="2741865147" sldId="259"/>
-            <ac:cxnSpMk id="33" creationId="{34BB4620-8EE0-E6D1-25B9-F91EE66F9296}"/>
-          </ac:cxnSpMkLst>
-        </pc:cxnChg>
-        <pc:cxnChg chg="mod">
-          <ac:chgData name="Clark Necciai" userId="2d3c143e28508c56" providerId="LiveId" clId="{4A7DDA94-6371-42D1-B025-C351617463C0}" dt="2022-11-10T15:38:01.241" v="213" actId="1076"/>
-          <ac:cxnSpMkLst>
-            <pc:docMk/>
-            <pc:sldMk cId="2741865147" sldId="259"/>
-            <ac:cxnSpMk id="36" creationId="{275E30C0-5BBF-8836-D99D-B15538B244D8}"/>
-          </ac:cxnSpMkLst>
-        </pc:cxnChg>
-        <pc:cxnChg chg="mod">
-          <ac:chgData name="Clark Necciai" userId="2d3c143e28508c56" providerId="LiveId" clId="{4A7DDA94-6371-42D1-B025-C351617463C0}" dt="2022-11-10T15:38:00.292" v="212" actId="1076"/>
-          <ac:cxnSpMkLst>
-            <pc:docMk/>
-            <pc:sldMk cId="2741865147" sldId="259"/>
-            <ac:cxnSpMk id="40" creationId="{27085B2D-6422-3018-4498-A60FD1971F01}"/>
-          </ac:cxnSpMkLst>
-        </pc:cxnChg>
-        <pc:cxnChg chg="mod">
-          <ac:chgData name="Clark Necciai" userId="2d3c143e28508c56" providerId="LiveId" clId="{4A7DDA94-6371-42D1-B025-C351617463C0}" dt="2022-11-10T15:37:59.215" v="211" actId="1076"/>
-          <ac:cxnSpMkLst>
-            <pc:docMk/>
-            <pc:sldMk cId="2741865147" sldId="259"/>
-            <ac:cxnSpMk id="43" creationId="{3C68F683-9EF4-C3F2-E664-742E7B0403EB}"/>
-          </ac:cxnSpMkLst>
-        </pc:cxnChg>
-      </pc:sldChg>
-      <pc:sldChg chg="modSp mod">
-        <pc:chgData name="Clark Necciai" userId="2d3c143e28508c56" providerId="LiveId" clId="{4A7DDA94-6371-42D1-B025-C351617463C0}" dt="2022-11-10T15:41:41.512" v="388" actId="20577"/>
-        <pc:sldMkLst>
-          <pc:docMk/>
-          <pc:sldMk cId="1871788821" sldId="260"/>
-        </pc:sldMkLst>
-        <pc:spChg chg="mod">
-          <ac:chgData name="Clark Necciai" userId="2d3c143e28508c56" providerId="LiveId" clId="{4A7DDA94-6371-42D1-B025-C351617463C0}" dt="2022-11-10T15:41:41.512" v="388" actId="20577"/>
-          <ac:spMkLst>
-            <pc:docMk/>
-            <pc:sldMk cId="1871788821" sldId="260"/>
-            <ac:spMk id="3" creationId="{59C44DD6-9389-6B4C-6D7C-CE926EF1EED2}"/>
-          </ac:spMkLst>
-        </pc:spChg>
-      </pc:sldChg>
-      <pc:sldChg chg="modSp mod">
-        <pc:chgData name="Clark Necciai" userId="2d3c143e28508c56" providerId="LiveId" clId="{4A7DDA94-6371-42D1-B025-C351617463C0}" dt="2022-11-10T18:43:45.017" v="402" actId="20577"/>
-        <pc:sldMkLst>
-          <pc:docMk/>
-          <pc:sldMk cId="298272431" sldId="261"/>
-        </pc:sldMkLst>
-        <pc:spChg chg="mod">
-          <ac:chgData name="Clark Necciai" userId="2d3c143e28508c56" providerId="LiveId" clId="{4A7DDA94-6371-42D1-B025-C351617463C0}" dt="2022-11-10T18:43:45.017" v="402" actId="20577"/>
-          <ac:spMkLst>
-            <pc:docMk/>
-            <pc:sldMk cId="298272431" sldId="261"/>
-            <ac:spMk id="14" creationId="{78A00FC0-0405-9527-02BB-751FA92154E5}"/>
-          </ac:spMkLst>
-        </pc:spChg>
-        <pc:spChg chg="mod">
-          <ac:chgData name="Clark Necciai" userId="2d3c143e28508c56" providerId="LiveId" clId="{4A7DDA94-6371-42D1-B025-C351617463C0}" dt="2022-11-10T15:40:32.573" v="295" actId="20577"/>
-          <ac:spMkLst>
-            <pc:docMk/>
-            <pc:sldMk cId="298272431" sldId="261"/>
-            <ac:spMk id="15" creationId="{645AFB24-AF41-6A9E-0A67-ADDB00DBC052}"/>
-          </ac:spMkLst>
-        </pc:spChg>
-      </pc:sldChg>
-      <pc:sldChg chg="addSp delSp modSp mod">
-        <pc:chgData name="Clark Necciai" userId="2d3c143e28508c56" providerId="LiveId" clId="{4A7DDA94-6371-42D1-B025-C351617463C0}" dt="2022-11-10T17:22:51.880" v="400" actId="1076"/>
-        <pc:sldMkLst>
-          <pc:docMk/>
-          <pc:sldMk cId="804916847" sldId="262"/>
-        </pc:sldMkLst>
-        <pc:spChg chg="add del mod">
-          <ac:chgData name="Clark Necciai" userId="2d3c143e28508c56" providerId="LiveId" clId="{4A7DDA94-6371-42D1-B025-C351617463C0}" dt="2022-11-10T15:30:30.175" v="103" actId="21"/>
-          <ac:spMkLst>
-            <pc:docMk/>
-            <pc:sldMk cId="804916847" sldId="262"/>
-            <ac:spMk id="2" creationId="{BC817C43-E9AF-756A-C6E8-94E4E8B34730}"/>
-          </ac:spMkLst>
-        </pc:spChg>
-        <pc:spChg chg="mod">
-          <ac:chgData name="Clark Necciai" userId="2d3c143e28508c56" providerId="LiveId" clId="{4A7DDA94-6371-42D1-B025-C351617463C0}" dt="2022-11-10T17:22:28.127" v="394" actId="14100"/>
-          <ac:spMkLst>
-            <pc:docMk/>
-            <pc:sldMk cId="804916847" sldId="262"/>
-            <ac:spMk id="3" creationId="{37B4A138-19A4-8C60-1F83-BF00B5CE4074}"/>
-          </ac:spMkLst>
-        </pc:spChg>
-        <pc:spChg chg="mod">
-          <ac:chgData name="Clark Necciai" userId="2d3c143e28508c56" providerId="LiveId" clId="{4A7DDA94-6371-42D1-B025-C351617463C0}" dt="2022-11-10T15:36:24.869" v="182" actId="1076"/>
-          <ac:spMkLst>
-            <pc:docMk/>
-            <pc:sldMk cId="804916847" sldId="262"/>
-            <ac:spMk id="4" creationId="{49FA73DF-3738-EDE6-43FE-9FD5FA590594}"/>
-          </ac:spMkLst>
-        </pc:spChg>
-        <pc:spChg chg="mod">
-          <ac:chgData name="Clark Necciai" userId="2d3c143e28508c56" providerId="LiveId" clId="{4A7DDA94-6371-42D1-B025-C351617463C0}" dt="2022-11-10T17:22:22.504" v="391" actId="1076"/>
-          <ac:spMkLst>
-            <pc:docMk/>
-            <pc:sldMk cId="804916847" sldId="262"/>
-            <ac:spMk id="8" creationId="{37D7C8C4-A62D-EE1B-6A0A-862D6219969E}"/>
-          </ac:spMkLst>
-        </pc:spChg>
-        <pc:spChg chg="mod">
-          <ac:chgData name="Clark Necciai" userId="2d3c143e28508c56" providerId="LiveId" clId="{4A7DDA94-6371-42D1-B025-C351617463C0}" dt="2022-11-10T15:36:29.188" v="184" actId="1076"/>
-          <ac:spMkLst>
-            <pc:docMk/>
-            <pc:sldMk cId="804916847" sldId="262"/>
-            <ac:spMk id="13" creationId="{C8C613BA-362A-DCC3-145C-A77FEF830EE5}"/>
-          </ac:spMkLst>
-        </pc:spChg>
-        <pc:spChg chg="add mod">
-          <ac:chgData name="Clark Necciai" userId="2d3c143e28508c56" providerId="LiveId" clId="{4A7DDA94-6371-42D1-B025-C351617463C0}" dt="2022-11-10T15:38:43.664" v="217" actId="1076"/>
-          <ac:spMkLst>
-            <pc:docMk/>
-            <pc:sldMk cId="804916847" sldId="262"/>
-            <ac:spMk id="42" creationId="{7F5B2175-151D-A4C4-48E7-997C314BDAD1}"/>
-          </ac:spMkLst>
-        </pc:spChg>
-        <pc:spChg chg="mod">
-          <ac:chgData name="Clark Necciai" userId="2d3c143e28508c56" providerId="LiveId" clId="{4A7DDA94-6371-42D1-B025-C351617463C0}" dt="2022-11-10T15:36:51.950" v="193" actId="1076"/>
-          <ac:spMkLst>
-            <pc:docMk/>
-            <pc:sldMk cId="804916847" sldId="262"/>
-            <ac:spMk id="44" creationId="{ABB099F3-34FE-2449-5921-87CFFD7D4A65}"/>
-          </ac:spMkLst>
-        </pc:spChg>
-        <pc:spChg chg="add del mod">
-          <ac:chgData name="Clark Necciai" userId="2d3c143e28508c56" providerId="LiveId" clId="{4A7DDA94-6371-42D1-B025-C351617463C0}" dt="2022-11-10T15:38:39.891" v="215" actId="478"/>
-          <ac:spMkLst>
-            <pc:docMk/>
-            <pc:sldMk cId="804916847" sldId="262"/>
-            <ac:spMk id="46" creationId="{4D52B6B2-B492-444C-E2FE-29C85ACCFC46}"/>
-          </ac:spMkLst>
-        </pc:spChg>
-        <pc:spChg chg="add mod">
-          <ac:chgData name="Clark Necciai" userId="2d3c143e28508c56" providerId="LiveId" clId="{4A7DDA94-6371-42D1-B025-C351617463C0}" dt="2022-11-10T17:22:51.880" v="400" actId="1076"/>
-          <ac:spMkLst>
-            <pc:docMk/>
-            <pc:sldMk cId="804916847" sldId="262"/>
-            <ac:spMk id="47" creationId="{1C687A2B-D75D-CD26-4B3B-8F77663D1073}"/>
-          </ac:spMkLst>
-        </pc:spChg>
-        <pc:spChg chg="add mod">
-          <ac:chgData name="Clark Necciai" userId="2d3c143e28508c56" providerId="LiveId" clId="{4A7DDA94-6371-42D1-B025-C351617463C0}" dt="2022-11-10T17:22:49.386" v="399" actId="1076"/>
-          <ac:spMkLst>
-            <pc:docMk/>
-            <pc:sldMk cId="804916847" sldId="262"/>
-            <ac:spMk id="49" creationId="{1713136E-260E-2057-5ACA-9ADC9B6BFE22}"/>
-          </ac:spMkLst>
-        </pc:spChg>
-        <pc:spChg chg="mod">
-          <ac:chgData name="Clark Necciai" userId="2d3c143e28508c56" providerId="LiveId" clId="{4A7DDA94-6371-42D1-B025-C351617463C0}" dt="2022-11-10T15:36:27.311" v="183" actId="1076"/>
-          <ac:spMkLst>
-            <pc:docMk/>
-            <pc:sldMk cId="804916847" sldId="262"/>
-            <ac:spMk id="63" creationId="{0737FC5F-2528-97B6-16A0-3731D8E6B3A2}"/>
-          </ac:spMkLst>
-        </pc:spChg>
-        <pc:spChg chg="mod">
-          <ac:chgData name="Clark Necciai" userId="2d3c143e28508c56" providerId="LiveId" clId="{4A7DDA94-6371-42D1-B025-C351617463C0}" dt="2022-11-10T15:36:57.540" v="196" actId="1076"/>
-          <ac:spMkLst>
-            <pc:docMk/>
-            <pc:sldMk cId="804916847" sldId="262"/>
-            <ac:spMk id="64" creationId="{541D6C8A-22C1-F9D8-8D20-9C159E64CE4F}"/>
-          </ac:spMkLst>
-        </pc:spChg>
-        <pc:spChg chg="mod">
-          <ac:chgData name="Clark Necciai" userId="2d3c143e28508c56" providerId="LiveId" clId="{4A7DDA94-6371-42D1-B025-C351617463C0}" dt="2022-11-10T15:36:53.873" v="194" actId="1076"/>
-          <ac:spMkLst>
-            <pc:docMk/>
-            <pc:sldMk cId="804916847" sldId="262"/>
-            <ac:spMk id="65" creationId="{EC784165-8B9F-0EFC-8C9B-203B97E34B5D}"/>
-          </ac:spMkLst>
-        </pc:spChg>
-        <pc:spChg chg="mod">
-          <ac:chgData name="Clark Necciai" userId="2d3c143e28508c56" providerId="LiveId" clId="{4A7DDA94-6371-42D1-B025-C351617463C0}" dt="2022-11-10T15:36:55.645" v="195" actId="1076"/>
-          <ac:spMkLst>
-            <pc:docMk/>
-            <pc:sldMk cId="804916847" sldId="262"/>
-            <ac:spMk id="66" creationId="{1F057F01-9458-9F80-69FF-FBECB3265856}"/>
-          </ac:spMkLst>
-        </pc:spChg>
-        <pc:spChg chg="mod">
-          <ac:chgData name="Clark Necciai" userId="2d3c143e28508c56" providerId="LiveId" clId="{4A7DDA94-6371-42D1-B025-C351617463C0}" dt="2022-11-10T15:36:50.607" v="192" actId="1076"/>
-          <ac:spMkLst>
-            <pc:docMk/>
-            <pc:sldMk cId="804916847" sldId="262"/>
-            <ac:spMk id="67" creationId="{6A3EB60A-51DC-F3F1-4615-140FBF7D2523}"/>
-          </ac:spMkLst>
-        </pc:spChg>
-        <pc:spChg chg="mod">
-          <ac:chgData name="Clark Necciai" userId="2d3c143e28508c56" providerId="LiveId" clId="{4A7DDA94-6371-42D1-B025-C351617463C0}" dt="2022-11-10T17:22:37.129" v="396" actId="1076"/>
-          <ac:spMkLst>
-            <pc:docMk/>
-            <pc:sldMk cId="804916847" sldId="262"/>
-            <ac:spMk id="68" creationId="{18F3115D-1711-31B7-F619-1F8F222BEBAA}"/>
-          </ac:spMkLst>
-        </pc:spChg>
-        <pc:spChg chg="del">
-          <ac:chgData name="Clark Necciai" userId="2d3c143e28508c56" providerId="LiveId" clId="{4A7DDA94-6371-42D1-B025-C351617463C0}" dt="2022-11-10T15:36:46.023" v="189" actId="478"/>
-          <ac:spMkLst>
-            <pc:docMk/>
-            <pc:sldMk cId="804916847" sldId="262"/>
-            <ac:spMk id="69" creationId="{26BB20C4-8BE6-1E04-0C34-BEEB9FBEE7D8}"/>
-          </ac:spMkLst>
-        </pc:spChg>
-        <pc:spChg chg="mod">
-          <ac:chgData name="Clark Necciai" userId="2d3c143e28508c56" providerId="LiveId" clId="{4A7DDA94-6371-42D1-B025-C351617463C0}" dt="2022-11-10T17:22:39.097" v="397" actId="1076"/>
-          <ac:spMkLst>
-            <pc:docMk/>
-            <pc:sldMk cId="804916847" sldId="262"/>
-            <ac:spMk id="70" creationId="{23BE8124-FF89-BBB3-52FD-034DB657D323}"/>
-          </ac:spMkLst>
-        </pc:spChg>
-        <pc:cxnChg chg="mod">
-          <ac:chgData name="Clark Necciai" userId="2d3c143e28508c56" providerId="LiveId" clId="{4A7DDA94-6371-42D1-B025-C351617463C0}" dt="2022-11-10T17:22:22.504" v="391" actId="1076"/>
-          <ac:cxnSpMkLst>
-            <pc:docMk/>
-            <pc:sldMk cId="804916847" sldId="262"/>
-            <ac:cxnSpMk id="10" creationId="{8073A10E-A8B8-B2E4-4584-3205A8E38915}"/>
-          </ac:cxnSpMkLst>
-        </pc:cxnChg>
-        <pc:cxnChg chg="mod">
-          <ac:chgData name="Clark Necciai" userId="2d3c143e28508c56" providerId="LiveId" clId="{4A7DDA94-6371-42D1-B025-C351617463C0}" dt="2022-11-10T15:36:29.188" v="184" actId="1076"/>
-          <ac:cxnSpMkLst>
-            <pc:docMk/>
-            <pc:sldMk cId="804916847" sldId="262"/>
-            <ac:cxnSpMk id="14" creationId="{7385F875-491E-0A9C-5FF4-9BA918EFC8D1}"/>
-          </ac:cxnSpMkLst>
-        </pc:cxnChg>
-        <pc:cxnChg chg="mod">
-          <ac:chgData name="Clark Necciai" userId="2d3c143e28508c56" providerId="LiveId" clId="{4A7DDA94-6371-42D1-B025-C351617463C0}" dt="2022-11-10T17:22:29.962" v="395" actId="14100"/>
-          <ac:cxnSpMkLst>
-            <pc:docMk/>
-            <pc:sldMk cId="804916847" sldId="262"/>
-            <ac:cxnSpMk id="17" creationId="{05C61E30-9BFD-8251-939D-2662AE0E24B5}"/>
-          </ac:cxnSpMkLst>
-        </pc:cxnChg>
-        <pc:cxnChg chg="add mod">
-          <ac:chgData name="Clark Necciai" userId="2d3c143e28508c56" providerId="LiveId" clId="{4A7DDA94-6371-42D1-B025-C351617463C0}" dt="2022-11-10T17:22:49.386" v="399" actId="1076"/>
-          <ac:cxnSpMkLst>
-            <pc:docMk/>
-            <pc:sldMk cId="804916847" sldId="262"/>
-            <ac:cxnSpMk id="43" creationId="{826938B7-2B4A-6E6D-7BCA-D9A22D590929}"/>
-          </ac:cxnSpMkLst>
-        </pc:cxnChg>
-        <pc:cxnChg chg="add mod">
-          <ac:chgData name="Clark Necciai" userId="2d3c143e28508c56" providerId="LiveId" clId="{4A7DDA94-6371-42D1-B025-C351617463C0}" dt="2022-11-10T17:22:51.880" v="400" actId="1076"/>
-          <ac:cxnSpMkLst>
-            <pc:docMk/>
-            <pc:sldMk cId="804916847" sldId="262"/>
-            <ac:cxnSpMk id="45" creationId="{8924DA3C-A942-D568-B5DA-2D5804E66ABC}"/>
-          </ac:cxnSpMkLst>
-        </pc:cxnChg>
-        <pc:cxnChg chg="mod">
-          <ac:chgData name="Clark Necciai" userId="2d3c143e28508c56" providerId="LiveId" clId="{4A7DDA94-6371-42D1-B025-C351617463C0}" dt="2022-11-10T15:36:51.950" v="193" actId="1076"/>
-          <ac:cxnSpMkLst>
-            <pc:docMk/>
-            <pc:sldMk cId="804916847" sldId="262"/>
-            <ac:cxnSpMk id="48" creationId="{2B4DE48D-43FF-185D-DA97-55DC167D103D}"/>
-          </ac:cxnSpMkLst>
-        </pc:cxnChg>
-        <pc:cxnChg chg="add del mod">
-          <ac:chgData name="Clark Necciai" userId="2d3c143e28508c56" providerId="LiveId" clId="{4A7DDA94-6371-42D1-B025-C351617463C0}" dt="2022-11-10T15:38:42.092" v="216" actId="478"/>
-          <ac:cxnSpMkLst>
-            <pc:docMk/>
-            <pc:sldMk cId="804916847" sldId="262"/>
-            <ac:cxnSpMk id="50" creationId="{206AEDE7-8EC3-0897-546F-FA1A86D7065E}"/>
-          </ac:cxnSpMkLst>
-        </pc:cxnChg>
-        <pc:cxnChg chg="mod">
-          <ac:chgData name="Clark Necciai" userId="2d3c143e28508c56" providerId="LiveId" clId="{4A7DDA94-6371-42D1-B025-C351617463C0}" dt="2022-11-10T15:36:27.311" v="183" actId="1076"/>
-          <ac:cxnSpMkLst>
-            <pc:docMk/>
-            <pc:sldMk cId="804916847" sldId="262"/>
-            <ac:cxnSpMk id="71" creationId="{AC968C82-3B61-1831-FCD2-2AFF732F41C0}"/>
-          </ac:cxnSpMkLst>
-        </pc:cxnChg>
-        <pc:cxnChg chg="mod">
-          <ac:chgData name="Clark Necciai" userId="2d3c143e28508c56" providerId="LiveId" clId="{4A7DDA94-6371-42D1-B025-C351617463C0}" dt="2022-11-10T15:36:50.607" v="192" actId="1076"/>
-          <ac:cxnSpMkLst>
-            <pc:docMk/>
-            <pc:sldMk cId="804916847" sldId="262"/>
-            <ac:cxnSpMk id="76" creationId="{74D6E3A2-6F14-8490-6179-06D757C6C3BD}"/>
-          </ac:cxnSpMkLst>
-        </pc:cxnChg>
-        <pc:cxnChg chg="mod">
-          <ac:chgData name="Clark Necciai" userId="2d3c143e28508c56" providerId="LiveId" clId="{4A7DDA94-6371-42D1-B025-C351617463C0}" dt="2022-11-10T15:36:53.873" v="194" actId="1076"/>
-          <ac:cxnSpMkLst>
-            <pc:docMk/>
-            <pc:sldMk cId="804916847" sldId="262"/>
-            <ac:cxnSpMk id="79" creationId="{A228EE20-5CEC-7B44-AEFA-D166DA374C82}"/>
-          </ac:cxnSpMkLst>
-        </pc:cxnChg>
-        <pc:cxnChg chg="mod">
-          <ac:chgData name="Clark Necciai" userId="2d3c143e28508c56" providerId="LiveId" clId="{4A7DDA94-6371-42D1-B025-C351617463C0}" dt="2022-11-10T15:36:55.645" v="195" actId="1076"/>
-          <ac:cxnSpMkLst>
-            <pc:docMk/>
-            <pc:sldMk cId="804916847" sldId="262"/>
-            <ac:cxnSpMk id="82" creationId="{19B3D5D7-359B-C410-3C3C-AE077E298AED}"/>
-          </ac:cxnSpMkLst>
-        </pc:cxnChg>
-        <pc:cxnChg chg="mod">
-          <ac:chgData name="Clark Necciai" userId="2d3c143e28508c56" providerId="LiveId" clId="{4A7DDA94-6371-42D1-B025-C351617463C0}" dt="2022-11-10T15:36:57.540" v="196" actId="1076"/>
-          <ac:cxnSpMkLst>
-            <pc:docMk/>
-            <pc:sldMk cId="804916847" sldId="262"/>
-            <ac:cxnSpMk id="85" creationId="{C79CCE4D-13EA-72E4-4EB5-C601C4B0765D}"/>
-          </ac:cxnSpMkLst>
-        </pc:cxnChg>
-        <pc:cxnChg chg="mod">
-          <ac:chgData name="Clark Necciai" userId="2d3c143e28508c56" providerId="LiveId" clId="{4A7DDA94-6371-42D1-B025-C351617463C0}" dt="2022-11-10T17:22:39.097" v="397" actId="1076"/>
-          <ac:cxnSpMkLst>
-            <pc:docMk/>
-            <pc:sldMk cId="804916847" sldId="262"/>
-            <ac:cxnSpMk id="89" creationId="{CD7E0F41-2768-E694-C916-4048BE80CA72}"/>
-          </ac:cxnSpMkLst>
-        </pc:cxnChg>
-        <pc:cxnChg chg="del mod">
-          <ac:chgData name="Clark Necciai" userId="2d3c143e28508c56" providerId="LiveId" clId="{4A7DDA94-6371-42D1-B025-C351617463C0}" dt="2022-11-10T15:36:46.752" v="190" actId="478"/>
-          <ac:cxnSpMkLst>
-            <pc:docMk/>
-            <pc:sldMk cId="804916847" sldId="262"/>
-            <ac:cxnSpMk id="90" creationId="{7C8B479A-B08B-0147-6969-DF366D79A4A7}"/>
-          </ac:cxnSpMkLst>
-        </pc:cxnChg>
-        <pc:cxnChg chg="mod">
-          <ac:chgData name="Clark Necciai" userId="2d3c143e28508c56" providerId="LiveId" clId="{4A7DDA94-6371-42D1-B025-C351617463C0}" dt="2022-11-10T17:22:37.129" v="396" actId="1076"/>
-          <ac:cxnSpMkLst>
-            <pc:docMk/>
-            <pc:sldMk cId="804916847" sldId="262"/>
-            <ac:cxnSpMk id="91" creationId="{AEF3D326-3650-E95A-C64C-DFCF751F6AB8}"/>
-          </ac:cxnSpMkLst>
-        </pc:cxnChg>
-      </pc:sldChg>
-      <pc:sldChg chg="addSp delSp modSp new del mod">
-        <pc:chgData name="Clark Necciai" userId="2d3c143e28508c56" providerId="LiveId" clId="{4A7DDA94-6371-42D1-B025-C351617463C0}" dt="2022-11-10T15:38:56.203" v="220" actId="47"/>
-        <pc:sldMkLst>
-          <pc:docMk/>
-          <pc:sldMk cId="1467993957" sldId="263"/>
-        </pc:sldMkLst>
-        <pc:spChg chg="del mod topLvl">
-          <ac:chgData name="Clark Necciai" userId="2d3c143e28508c56" providerId="LiveId" clId="{4A7DDA94-6371-42D1-B025-C351617463C0}" dt="2022-11-10T15:37:30.151" v="197" actId="21"/>
-          <ac:spMkLst>
-            <pc:docMk/>
-            <pc:sldMk cId="1467993957" sldId="263"/>
-            <ac:spMk id="3" creationId="{98084D88-ADD7-03DF-B6F5-B252EAD5B875}"/>
-          </ac:spMkLst>
-        </pc:spChg>
-        <pc:spChg chg="del mod topLvl">
-          <ac:chgData name="Clark Necciai" userId="2d3c143e28508c56" providerId="LiveId" clId="{4A7DDA94-6371-42D1-B025-C351617463C0}" dt="2022-11-10T15:34:29.286" v="168" actId="478"/>
-          <ac:spMkLst>
-            <pc:docMk/>
-            <pc:sldMk cId="1467993957" sldId="263"/>
-            <ac:spMk id="4" creationId="{5826AF91-08E4-6D6E-DAC9-A10B4580FC73}"/>
-          </ac:spMkLst>
-        </pc:spChg>
-        <pc:spChg chg="add del mod">
-          <ac:chgData name="Clark Necciai" userId="2d3c143e28508c56" providerId="LiveId" clId="{4A7DDA94-6371-42D1-B025-C351617463C0}" dt="2022-11-10T15:31:25.414" v="151" actId="478"/>
-          <ac:spMkLst>
-            <pc:docMk/>
-            <pc:sldMk cId="1467993957" sldId="263"/>
-            <ac:spMk id="11" creationId="{865A94B5-8A0F-CCD6-2BCF-2D9A10D165CB}"/>
-          </ac:spMkLst>
-        </pc:spChg>
-        <pc:spChg chg="add del mod">
-          <ac:chgData name="Clark Necciai" userId="2d3c143e28508c56" providerId="LiveId" clId="{4A7DDA94-6371-42D1-B025-C351617463C0}" dt="2022-11-10T15:37:30.151" v="197" actId="21"/>
-          <ac:spMkLst>
-            <pc:docMk/>
-            <pc:sldMk cId="1467993957" sldId="263"/>
-            <ac:spMk id="12" creationId="{D1973D95-E208-27E9-4C3F-4220158FB26F}"/>
-          </ac:spMkLst>
-        </pc:spChg>
-        <pc:spChg chg="add del mod">
-          <ac:chgData name="Clark Necciai" userId="2d3c143e28508c56" providerId="LiveId" clId="{4A7DDA94-6371-42D1-B025-C351617463C0}" dt="2022-11-10T15:37:30.151" v="197" actId="21"/>
-          <ac:spMkLst>
-            <pc:docMk/>
-            <pc:sldMk cId="1467993957" sldId="263"/>
-            <ac:spMk id="13" creationId="{7C0545EB-6263-8206-FAAF-83DE4EDEDB8A}"/>
-          </ac:spMkLst>
-        </pc:spChg>
-        <pc:spChg chg="add del mod">
-          <ac:chgData name="Clark Necciai" userId="2d3c143e28508c56" providerId="LiveId" clId="{4A7DDA94-6371-42D1-B025-C351617463C0}" dt="2022-11-10T15:37:30.151" v="197" actId="21"/>
-          <ac:spMkLst>
-            <pc:docMk/>
-            <pc:sldMk cId="1467993957" sldId="263"/>
-            <ac:spMk id="15" creationId="{6F47CFC5-F53A-0E75-D3B1-412233AF2CC0}"/>
-          </ac:spMkLst>
-        </pc:spChg>
-        <pc:grpChg chg="add del mod">
-          <ac:chgData name="Clark Necciai" userId="2d3c143e28508c56" providerId="LiveId" clId="{4A7DDA94-6371-42D1-B025-C351617463C0}" dt="2022-11-10T15:34:27.187" v="167" actId="165"/>
-          <ac:grpSpMkLst>
-            <pc:docMk/>
-            <pc:sldMk cId="1467993957" sldId="263"/>
-            <ac:grpSpMk id="2" creationId="{33B7DB99-A0DF-892A-ACF1-511188ACAF4D}"/>
-          </ac:grpSpMkLst>
-        </pc:grpChg>
-        <pc:cxnChg chg="add del mod">
-          <ac:chgData name="Clark Necciai" userId="2d3c143e28508c56" providerId="LiveId" clId="{4A7DDA94-6371-42D1-B025-C351617463C0}" dt="2022-11-10T15:37:30.151" v="197" actId="21"/>
-          <ac:cxnSpMkLst>
-            <pc:docMk/>
-            <pc:sldMk cId="1467993957" sldId="263"/>
-            <ac:cxnSpMk id="5" creationId="{D547980E-272F-A5F7-51A3-3F3D6073EF10}"/>
-          </ac:cxnSpMkLst>
-        </pc:cxnChg>
-        <pc:cxnChg chg="add del mod">
-          <ac:chgData name="Clark Necciai" userId="2d3c143e28508c56" providerId="LiveId" clId="{4A7DDA94-6371-42D1-B025-C351617463C0}" dt="2022-11-10T15:37:30.151" v="197" actId="21"/>
-          <ac:cxnSpMkLst>
-            <pc:docMk/>
-            <pc:sldMk cId="1467993957" sldId="263"/>
-            <ac:cxnSpMk id="8" creationId="{105741B6-9DE4-9C0F-BE1A-49DE68A4FE25}"/>
-          </ac:cxnSpMkLst>
-        </pc:cxnChg>
-        <pc:cxnChg chg="add del mod">
-          <ac:chgData name="Clark Necciai" userId="2d3c143e28508c56" providerId="LiveId" clId="{4A7DDA94-6371-42D1-B025-C351617463C0}" dt="2022-11-10T15:37:30.151" v="197" actId="21"/>
-          <ac:cxnSpMkLst>
-            <pc:docMk/>
-            <pc:sldMk cId="1467993957" sldId="263"/>
-            <ac:cxnSpMk id="20" creationId="{15B42C2F-F193-7BDB-2D1E-DDF7E9430A98}"/>
-          </ac:cxnSpMkLst>
-        </pc:cxnChg>
-      </pc:sldChg>
-    </pc:docChg>
-  </pc:docChgLst>
-  <pc:docChgLst>
-    <pc:chgData name="Parmanto, Dharma" userId="4f9a10d7-3858-4ebd-b991-a7b30feaabcd" providerId="ADAL" clId="{E16A9B21-8A09-4821-A32D-4609244DB1F6}"/>
-    <pc:docChg chg="undo redo custSel modSld">
-      <pc:chgData name="Parmanto, Dharma" userId="4f9a10d7-3858-4ebd-b991-a7b30feaabcd" providerId="ADAL" clId="{E16A9B21-8A09-4821-A32D-4609244DB1F6}" dt="2022-11-01T17:00:31.720" v="426" actId="1076"/>
-      <pc:docMkLst>
-        <pc:docMk/>
-      </pc:docMkLst>
-      <pc:sldChg chg="addSp delSp modSp mod">
-        <pc:chgData name="Parmanto, Dharma" userId="4f9a10d7-3858-4ebd-b991-a7b30feaabcd" providerId="ADAL" clId="{E16A9B21-8A09-4821-A32D-4609244DB1F6}" dt="2022-11-01T17:00:31.720" v="426" actId="1076"/>
-        <pc:sldMkLst>
-          <pc:docMk/>
-          <pc:sldMk cId="3265300168" sldId="257"/>
-        </pc:sldMkLst>
-        <pc:spChg chg="mod">
-          <ac:chgData name="Parmanto, Dharma" userId="4f9a10d7-3858-4ebd-b991-a7b30feaabcd" providerId="ADAL" clId="{E16A9B21-8A09-4821-A32D-4609244DB1F6}" dt="2022-11-01T16:54:13.760" v="208" actId="1076"/>
-          <ac:spMkLst>
-            <pc:docMk/>
-            <pc:sldMk cId="3265300168" sldId="257"/>
-            <ac:spMk id="4" creationId="{4A1C037F-862B-DB0E-9BFB-63FF9E935B69}"/>
-          </ac:spMkLst>
-        </pc:spChg>
-        <pc:spChg chg="mod">
-          <ac:chgData name="Parmanto, Dharma" userId="4f9a10d7-3858-4ebd-b991-a7b30feaabcd" providerId="ADAL" clId="{E16A9B21-8A09-4821-A32D-4609244DB1F6}" dt="2022-11-01T16:52:57.011" v="193" actId="1076"/>
-          <ac:spMkLst>
-            <pc:docMk/>
-            <pc:sldMk cId="3265300168" sldId="257"/>
-            <ac:spMk id="5" creationId="{9FE5C161-7745-C308-EE49-BD807D8B57EA}"/>
-          </ac:spMkLst>
-        </pc:spChg>
-        <pc:spChg chg="mod">
-          <ac:chgData name="Parmanto, Dharma" userId="4f9a10d7-3858-4ebd-b991-a7b30feaabcd" providerId="ADAL" clId="{E16A9B21-8A09-4821-A32D-4609244DB1F6}" dt="2022-11-01T16:56:12.057" v="227" actId="1076"/>
-          <ac:spMkLst>
-            <pc:docMk/>
-            <pc:sldMk cId="3265300168" sldId="257"/>
-            <ac:spMk id="6" creationId="{484EBA87-EE70-13AD-8BD1-B5BC2F459ADB}"/>
-          </ac:spMkLst>
-        </pc:spChg>
-        <pc:spChg chg="mod">
-          <ac:chgData name="Parmanto, Dharma" userId="4f9a10d7-3858-4ebd-b991-a7b30feaabcd" providerId="ADAL" clId="{E16A9B21-8A09-4821-A32D-4609244DB1F6}" dt="2022-11-01T16:49:27.636" v="153" actId="1076"/>
-          <ac:spMkLst>
-            <pc:docMk/>
-            <pc:sldMk cId="3265300168" sldId="257"/>
-            <ac:spMk id="7" creationId="{1B36DE02-D482-1039-B964-A6B53D55BB48}"/>
-          </ac:spMkLst>
-        </pc:spChg>
-        <pc:spChg chg="mod">
-          <ac:chgData name="Parmanto, Dharma" userId="4f9a10d7-3858-4ebd-b991-a7b30feaabcd" providerId="ADAL" clId="{E16A9B21-8A09-4821-A32D-4609244DB1F6}" dt="2022-11-01T16:49:34.202" v="155" actId="1076"/>
-          <ac:spMkLst>
-            <pc:docMk/>
-            <pc:sldMk cId="3265300168" sldId="257"/>
-            <ac:spMk id="8" creationId="{BCFCA614-3E71-7A77-3EF7-4891C8DFCBDF}"/>
-          </ac:spMkLst>
-        </pc:spChg>
-        <pc:spChg chg="mod">
-          <ac:chgData name="Parmanto, Dharma" userId="4f9a10d7-3858-4ebd-b991-a7b30feaabcd" providerId="ADAL" clId="{E16A9B21-8A09-4821-A32D-4609244DB1F6}" dt="2022-11-01T16:52:59.700" v="194" actId="1076"/>
-          <ac:spMkLst>
-            <pc:docMk/>
-            <pc:sldMk cId="3265300168" sldId="257"/>
-            <ac:spMk id="9" creationId="{50C2FC4D-2AEB-28A5-225D-5C71EC72E750}"/>
-          </ac:spMkLst>
-        </pc:spChg>
-        <pc:spChg chg="del">
-          <ac:chgData name="Parmanto, Dharma" userId="4f9a10d7-3858-4ebd-b991-a7b30feaabcd" providerId="ADAL" clId="{E16A9B21-8A09-4821-A32D-4609244DB1F6}" dt="2022-11-01T16:52:20.350" v="184" actId="478"/>
-          <ac:spMkLst>
-            <pc:docMk/>
-            <pc:sldMk cId="3265300168" sldId="257"/>
-            <ac:spMk id="10" creationId="{7EF13DAD-4C51-EBBE-E7A6-285D4481DE7B}"/>
-          </ac:spMkLst>
-        </pc:spChg>
-        <pc:spChg chg="mod">
-          <ac:chgData name="Parmanto, Dharma" userId="4f9a10d7-3858-4ebd-b991-a7b30feaabcd" providerId="ADAL" clId="{E16A9B21-8A09-4821-A32D-4609244DB1F6}" dt="2022-11-01T16:50:00.078" v="161" actId="1076"/>
-          <ac:spMkLst>
-            <pc:docMk/>
-            <pc:sldMk cId="3265300168" sldId="257"/>
-            <ac:spMk id="11" creationId="{1B14F668-10F0-1478-D93E-92A364184A99}"/>
-          </ac:spMkLst>
-        </pc:spChg>
-        <pc:spChg chg="mod">
-          <ac:chgData name="Parmanto, Dharma" userId="4f9a10d7-3858-4ebd-b991-a7b30feaabcd" providerId="ADAL" clId="{E16A9B21-8A09-4821-A32D-4609244DB1F6}" dt="2022-11-01T16:53:59.514" v="205" actId="1076"/>
-          <ac:spMkLst>
-            <pc:docMk/>
-            <pc:sldMk cId="3265300168" sldId="257"/>
-            <ac:spMk id="12" creationId="{4A033C8E-B94A-EDDE-890F-E216C4746FF5}"/>
-          </ac:spMkLst>
-        </pc:spChg>
-        <pc:spChg chg="mod">
-          <ac:chgData name="Parmanto, Dharma" userId="4f9a10d7-3858-4ebd-b991-a7b30feaabcd" providerId="ADAL" clId="{E16A9B21-8A09-4821-A32D-4609244DB1F6}" dt="2022-11-01T16:56:12.057" v="227" actId="1076"/>
-          <ac:spMkLst>
-            <pc:docMk/>
-            <pc:sldMk cId="3265300168" sldId="257"/>
-            <ac:spMk id="15" creationId="{D9276FFC-6D66-3754-9235-4F5C6C65E24F}"/>
-          </ac:spMkLst>
-        </pc:spChg>
-        <pc:spChg chg="mod">
-          <ac:chgData name="Parmanto, Dharma" userId="4f9a10d7-3858-4ebd-b991-a7b30feaabcd" providerId="ADAL" clId="{E16A9B21-8A09-4821-A32D-4609244DB1F6}" dt="2022-11-01T17:00:31.720" v="426" actId="1076"/>
-          <ac:spMkLst>
-            <pc:docMk/>
-            <pc:sldMk cId="3265300168" sldId="257"/>
-            <ac:spMk id="16" creationId="{098D29A4-D1BA-5297-E222-79FE349EE517}"/>
-          </ac:spMkLst>
-        </pc:spChg>
-        <pc:spChg chg="del">
-          <ac:chgData name="Parmanto, Dharma" userId="4f9a10d7-3858-4ebd-b991-a7b30feaabcd" providerId="ADAL" clId="{E16A9B21-8A09-4821-A32D-4609244DB1F6}" dt="2022-11-01T16:52:35.393" v="188" actId="478"/>
-          <ac:spMkLst>
-            <pc:docMk/>
-            <pc:sldMk cId="3265300168" sldId="257"/>
-            <ac:spMk id="24" creationId="{9DB68599-871F-553A-39E4-931DDA5B81A5}"/>
-          </ac:spMkLst>
-        </pc:spChg>
-        <pc:spChg chg="mod">
-          <ac:chgData name="Parmanto, Dharma" userId="4f9a10d7-3858-4ebd-b991-a7b30feaabcd" providerId="ADAL" clId="{E16A9B21-8A09-4821-A32D-4609244DB1F6}" dt="2022-11-01T16:53:23.751" v="200" actId="1076"/>
-          <ac:spMkLst>
-            <pc:docMk/>
-            <pc:sldMk cId="3265300168" sldId="257"/>
-            <ac:spMk id="27" creationId="{812E3166-9ACD-79F0-A384-FB1D6F168CD0}"/>
-          </ac:spMkLst>
-        </pc:spChg>
-        <pc:spChg chg="mod">
-          <ac:chgData name="Parmanto, Dharma" userId="4f9a10d7-3858-4ebd-b991-a7b30feaabcd" providerId="ADAL" clId="{E16A9B21-8A09-4821-A32D-4609244DB1F6}" dt="2022-11-01T16:49:01.433" v="144" actId="1076"/>
-          <ac:spMkLst>
-            <pc:docMk/>
-            <pc:sldMk cId="3265300168" sldId="257"/>
-            <ac:spMk id="52" creationId="{FFB2C03B-8731-8728-7465-6363A94F35C7}"/>
-          </ac:spMkLst>
-        </pc:spChg>
-        <pc:spChg chg="mod">
-          <ac:chgData name="Parmanto, Dharma" userId="4f9a10d7-3858-4ebd-b991-a7b30feaabcd" providerId="ADAL" clId="{E16A9B21-8A09-4821-A32D-4609244DB1F6}" dt="2022-11-01T16:51:42.486" v="174" actId="1076"/>
-          <ac:spMkLst>
-            <pc:docMk/>
-            <pc:sldMk cId="3265300168" sldId="257"/>
-            <ac:spMk id="63" creationId="{23ACE72E-0088-53F4-76D3-D80533E80A42}"/>
-          </ac:spMkLst>
-        </pc:spChg>
-        <pc:spChg chg="mod">
-          <ac:chgData name="Parmanto, Dharma" userId="4f9a10d7-3858-4ebd-b991-a7b30feaabcd" providerId="ADAL" clId="{E16A9B21-8A09-4821-A32D-4609244DB1F6}" dt="2022-11-01T16:55:19.160" v="221" actId="20577"/>
-          <ac:spMkLst>
-            <pc:docMk/>
-            <pc:sldMk cId="3265300168" sldId="257"/>
-            <ac:spMk id="64" creationId="{0EFF0AE9-1CD1-08EB-FA1B-E839B671F2C2}"/>
-          </ac:spMkLst>
-        </pc:spChg>
-        <pc:spChg chg="mod">
-          <ac:chgData name="Parmanto, Dharma" userId="4f9a10d7-3858-4ebd-b991-a7b30feaabcd" providerId="ADAL" clId="{E16A9B21-8A09-4821-A32D-4609244DB1F6}" dt="2022-11-01T16:49:40.759" v="157" actId="1076"/>
-          <ac:spMkLst>
-            <pc:docMk/>
-            <pc:sldMk cId="3265300168" sldId="257"/>
-            <ac:spMk id="65" creationId="{5058B1ED-A00D-35A2-C6F2-D5198E33302E}"/>
-          </ac:spMkLst>
-        </pc:spChg>
-        <pc:spChg chg="mod">
-          <ac:chgData name="Parmanto, Dharma" userId="4f9a10d7-3858-4ebd-b991-a7b30feaabcd" providerId="ADAL" clId="{E16A9B21-8A09-4821-A32D-4609244DB1F6}" dt="2022-11-01T16:55:39.889" v="224" actId="1076"/>
-          <ac:spMkLst>
-            <pc:docMk/>
-            <pc:sldMk cId="3265300168" sldId="257"/>
-            <ac:spMk id="66" creationId="{2991169A-2EC3-3FB8-1025-73578FC01990}"/>
-          </ac:spMkLst>
-        </pc:spChg>
-        <pc:spChg chg="mod">
-          <ac:chgData name="Parmanto, Dharma" userId="4f9a10d7-3858-4ebd-b991-a7b30feaabcd" providerId="ADAL" clId="{E16A9B21-8A09-4821-A32D-4609244DB1F6}" dt="2022-11-01T16:55:33.869" v="223" actId="1076"/>
-          <ac:spMkLst>
-            <pc:docMk/>
-            <pc:sldMk cId="3265300168" sldId="257"/>
-            <ac:spMk id="67" creationId="{3FB5F393-7A20-FD6A-86C5-E109820FAF6B}"/>
-          </ac:spMkLst>
-        </pc:spChg>
-        <pc:spChg chg="mod">
-          <ac:chgData name="Parmanto, Dharma" userId="4f9a10d7-3858-4ebd-b991-a7b30feaabcd" providerId="ADAL" clId="{E16A9B21-8A09-4821-A32D-4609244DB1F6}" dt="2022-11-01T16:54:10.232" v="207" actId="1076"/>
-          <ac:spMkLst>
-            <pc:docMk/>
-            <pc:sldMk cId="3265300168" sldId="257"/>
-            <ac:spMk id="68" creationId="{420E703E-DD8E-BE8C-132A-865E496BEB02}"/>
-          </ac:spMkLst>
-        </pc:spChg>
-        <pc:spChg chg="del">
-          <ac:chgData name="Parmanto, Dharma" userId="4f9a10d7-3858-4ebd-b991-a7b30feaabcd" providerId="ADAL" clId="{E16A9B21-8A09-4821-A32D-4609244DB1F6}" dt="2022-11-01T16:52:11.437" v="180" actId="478"/>
-          <ac:spMkLst>
-            <pc:docMk/>
-            <pc:sldMk cId="3265300168" sldId="257"/>
-            <ac:spMk id="73" creationId="{9D8409D6-2294-DD3D-75B4-94F7278D20E9}"/>
-          </ac:spMkLst>
-        </pc:spChg>
-        <pc:spChg chg="del">
-          <ac:chgData name="Parmanto, Dharma" userId="4f9a10d7-3858-4ebd-b991-a7b30feaabcd" providerId="ADAL" clId="{E16A9B21-8A09-4821-A32D-4609244DB1F6}" dt="2022-11-01T16:52:08.893" v="179" actId="478"/>
-          <ac:spMkLst>
-            <pc:docMk/>
-            <pc:sldMk cId="3265300168" sldId="257"/>
-            <ac:spMk id="74" creationId="{108E75A3-0A91-E053-0661-2E0FCE69AF93}"/>
-          </ac:spMkLst>
-        </pc:spChg>
-        <pc:spChg chg="mod">
-          <ac:chgData name="Parmanto, Dharma" userId="4f9a10d7-3858-4ebd-b991-a7b30feaabcd" providerId="ADAL" clId="{E16A9B21-8A09-4821-A32D-4609244DB1F6}" dt="2022-11-01T16:55:44.431" v="225" actId="1076"/>
-          <ac:spMkLst>
-            <pc:docMk/>
-            <pc:sldMk cId="3265300168" sldId="257"/>
-            <ac:spMk id="79" creationId="{FDA735F3-4218-2109-D8D2-152FFFA5F0B8}"/>
-          </ac:spMkLst>
-        </pc:spChg>
-        <pc:spChg chg="mod">
-          <ac:chgData name="Parmanto, Dharma" userId="4f9a10d7-3858-4ebd-b991-a7b30feaabcd" providerId="ADAL" clId="{E16A9B21-8A09-4821-A32D-4609244DB1F6}" dt="2022-11-01T16:55:08.918" v="219" actId="20577"/>
-          <ac:spMkLst>
-            <pc:docMk/>
-            <pc:sldMk cId="3265300168" sldId="257"/>
-            <ac:spMk id="83" creationId="{7BA4B782-CD4D-04B5-BDC5-C48B0A870871}"/>
-          </ac:spMkLst>
-        </pc:spChg>
-        <pc:spChg chg="del mod">
-          <ac:chgData name="Parmanto, Dharma" userId="4f9a10d7-3858-4ebd-b991-a7b30feaabcd" providerId="ADAL" clId="{E16A9B21-8A09-4821-A32D-4609244DB1F6}" dt="2022-11-01T16:53:39.836" v="202" actId="478"/>
-          <ac:spMkLst>
-            <pc:docMk/>
-            <pc:sldMk cId="3265300168" sldId="257"/>
-            <ac:spMk id="84" creationId="{33C170D1-3084-57C3-1B03-8B449DB5703B}"/>
-          </ac:spMkLst>
-        </pc:spChg>
-        <pc:spChg chg="add mod">
-          <ac:chgData name="Parmanto, Dharma" userId="4f9a10d7-3858-4ebd-b991-a7b30feaabcd" providerId="ADAL" clId="{E16A9B21-8A09-4821-A32D-4609244DB1F6}" dt="2022-11-01T16:49:25.237" v="151" actId="571"/>
-          <ac:spMkLst>
-            <pc:docMk/>
-            <pc:sldMk cId="3265300168" sldId="257"/>
-            <ac:spMk id="118" creationId="{0BA9E1BD-CAF2-F72C-4D41-AE5CB16C45A0}"/>
-          </ac:spMkLst>
-        </pc:spChg>
-        <pc:spChg chg="add mod">
-          <ac:chgData name="Parmanto, Dharma" userId="4f9a10d7-3858-4ebd-b991-a7b30feaabcd" providerId="ADAL" clId="{E16A9B21-8A09-4821-A32D-4609244DB1F6}" dt="2022-11-01T16:49:25.237" v="151" actId="571"/>
-          <ac:spMkLst>
-            <pc:docMk/>
-            <pc:sldMk cId="3265300168" sldId="257"/>
-            <ac:spMk id="119" creationId="{8613ECAC-D6A1-656C-978A-12A18EB5A3F0}"/>
-          </ac:spMkLst>
-        </pc:spChg>
-        <pc:spChg chg="add mod">
-          <ac:chgData name="Parmanto, Dharma" userId="4f9a10d7-3858-4ebd-b991-a7b30feaabcd" providerId="ADAL" clId="{E16A9B21-8A09-4821-A32D-4609244DB1F6}" dt="2022-11-01T16:49:25.237" v="151" actId="571"/>
-          <ac:spMkLst>
-            <pc:docMk/>
-            <pc:sldMk cId="3265300168" sldId="257"/>
-            <ac:spMk id="120" creationId="{DA40462C-14A2-F750-7C9D-0335029B274E}"/>
-          </ac:spMkLst>
-        </pc:spChg>
-        <pc:spChg chg="add mod">
-          <ac:chgData name="Parmanto, Dharma" userId="4f9a10d7-3858-4ebd-b991-a7b30feaabcd" providerId="ADAL" clId="{E16A9B21-8A09-4821-A32D-4609244DB1F6}" dt="2022-11-01T16:52:18.727" v="183" actId="1076"/>
-          <ac:spMkLst>
-            <pc:docMk/>
-            <pc:sldMk cId="3265300168" sldId="257"/>
-            <ac:spMk id="194" creationId="{09685404-D215-D3A0-FA4E-3F2AA108597D}"/>
-          </ac:spMkLst>
-        </pc:spChg>
-        <pc:spChg chg="mod">
-          <ac:chgData name="Parmanto, Dharma" userId="4f9a10d7-3858-4ebd-b991-a7b30feaabcd" providerId="ADAL" clId="{E16A9B21-8A09-4821-A32D-4609244DB1F6}" dt="2022-11-01T16:52:16.437" v="182" actId="571"/>
-          <ac:spMkLst>
-            <pc:docMk/>
-            <pc:sldMk cId="3265300168" sldId="257"/>
-            <ac:spMk id="196" creationId="{DF2AAE49-9880-2379-EE9E-130E78031E61}"/>
-          </ac:spMkLst>
-        </pc:spChg>
-        <pc:spChg chg="add del mod">
-          <ac:chgData name="Parmanto, Dharma" userId="4f9a10d7-3858-4ebd-b991-a7b30feaabcd" providerId="ADAL" clId="{E16A9B21-8A09-4821-A32D-4609244DB1F6}" dt="2022-11-01T16:53:14.376" v="199" actId="478"/>
-          <ac:spMkLst>
-            <pc:docMk/>
-            <pc:sldMk cId="3265300168" sldId="257"/>
-            <ac:spMk id="213" creationId="{64DECD1E-6EEF-6D05-2380-DD44E2212024}"/>
-          </ac:spMkLst>
-        </pc:spChg>
-        <pc:spChg chg="add mod">
-          <ac:chgData name="Parmanto, Dharma" userId="4f9a10d7-3858-4ebd-b991-a7b30feaabcd" providerId="ADAL" clId="{E16A9B21-8A09-4821-A32D-4609244DB1F6}" dt="2022-11-01T16:55:13.672" v="220" actId="20577"/>
-          <ac:spMkLst>
-            <pc:docMk/>
-            <pc:sldMk cId="3265300168" sldId="257"/>
-            <ac:spMk id="214" creationId="{9FA50EBD-1973-1E31-89F6-937A9E84EC43}"/>
-          </ac:spMkLst>
-        </pc:spChg>
-        <pc:spChg chg="add mod">
-          <ac:chgData name="Parmanto, Dharma" userId="4f9a10d7-3858-4ebd-b991-a7b30feaabcd" providerId="ADAL" clId="{E16A9B21-8A09-4821-A32D-4609244DB1F6}" dt="2022-11-01T16:55:01.392" v="218" actId="20577"/>
-          <ac:spMkLst>
-            <pc:docMk/>
-            <pc:sldMk cId="3265300168" sldId="257"/>
-            <ac:spMk id="234" creationId="{66D19437-939F-5A79-99D5-F72C4DEC4C95}"/>
-          </ac:spMkLst>
-        </pc:spChg>
-        <pc:grpChg chg="del">
-          <ac:chgData name="Parmanto, Dharma" userId="4f9a10d7-3858-4ebd-b991-a7b30feaabcd" providerId="ADAL" clId="{E16A9B21-8A09-4821-A32D-4609244DB1F6}" dt="2022-11-01T16:52:22.265" v="185" actId="478"/>
-          <ac:grpSpMkLst>
-            <pc:docMk/>
-            <pc:sldMk cId="3265300168" sldId="257"/>
-            <ac:grpSpMk id="44" creationId="{58DE1047-8AD8-ADFD-A03F-F110E4A7B4F3}"/>
-          </ac:grpSpMkLst>
-        </pc:grpChg>
-        <pc:grpChg chg="add mod">
-          <ac:chgData name="Parmanto, Dharma" userId="4f9a10d7-3858-4ebd-b991-a7b30feaabcd" providerId="ADAL" clId="{E16A9B21-8A09-4821-A32D-4609244DB1F6}" dt="2022-11-01T16:52:18.727" v="183" actId="1076"/>
-          <ac:grpSpMkLst>
-            <pc:docMk/>
-            <pc:sldMk cId="3265300168" sldId="257"/>
-            <ac:grpSpMk id="195" creationId="{50E2324A-C040-F4E1-FDD1-54D5FF9745C1}"/>
-          </ac:grpSpMkLst>
-        </pc:grpChg>
-        <pc:cxnChg chg="del">
-          <ac:chgData name="Parmanto, Dharma" userId="4f9a10d7-3858-4ebd-b991-a7b30feaabcd" providerId="ADAL" clId="{E16A9B21-8A09-4821-A32D-4609244DB1F6}" dt="2022-10-27T15:38:40.039" v="64" actId="478"/>
-          <ac:cxnSpMkLst>
-            <pc:docMk/>
-            <pc:sldMk cId="3265300168" sldId="257"/>
-            <ac:cxnSpMk id="2" creationId="{43848DF1-C15D-58C8-F651-16298F038520}"/>
-          </ac:cxnSpMkLst>
-        </pc:cxnChg>
-        <pc:cxnChg chg="mod">
-          <ac:chgData name="Parmanto, Dharma" userId="4f9a10d7-3858-4ebd-b991-a7b30feaabcd" providerId="ADAL" clId="{E16A9B21-8A09-4821-A32D-4609244DB1F6}" dt="2022-11-01T16:53:59.514" v="205" actId="1076"/>
-          <ac:cxnSpMkLst>
-            <pc:docMk/>
-            <pc:sldMk cId="3265300168" sldId="257"/>
-            <ac:cxnSpMk id="14" creationId="{154F5747-B922-40F0-BAE4-0F814299123F}"/>
-          </ac:cxnSpMkLst>
-        </pc:cxnChg>
-        <pc:cxnChg chg="mod">
-          <ac:chgData name="Parmanto, Dharma" userId="4f9a10d7-3858-4ebd-b991-a7b30feaabcd" providerId="ADAL" clId="{E16A9B21-8A09-4821-A32D-4609244DB1F6}" dt="2022-11-01T17:00:31.720" v="426" actId="1076"/>
-          <ac:cxnSpMkLst>
-            <pc:docMk/>
-            <pc:sldMk cId="3265300168" sldId="257"/>
-            <ac:cxnSpMk id="17" creationId="{2908FEA3-3F65-7118-477F-FCEC86E40A39}"/>
-          </ac:cxnSpMkLst>
-        </pc:cxnChg>
-        <pc:cxnChg chg="mod">
-          <ac:chgData name="Parmanto, Dharma" userId="4f9a10d7-3858-4ebd-b991-a7b30feaabcd" providerId="ADAL" clId="{E16A9B21-8A09-4821-A32D-4609244DB1F6}" dt="2022-11-01T16:54:13.760" v="208" actId="1076"/>
-          <ac:cxnSpMkLst>
-            <pc:docMk/>
-            <pc:sldMk cId="3265300168" sldId="257"/>
-            <ac:cxnSpMk id="18" creationId="{96707A57-E3A1-652D-76B9-9CC1C91A65A1}"/>
-          </ac:cxnSpMkLst>
-        </pc:cxnChg>
-        <pc:cxnChg chg="del">
-          <ac:chgData name="Parmanto, Dharma" userId="4f9a10d7-3858-4ebd-b991-a7b30feaabcd" providerId="ADAL" clId="{E16A9B21-8A09-4821-A32D-4609244DB1F6}" dt="2022-10-27T15:38:37.447" v="63" actId="478"/>
-          <ac:cxnSpMkLst>
-            <pc:docMk/>
-            <pc:sldMk cId="3265300168" sldId="257"/>
-            <ac:cxnSpMk id="19" creationId="{8D84B695-7A00-B609-E61F-40846BF69AC8}"/>
-          </ac:cxnSpMkLst>
-        </pc:cxnChg>
-        <pc:cxnChg chg="add del mod">
-          <ac:chgData name="Parmanto, Dharma" userId="4f9a10d7-3858-4ebd-b991-a7b30feaabcd" providerId="ADAL" clId="{E16A9B21-8A09-4821-A32D-4609244DB1F6}" dt="2022-11-01T16:52:04.470" v="178" actId="478"/>
-          <ac:cxnSpMkLst>
-            <pc:docMk/>
-            <pc:sldMk cId="3265300168" sldId="257"/>
-            <ac:cxnSpMk id="20" creationId="{594EA61F-5C02-983F-DB32-D462FD79F789}"/>
-          </ac:cxnSpMkLst>
-        </pc:cxnChg>
-        <pc:cxnChg chg="del">
-          <ac:chgData name="Parmanto, Dharma" userId="4f9a10d7-3858-4ebd-b991-a7b30feaabcd" providerId="ADAL" clId="{E16A9B21-8A09-4821-A32D-4609244DB1F6}" dt="2022-10-27T15:39:17.711" v="74" actId="478"/>
-          <ac:cxnSpMkLst>
-            <pc:docMk/>
-            <pc:sldMk cId="3265300168" sldId="257"/>
-            <ac:cxnSpMk id="21" creationId="{205266DB-06B1-18F7-F64C-AAD0FF062BD0}"/>
-          </ac:cxnSpMkLst>
-        </pc:cxnChg>
-        <pc:cxnChg chg="mod">
-          <ac:chgData name="Parmanto, Dharma" userId="4f9a10d7-3858-4ebd-b991-a7b30feaabcd" providerId="ADAL" clId="{E16A9B21-8A09-4821-A32D-4609244DB1F6}" dt="2022-11-01T16:56:12.057" v="227" actId="1076"/>
-          <ac:cxnSpMkLst>
-            <pc:docMk/>
-            <pc:sldMk cId="3265300168" sldId="257"/>
-            <ac:cxnSpMk id="23" creationId="{64285A40-F14E-4ABF-6413-52C56A46E9D6}"/>
-          </ac:cxnSpMkLst>
-        </pc:cxnChg>
-        <pc:cxnChg chg="del mod">
-          <ac:chgData name="Parmanto, Dharma" userId="4f9a10d7-3858-4ebd-b991-a7b30feaabcd" providerId="ADAL" clId="{E16A9B21-8A09-4821-A32D-4609244DB1F6}" dt="2022-11-01T16:52:12.692" v="181" actId="478"/>
-          <ac:cxnSpMkLst>
-            <pc:docMk/>
-            <pc:sldMk cId="3265300168" sldId="257"/>
-            <ac:cxnSpMk id="25" creationId="{1D9619E7-5CB8-0419-D703-E324E96B345A}"/>
-          </ac:cxnSpMkLst>
-        </pc:cxnChg>
-        <pc:cxnChg chg="mod">
-          <ac:chgData name="Parmanto, Dharma" userId="4f9a10d7-3858-4ebd-b991-a7b30feaabcd" providerId="ADAL" clId="{E16A9B21-8A09-4821-A32D-4609244DB1F6}" dt="2022-11-01T16:54:13.760" v="208" actId="1076"/>
-          <ac:cxnSpMkLst>
-            <pc:docMk/>
-            <pc:sldMk cId="3265300168" sldId="257"/>
-            <ac:cxnSpMk id="28" creationId="{2A6FC7FD-49B4-CA70-4548-E644A0AE6D58}"/>
-          </ac:cxnSpMkLst>
-        </pc:cxnChg>
-        <pc:cxnChg chg="mod">
-          <ac:chgData name="Parmanto, Dharma" userId="4f9a10d7-3858-4ebd-b991-a7b30feaabcd" providerId="ADAL" clId="{E16A9B21-8A09-4821-A32D-4609244DB1F6}" dt="2022-11-01T16:52:59.700" v="194" actId="1076"/>
-          <ac:cxnSpMkLst>
-            <pc:docMk/>
-            <pc:sldMk cId="3265300168" sldId="257"/>
-            <ac:cxnSpMk id="29" creationId="{96E51764-604E-BA68-17AB-C96E314151A0}"/>
-          </ac:cxnSpMkLst>
-        </pc:cxnChg>
-        <pc:cxnChg chg="mod">
-          <ac:chgData name="Parmanto, Dharma" userId="4f9a10d7-3858-4ebd-b991-a7b30feaabcd" providerId="ADAL" clId="{E16A9B21-8A09-4821-A32D-4609244DB1F6}" dt="2022-11-01T16:56:12.057" v="227" actId="1076"/>
-          <ac:cxnSpMkLst>
-            <pc:docMk/>
-            <pc:sldMk cId="3265300168" sldId="257"/>
-            <ac:cxnSpMk id="30" creationId="{56AC74B0-93F7-42F2-1037-2828AE224797}"/>
-          </ac:cxnSpMkLst>
-        </pc:cxnChg>
-        <pc:cxnChg chg="del mod">
-          <ac:chgData name="Parmanto, Dharma" userId="4f9a10d7-3858-4ebd-b991-a7b30feaabcd" providerId="ADAL" clId="{E16A9B21-8A09-4821-A32D-4609244DB1F6}" dt="2022-10-27T15:38:41.555" v="65" actId="478"/>
-          <ac:cxnSpMkLst>
-            <pc:docMk/>
-            <pc:sldMk cId="3265300168" sldId="257"/>
-            <ac:cxnSpMk id="32" creationId="{42DCB8B2-3CAA-D1E9-2E05-300E3E86039E}"/>
-          </ac:cxnSpMkLst>
-        </pc:cxnChg>
-        <pc:cxnChg chg="mod">
-          <ac:chgData name="Parmanto, Dharma" userId="4f9a10d7-3858-4ebd-b991-a7b30feaabcd" providerId="ADAL" clId="{E16A9B21-8A09-4821-A32D-4609244DB1F6}" dt="2022-11-01T16:56:26.974" v="229" actId="692"/>
-          <ac:cxnSpMkLst>
-            <pc:docMk/>
-            <pc:sldMk cId="3265300168" sldId="257"/>
-            <ac:cxnSpMk id="34" creationId="{DDA579C7-69C7-7243-2A32-0F8531FA559B}"/>
-          </ac:cxnSpMkLst>
-        </pc:cxnChg>
-        <pc:cxnChg chg="del mod">
-          <ac:chgData name="Parmanto, Dharma" userId="4f9a10d7-3858-4ebd-b991-a7b30feaabcd" providerId="ADAL" clId="{E16A9B21-8A09-4821-A32D-4609244DB1F6}" dt="2022-10-27T15:38:43.373" v="66" actId="478"/>
-          <ac:cxnSpMkLst>
-            <pc:docMk/>
-            <pc:sldMk cId="3265300168" sldId="257"/>
-            <ac:cxnSpMk id="35" creationId="{F5395CE3-C90A-45C5-1758-DCFBBC0FFAC1}"/>
-          </ac:cxnSpMkLst>
-        </pc:cxnChg>
-        <pc:cxnChg chg="mod">
-          <ac:chgData name="Parmanto, Dharma" userId="4f9a10d7-3858-4ebd-b991-a7b30feaabcd" providerId="ADAL" clId="{E16A9B21-8A09-4821-A32D-4609244DB1F6}" dt="2022-11-01T16:50:00.078" v="161" actId="1076"/>
-          <ac:cxnSpMkLst>
-            <pc:docMk/>
-            <pc:sldMk cId="3265300168" sldId="257"/>
-            <ac:cxnSpMk id="39" creationId="{C4B1C665-5761-B97F-1793-DF199C1FDA9B}"/>
-          </ac:cxnSpMkLst>
-        </pc:cxnChg>
-        <pc:cxnChg chg="mod">
-          <ac:chgData name="Parmanto, Dharma" userId="4f9a10d7-3858-4ebd-b991-a7b30feaabcd" providerId="ADAL" clId="{E16A9B21-8A09-4821-A32D-4609244DB1F6}" dt="2022-11-01T16:50:00.078" v="161" actId="1076"/>
-          <ac:cxnSpMkLst>
-            <pc:docMk/>
-            <pc:sldMk cId="3265300168" sldId="257"/>
-            <ac:cxnSpMk id="43" creationId="{5A96B510-D029-C4C7-8AE4-84DF53FFD064}"/>
-          </ac:cxnSpMkLst>
-        </pc:cxnChg>
-        <pc:cxnChg chg="mod">
-          <ac:chgData name="Parmanto, Dharma" userId="4f9a10d7-3858-4ebd-b991-a7b30feaabcd" providerId="ADAL" clId="{E16A9B21-8A09-4821-A32D-4609244DB1F6}" dt="2022-11-01T16:54:13.760" v="208" actId="1076"/>
-          <ac:cxnSpMkLst>
-            <pc:docMk/>
-            <pc:sldMk cId="3265300168" sldId="257"/>
-            <ac:cxnSpMk id="45" creationId="{44DB48E6-BEFA-8353-32B8-4C8A2A71CE99}"/>
-          </ac:cxnSpMkLst>
-        </pc:cxnChg>
-        <pc:cxnChg chg="del">
-          <ac:chgData name="Parmanto, Dharma" userId="4f9a10d7-3858-4ebd-b991-a7b30feaabcd" providerId="ADAL" clId="{E16A9B21-8A09-4821-A32D-4609244DB1F6}" dt="2022-10-27T15:39:36.516" v="77" actId="478"/>
-          <ac:cxnSpMkLst>
-            <pc:docMk/>
-            <pc:sldMk cId="3265300168" sldId="257"/>
-            <ac:cxnSpMk id="48" creationId="{2D057358-2EEE-EC68-7A39-806CDCB4A671}"/>
-          </ac:cxnSpMkLst>
-        </pc:cxnChg>
-        <pc:cxnChg chg="mod">
-          <ac:chgData name="Parmanto, Dharma" userId="4f9a10d7-3858-4ebd-b991-a7b30feaabcd" providerId="ADAL" clId="{E16A9B21-8A09-4821-A32D-4609244DB1F6}" dt="2022-11-01T16:54:13.760" v="208" actId="1076"/>
-          <ac:cxnSpMkLst>
-            <pc:docMk/>
-            <pc:sldMk cId="3265300168" sldId="257"/>
-            <ac:cxnSpMk id="49" creationId="{3A69E441-5885-1B5B-1A4D-62ABCD69D6CD}"/>
-          </ac:cxnSpMkLst>
-        </pc:cxnChg>
-        <pc:cxnChg chg="mod">
-          <ac:chgData name="Parmanto, Dharma" userId="4f9a10d7-3858-4ebd-b991-a7b30feaabcd" providerId="ADAL" clId="{E16A9B21-8A09-4821-A32D-4609244DB1F6}" dt="2022-11-01T16:49:27.636" v="153" actId="1076"/>
-          <ac:cxnSpMkLst>
-            <pc:docMk/>
-            <pc:sldMk cId="3265300168" sldId="257"/>
-            <ac:cxnSpMk id="53" creationId="{D4013AB7-7F06-3512-96C3-486A4AF579CD}"/>
-          </ac:cxnSpMkLst>
-        </pc:cxnChg>
-        <pc:cxnChg chg="mod">
-          <ac:chgData name="Parmanto, Dharma" userId="4f9a10d7-3858-4ebd-b991-a7b30feaabcd" providerId="ADAL" clId="{E16A9B21-8A09-4821-A32D-4609244DB1F6}" dt="2022-11-01T16:56:12.057" v="227" actId="1076"/>
-          <ac:cxnSpMkLst>
-            <pc:docMk/>
-            <pc:sldMk cId="3265300168" sldId="257"/>
-            <ac:cxnSpMk id="56" creationId="{3A717CC6-B29C-AA83-19D7-844C952CEF61}"/>
-          </ac:cxnSpMkLst>
-        </pc:cxnChg>
-        <pc:cxnChg chg="del">
-          <ac:chgData name="Parmanto, Dharma" userId="4f9a10d7-3858-4ebd-b991-a7b30feaabcd" providerId="ADAL" clId="{E16A9B21-8A09-4821-A32D-4609244DB1F6}" dt="2022-10-27T15:38:27.839" v="60" actId="478"/>
-          <ac:cxnSpMkLst>
-            <pc:docMk/>
-            <pc:sldMk cId="3265300168" sldId="257"/>
-            <ac:cxnSpMk id="59" creationId="{E88901CF-5821-8CD1-D6C5-E434D5E3404B}"/>
-          </ac:cxnSpMkLst>
-        </pc:cxnChg>
-        <pc:cxnChg chg="mod">
-          <ac:chgData name="Parmanto, Dharma" userId="4f9a10d7-3858-4ebd-b991-a7b30feaabcd" providerId="ADAL" clId="{E16A9B21-8A09-4821-A32D-4609244DB1F6}" dt="2022-11-01T16:55:44.431" v="225" actId="1076"/>
-          <ac:cxnSpMkLst>
-            <pc:docMk/>
-            <pc:sldMk cId="3265300168" sldId="257"/>
-            <ac:cxnSpMk id="80" creationId="{40B84FB2-A191-8785-C9C9-BA22D40FA71D}"/>
-          </ac:cxnSpMkLst>
-        </pc:cxnChg>
-        <pc:cxnChg chg="mod">
-          <ac:chgData name="Parmanto, Dharma" userId="4f9a10d7-3858-4ebd-b991-a7b30feaabcd" providerId="ADAL" clId="{E16A9B21-8A09-4821-A32D-4609244DB1F6}" dt="2022-11-01T16:52:16.437" v="182" actId="571"/>
-          <ac:cxnSpMkLst>
-            <pc:docMk/>
-            <pc:sldMk cId="3265300168" sldId="257"/>
-            <ac:cxnSpMk id="197" creationId="{8490BB7B-BF92-DB60-4B54-48274502C908}"/>
-          </ac:cxnSpMkLst>
-        </pc:cxnChg>
-      </pc:sldChg>
-      <pc:sldChg chg="modSp mod">
-        <pc:chgData name="Parmanto, Dharma" userId="4f9a10d7-3858-4ebd-b991-a7b30feaabcd" providerId="ADAL" clId="{E16A9B21-8A09-4821-A32D-4609244DB1F6}" dt="2022-11-01T16:59:50.725" v="419" actId="20577"/>
-        <pc:sldMkLst>
-          <pc:docMk/>
-          <pc:sldMk cId="1871788821" sldId="260"/>
-        </pc:sldMkLst>
-        <pc:spChg chg="mod">
-          <ac:chgData name="Parmanto, Dharma" userId="4f9a10d7-3858-4ebd-b991-a7b30feaabcd" providerId="ADAL" clId="{E16A9B21-8A09-4821-A32D-4609244DB1F6}" dt="2022-11-01T16:59:50.725" v="419" actId="20577"/>
-          <ac:spMkLst>
-            <pc:docMk/>
-            <pc:sldMk cId="1871788821" sldId="260"/>
-            <ac:spMk id="3" creationId="{59C44DD6-9389-6B4C-6D7C-CE926EF1EED2}"/>
-          </ac:spMkLst>
-        </pc:spChg>
-      </pc:sldChg>
-      <pc:sldChg chg="modSp mod">
-        <pc:chgData name="Parmanto, Dharma" userId="4f9a10d7-3858-4ebd-b991-a7b30feaabcd" providerId="ADAL" clId="{E16A9B21-8A09-4821-A32D-4609244DB1F6}" dt="2022-11-01T16:58:23.755" v="273" actId="20577"/>
-        <pc:sldMkLst>
-          <pc:docMk/>
-          <pc:sldMk cId="298272431" sldId="261"/>
-        </pc:sldMkLst>
-        <pc:spChg chg="mod">
-          <ac:chgData name="Parmanto, Dharma" userId="4f9a10d7-3858-4ebd-b991-a7b30feaabcd" providerId="ADAL" clId="{E16A9B21-8A09-4821-A32D-4609244DB1F6}" dt="2022-11-01T16:58:23.755" v="273" actId="20577"/>
-          <ac:spMkLst>
-            <pc:docMk/>
-            <pc:sldMk cId="298272431" sldId="261"/>
-            <ac:spMk id="15" creationId="{645AFB24-AF41-6A9E-0A67-ADDB00DBC052}"/>
-          </ac:spMkLst>
-        </pc:spChg>
-      </pc:sldChg>
-      <pc:sldChg chg="addSp delSp modSp mod">
-        <pc:chgData name="Parmanto, Dharma" userId="4f9a10d7-3858-4ebd-b991-a7b30feaabcd" providerId="ADAL" clId="{E16A9B21-8A09-4821-A32D-4609244DB1F6}" dt="2022-10-27T15:39:58.704" v="80" actId="14100"/>
-        <pc:sldMkLst>
-          <pc:docMk/>
-          <pc:sldMk cId="804916847" sldId="262"/>
-        </pc:sldMkLst>
-        <pc:spChg chg="add mod">
-          <ac:chgData name="Parmanto, Dharma" userId="4f9a10d7-3858-4ebd-b991-a7b30feaabcd" providerId="ADAL" clId="{E16A9B21-8A09-4821-A32D-4609244DB1F6}" dt="2022-10-27T15:37:31.138" v="51" actId="1076"/>
-          <ac:spMkLst>
-            <pc:docMk/>
-            <pc:sldMk cId="804916847" sldId="262"/>
-            <ac:spMk id="3" creationId="{37B4A138-19A4-8C60-1F83-BF00B5CE4074}"/>
-          </ac:spMkLst>
-        </pc:spChg>
-        <pc:spChg chg="add mod">
-          <ac:chgData name="Parmanto, Dharma" userId="4f9a10d7-3858-4ebd-b991-a7b30feaabcd" providerId="ADAL" clId="{E16A9B21-8A09-4821-A32D-4609244DB1F6}" dt="2022-10-27T15:38:06.152" v="58" actId="1076"/>
-          <ac:spMkLst>
-            <pc:docMk/>
-            <pc:sldMk cId="804916847" sldId="262"/>
-            <ac:spMk id="8" creationId="{37D7C8C4-A62D-EE1B-6A0A-862D6219969E}"/>
-          </ac:spMkLst>
-        </pc:spChg>
-        <pc:spChg chg="mod">
-          <ac:chgData name="Parmanto, Dharma" userId="4f9a10d7-3858-4ebd-b991-a7b30feaabcd" providerId="ADAL" clId="{E16A9B21-8A09-4821-A32D-4609244DB1F6}" dt="2022-10-27T15:38:11.922" v="59" actId="692"/>
-          <ac:spMkLst>
-            <pc:docMk/>
-            <pc:sldMk cId="804916847" sldId="262"/>
-            <ac:spMk id="13" creationId="{C8C613BA-362A-DCC3-145C-A77FEF830EE5}"/>
-          </ac:spMkLst>
-        </pc:spChg>
-        <pc:spChg chg="del mod">
-          <ac:chgData name="Parmanto, Dharma" userId="4f9a10d7-3858-4ebd-b991-a7b30feaabcd" providerId="ADAL" clId="{E16A9B21-8A09-4821-A32D-4609244DB1F6}" dt="2022-10-27T15:36:41.224" v="41" actId="478"/>
-          <ac:spMkLst>
-            <pc:docMk/>
-            <pc:sldMk cId="804916847" sldId="262"/>
-            <ac:spMk id="81" creationId="{DC5533F3-94B4-FE5F-3DDC-58209D1840AE}"/>
-          </ac:spMkLst>
-        </pc:spChg>
-        <pc:cxnChg chg="add mod">
-          <ac:chgData name="Parmanto, Dharma" userId="4f9a10d7-3858-4ebd-b991-a7b30feaabcd" providerId="ADAL" clId="{E16A9B21-8A09-4821-A32D-4609244DB1F6}" dt="2022-10-27T15:38:06.152" v="58" actId="1076"/>
-          <ac:cxnSpMkLst>
-            <pc:docMk/>
-            <pc:sldMk cId="804916847" sldId="262"/>
-            <ac:cxnSpMk id="10" creationId="{8073A10E-A8B8-B2E4-4584-3205A8E38915}"/>
-          </ac:cxnSpMkLst>
-        </pc:cxnChg>
-        <pc:cxnChg chg="mod">
-          <ac:chgData name="Parmanto, Dharma" userId="4f9a10d7-3858-4ebd-b991-a7b30feaabcd" providerId="ADAL" clId="{E16A9B21-8A09-4821-A32D-4609244DB1F6}" dt="2022-10-27T15:39:58.704" v="80" actId="14100"/>
-          <ac:cxnSpMkLst>
-            <pc:docMk/>
-            <pc:sldMk cId="804916847" sldId="262"/>
-            <ac:cxnSpMk id="14" creationId="{7385F875-491E-0A9C-5FF4-9BA918EFC8D1}"/>
-          </ac:cxnSpMkLst>
-        </pc:cxnChg>
-        <pc:cxnChg chg="add mod">
-          <ac:chgData name="Parmanto, Dharma" userId="4f9a10d7-3858-4ebd-b991-a7b30feaabcd" providerId="ADAL" clId="{E16A9B21-8A09-4821-A32D-4609244DB1F6}" dt="2022-10-27T15:37:58.336" v="56" actId="14100"/>
-          <ac:cxnSpMkLst>
-            <pc:docMk/>
-            <pc:sldMk cId="804916847" sldId="262"/>
-            <ac:cxnSpMk id="17" creationId="{05C61E30-9BFD-8251-939D-2662AE0E24B5}"/>
-          </ac:cxnSpMkLst>
-        </pc:cxnChg>
-      </pc:sldChg>
-    </pc:docChg>
-  </pc:docChgLst>
-  <pc:docChgLst>
-    <pc:chgData name="Parmanto, Dharma" userId="4f9a10d7-3858-4ebd-b991-a7b30feaabcd" providerId="ADAL" clId="{3702DADB-023C-45AA-BE49-595FA9D5C0EA}"/>
-    <pc:docChg chg="custSel modSld">
-      <pc:chgData name="Parmanto, Dharma" userId="4f9a10d7-3858-4ebd-b991-a7b30feaabcd" providerId="ADAL" clId="{3702DADB-023C-45AA-BE49-595FA9D5C0EA}" dt="2022-11-24T14:36:30.604" v="17" actId="14100"/>
-      <pc:docMkLst>
-        <pc:docMk/>
-      </pc:docMkLst>
-      <pc:sldChg chg="modSp mod">
-        <pc:chgData name="Parmanto, Dharma" userId="4f9a10d7-3858-4ebd-b991-a7b30feaabcd" providerId="ADAL" clId="{3702DADB-023C-45AA-BE49-595FA9D5C0EA}" dt="2022-11-24T14:35:39.721" v="2" actId="1076"/>
-        <pc:sldMkLst>
-          <pc:docMk/>
-          <pc:sldMk cId="3265300168" sldId="257"/>
-        </pc:sldMkLst>
-        <pc:spChg chg="mod">
-          <ac:chgData name="Parmanto, Dharma" userId="4f9a10d7-3858-4ebd-b991-a7b30feaabcd" providerId="ADAL" clId="{3702DADB-023C-45AA-BE49-595FA9D5C0EA}" dt="2022-11-24T14:35:39.721" v="2" actId="1076"/>
-          <ac:spMkLst>
-            <pc:docMk/>
-            <pc:sldMk cId="3265300168" sldId="257"/>
-            <ac:spMk id="36" creationId="{C5183DD8-AD63-135F-B551-46B5334C36D5}"/>
-          </ac:spMkLst>
-        </pc:spChg>
-      </pc:sldChg>
-      <pc:sldChg chg="addSp modSp mod">
-        <pc:chgData name="Parmanto, Dharma" userId="4f9a10d7-3858-4ebd-b991-a7b30feaabcd" providerId="ADAL" clId="{3702DADB-023C-45AA-BE49-595FA9D5C0EA}" dt="2022-11-24T14:36:30.604" v="17" actId="14100"/>
-        <pc:sldMkLst>
-          <pc:docMk/>
-          <pc:sldMk cId="804916847" sldId="262"/>
-        </pc:sldMkLst>
-        <pc:spChg chg="add mod">
-          <ac:chgData name="Parmanto, Dharma" userId="4f9a10d7-3858-4ebd-b991-a7b30feaabcd" providerId="ADAL" clId="{3702DADB-023C-45AA-BE49-595FA9D5C0EA}" dt="2022-11-24T14:36:22.826" v="14" actId="1076"/>
-          <ac:spMkLst>
-            <pc:docMk/>
-            <pc:sldMk cId="804916847" sldId="262"/>
-            <ac:spMk id="5" creationId="{AFB70D9D-DB7C-F7F8-2493-5454F4EBD029}"/>
-          </ac:spMkLst>
-        </pc:spChg>
-        <pc:cxnChg chg="add mod">
-          <ac:chgData name="Parmanto, Dharma" userId="4f9a10d7-3858-4ebd-b991-a7b30feaabcd" providerId="ADAL" clId="{3702DADB-023C-45AA-BE49-595FA9D5C0EA}" dt="2022-11-24T14:36:30.604" v="17" actId="14100"/>
-          <ac:cxnSpMkLst>
-            <pc:docMk/>
-            <pc:sldMk cId="804916847" sldId="262"/>
-            <ac:cxnSpMk id="6" creationId="{ABE47B3D-9042-53EB-4273-E067525DFCDC}"/>
-          </ac:cxnSpMkLst>
-        </pc:cxnChg>
-      </pc:sldChg>
-    </pc:docChg>
-  </pc:docChgLst>
-  <pc:docChgLst>
-    <pc:chgData name="Clark Necciai" userId="2d3c143e28508c56" providerId="LiveId" clId="{FDCC823D-83BF-4529-845A-3B7882525FFA}"/>
-    <pc:docChg chg="undo custSel modSld">
-      <pc:chgData name="Clark Necciai" userId="2d3c143e28508c56" providerId="LiveId" clId="{FDCC823D-83BF-4529-845A-3B7882525FFA}" dt="2022-11-29T17:30:00.735" v="828" actId="20577"/>
-      <pc:docMkLst>
-        <pc:docMk/>
-      </pc:docMkLst>
-      <pc:sldChg chg="modSp mod">
-        <pc:chgData name="Clark Necciai" userId="2d3c143e28508c56" providerId="LiveId" clId="{FDCC823D-83BF-4529-845A-3B7882525FFA}" dt="2022-11-29T17:22:45.504" v="799" actId="20577"/>
-        <pc:sldMkLst>
-          <pc:docMk/>
-          <pc:sldMk cId="3265300168" sldId="257"/>
-        </pc:sldMkLst>
-        <pc:spChg chg="mod">
-          <ac:chgData name="Clark Necciai" userId="2d3c143e28508c56" providerId="LiveId" clId="{FDCC823D-83BF-4529-845A-3B7882525FFA}" dt="2022-11-29T14:36:03.786" v="41"/>
-          <ac:spMkLst>
-            <pc:docMk/>
-            <pc:sldMk cId="3265300168" sldId="257"/>
-            <ac:spMk id="2" creationId="{FC7451FD-3E1D-975B-3DF1-6A341AA68BFB}"/>
-          </ac:spMkLst>
-        </pc:spChg>
-        <pc:spChg chg="mod">
-          <ac:chgData name="Clark Necciai" userId="2d3c143e28508c56" providerId="LiveId" clId="{FDCC823D-83BF-4529-845A-3B7882525FFA}" dt="2022-11-29T15:04:29.796" v="766" actId="1076"/>
-          <ac:spMkLst>
-            <pc:docMk/>
-            <pc:sldMk cId="3265300168" sldId="257"/>
-            <ac:spMk id="15" creationId="{D9276FFC-6D66-3754-9235-4F5C6C65E24F}"/>
-          </ac:spMkLst>
-        </pc:spChg>
-        <pc:spChg chg="mod">
-          <ac:chgData name="Clark Necciai" userId="2d3c143e28508c56" providerId="LiveId" clId="{FDCC823D-83BF-4529-845A-3B7882525FFA}" dt="2022-11-29T17:22:45.504" v="799" actId="20577"/>
-          <ac:spMkLst>
-            <pc:docMk/>
-            <pc:sldMk cId="3265300168" sldId="257"/>
-            <ac:spMk id="36" creationId="{C5183DD8-AD63-135F-B551-46B5334C36D5}"/>
-          </ac:spMkLst>
-        </pc:spChg>
-        <pc:cxnChg chg="mod">
-          <ac:chgData name="Clark Necciai" userId="2d3c143e28508c56" providerId="LiveId" clId="{FDCC823D-83BF-4529-845A-3B7882525FFA}" dt="2022-11-29T15:04:29.796" v="766" actId="1076"/>
-          <ac:cxnSpMkLst>
-            <pc:docMk/>
-            <pc:sldMk cId="3265300168" sldId="257"/>
-            <ac:cxnSpMk id="23" creationId="{64285A40-F14E-4ABF-6413-52C56A46E9D6}"/>
-          </ac:cxnSpMkLst>
-        </pc:cxnChg>
-      </pc:sldChg>
-      <pc:sldChg chg="modSp mod">
-        <pc:chgData name="Clark Necciai" userId="2d3c143e28508c56" providerId="LiveId" clId="{FDCC823D-83BF-4529-845A-3B7882525FFA}" dt="2022-11-29T14:53:39.393" v="765" actId="27636"/>
-        <pc:sldMkLst>
-          <pc:docMk/>
-          <pc:sldMk cId="1871788821" sldId="260"/>
-        </pc:sldMkLst>
-        <pc:spChg chg="mod">
-          <ac:chgData name="Clark Necciai" userId="2d3c143e28508c56" providerId="LiveId" clId="{FDCC823D-83BF-4529-845A-3B7882525FFA}" dt="2022-11-29T14:53:39.393" v="765" actId="27636"/>
-          <ac:spMkLst>
-            <pc:docMk/>
-            <pc:sldMk cId="1871788821" sldId="260"/>
-            <ac:spMk id="3" creationId="{59C44DD6-9389-6B4C-6D7C-CE926EF1EED2}"/>
-          </ac:spMkLst>
-        </pc:spChg>
-      </pc:sldChg>
-      <pc:sldChg chg="modSp mod">
-        <pc:chgData name="Clark Necciai" userId="2d3c143e28508c56" providerId="LiveId" clId="{FDCC823D-83BF-4529-845A-3B7882525FFA}" dt="2022-11-29T17:30:00.735" v="828" actId="20577"/>
-        <pc:sldMkLst>
-          <pc:docMk/>
-          <pc:sldMk cId="298272431" sldId="261"/>
-        </pc:sldMkLst>
-        <pc:spChg chg="mod">
-          <ac:chgData name="Clark Necciai" userId="2d3c143e28508c56" providerId="LiveId" clId="{FDCC823D-83BF-4529-845A-3B7882525FFA}" dt="2022-11-29T17:30:00.735" v="828" actId="20577"/>
-          <ac:spMkLst>
-            <pc:docMk/>
-            <pc:sldMk cId="298272431" sldId="261"/>
-            <ac:spMk id="14" creationId="{78A00FC0-0405-9527-02BB-751FA92154E5}"/>
-          </ac:spMkLst>
-        </pc:spChg>
-        <pc:spChg chg="mod">
-          <ac:chgData name="Clark Necciai" userId="2d3c143e28508c56" providerId="LiveId" clId="{FDCC823D-83BF-4529-845A-3B7882525FFA}" dt="2022-11-29T17:22:57.617" v="802" actId="20577"/>
-          <ac:spMkLst>
-            <pc:docMk/>
-            <pc:sldMk cId="298272431" sldId="261"/>
-            <ac:spMk id="15" creationId="{645AFB24-AF41-6A9E-0A67-ADDB00DBC052}"/>
-          </ac:spMkLst>
-        </pc:spChg>
-      </pc:sldChg>
-      <pc:sldChg chg="addSp delSp modSp mod">
-        <pc:chgData name="Clark Necciai" userId="2d3c143e28508c56" providerId="LiveId" clId="{FDCC823D-83BF-4529-845A-3B7882525FFA}" dt="2022-11-29T17:23:46.741" v="811" actId="1076"/>
-        <pc:sldMkLst>
-          <pc:docMk/>
-          <pc:sldMk cId="804916847" sldId="262"/>
-        </pc:sldMkLst>
-        <pc:spChg chg="mod">
-          <ac:chgData name="Clark Necciai" userId="2d3c143e28508c56" providerId="LiveId" clId="{FDCC823D-83BF-4529-845A-3B7882525FFA}" dt="2022-11-29T17:23:46.741" v="811" actId="1076"/>
-          <ac:spMkLst>
-            <pc:docMk/>
-            <pc:sldMk cId="804916847" sldId="262"/>
-            <ac:spMk id="3" creationId="{37B4A138-19A4-8C60-1F83-BF00B5CE4074}"/>
-          </ac:spMkLst>
-        </pc:spChg>
-        <pc:spChg chg="mod">
-          <ac:chgData name="Clark Necciai" userId="2d3c143e28508c56" providerId="LiveId" clId="{FDCC823D-83BF-4529-845A-3B7882525FFA}" dt="2022-11-29T15:04:51.230" v="769" actId="1076"/>
-          <ac:spMkLst>
-            <pc:docMk/>
-            <pc:sldMk cId="804916847" sldId="262"/>
-            <ac:spMk id="5" creationId="{AFB70D9D-DB7C-F7F8-2493-5454F4EBD029}"/>
-          </ac:spMkLst>
-        </pc:spChg>
-        <pc:spChg chg="add del mod">
-          <ac:chgData name="Clark Necciai" userId="2d3c143e28508c56" providerId="LiveId" clId="{FDCC823D-83BF-4529-845A-3B7882525FFA}" dt="2022-11-29T14:36:09.507" v="42" actId="478"/>
-          <ac:spMkLst>
-            <pc:docMk/>
-            <pc:sldMk cId="804916847" sldId="262"/>
-            <ac:spMk id="12" creationId="{24DC28E6-9DCB-0D2B-94CA-6E65B7B980C9}"/>
-          </ac:spMkLst>
-        </pc:spChg>
-        <pc:spChg chg="mod">
-          <ac:chgData name="Clark Necciai" userId="2d3c143e28508c56" providerId="LiveId" clId="{FDCC823D-83BF-4529-845A-3B7882525FFA}" dt="2022-11-29T17:23:44.927" v="810" actId="1076"/>
-          <ac:spMkLst>
-            <pc:docMk/>
-            <pc:sldMk cId="804916847" sldId="262"/>
-            <ac:spMk id="13" creationId="{C8C613BA-362A-DCC3-145C-A77FEF830EE5}"/>
-          </ac:spMkLst>
-        </pc:spChg>
-        <pc:spChg chg="mod">
-          <ac:chgData name="Clark Necciai" userId="2d3c143e28508c56" providerId="LiveId" clId="{FDCC823D-83BF-4529-845A-3B7882525FFA}" dt="2022-11-29T17:23:36.861" v="806" actId="1076"/>
-          <ac:spMkLst>
-            <pc:docMk/>
-            <pc:sldMk cId="804916847" sldId="262"/>
-            <ac:spMk id="44" creationId="{ABB099F3-34FE-2449-5921-87CFFD7D4A65}"/>
-          </ac:spMkLst>
-        </pc:spChg>
-        <pc:spChg chg="mod">
-          <ac:chgData name="Clark Necciai" userId="2d3c143e28508c56" providerId="LiveId" clId="{FDCC823D-83BF-4529-845A-3B7882525FFA}" dt="2022-11-29T15:04:54.941" v="771" actId="1076"/>
-          <ac:spMkLst>
-            <pc:docMk/>
-            <pc:sldMk cId="804916847" sldId="262"/>
-            <ac:spMk id="47" creationId="{1C687A2B-D75D-CD26-4B3B-8F77663D1073}"/>
-          </ac:spMkLst>
-        </pc:spChg>
-        <pc:spChg chg="mod">
-          <ac:chgData name="Clark Necciai" userId="2d3c143e28508c56" providerId="LiveId" clId="{FDCC823D-83BF-4529-845A-3B7882525FFA}" dt="2022-11-29T17:23:24.570" v="804" actId="20577"/>
-          <ac:spMkLst>
-            <pc:docMk/>
-            <pc:sldMk cId="804916847" sldId="262"/>
-            <ac:spMk id="49" creationId="{1713136E-260E-2057-5ACA-9ADC9B6BFE22}"/>
-          </ac:spMkLst>
-        </pc:spChg>
-        <pc:spChg chg="mod">
-          <ac:chgData name="Clark Necciai" userId="2d3c143e28508c56" providerId="LiveId" clId="{FDCC823D-83BF-4529-845A-3B7882525FFA}" dt="2022-11-29T17:23:41.257" v="809" actId="1076"/>
-          <ac:spMkLst>
-            <pc:docMk/>
-            <pc:sldMk cId="804916847" sldId="262"/>
-            <ac:spMk id="64" creationId="{541D6C8A-22C1-F9D8-8D20-9C159E64CE4F}"/>
-          </ac:spMkLst>
-        </pc:spChg>
-        <pc:spChg chg="mod">
-          <ac:chgData name="Clark Necciai" userId="2d3c143e28508c56" providerId="LiveId" clId="{FDCC823D-83BF-4529-845A-3B7882525FFA}" dt="2022-11-29T17:23:38.724" v="807" actId="1076"/>
-          <ac:spMkLst>
-            <pc:docMk/>
-            <pc:sldMk cId="804916847" sldId="262"/>
-            <ac:spMk id="65" creationId="{EC784165-8B9F-0EFC-8C9B-203B97E34B5D}"/>
-          </ac:spMkLst>
-        </pc:spChg>
-        <pc:spChg chg="mod">
-          <ac:chgData name="Clark Necciai" userId="2d3c143e28508c56" providerId="LiveId" clId="{FDCC823D-83BF-4529-845A-3B7882525FFA}" dt="2022-11-29T17:23:40.142" v="808" actId="1076"/>
-          <ac:spMkLst>
-            <pc:docMk/>
-            <pc:sldMk cId="804916847" sldId="262"/>
-            <ac:spMk id="66" creationId="{1F057F01-9458-9F80-69FF-FBECB3265856}"/>
-          </ac:spMkLst>
-        </pc:spChg>
-        <pc:spChg chg="mod">
-          <ac:chgData name="Clark Necciai" userId="2d3c143e28508c56" providerId="LiveId" clId="{FDCC823D-83BF-4529-845A-3B7882525FFA}" dt="2022-11-29T17:23:35.378" v="805" actId="1076"/>
-          <ac:spMkLst>
-            <pc:docMk/>
-            <pc:sldMk cId="804916847" sldId="262"/>
-            <ac:spMk id="67" creationId="{6A3EB60A-51DC-F3F1-4615-140FBF7D2523}"/>
-          </ac:spMkLst>
-        </pc:spChg>
-        <pc:cxnChg chg="mod">
-          <ac:chgData name="Clark Necciai" userId="2d3c143e28508c56" providerId="LiveId" clId="{FDCC823D-83BF-4529-845A-3B7882525FFA}" dt="2022-11-29T15:04:51.230" v="769" actId="1076"/>
-          <ac:cxnSpMkLst>
-            <pc:docMk/>
-            <pc:sldMk cId="804916847" sldId="262"/>
-            <ac:cxnSpMk id="6" creationId="{ABE47B3D-9042-53EB-4273-E067525DFCDC}"/>
-          </ac:cxnSpMkLst>
-        </pc:cxnChg>
-        <pc:cxnChg chg="mod">
-          <ac:chgData name="Clark Necciai" userId="2d3c143e28508c56" providerId="LiveId" clId="{FDCC823D-83BF-4529-845A-3B7882525FFA}" dt="2022-11-29T17:23:44.927" v="810" actId="1076"/>
-          <ac:cxnSpMkLst>
-            <pc:docMk/>
-            <pc:sldMk cId="804916847" sldId="262"/>
-            <ac:cxnSpMk id="10" creationId="{8073A10E-A8B8-B2E4-4584-3205A8E38915}"/>
-          </ac:cxnSpMkLst>
-        </pc:cxnChg>
-        <pc:cxnChg chg="mod">
-          <ac:chgData name="Clark Necciai" userId="2d3c143e28508c56" providerId="LiveId" clId="{FDCC823D-83BF-4529-845A-3B7882525FFA}" dt="2022-11-29T17:23:44.927" v="810" actId="1076"/>
-          <ac:cxnSpMkLst>
-            <pc:docMk/>
-            <pc:sldMk cId="804916847" sldId="262"/>
-            <ac:cxnSpMk id="14" creationId="{7385F875-491E-0A9C-5FF4-9BA918EFC8D1}"/>
-          </ac:cxnSpMkLst>
-        </pc:cxnChg>
-        <pc:cxnChg chg="add del mod">
-          <ac:chgData name="Clark Necciai" userId="2d3c143e28508c56" providerId="LiveId" clId="{FDCC823D-83BF-4529-845A-3B7882525FFA}" dt="2022-11-29T14:36:10.762" v="43" actId="478"/>
-          <ac:cxnSpMkLst>
-            <pc:docMk/>
-            <pc:sldMk cId="804916847" sldId="262"/>
-            <ac:cxnSpMk id="15" creationId="{523997AD-C9B0-D0BB-B9FC-C7A264B79810}"/>
-          </ac:cxnSpMkLst>
-        </pc:cxnChg>
-        <pc:cxnChg chg="mod">
-          <ac:chgData name="Clark Necciai" userId="2d3c143e28508c56" providerId="LiveId" clId="{FDCC823D-83BF-4529-845A-3B7882525FFA}" dt="2022-11-29T17:23:46.741" v="811" actId="1076"/>
-          <ac:cxnSpMkLst>
-            <pc:docMk/>
-            <pc:sldMk cId="804916847" sldId="262"/>
-            <ac:cxnSpMk id="17" creationId="{05C61E30-9BFD-8251-939D-2662AE0E24B5}"/>
-          </ac:cxnSpMkLst>
-        </pc:cxnChg>
-        <pc:cxnChg chg="mod">
-          <ac:chgData name="Clark Necciai" userId="2d3c143e28508c56" providerId="LiveId" clId="{FDCC823D-83BF-4529-845A-3B7882525FFA}" dt="2022-11-29T15:04:52.663" v="770" actId="1076"/>
-          <ac:cxnSpMkLst>
-            <pc:docMk/>
-            <pc:sldMk cId="804916847" sldId="262"/>
-            <ac:cxnSpMk id="43" creationId="{826938B7-2B4A-6E6D-7BCA-D9A22D590929}"/>
-          </ac:cxnSpMkLst>
-        </pc:cxnChg>
-        <pc:cxnChg chg="mod">
-          <ac:chgData name="Clark Necciai" userId="2d3c143e28508c56" providerId="LiveId" clId="{FDCC823D-83BF-4529-845A-3B7882525FFA}" dt="2022-11-29T15:04:54.941" v="771" actId="1076"/>
-          <ac:cxnSpMkLst>
-            <pc:docMk/>
-            <pc:sldMk cId="804916847" sldId="262"/>
-            <ac:cxnSpMk id="45" creationId="{8924DA3C-A942-D568-B5DA-2D5804E66ABC}"/>
-          </ac:cxnSpMkLst>
-        </pc:cxnChg>
-        <pc:cxnChg chg="mod">
-          <ac:chgData name="Clark Necciai" userId="2d3c143e28508c56" providerId="LiveId" clId="{FDCC823D-83BF-4529-845A-3B7882525FFA}" dt="2022-11-29T17:23:36.861" v="806" actId="1076"/>
-          <ac:cxnSpMkLst>
-            <pc:docMk/>
-            <pc:sldMk cId="804916847" sldId="262"/>
-            <ac:cxnSpMk id="48" creationId="{2B4DE48D-43FF-185D-DA97-55DC167D103D}"/>
-          </ac:cxnSpMkLst>
-        </pc:cxnChg>
-        <pc:cxnChg chg="mod">
-          <ac:chgData name="Clark Necciai" userId="2d3c143e28508c56" providerId="LiveId" clId="{FDCC823D-83BF-4529-845A-3B7882525FFA}" dt="2022-11-29T17:23:35.378" v="805" actId="1076"/>
-          <ac:cxnSpMkLst>
-            <pc:docMk/>
-            <pc:sldMk cId="804916847" sldId="262"/>
-            <ac:cxnSpMk id="76" creationId="{74D6E3A2-6F14-8490-6179-06D757C6C3BD}"/>
-          </ac:cxnSpMkLst>
-        </pc:cxnChg>
-        <pc:cxnChg chg="mod">
-          <ac:chgData name="Clark Necciai" userId="2d3c143e28508c56" providerId="LiveId" clId="{FDCC823D-83BF-4529-845A-3B7882525FFA}" dt="2022-11-29T17:23:38.724" v="807" actId="1076"/>
-          <ac:cxnSpMkLst>
-            <pc:docMk/>
-            <pc:sldMk cId="804916847" sldId="262"/>
-            <ac:cxnSpMk id="79" creationId="{A228EE20-5CEC-7B44-AEFA-D166DA374C82}"/>
-          </ac:cxnSpMkLst>
-        </pc:cxnChg>
-        <pc:cxnChg chg="mod">
-          <ac:chgData name="Clark Necciai" userId="2d3c143e28508c56" providerId="LiveId" clId="{FDCC823D-83BF-4529-845A-3B7882525FFA}" dt="2022-11-29T17:23:40.142" v="808" actId="1076"/>
-          <ac:cxnSpMkLst>
-            <pc:docMk/>
-            <pc:sldMk cId="804916847" sldId="262"/>
-            <ac:cxnSpMk id="82" creationId="{19B3D5D7-359B-C410-3C3C-AE077E298AED}"/>
-          </ac:cxnSpMkLst>
-        </pc:cxnChg>
-        <pc:cxnChg chg="mod">
-          <ac:chgData name="Clark Necciai" userId="2d3c143e28508c56" providerId="LiveId" clId="{FDCC823D-83BF-4529-845A-3B7882525FFA}" dt="2022-11-29T17:23:41.257" v="809" actId="1076"/>
-          <ac:cxnSpMkLst>
-            <pc:docMk/>
-            <pc:sldMk cId="804916847" sldId="262"/>
-            <ac:cxnSpMk id="85" creationId="{C79CCE4D-13EA-72E4-4EB5-C601C4B0765D}"/>
-          </ac:cxnSpMkLst>
-        </pc:cxnChg>
       </pc:sldChg>
     </pc:docChg>
   </pc:docChgLst>
@@ -4578,6 +2886,1729 @@
             <ac:spMk id="4" creationId="{85289AE9-D806-0892-69F1-6762A9F3332B}"/>
           </ac:spMkLst>
         </pc:spChg>
+      </pc:sldChg>
+    </pc:docChg>
+  </pc:docChgLst>
+  <pc:docChgLst>
+    <pc:chgData name="Clark Necciai" userId="2d3c143e28508c56" providerId="LiveId" clId="{FDCC823D-83BF-4529-845A-3B7882525FFA}"/>
+    <pc:docChg chg="undo custSel modSld">
+      <pc:chgData name="Clark Necciai" userId="2d3c143e28508c56" providerId="LiveId" clId="{FDCC823D-83BF-4529-845A-3B7882525FFA}" dt="2022-11-29T17:30:00.735" v="828" actId="20577"/>
+      <pc:docMkLst>
+        <pc:docMk/>
+      </pc:docMkLst>
+      <pc:sldChg chg="modSp mod">
+        <pc:chgData name="Clark Necciai" userId="2d3c143e28508c56" providerId="LiveId" clId="{FDCC823D-83BF-4529-845A-3B7882525FFA}" dt="2022-11-29T17:22:45.504" v="799" actId="20577"/>
+        <pc:sldMkLst>
+          <pc:docMk/>
+          <pc:sldMk cId="3265300168" sldId="257"/>
+        </pc:sldMkLst>
+        <pc:spChg chg="mod">
+          <ac:chgData name="Clark Necciai" userId="2d3c143e28508c56" providerId="LiveId" clId="{FDCC823D-83BF-4529-845A-3B7882525FFA}" dt="2022-11-29T14:36:03.786" v="41"/>
+          <ac:spMkLst>
+            <pc:docMk/>
+            <pc:sldMk cId="3265300168" sldId="257"/>
+            <ac:spMk id="2" creationId="{FC7451FD-3E1D-975B-3DF1-6A341AA68BFB}"/>
+          </ac:spMkLst>
+        </pc:spChg>
+        <pc:spChg chg="mod">
+          <ac:chgData name="Clark Necciai" userId="2d3c143e28508c56" providerId="LiveId" clId="{FDCC823D-83BF-4529-845A-3B7882525FFA}" dt="2022-11-29T15:04:29.796" v="766" actId="1076"/>
+          <ac:spMkLst>
+            <pc:docMk/>
+            <pc:sldMk cId="3265300168" sldId="257"/>
+            <ac:spMk id="15" creationId="{D9276FFC-6D66-3754-9235-4F5C6C65E24F}"/>
+          </ac:spMkLst>
+        </pc:spChg>
+        <pc:spChg chg="mod">
+          <ac:chgData name="Clark Necciai" userId="2d3c143e28508c56" providerId="LiveId" clId="{FDCC823D-83BF-4529-845A-3B7882525FFA}" dt="2022-11-29T17:22:45.504" v="799" actId="20577"/>
+          <ac:spMkLst>
+            <pc:docMk/>
+            <pc:sldMk cId="3265300168" sldId="257"/>
+            <ac:spMk id="36" creationId="{C5183DD8-AD63-135F-B551-46B5334C36D5}"/>
+          </ac:spMkLst>
+        </pc:spChg>
+        <pc:cxnChg chg="mod">
+          <ac:chgData name="Clark Necciai" userId="2d3c143e28508c56" providerId="LiveId" clId="{FDCC823D-83BF-4529-845A-3B7882525FFA}" dt="2022-11-29T15:04:29.796" v="766" actId="1076"/>
+          <ac:cxnSpMkLst>
+            <pc:docMk/>
+            <pc:sldMk cId="3265300168" sldId="257"/>
+            <ac:cxnSpMk id="23" creationId="{64285A40-F14E-4ABF-6413-52C56A46E9D6}"/>
+          </ac:cxnSpMkLst>
+        </pc:cxnChg>
+      </pc:sldChg>
+      <pc:sldChg chg="modSp mod">
+        <pc:chgData name="Clark Necciai" userId="2d3c143e28508c56" providerId="LiveId" clId="{FDCC823D-83BF-4529-845A-3B7882525FFA}" dt="2022-11-29T14:53:39.393" v="765" actId="27636"/>
+        <pc:sldMkLst>
+          <pc:docMk/>
+          <pc:sldMk cId="1871788821" sldId="260"/>
+        </pc:sldMkLst>
+        <pc:spChg chg="mod">
+          <ac:chgData name="Clark Necciai" userId="2d3c143e28508c56" providerId="LiveId" clId="{FDCC823D-83BF-4529-845A-3B7882525FFA}" dt="2022-11-29T14:53:39.393" v="765" actId="27636"/>
+          <ac:spMkLst>
+            <pc:docMk/>
+            <pc:sldMk cId="1871788821" sldId="260"/>
+            <ac:spMk id="3" creationId="{59C44DD6-9389-6B4C-6D7C-CE926EF1EED2}"/>
+          </ac:spMkLst>
+        </pc:spChg>
+      </pc:sldChg>
+      <pc:sldChg chg="modSp mod">
+        <pc:chgData name="Clark Necciai" userId="2d3c143e28508c56" providerId="LiveId" clId="{FDCC823D-83BF-4529-845A-3B7882525FFA}" dt="2022-11-29T17:30:00.735" v="828" actId="20577"/>
+        <pc:sldMkLst>
+          <pc:docMk/>
+          <pc:sldMk cId="298272431" sldId="261"/>
+        </pc:sldMkLst>
+        <pc:spChg chg="mod">
+          <ac:chgData name="Clark Necciai" userId="2d3c143e28508c56" providerId="LiveId" clId="{FDCC823D-83BF-4529-845A-3B7882525FFA}" dt="2022-11-29T17:30:00.735" v="828" actId="20577"/>
+          <ac:spMkLst>
+            <pc:docMk/>
+            <pc:sldMk cId="298272431" sldId="261"/>
+            <ac:spMk id="14" creationId="{78A00FC0-0405-9527-02BB-751FA92154E5}"/>
+          </ac:spMkLst>
+        </pc:spChg>
+        <pc:spChg chg="mod">
+          <ac:chgData name="Clark Necciai" userId="2d3c143e28508c56" providerId="LiveId" clId="{FDCC823D-83BF-4529-845A-3B7882525FFA}" dt="2022-11-29T17:22:57.617" v="802" actId="20577"/>
+          <ac:spMkLst>
+            <pc:docMk/>
+            <pc:sldMk cId="298272431" sldId="261"/>
+            <ac:spMk id="15" creationId="{645AFB24-AF41-6A9E-0A67-ADDB00DBC052}"/>
+          </ac:spMkLst>
+        </pc:spChg>
+      </pc:sldChg>
+      <pc:sldChg chg="addSp delSp modSp mod">
+        <pc:chgData name="Clark Necciai" userId="2d3c143e28508c56" providerId="LiveId" clId="{FDCC823D-83BF-4529-845A-3B7882525FFA}" dt="2022-11-29T17:23:46.741" v="811" actId="1076"/>
+        <pc:sldMkLst>
+          <pc:docMk/>
+          <pc:sldMk cId="804916847" sldId="262"/>
+        </pc:sldMkLst>
+        <pc:spChg chg="mod">
+          <ac:chgData name="Clark Necciai" userId="2d3c143e28508c56" providerId="LiveId" clId="{FDCC823D-83BF-4529-845A-3B7882525FFA}" dt="2022-11-29T17:23:46.741" v="811" actId="1076"/>
+          <ac:spMkLst>
+            <pc:docMk/>
+            <pc:sldMk cId="804916847" sldId="262"/>
+            <ac:spMk id="3" creationId="{37B4A138-19A4-8C60-1F83-BF00B5CE4074}"/>
+          </ac:spMkLst>
+        </pc:spChg>
+        <pc:spChg chg="mod">
+          <ac:chgData name="Clark Necciai" userId="2d3c143e28508c56" providerId="LiveId" clId="{FDCC823D-83BF-4529-845A-3B7882525FFA}" dt="2022-11-29T15:04:51.230" v="769" actId="1076"/>
+          <ac:spMkLst>
+            <pc:docMk/>
+            <pc:sldMk cId="804916847" sldId="262"/>
+            <ac:spMk id="5" creationId="{AFB70D9D-DB7C-F7F8-2493-5454F4EBD029}"/>
+          </ac:spMkLst>
+        </pc:spChg>
+        <pc:spChg chg="add del mod">
+          <ac:chgData name="Clark Necciai" userId="2d3c143e28508c56" providerId="LiveId" clId="{FDCC823D-83BF-4529-845A-3B7882525FFA}" dt="2022-11-29T14:36:09.507" v="42" actId="478"/>
+          <ac:spMkLst>
+            <pc:docMk/>
+            <pc:sldMk cId="804916847" sldId="262"/>
+            <ac:spMk id="12" creationId="{24DC28E6-9DCB-0D2B-94CA-6E65B7B980C9}"/>
+          </ac:spMkLst>
+        </pc:spChg>
+        <pc:spChg chg="mod">
+          <ac:chgData name="Clark Necciai" userId="2d3c143e28508c56" providerId="LiveId" clId="{FDCC823D-83BF-4529-845A-3B7882525FFA}" dt="2022-11-29T17:23:44.927" v="810" actId="1076"/>
+          <ac:spMkLst>
+            <pc:docMk/>
+            <pc:sldMk cId="804916847" sldId="262"/>
+            <ac:spMk id="13" creationId="{C8C613BA-362A-DCC3-145C-A77FEF830EE5}"/>
+          </ac:spMkLst>
+        </pc:spChg>
+        <pc:spChg chg="mod">
+          <ac:chgData name="Clark Necciai" userId="2d3c143e28508c56" providerId="LiveId" clId="{FDCC823D-83BF-4529-845A-3B7882525FFA}" dt="2022-11-29T17:23:36.861" v="806" actId="1076"/>
+          <ac:spMkLst>
+            <pc:docMk/>
+            <pc:sldMk cId="804916847" sldId="262"/>
+            <ac:spMk id="44" creationId="{ABB099F3-34FE-2449-5921-87CFFD7D4A65}"/>
+          </ac:spMkLst>
+        </pc:spChg>
+        <pc:spChg chg="mod">
+          <ac:chgData name="Clark Necciai" userId="2d3c143e28508c56" providerId="LiveId" clId="{FDCC823D-83BF-4529-845A-3B7882525FFA}" dt="2022-11-29T15:04:54.941" v="771" actId="1076"/>
+          <ac:spMkLst>
+            <pc:docMk/>
+            <pc:sldMk cId="804916847" sldId="262"/>
+            <ac:spMk id="47" creationId="{1C687A2B-D75D-CD26-4B3B-8F77663D1073}"/>
+          </ac:spMkLst>
+        </pc:spChg>
+        <pc:spChg chg="mod">
+          <ac:chgData name="Clark Necciai" userId="2d3c143e28508c56" providerId="LiveId" clId="{FDCC823D-83BF-4529-845A-3B7882525FFA}" dt="2022-11-29T17:23:24.570" v="804" actId="20577"/>
+          <ac:spMkLst>
+            <pc:docMk/>
+            <pc:sldMk cId="804916847" sldId="262"/>
+            <ac:spMk id="49" creationId="{1713136E-260E-2057-5ACA-9ADC9B6BFE22}"/>
+          </ac:spMkLst>
+        </pc:spChg>
+        <pc:spChg chg="mod">
+          <ac:chgData name="Clark Necciai" userId="2d3c143e28508c56" providerId="LiveId" clId="{FDCC823D-83BF-4529-845A-3B7882525FFA}" dt="2022-11-29T17:23:41.257" v="809" actId="1076"/>
+          <ac:spMkLst>
+            <pc:docMk/>
+            <pc:sldMk cId="804916847" sldId="262"/>
+            <ac:spMk id="64" creationId="{541D6C8A-22C1-F9D8-8D20-9C159E64CE4F}"/>
+          </ac:spMkLst>
+        </pc:spChg>
+        <pc:spChg chg="mod">
+          <ac:chgData name="Clark Necciai" userId="2d3c143e28508c56" providerId="LiveId" clId="{FDCC823D-83BF-4529-845A-3B7882525FFA}" dt="2022-11-29T17:23:38.724" v="807" actId="1076"/>
+          <ac:spMkLst>
+            <pc:docMk/>
+            <pc:sldMk cId="804916847" sldId="262"/>
+            <ac:spMk id="65" creationId="{EC784165-8B9F-0EFC-8C9B-203B97E34B5D}"/>
+          </ac:spMkLst>
+        </pc:spChg>
+        <pc:spChg chg="mod">
+          <ac:chgData name="Clark Necciai" userId="2d3c143e28508c56" providerId="LiveId" clId="{FDCC823D-83BF-4529-845A-3B7882525FFA}" dt="2022-11-29T17:23:40.142" v="808" actId="1076"/>
+          <ac:spMkLst>
+            <pc:docMk/>
+            <pc:sldMk cId="804916847" sldId="262"/>
+            <ac:spMk id="66" creationId="{1F057F01-9458-9F80-69FF-FBECB3265856}"/>
+          </ac:spMkLst>
+        </pc:spChg>
+        <pc:spChg chg="mod">
+          <ac:chgData name="Clark Necciai" userId="2d3c143e28508c56" providerId="LiveId" clId="{FDCC823D-83BF-4529-845A-3B7882525FFA}" dt="2022-11-29T17:23:35.378" v="805" actId="1076"/>
+          <ac:spMkLst>
+            <pc:docMk/>
+            <pc:sldMk cId="804916847" sldId="262"/>
+            <ac:spMk id="67" creationId="{6A3EB60A-51DC-F3F1-4615-140FBF7D2523}"/>
+          </ac:spMkLst>
+        </pc:spChg>
+        <pc:cxnChg chg="mod">
+          <ac:chgData name="Clark Necciai" userId="2d3c143e28508c56" providerId="LiveId" clId="{FDCC823D-83BF-4529-845A-3B7882525FFA}" dt="2022-11-29T15:04:51.230" v="769" actId="1076"/>
+          <ac:cxnSpMkLst>
+            <pc:docMk/>
+            <pc:sldMk cId="804916847" sldId="262"/>
+            <ac:cxnSpMk id="6" creationId="{ABE47B3D-9042-53EB-4273-E067525DFCDC}"/>
+          </ac:cxnSpMkLst>
+        </pc:cxnChg>
+        <pc:cxnChg chg="mod">
+          <ac:chgData name="Clark Necciai" userId="2d3c143e28508c56" providerId="LiveId" clId="{FDCC823D-83BF-4529-845A-3B7882525FFA}" dt="2022-11-29T17:23:44.927" v="810" actId="1076"/>
+          <ac:cxnSpMkLst>
+            <pc:docMk/>
+            <pc:sldMk cId="804916847" sldId="262"/>
+            <ac:cxnSpMk id="10" creationId="{8073A10E-A8B8-B2E4-4584-3205A8E38915}"/>
+          </ac:cxnSpMkLst>
+        </pc:cxnChg>
+        <pc:cxnChg chg="mod">
+          <ac:chgData name="Clark Necciai" userId="2d3c143e28508c56" providerId="LiveId" clId="{FDCC823D-83BF-4529-845A-3B7882525FFA}" dt="2022-11-29T17:23:44.927" v="810" actId="1076"/>
+          <ac:cxnSpMkLst>
+            <pc:docMk/>
+            <pc:sldMk cId="804916847" sldId="262"/>
+            <ac:cxnSpMk id="14" creationId="{7385F875-491E-0A9C-5FF4-9BA918EFC8D1}"/>
+          </ac:cxnSpMkLst>
+        </pc:cxnChg>
+        <pc:cxnChg chg="add del mod">
+          <ac:chgData name="Clark Necciai" userId="2d3c143e28508c56" providerId="LiveId" clId="{FDCC823D-83BF-4529-845A-3B7882525FFA}" dt="2022-11-29T14:36:10.762" v="43" actId="478"/>
+          <ac:cxnSpMkLst>
+            <pc:docMk/>
+            <pc:sldMk cId="804916847" sldId="262"/>
+            <ac:cxnSpMk id="15" creationId="{523997AD-C9B0-D0BB-B9FC-C7A264B79810}"/>
+          </ac:cxnSpMkLst>
+        </pc:cxnChg>
+        <pc:cxnChg chg="mod">
+          <ac:chgData name="Clark Necciai" userId="2d3c143e28508c56" providerId="LiveId" clId="{FDCC823D-83BF-4529-845A-3B7882525FFA}" dt="2022-11-29T17:23:46.741" v="811" actId="1076"/>
+          <ac:cxnSpMkLst>
+            <pc:docMk/>
+            <pc:sldMk cId="804916847" sldId="262"/>
+            <ac:cxnSpMk id="17" creationId="{05C61E30-9BFD-8251-939D-2662AE0E24B5}"/>
+          </ac:cxnSpMkLst>
+        </pc:cxnChg>
+        <pc:cxnChg chg="mod">
+          <ac:chgData name="Clark Necciai" userId="2d3c143e28508c56" providerId="LiveId" clId="{FDCC823D-83BF-4529-845A-3B7882525FFA}" dt="2022-11-29T15:04:52.663" v="770" actId="1076"/>
+          <ac:cxnSpMkLst>
+            <pc:docMk/>
+            <pc:sldMk cId="804916847" sldId="262"/>
+            <ac:cxnSpMk id="43" creationId="{826938B7-2B4A-6E6D-7BCA-D9A22D590929}"/>
+          </ac:cxnSpMkLst>
+        </pc:cxnChg>
+        <pc:cxnChg chg="mod">
+          <ac:chgData name="Clark Necciai" userId="2d3c143e28508c56" providerId="LiveId" clId="{FDCC823D-83BF-4529-845A-3B7882525FFA}" dt="2022-11-29T15:04:54.941" v="771" actId="1076"/>
+          <ac:cxnSpMkLst>
+            <pc:docMk/>
+            <pc:sldMk cId="804916847" sldId="262"/>
+            <ac:cxnSpMk id="45" creationId="{8924DA3C-A942-D568-B5DA-2D5804E66ABC}"/>
+          </ac:cxnSpMkLst>
+        </pc:cxnChg>
+        <pc:cxnChg chg="mod">
+          <ac:chgData name="Clark Necciai" userId="2d3c143e28508c56" providerId="LiveId" clId="{FDCC823D-83BF-4529-845A-3B7882525FFA}" dt="2022-11-29T17:23:36.861" v="806" actId="1076"/>
+          <ac:cxnSpMkLst>
+            <pc:docMk/>
+            <pc:sldMk cId="804916847" sldId="262"/>
+            <ac:cxnSpMk id="48" creationId="{2B4DE48D-43FF-185D-DA97-55DC167D103D}"/>
+          </ac:cxnSpMkLst>
+        </pc:cxnChg>
+        <pc:cxnChg chg="mod">
+          <ac:chgData name="Clark Necciai" userId="2d3c143e28508c56" providerId="LiveId" clId="{FDCC823D-83BF-4529-845A-3B7882525FFA}" dt="2022-11-29T17:23:35.378" v="805" actId="1076"/>
+          <ac:cxnSpMkLst>
+            <pc:docMk/>
+            <pc:sldMk cId="804916847" sldId="262"/>
+            <ac:cxnSpMk id="76" creationId="{74D6E3A2-6F14-8490-6179-06D757C6C3BD}"/>
+          </ac:cxnSpMkLst>
+        </pc:cxnChg>
+        <pc:cxnChg chg="mod">
+          <ac:chgData name="Clark Necciai" userId="2d3c143e28508c56" providerId="LiveId" clId="{FDCC823D-83BF-4529-845A-3B7882525FFA}" dt="2022-11-29T17:23:38.724" v="807" actId="1076"/>
+          <ac:cxnSpMkLst>
+            <pc:docMk/>
+            <pc:sldMk cId="804916847" sldId="262"/>
+            <ac:cxnSpMk id="79" creationId="{A228EE20-5CEC-7B44-AEFA-D166DA374C82}"/>
+          </ac:cxnSpMkLst>
+        </pc:cxnChg>
+        <pc:cxnChg chg="mod">
+          <ac:chgData name="Clark Necciai" userId="2d3c143e28508c56" providerId="LiveId" clId="{FDCC823D-83BF-4529-845A-3B7882525FFA}" dt="2022-11-29T17:23:40.142" v="808" actId="1076"/>
+          <ac:cxnSpMkLst>
+            <pc:docMk/>
+            <pc:sldMk cId="804916847" sldId="262"/>
+            <ac:cxnSpMk id="82" creationId="{19B3D5D7-359B-C410-3C3C-AE077E298AED}"/>
+          </ac:cxnSpMkLst>
+        </pc:cxnChg>
+        <pc:cxnChg chg="mod">
+          <ac:chgData name="Clark Necciai" userId="2d3c143e28508c56" providerId="LiveId" clId="{FDCC823D-83BF-4529-845A-3B7882525FFA}" dt="2022-11-29T17:23:41.257" v="809" actId="1076"/>
+          <ac:cxnSpMkLst>
+            <pc:docMk/>
+            <pc:sldMk cId="804916847" sldId="262"/>
+            <ac:cxnSpMk id="85" creationId="{C79CCE4D-13EA-72E4-4EB5-C601C4B0765D}"/>
+          </ac:cxnSpMkLst>
+        </pc:cxnChg>
+      </pc:sldChg>
+    </pc:docChg>
+  </pc:docChgLst>
+  <pc:docChgLst>
+    <pc:chgData name="Parmanto, Dharma" userId="4f9a10d7-3858-4ebd-b991-a7b30feaabcd" providerId="ADAL" clId="{E16A9B21-8A09-4821-A32D-4609244DB1F6}"/>
+    <pc:docChg chg="undo redo custSel modSld">
+      <pc:chgData name="Parmanto, Dharma" userId="4f9a10d7-3858-4ebd-b991-a7b30feaabcd" providerId="ADAL" clId="{E16A9B21-8A09-4821-A32D-4609244DB1F6}" dt="2022-11-01T17:00:31.720" v="426" actId="1076"/>
+      <pc:docMkLst>
+        <pc:docMk/>
+      </pc:docMkLst>
+      <pc:sldChg chg="addSp delSp modSp mod">
+        <pc:chgData name="Parmanto, Dharma" userId="4f9a10d7-3858-4ebd-b991-a7b30feaabcd" providerId="ADAL" clId="{E16A9B21-8A09-4821-A32D-4609244DB1F6}" dt="2022-11-01T17:00:31.720" v="426" actId="1076"/>
+        <pc:sldMkLst>
+          <pc:docMk/>
+          <pc:sldMk cId="3265300168" sldId="257"/>
+        </pc:sldMkLst>
+        <pc:spChg chg="mod">
+          <ac:chgData name="Parmanto, Dharma" userId="4f9a10d7-3858-4ebd-b991-a7b30feaabcd" providerId="ADAL" clId="{E16A9B21-8A09-4821-A32D-4609244DB1F6}" dt="2022-11-01T16:54:13.760" v="208" actId="1076"/>
+          <ac:spMkLst>
+            <pc:docMk/>
+            <pc:sldMk cId="3265300168" sldId="257"/>
+            <ac:spMk id="4" creationId="{4A1C037F-862B-DB0E-9BFB-63FF9E935B69}"/>
+          </ac:spMkLst>
+        </pc:spChg>
+        <pc:spChg chg="mod">
+          <ac:chgData name="Parmanto, Dharma" userId="4f9a10d7-3858-4ebd-b991-a7b30feaabcd" providerId="ADAL" clId="{E16A9B21-8A09-4821-A32D-4609244DB1F6}" dt="2022-11-01T16:52:57.011" v="193" actId="1076"/>
+          <ac:spMkLst>
+            <pc:docMk/>
+            <pc:sldMk cId="3265300168" sldId="257"/>
+            <ac:spMk id="5" creationId="{9FE5C161-7745-C308-EE49-BD807D8B57EA}"/>
+          </ac:spMkLst>
+        </pc:spChg>
+        <pc:spChg chg="mod">
+          <ac:chgData name="Parmanto, Dharma" userId="4f9a10d7-3858-4ebd-b991-a7b30feaabcd" providerId="ADAL" clId="{E16A9B21-8A09-4821-A32D-4609244DB1F6}" dt="2022-11-01T16:56:12.057" v="227" actId="1076"/>
+          <ac:spMkLst>
+            <pc:docMk/>
+            <pc:sldMk cId="3265300168" sldId="257"/>
+            <ac:spMk id="6" creationId="{484EBA87-EE70-13AD-8BD1-B5BC2F459ADB}"/>
+          </ac:spMkLst>
+        </pc:spChg>
+        <pc:spChg chg="mod">
+          <ac:chgData name="Parmanto, Dharma" userId="4f9a10d7-3858-4ebd-b991-a7b30feaabcd" providerId="ADAL" clId="{E16A9B21-8A09-4821-A32D-4609244DB1F6}" dt="2022-11-01T16:49:27.636" v="153" actId="1076"/>
+          <ac:spMkLst>
+            <pc:docMk/>
+            <pc:sldMk cId="3265300168" sldId="257"/>
+            <ac:spMk id="7" creationId="{1B36DE02-D482-1039-B964-A6B53D55BB48}"/>
+          </ac:spMkLst>
+        </pc:spChg>
+        <pc:spChg chg="mod">
+          <ac:chgData name="Parmanto, Dharma" userId="4f9a10d7-3858-4ebd-b991-a7b30feaabcd" providerId="ADAL" clId="{E16A9B21-8A09-4821-A32D-4609244DB1F6}" dt="2022-11-01T16:49:34.202" v="155" actId="1076"/>
+          <ac:spMkLst>
+            <pc:docMk/>
+            <pc:sldMk cId="3265300168" sldId="257"/>
+            <ac:spMk id="8" creationId="{BCFCA614-3E71-7A77-3EF7-4891C8DFCBDF}"/>
+          </ac:spMkLst>
+        </pc:spChg>
+        <pc:spChg chg="mod">
+          <ac:chgData name="Parmanto, Dharma" userId="4f9a10d7-3858-4ebd-b991-a7b30feaabcd" providerId="ADAL" clId="{E16A9B21-8A09-4821-A32D-4609244DB1F6}" dt="2022-11-01T16:52:59.700" v="194" actId="1076"/>
+          <ac:spMkLst>
+            <pc:docMk/>
+            <pc:sldMk cId="3265300168" sldId="257"/>
+            <ac:spMk id="9" creationId="{50C2FC4D-2AEB-28A5-225D-5C71EC72E750}"/>
+          </ac:spMkLst>
+        </pc:spChg>
+        <pc:spChg chg="del">
+          <ac:chgData name="Parmanto, Dharma" userId="4f9a10d7-3858-4ebd-b991-a7b30feaabcd" providerId="ADAL" clId="{E16A9B21-8A09-4821-A32D-4609244DB1F6}" dt="2022-11-01T16:52:20.350" v="184" actId="478"/>
+          <ac:spMkLst>
+            <pc:docMk/>
+            <pc:sldMk cId="3265300168" sldId="257"/>
+            <ac:spMk id="10" creationId="{7EF13DAD-4C51-EBBE-E7A6-285D4481DE7B}"/>
+          </ac:spMkLst>
+        </pc:spChg>
+        <pc:spChg chg="mod">
+          <ac:chgData name="Parmanto, Dharma" userId="4f9a10d7-3858-4ebd-b991-a7b30feaabcd" providerId="ADAL" clId="{E16A9B21-8A09-4821-A32D-4609244DB1F6}" dt="2022-11-01T16:50:00.078" v="161" actId="1076"/>
+          <ac:spMkLst>
+            <pc:docMk/>
+            <pc:sldMk cId="3265300168" sldId="257"/>
+            <ac:spMk id="11" creationId="{1B14F668-10F0-1478-D93E-92A364184A99}"/>
+          </ac:spMkLst>
+        </pc:spChg>
+        <pc:spChg chg="mod">
+          <ac:chgData name="Parmanto, Dharma" userId="4f9a10d7-3858-4ebd-b991-a7b30feaabcd" providerId="ADAL" clId="{E16A9B21-8A09-4821-A32D-4609244DB1F6}" dt="2022-11-01T16:53:59.514" v="205" actId="1076"/>
+          <ac:spMkLst>
+            <pc:docMk/>
+            <pc:sldMk cId="3265300168" sldId="257"/>
+            <ac:spMk id="12" creationId="{4A033C8E-B94A-EDDE-890F-E216C4746FF5}"/>
+          </ac:spMkLst>
+        </pc:spChg>
+        <pc:spChg chg="mod">
+          <ac:chgData name="Parmanto, Dharma" userId="4f9a10d7-3858-4ebd-b991-a7b30feaabcd" providerId="ADAL" clId="{E16A9B21-8A09-4821-A32D-4609244DB1F6}" dt="2022-11-01T16:56:12.057" v="227" actId="1076"/>
+          <ac:spMkLst>
+            <pc:docMk/>
+            <pc:sldMk cId="3265300168" sldId="257"/>
+            <ac:spMk id="15" creationId="{D9276FFC-6D66-3754-9235-4F5C6C65E24F}"/>
+          </ac:spMkLst>
+        </pc:spChg>
+        <pc:spChg chg="mod">
+          <ac:chgData name="Parmanto, Dharma" userId="4f9a10d7-3858-4ebd-b991-a7b30feaabcd" providerId="ADAL" clId="{E16A9B21-8A09-4821-A32D-4609244DB1F6}" dt="2022-11-01T17:00:31.720" v="426" actId="1076"/>
+          <ac:spMkLst>
+            <pc:docMk/>
+            <pc:sldMk cId="3265300168" sldId="257"/>
+            <ac:spMk id="16" creationId="{098D29A4-D1BA-5297-E222-79FE349EE517}"/>
+          </ac:spMkLst>
+        </pc:spChg>
+        <pc:spChg chg="del">
+          <ac:chgData name="Parmanto, Dharma" userId="4f9a10d7-3858-4ebd-b991-a7b30feaabcd" providerId="ADAL" clId="{E16A9B21-8A09-4821-A32D-4609244DB1F6}" dt="2022-11-01T16:52:35.393" v="188" actId="478"/>
+          <ac:spMkLst>
+            <pc:docMk/>
+            <pc:sldMk cId="3265300168" sldId="257"/>
+            <ac:spMk id="24" creationId="{9DB68599-871F-553A-39E4-931DDA5B81A5}"/>
+          </ac:spMkLst>
+        </pc:spChg>
+        <pc:spChg chg="mod">
+          <ac:chgData name="Parmanto, Dharma" userId="4f9a10d7-3858-4ebd-b991-a7b30feaabcd" providerId="ADAL" clId="{E16A9B21-8A09-4821-A32D-4609244DB1F6}" dt="2022-11-01T16:53:23.751" v="200" actId="1076"/>
+          <ac:spMkLst>
+            <pc:docMk/>
+            <pc:sldMk cId="3265300168" sldId="257"/>
+            <ac:spMk id="27" creationId="{812E3166-9ACD-79F0-A384-FB1D6F168CD0}"/>
+          </ac:spMkLst>
+        </pc:spChg>
+        <pc:spChg chg="mod">
+          <ac:chgData name="Parmanto, Dharma" userId="4f9a10d7-3858-4ebd-b991-a7b30feaabcd" providerId="ADAL" clId="{E16A9B21-8A09-4821-A32D-4609244DB1F6}" dt="2022-11-01T16:49:01.433" v="144" actId="1076"/>
+          <ac:spMkLst>
+            <pc:docMk/>
+            <pc:sldMk cId="3265300168" sldId="257"/>
+            <ac:spMk id="52" creationId="{FFB2C03B-8731-8728-7465-6363A94F35C7}"/>
+          </ac:spMkLst>
+        </pc:spChg>
+        <pc:spChg chg="mod">
+          <ac:chgData name="Parmanto, Dharma" userId="4f9a10d7-3858-4ebd-b991-a7b30feaabcd" providerId="ADAL" clId="{E16A9B21-8A09-4821-A32D-4609244DB1F6}" dt="2022-11-01T16:51:42.486" v="174" actId="1076"/>
+          <ac:spMkLst>
+            <pc:docMk/>
+            <pc:sldMk cId="3265300168" sldId="257"/>
+            <ac:spMk id="63" creationId="{23ACE72E-0088-53F4-76D3-D80533E80A42}"/>
+          </ac:spMkLst>
+        </pc:spChg>
+        <pc:spChg chg="mod">
+          <ac:chgData name="Parmanto, Dharma" userId="4f9a10d7-3858-4ebd-b991-a7b30feaabcd" providerId="ADAL" clId="{E16A9B21-8A09-4821-A32D-4609244DB1F6}" dt="2022-11-01T16:55:19.160" v="221" actId="20577"/>
+          <ac:spMkLst>
+            <pc:docMk/>
+            <pc:sldMk cId="3265300168" sldId="257"/>
+            <ac:spMk id="64" creationId="{0EFF0AE9-1CD1-08EB-FA1B-E839B671F2C2}"/>
+          </ac:spMkLst>
+        </pc:spChg>
+        <pc:spChg chg="mod">
+          <ac:chgData name="Parmanto, Dharma" userId="4f9a10d7-3858-4ebd-b991-a7b30feaabcd" providerId="ADAL" clId="{E16A9B21-8A09-4821-A32D-4609244DB1F6}" dt="2022-11-01T16:49:40.759" v="157" actId="1076"/>
+          <ac:spMkLst>
+            <pc:docMk/>
+            <pc:sldMk cId="3265300168" sldId="257"/>
+            <ac:spMk id="65" creationId="{5058B1ED-A00D-35A2-C6F2-D5198E33302E}"/>
+          </ac:spMkLst>
+        </pc:spChg>
+        <pc:spChg chg="mod">
+          <ac:chgData name="Parmanto, Dharma" userId="4f9a10d7-3858-4ebd-b991-a7b30feaabcd" providerId="ADAL" clId="{E16A9B21-8A09-4821-A32D-4609244DB1F6}" dt="2022-11-01T16:55:39.889" v="224" actId="1076"/>
+          <ac:spMkLst>
+            <pc:docMk/>
+            <pc:sldMk cId="3265300168" sldId="257"/>
+            <ac:spMk id="66" creationId="{2991169A-2EC3-3FB8-1025-73578FC01990}"/>
+          </ac:spMkLst>
+        </pc:spChg>
+        <pc:spChg chg="mod">
+          <ac:chgData name="Parmanto, Dharma" userId="4f9a10d7-3858-4ebd-b991-a7b30feaabcd" providerId="ADAL" clId="{E16A9B21-8A09-4821-A32D-4609244DB1F6}" dt="2022-11-01T16:55:33.869" v="223" actId="1076"/>
+          <ac:spMkLst>
+            <pc:docMk/>
+            <pc:sldMk cId="3265300168" sldId="257"/>
+            <ac:spMk id="67" creationId="{3FB5F393-7A20-FD6A-86C5-E109820FAF6B}"/>
+          </ac:spMkLst>
+        </pc:spChg>
+        <pc:spChg chg="mod">
+          <ac:chgData name="Parmanto, Dharma" userId="4f9a10d7-3858-4ebd-b991-a7b30feaabcd" providerId="ADAL" clId="{E16A9B21-8A09-4821-A32D-4609244DB1F6}" dt="2022-11-01T16:54:10.232" v="207" actId="1076"/>
+          <ac:spMkLst>
+            <pc:docMk/>
+            <pc:sldMk cId="3265300168" sldId="257"/>
+            <ac:spMk id="68" creationId="{420E703E-DD8E-BE8C-132A-865E496BEB02}"/>
+          </ac:spMkLst>
+        </pc:spChg>
+        <pc:spChg chg="del">
+          <ac:chgData name="Parmanto, Dharma" userId="4f9a10d7-3858-4ebd-b991-a7b30feaabcd" providerId="ADAL" clId="{E16A9B21-8A09-4821-A32D-4609244DB1F6}" dt="2022-11-01T16:52:11.437" v="180" actId="478"/>
+          <ac:spMkLst>
+            <pc:docMk/>
+            <pc:sldMk cId="3265300168" sldId="257"/>
+            <ac:spMk id="73" creationId="{9D8409D6-2294-DD3D-75B4-94F7278D20E9}"/>
+          </ac:spMkLst>
+        </pc:spChg>
+        <pc:spChg chg="del">
+          <ac:chgData name="Parmanto, Dharma" userId="4f9a10d7-3858-4ebd-b991-a7b30feaabcd" providerId="ADAL" clId="{E16A9B21-8A09-4821-A32D-4609244DB1F6}" dt="2022-11-01T16:52:08.893" v="179" actId="478"/>
+          <ac:spMkLst>
+            <pc:docMk/>
+            <pc:sldMk cId="3265300168" sldId="257"/>
+            <ac:spMk id="74" creationId="{108E75A3-0A91-E053-0661-2E0FCE69AF93}"/>
+          </ac:spMkLst>
+        </pc:spChg>
+        <pc:spChg chg="mod">
+          <ac:chgData name="Parmanto, Dharma" userId="4f9a10d7-3858-4ebd-b991-a7b30feaabcd" providerId="ADAL" clId="{E16A9B21-8A09-4821-A32D-4609244DB1F6}" dt="2022-11-01T16:55:44.431" v="225" actId="1076"/>
+          <ac:spMkLst>
+            <pc:docMk/>
+            <pc:sldMk cId="3265300168" sldId="257"/>
+            <ac:spMk id="79" creationId="{FDA735F3-4218-2109-D8D2-152FFFA5F0B8}"/>
+          </ac:spMkLst>
+        </pc:spChg>
+        <pc:spChg chg="mod">
+          <ac:chgData name="Parmanto, Dharma" userId="4f9a10d7-3858-4ebd-b991-a7b30feaabcd" providerId="ADAL" clId="{E16A9B21-8A09-4821-A32D-4609244DB1F6}" dt="2022-11-01T16:55:08.918" v="219" actId="20577"/>
+          <ac:spMkLst>
+            <pc:docMk/>
+            <pc:sldMk cId="3265300168" sldId="257"/>
+            <ac:spMk id="83" creationId="{7BA4B782-CD4D-04B5-BDC5-C48B0A870871}"/>
+          </ac:spMkLst>
+        </pc:spChg>
+        <pc:spChg chg="del mod">
+          <ac:chgData name="Parmanto, Dharma" userId="4f9a10d7-3858-4ebd-b991-a7b30feaabcd" providerId="ADAL" clId="{E16A9B21-8A09-4821-A32D-4609244DB1F6}" dt="2022-11-01T16:53:39.836" v="202" actId="478"/>
+          <ac:spMkLst>
+            <pc:docMk/>
+            <pc:sldMk cId="3265300168" sldId="257"/>
+            <ac:spMk id="84" creationId="{33C170D1-3084-57C3-1B03-8B449DB5703B}"/>
+          </ac:spMkLst>
+        </pc:spChg>
+        <pc:spChg chg="add mod">
+          <ac:chgData name="Parmanto, Dharma" userId="4f9a10d7-3858-4ebd-b991-a7b30feaabcd" providerId="ADAL" clId="{E16A9B21-8A09-4821-A32D-4609244DB1F6}" dt="2022-11-01T16:49:25.237" v="151" actId="571"/>
+          <ac:spMkLst>
+            <pc:docMk/>
+            <pc:sldMk cId="3265300168" sldId="257"/>
+            <ac:spMk id="118" creationId="{0BA9E1BD-CAF2-F72C-4D41-AE5CB16C45A0}"/>
+          </ac:spMkLst>
+        </pc:spChg>
+        <pc:spChg chg="add mod">
+          <ac:chgData name="Parmanto, Dharma" userId="4f9a10d7-3858-4ebd-b991-a7b30feaabcd" providerId="ADAL" clId="{E16A9B21-8A09-4821-A32D-4609244DB1F6}" dt="2022-11-01T16:49:25.237" v="151" actId="571"/>
+          <ac:spMkLst>
+            <pc:docMk/>
+            <pc:sldMk cId="3265300168" sldId="257"/>
+            <ac:spMk id="119" creationId="{8613ECAC-D6A1-656C-978A-12A18EB5A3F0}"/>
+          </ac:spMkLst>
+        </pc:spChg>
+        <pc:spChg chg="add mod">
+          <ac:chgData name="Parmanto, Dharma" userId="4f9a10d7-3858-4ebd-b991-a7b30feaabcd" providerId="ADAL" clId="{E16A9B21-8A09-4821-A32D-4609244DB1F6}" dt="2022-11-01T16:49:25.237" v="151" actId="571"/>
+          <ac:spMkLst>
+            <pc:docMk/>
+            <pc:sldMk cId="3265300168" sldId="257"/>
+            <ac:spMk id="120" creationId="{DA40462C-14A2-F750-7C9D-0335029B274E}"/>
+          </ac:spMkLst>
+        </pc:spChg>
+        <pc:spChg chg="add mod">
+          <ac:chgData name="Parmanto, Dharma" userId="4f9a10d7-3858-4ebd-b991-a7b30feaabcd" providerId="ADAL" clId="{E16A9B21-8A09-4821-A32D-4609244DB1F6}" dt="2022-11-01T16:52:18.727" v="183" actId="1076"/>
+          <ac:spMkLst>
+            <pc:docMk/>
+            <pc:sldMk cId="3265300168" sldId="257"/>
+            <ac:spMk id="194" creationId="{09685404-D215-D3A0-FA4E-3F2AA108597D}"/>
+          </ac:spMkLst>
+        </pc:spChg>
+        <pc:spChg chg="mod">
+          <ac:chgData name="Parmanto, Dharma" userId="4f9a10d7-3858-4ebd-b991-a7b30feaabcd" providerId="ADAL" clId="{E16A9B21-8A09-4821-A32D-4609244DB1F6}" dt="2022-11-01T16:52:16.437" v="182" actId="571"/>
+          <ac:spMkLst>
+            <pc:docMk/>
+            <pc:sldMk cId="3265300168" sldId="257"/>
+            <ac:spMk id="196" creationId="{DF2AAE49-9880-2379-EE9E-130E78031E61}"/>
+          </ac:spMkLst>
+        </pc:spChg>
+        <pc:spChg chg="add del mod">
+          <ac:chgData name="Parmanto, Dharma" userId="4f9a10d7-3858-4ebd-b991-a7b30feaabcd" providerId="ADAL" clId="{E16A9B21-8A09-4821-A32D-4609244DB1F6}" dt="2022-11-01T16:53:14.376" v="199" actId="478"/>
+          <ac:spMkLst>
+            <pc:docMk/>
+            <pc:sldMk cId="3265300168" sldId="257"/>
+            <ac:spMk id="213" creationId="{64DECD1E-6EEF-6D05-2380-DD44E2212024}"/>
+          </ac:spMkLst>
+        </pc:spChg>
+        <pc:spChg chg="add mod">
+          <ac:chgData name="Parmanto, Dharma" userId="4f9a10d7-3858-4ebd-b991-a7b30feaabcd" providerId="ADAL" clId="{E16A9B21-8A09-4821-A32D-4609244DB1F6}" dt="2022-11-01T16:55:13.672" v="220" actId="20577"/>
+          <ac:spMkLst>
+            <pc:docMk/>
+            <pc:sldMk cId="3265300168" sldId="257"/>
+            <ac:spMk id="214" creationId="{9FA50EBD-1973-1E31-89F6-937A9E84EC43}"/>
+          </ac:spMkLst>
+        </pc:spChg>
+        <pc:spChg chg="add mod">
+          <ac:chgData name="Parmanto, Dharma" userId="4f9a10d7-3858-4ebd-b991-a7b30feaabcd" providerId="ADAL" clId="{E16A9B21-8A09-4821-A32D-4609244DB1F6}" dt="2022-11-01T16:55:01.392" v="218" actId="20577"/>
+          <ac:spMkLst>
+            <pc:docMk/>
+            <pc:sldMk cId="3265300168" sldId="257"/>
+            <ac:spMk id="234" creationId="{66D19437-939F-5A79-99D5-F72C4DEC4C95}"/>
+          </ac:spMkLst>
+        </pc:spChg>
+        <pc:grpChg chg="del">
+          <ac:chgData name="Parmanto, Dharma" userId="4f9a10d7-3858-4ebd-b991-a7b30feaabcd" providerId="ADAL" clId="{E16A9B21-8A09-4821-A32D-4609244DB1F6}" dt="2022-11-01T16:52:22.265" v="185" actId="478"/>
+          <ac:grpSpMkLst>
+            <pc:docMk/>
+            <pc:sldMk cId="3265300168" sldId="257"/>
+            <ac:grpSpMk id="44" creationId="{58DE1047-8AD8-ADFD-A03F-F110E4A7B4F3}"/>
+          </ac:grpSpMkLst>
+        </pc:grpChg>
+        <pc:grpChg chg="add mod">
+          <ac:chgData name="Parmanto, Dharma" userId="4f9a10d7-3858-4ebd-b991-a7b30feaabcd" providerId="ADAL" clId="{E16A9B21-8A09-4821-A32D-4609244DB1F6}" dt="2022-11-01T16:52:18.727" v="183" actId="1076"/>
+          <ac:grpSpMkLst>
+            <pc:docMk/>
+            <pc:sldMk cId="3265300168" sldId="257"/>
+            <ac:grpSpMk id="195" creationId="{50E2324A-C040-F4E1-FDD1-54D5FF9745C1}"/>
+          </ac:grpSpMkLst>
+        </pc:grpChg>
+        <pc:cxnChg chg="del">
+          <ac:chgData name="Parmanto, Dharma" userId="4f9a10d7-3858-4ebd-b991-a7b30feaabcd" providerId="ADAL" clId="{E16A9B21-8A09-4821-A32D-4609244DB1F6}" dt="2022-10-27T15:38:40.039" v="64" actId="478"/>
+          <ac:cxnSpMkLst>
+            <pc:docMk/>
+            <pc:sldMk cId="3265300168" sldId="257"/>
+            <ac:cxnSpMk id="2" creationId="{43848DF1-C15D-58C8-F651-16298F038520}"/>
+          </ac:cxnSpMkLst>
+        </pc:cxnChg>
+        <pc:cxnChg chg="mod">
+          <ac:chgData name="Parmanto, Dharma" userId="4f9a10d7-3858-4ebd-b991-a7b30feaabcd" providerId="ADAL" clId="{E16A9B21-8A09-4821-A32D-4609244DB1F6}" dt="2022-11-01T16:53:59.514" v="205" actId="1076"/>
+          <ac:cxnSpMkLst>
+            <pc:docMk/>
+            <pc:sldMk cId="3265300168" sldId="257"/>
+            <ac:cxnSpMk id="14" creationId="{154F5747-B922-40F0-BAE4-0F814299123F}"/>
+          </ac:cxnSpMkLst>
+        </pc:cxnChg>
+        <pc:cxnChg chg="mod">
+          <ac:chgData name="Parmanto, Dharma" userId="4f9a10d7-3858-4ebd-b991-a7b30feaabcd" providerId="ADAL" clId="{E16A9B21-8A09-4821-A32D-4609244DB1F6}" dt="2022-11-01T17:00:31.720" v="426" actId="1076"/>
+          <ac:cxnSpMkLst>
+            <pc:docMk/>
+            <pc:sldMk cId="3265300168" sldId="257"/>
+            <ac:cxnSpMk id="17" creationId="{2908FEA3-3F65-7118-477F-FCEC86E40A39}"/>
+          </ac:cxnSpMkLst>
+        </pc:cxnChg>
+        <pc:cxnChg chg="mod">
+          <ac:chgData name="Parmanto, Dharma" userId="4f9a10d7-3858-4ebd-b991-a7b30feaabcd" providerId="ADAL" clId="{E16A9B21-8A09-4821-A32D-4609244DB1F6}" dt="2022-11-01T16:54:13.760" v="208" actId="1076"/>
+          <ac:cxnSpMkLst>
+            <pc:docMk/>
+            <pc:sldMk cId="3265300168" sldId="257"/>
+            <ac:cxnSpMk id="18" creationId="{96707A57-E3A1-652D-76B9-9CC1C91A65A1}"/>
+          </ac:cxnSpMkLst>
+        </pc:cxnChg>
+        <pc:cxnChg chg="del">
+          <ac:chgData name="Parmanto, Dharma" userId="4f9a10d7-3858-4ebd-b991-a7b30feaabcd" providerId="ADAL" clId="{E16A9B21-8A09-4821-A32D-4609244DB1F6}" dt="2022-10-27T15:38:37.447" v="63" actId="478"/>
+          <ac:cxnSpMkLst>
+            <pc:docMk/>
+            <pc:sldMk cId="3265300168" sldId="257"/>
+            <ac:cxnSpMk id="19" creationId="{8D84B695-7A00-B609-E61F-40846BF69AC8}"/>
+          </ac:cxnSpMkLst>
+        </pc:cxnChg>
+        <pc:cxnChg chg="add del mod">
+          <ac:chgData name="Parmanto, Dharma" userId="4f9a10d7-3858-4ebd-b991-a7b30feaabcd" providerId="ADAL" clId="{E16A9B21-8A09-4821-A32D-4609244DB1F6}" dt="2022-11-01T16:52:04.470" v="178" actId="478"/>
+          <ac:cxnSpMkLst>
+            <pc:docMk/>
+            <pc:sldMk cId="3265300168" sldId="257"/>
+            <ac:cxnSpMk id="20" creationId="{594EA61F-5C02-983F-DB32-D462FD79F789}"/>
+          </ac:cxnSpMkLst>
+        </pc:cxnChg>
+        <pc:cxnChg chg="del">
+          <ac:chgData name="Parmanto, Dharma" userId="4f9a10d7-3858-4ebd-b991-a7b30feaabcd" providerId="ADAL" clId="{E16A9B21-8A09-4821-A32D-4609244DB1F6}" dt="2022-10-27T15:39:17.711" v="74" actId="478"/>
+          <ac:cxnSpMkLst>
+            <pc:docMk/>
+            <pc:sldMk cId="3265300168" sldId="257"/>
+            <ac:cxnSpMk id="21" creationId="{205266DB-06B1-18F7-F64C-AAD0FF062BD0}"/>
+          </ac:cxnSpMkLst>
+        </pc:cxnChg>
+        <pc:cxnChg chg="mod">
+          <ac:chgData name="Parmanto, Dharma" userId="4f9a10d7-3858-4ebd-b991-a7b30feaabcd" providerId="ADAL" clId="{E16A9B21-8A09-4821-A32D-4609244DB1F6}" dt="2022-11-01T16:56:12.057" v="227" actId="1076"/>
+          <ac:cxnSpMkLst>
+            <pc:docMk/>
+            <pc:sldMk cId="3265300168" sldId="257"/>
+            <ac:cxnSpMk id="23" creationId="{64285A40-F14E-4ABF-6413-52C56A46E9D6}"/>
+          </ac:cxnSpMkLst>
+        </pc:cxnChg>
+        <pc:cxnChg chg="del mod">
+          <ac:chgData name="Parmanto, Dharma" userId="4f9a10d7-3858-4ebd-b991-a7b30feaabcd" providerId="ADAL" clId="{E16A9B21-8A09-4821-A32D-4609244DB1F6}" dt="2022-11-01T16:52:12.692" v="181" actId="478"/>
+          <ac:cxnSpMkLst>
+            <pc:docMk/>
+            <pc:sldMk cId="3265300168" sldId="257"/>
+            <ac:cxnSpMk id="25" creationId="{1D9619E7-5CB8-0419-D703-E324E96B345A}"/>
+          </ac:cxnSpMkLst>
+        </pc:cxnChg>
+        <pc:cxnChg chg="mod">
+          <ac:chgData name="Parmanto, Dharma" userId="4f9a10d7-3858-4ebd-b991-a7b30feaabcd" providerId="ADAL" clId="{E16A9B21-8A09-4821-A32D-4609244DB1F6}" dt="2022-11-01T16:54:13.760" v="208" actId="1076"/>
+          <ac:cxnSpMkLst>
+            <pc:docMk/>
+            <pc:sldMk cId="3265300168" sldId="257"/>
+            <ac:cxnSpMk id="28" creationId="{2A6FC7FD-49B4-CA70-4548-E644A0AE6D58}"/>
+          </ac:cxnSpMkLst>
+        </pc:cxnChg>
+        <pc:cxnChg chg="mod">
+          <ac:chgData name="Parmanto, Dharma" userId="4f9a10d7-3858-4ebd-b991-a7b30feaabcd" providerId="ADAL" clId="{E16A9B21-8A09-4821-A32D-4609244DB1F6}" dt="2022-11-01T16:52:59.700" v="194" actId="1076"/>
+          <ac:cxnSpMkLst>
+            <pc:docMk/>
+            <pc:sldMk cId="3265300168" sldId="257"/>
+            <ac:cxnSpMk id="29" creationId="{96E51764-604E-BA68-17AB-C96E314151A0}"/>
+          </ac:cxnSpMkLst>
+        </pc:cxnChg>
+        <pc:cxnChg chg="mod">
+          <ac:chgData name="Parmanto, Dharma" userId="4f9a10d7-3858-4ebd-b991-a7b30feaabcd" providerId="ADAL" clId="{E16A9B21-8A09-4821-A32D-4609244DB1F6}" dt="2022-11-01T16:56:12.057" v="227" actId="1076"/>
+          <ac:cxnSpMkLst>
+            <pc:docMk/>
+            <pc:sldMk cId="3265300168" sldId="257"/>
+            <ac:cxnSpMk id="30" creationId="{56AC74B0-93F7-42F2-1037-2828AE224797}"/>
+          </ac:cxnSpMkLst>
+        </pc:cxnChg>
+        <pc:cxnChg chg="del mod">
+          <ac:chgData name="Parmanto, Dharma" userId="4f9a10d7-3858-4ebd-b991-a7b30feaabcd" providerId="ADAL" clId="{E16A9B21-8A09-4821-A32D-4609244DB1F6}" dt="2022-10-27T15:38:41.555" v="65" actId="478"/>
+          <ac:cxnSpMkLst>
+            <pc:docMk/>
+            <pc:sldMk cId="3265300168" sldId="257"/>
+            <ac:cxnSpMk id="32" creationId="{42DCB8B2-3CAA-D1E9-2E05-300E3E86039E}"/>
+          </ac:cxnSpMkLst>
+        </pc:cxnChg>
+        <pc:cxnChg chg="mod">
+          <ac:chgData name="Parmanto, Dharma" userId="4f9a10d7-3858-4ebd-b991-a7b30feaabcd" providerId="ADAL" clId="{E16A9B21-8A09-4821-A32D-4609244DB1F6}" dt="2022-11-01T16:56:26.974" v="229" actId="692"/>
+          <ac:cxnSpMkLst>
+            <pc:docMk/>
+            <pc:sldMk cId="3265300168" sldId="257"/>
+            <ac:cxnSpMk id="34" creationId="{DDA579C7-69C7-7243-2A32-0F8531FA559B}"/>
+          </ac:cxnSpMkLst>
+        </pc:cxnChg>
+        <pc:cxnChg chg="del mod">
+          <ac:chgData name="Parmanto, Dharma" userId="4f9a10d7-3858-4ebd-b991-a7b30feaabcd" providerId="ADAL" clId="{E16A9B21-8A09-4821-A32D-4609244DB1F6}" dt="2022-10-27T15:38:43.373" v="66" actId="478"/>
+          <ac:cxnSpMkLst>
+            <pc:docMk/>
+            <pc:sldMk cId="3265300168" sldId="257"/>
+            <ac:cxnSpMk id="35" creationId="{F5395CE3-C90A-45C5-1758-DCFBBC0FFAC1}"/>
+          </ac:cxnSpMkLst>
+        </pc:cxnChg>
+        <pc:cxnChg chg="mod">
+          <ac:chgData name="Parmanto, Dharma" userId="4f9a10d7-3858-4ebd-b991-a7b30feaabcd" providerId="ADAL" clId="{E16A9B21-8A09-4821-A32D-4609244DB1F6}" dt="2022-11-01T16:50:00.078" v="161" actId="1076"/>
+          <ac:cxnSpMkLst>
+            <pc:docMk/>
+            <pc:sldMk cId="3265300168" sldId="257"/>
+            <ac:cxnSpMk id="39" creationId="{C4B1C665-5761-B97F-1793-DF199C1FDA9B}"/>
+          </ac:cxnSpMkLst>
+        </pc:cxnChg>
+        <pc:cxnChg chg="mod">
+          <ac:chgData name="Parmanto, Dharma" userId="4f9a10d7-3858-4ebd-b991-a7b30feaabcd" providerId="ADAL" clId="{E16A9B21-8A09-4821-A32D-4609244DB1F6}" dt="2022-11-01T16:50:00.078" v="161" actId="1076"/>
+          <ac:cxnSpMkLst>
+            <pc:docMk/>
+            <pc:sldMk cId="3265300168" sldId="257"/>
+            <ac:cxnSpMk id="43" creationId="{5A96B510-D029-C4C7-8AE4-84DF53FFD064}"/>
+          </ac:cxnSpMkLst>
+        </pc:cxnChg>
+        <pc:cxnChg chg="mod">
+          <ac:chgData name="Parmanto, Dharma" userId="4f9a10d7-3858-4ebd-b991-a7b30feaabcd" providerId="ADAL" clId="{E16A9B21-8A09-4821-A32D-4609244DB1F6}" dt="2022-11-01T16:54:13.760" v="208" actId="1076"/>
+          <ac:cxnSpMkLst>
+            <pc:docMk/>
+            <pc:sldMk cId="3265300168" sldId="257"/>
+            <ac:cxnSpMk id="45" creationId="{44DB48E6-BEFA-8353-32B8-4C8A2A71CE99}"/>
+          </ac:cxnSpMkLst>
+        </pc:cxnChg>
+        <pc:cxnChg chg="del">
+          <ac:chgData name="Parmanto, Dharma" userId="4f9a10d7-3858-4ebd-b991-a7b30feaabcd" providerId="ADAL" clId="{E16A9B21-8A09-4821-A32D-4609244DB1F6}" dt="2022-10-27T15:39:36.516" v="77" actId="478"/>
+          <ac:cxnSpMkLst>
+            <pc:docMk/>
+            <pc:sldMk cId="3265300168" sldId="257"/>
+            <ac:cxnSpMk id="48" creationId="{2D057358-2EEE-EC68-7A39-806CDCB4A671}"/>
+          </ac:cxnSpMkLst>
+        </pc:cxnChg>
+        <pc:cxnChg chg="mod">
+          <ac:chgData name="Parmanto, Dharma" userId="4f9a10d7-3858-4ebd-b991-a7b30feaabcd" providerId="ADAL" clId="{E16A9B21-8A09-4821-A32D-4609244DB1F6}" dt="2022-11-01T16:54:13.760" v="208" actId="1076"/>
+          <ac:cxnSpMkLst>
+            <pc:docMk/>
+            <pc:sldMk cId="3265300168" sldId="257"/>
+            <ac:cxnSpMk id="49" creationId="{3A69E441-5885-1B5B-1A4D-62ABCD69D6CD}"/>
+          </ac:cxnSpMkLst>
+        </pc:cxnChg>
+        <pc:cxnChg chg="mod">
+          <ac:chgData name="Parmanto, Dharma" userId="4f9a10d7-3858-4ebd-b991-a7b30feaabcd" providerId="ADAL" clId="{E16A9B21-8A09-4821-A32D-4609244DB1F6}" dt="2022-11-01T16:49:27.636" v="153" actId="1076"/>
+          <ac:cxnSpMkLst>
+            <pc:docMk/>
+            <pc:sldMk cId="3265300168" sldId="257"/>
+            <ac:cxnSpMk id="53" creationId="{D4013AB7-7F06-3512-96C3-486A4AF579CD}"/>
+          </ac:cxnSpMkLst>
+        </pc:cxnChg>
+        <pc:cxnChg chg="mod">
+          <ac:chgData name="Parmanto, Dharma" userId="4f9a10d7-3858-4ebd-b991-a7b30feaabcd" providerId="ADAL" clId="{E16A9B21-8A09-4821-A32D-4609244DB1F6}" dt="2022-11-01T16:56:12.057" v="227" actId="1076"/>
+          <ac:cxnSpMkLst>
+            <pc:docMk/>
+            <pc:sldMk cId="3265300168" sldId="257"/>
+            <ac:cxnSpMk id="56" creationId="{3A717CC6-B29C-AA83-19D7-844C952CEF61}"/>
+          </ac:cxnSpMkLst>
+        </pc:cxnChg>
+        <pc:cxnChg chg="del">
+          <ac:chgData name="Parmanto, Dharma" userId="4f9a10d7-3858-4ebd-b991-a7b30feaabcd" providerId="ADAL" clId="{E16A9B21-8A09-4821-A32D-4609244DB1F6}" dt="2022-10-27T15:38:27.839" v="60" actId="478"/>
+          <ac:cxnSpMkLst>
+            <pc:docMk/>
+            <pc:sldMk cId="3265300168" sldId="257"/>
+            <ac:cxnSpMk id="59" creationId="{E88901CF-5821-8CD1-D6C5-E434D5E3404B}"/>
+          </ac:cxnSpMkLst>
+        </pc:cxnChg>
+        <pc:cxnChg chg="mod">
+          <ac:chgData name="Parmanto, Dharma" userId="4f9a10d7-3858-4ebd-b991-a7b30feaabcd" providerId="ADAL" clId="{E16A9B21-8A09-4821-A32D-4609244DB1F6}" dt="2022-11-01T16:55:44.431" v="225" actId="1076"/>
+          <ac:cxnSpMkLst>
+            <pc:docMk/>
+            <pc:sldMk cId="3265300168" sldId="257"/>
+            <ac:cxnSpMk id="80" creationId="{40B84FB2-A191-8785-C9C9-BA22D40FA71D}"/>
+          </ac:cxnSpMkLst>
+        </pc:cxnChg>
+        <pc:cxnChg chg="mod">
+          <ac:chgData name="Parmanto, Dharma" userId="4f9a10d7-3858-4ebd-b991-a7b30feaabcd" providerId="ADAL" clId="{E16A9B21-8A09-4821-A32D-4609244DB1F6}" dt="2022-11-01T16:52:16.437" v="182" actId="571"/>
+          <ac:cxnSpMkLst>
+            <pc:docMk/>
+            <pc:sldMk cId="3265300168" sldId="257"/>
+            <ac:cxnSpMk id="197" creationId="{8490BB7B-BF92-DB60-4B54-48274502C908}"/>
+          </ac:cxnSpMkLst>
+        </pc:cxnChg>
+      </pc:sldChg>
+      <pc:sldChg chg="modSp mod">
+        <pc:chgData name="Parmanto, Dharma" userId="4f9a10d7-3858-4ebd-b991-a7b30feaabcd" providerId="ADAL" clId="{E16A9B21-8A09-4821-A32D-4609244DB1F6}" dt="2022-11-01T16:59:50.725" v="419" actId="20577"/>
+        <pc:sldMkLst>
+          <pc:docMk/>
+          <pc:sldMk cId="1871788821" sldId="260"/>
+        </pc:sldMkLst>
+        <pc:spChg chg="mod">
+          <ac:chgData name="Parmanto, Dharma" userId="4f9a10d7-3858-4ebd-b991-a7b30feaabcd" providerId="ADAL" clId="{E16A9B21-8A09-4821-A32D-4609244DB1F6}" dt="2022-11-01T16:59:50.725" v="419" actId="20577"/>
+          <ac:spMkLst>
+            <pc:docMk/>
+            <pc:sldMk cId="1871788821" sldId="260"/>
+            <ac:spMk id="3" creationId="{59C44DD6-9389-6B4C-6D7C-CE926EF1EED2}"/>
+          </ac:spMkLst>
+        </pc:spChg>
+      </pc:sldChg>
+      <pc:sldChg chg="modSp mod">
+        <pc:chgData name="Parmanto, Dharma" userId="4f9a10d7-3858-4ebd-b991-a7b30feaabcd" providerId="ADAL" clId="{E16A9B21-8A09-4821-A32D-4609244DB1F6}" dt="2022-11-01T16:58:23.755" v="273" actId="20577"/>
+        <pc:sldMkLst>
+          <pc:docMk/>
+          <pc:sldMk cId="298272431" sldId="261"/>
+        </pc:sldMkLst>
+        <pc:spChg chg="mod">
+          <ac:chgData name="Parmanto, Dharma" userId="4f9a10d7-3858-4ebd-b991-a7b30feaabcd" providerId="ADAL" clId="{E16A9B21-8A09-4821-A32D-4609244DB1F6}" dt="2022-11-01T16:58:23.755" v="273" actId="20577"/>
+          <ac:spMkLst>
+            <pc:docMk/>
+            <pc:sldMk cId="298272431" sldId="261"/>
+            <ac:spMk id="15" creationId="{645AFB24-AF41-6A9E-0A67-ADDB00DBC052}"/>
+          </ac:spMkLst>
+        </pc:spChg>
+      </pc:sldChg>
+      <pc:sldChg chg="addSp delSp modSp mod">
+        <pc:chgData name="Parmanto, Dharma" userId="4f9a10d7-3858-4ebd-b991-a7b30feaabcd" providerId="ADAL" clId="{E16A9B21-8A09-4821-A32D-4609244DB1F6}" dt="2022-10-27T15:39:58.704" v="80" actId="14100"/>
+        <pc:sldMkLst>
+          <pc:docMk/>
+          <pc:sldMk cId="804916847" sldId="262"/>
+        </pc:sldMkLst>
+        <pc:spChg chg="add mod">
+          <ac:chgData name="Parmanto, Dharma" userId="4f9a10d7-3858-4ebd-b991-a7b30feaabcd" providerId="ADAL" clId="{E16A9B21-8A09-4821-A32D-4609244DB1F6}" dt="2022-10-27T15:37:31.138" v="51" actId="1076"/>
+          <ac:spMkLst>
+            <pc:docMk/>
+            <pc:sldMk cId="804916847" sldId="262"/>
+            <ac:spMk id="3" creationId="{37B4A138-19A4-8C60-1F83-BF00B5CE4074}"/>
+          </ac:spMkLst>
+        </pc:spChg>
+        <pc:spChg chg="add mod">
+          <ac:chgData name="Parmanto, Dharma" userId="4f9a10d7-3858-4ebd-b991-a7b30feaabcd" providerId="ADAL" clId="{E16A9B21-8A09-4821-A32D-4609244DB1F6}" dt="2022-10-27T15:38:06.152" v="58" actId="1076"/>
+          <ac:spMkLst>
+            <pc:docMk/>
+            <pc:sldMk cId="804916847" sldId="262"/>
+            <ac:spMk id="8" creationId="{37D7C8C4-A62D-EE1B-6A0A-862D6219969E}"/>
+          </ac:spMkLst>
+        </pc:spChg>
+        <pc:spChg chg="mod">
+          <ac:chgData name="Parmanto, Dharma" userId="4f9a10d7-3858-4ebd-b991-a7b30feaabcd" providerId="ADAL" clId="{E16A9B21-8A09-4821-A32D-4609244DB1F6}" dt="2022-10-27T15:38:11.922" v="59" actId="692"/>
+          <ac:spMkLst>
+            <pc:docMk/>
+            <pc:sldMk cId="804916847" sldId="262"/>
+            <ac:spMk id="13" creationId="{C8C613BA-362A-DCC3-145C-A77FEF830EE5}"/>
+          </ac:spMkLst>
+        </pc:spChg>
+        <pc:spChg chg="del mod">
+          <ac:chgData name="Parmanto, Dharma" userId="4f9a10d7-3858-4ebd-b991-a7b30feaabcd" providerId="ADAL" clId="{E16A9B21-8A09-4821-A32D-4609244DB1F6}" dt="2022-10-27T15:36:41.224" v="41" actId="478"/>
+          <ac:spMkLst>
+            <pc:docMk/>
+            <pc:sldMk cId="804916847" sldId="262"/>
+            <ac:spMk id="81" creationId="{DC5533F3-94B4-FE5F-3DDC-58209D1840AE}"/>
+          </ac:spMkLst>
+        </pc:spChg>
+        <pc:cxnChg chg="add mod">
+          <ac:chgData name="Parmanto, Dharma" userId="4f9a10d7-3858-4ebd-b991-a7b30feaabcd" providerId="ADAL" clId="{E16A9B21-8A09-4821-A32D-4609244DB1F6}" dt="2022-10-27T15:38:06.152" v="58" actId="1076"/>
+          <ac:cxnSpMkLst>
+            <pc:docMk/>
+            <pc:sldMk cId="804916847" sldId="262"/>
+            <ac:cxnSpMk id="10" creationId="{8073A10E-A8B8-B2E4-4584-3205A8E38915}"/>
+          </ac:cxnSpMkLst>
+        </pc:cxnChg>
+        <pc:cxnChg chg="mod">
+          <ac:chgData name="Parmanto, Dharma" userId="4f9a10d7-3858-4ebd-b991-a7b30feaabcd" providerId="ADAL" clId="{E16A9B21-8A09-4821-A32D-4609244DB1F6}" dt="2022-10-27T15:39:58.704" v="80" actId="14100"/>
+          <ac:cxnSpMkLst>
+            <pc:docMk/>
+            <pc:sldMk cId="804916847" sldId="262"/>
+            <ac:cxnSpMk id="14" creationId="{7385F875-491E-0A9C-5FF4-9BA918EFC8D1}"/>
+          </ac:cxnSpMkLst>
+        </pc:cxnChg>
+        <pc:cxnChg chg="add mod">
+          <ac:chgData name="Parmanto, Dharma" userId="4f9a10d7-3858-4ebd-b991-a7b30feaabcd" providerId="ADAL" clId="{E16A9B21-8A09-4821-A32D-4609244DB1F6}" dt="2022-10-27T15:37:58.336" v="56" actId="14100"/>
+          <ac:cxnSpMkLst>
+            <pc:docMk/>
+            <pc:sldMk cId="804916847" sldId="262"/>
+            <ac:cxnSpMk id="17" creationId="{05C61E30-9BFD-8251-939D-2662AE0E24B5}"/>
+          </ac:cxnSpMkLst>
+        </pc:cxnChg>
+      </pc:sldChg>
+    </pc:docChg>
+  </pc:docChgLst>
+  <pc:docChgLst>
+    <pc:chgData name="Clark Necciai" userId="2d3c143e28508c56" providerId="LiveId" clId="{4A7DDA94-6371-42D1-B025-C351617463C0}"/>
+    <pc:docChg chg="undo redo custSel addSld delSld modSld">
+      <pc:chgData name="Clark Necciai" userId="2d3c143e28508c56" providerId="LiveId" clId="{4A7DDA94-6371-42D1-B025-C351617463C0}" dt="2022-11-15T20:48:49.650" v="462" actId="1076"/>
+      <pc:docMkLst>
+        <pc:docMk/>
+      </pc:docMkLst>
+      <pc:sldChg chg="addSp delSp modSp mod">
+        <pc:chgData name="Clark Necciai" userId="2d3c143e28508c56" providerId="LiveId" clId="{4A7DDA94-6371-42D1-B025-C351617463C0}" dt="2022-11-15T20:48:49.650" v="462" actId="1076"/>
+        <pc:sldMkLst>
+          <pc:docMk/>
+          <pc:sldMk cId="3265300168" sldId="257"/>
+        </pc:sldMkLst>
+        <pc:spChg chg="add del mod topLvl">
+          <ac:chgData name="Clark Necciai" userId="2d3c143e28508c56" providerId="LiveId" clId="{4A7DDA94-6371-42D1-B025-C351617463C0}" dt="2022-11-10T15:34:19.559" v="166" actId="478"/>
+          <ac:spMkLst>
+            <pc:docMk/>
+            <pc:sldMk cId="3265300168" sldId="257"/>
+            <ac:spMk id="2" creationId="{E016AA6F-4934-890B-B68E-3D4C513B02EA}"/>
+          </ac:spMkLst>
+        </pc:spChg>
+        <pc:spChg chg="add mod">
+          <ac:chgData name="Clark Necciai" userId="2d3c143e28508c56" providerId="LiveId" clId="{4A7DDA94-6371-42D1-B025-C351617463C0}" dt="2022-11-10T20:45:49.494" v="409" actId="1076"/>
+          <ac:spMkLst>
+            <pc:docMk/>
+            <pc:sldMk cId="3265300168" sldId="257"/>
+            <ac:spMk id="2" creationId="{FC7451FD-3E1D-975B-3DF1-6A341AA68BFB}"/>
+          </ac:spMkLst>
+        </pc:spChg>
+        <pc:spChg chg="mod">
+          <ac:chgData name="Clark Necciai" userId="2d3c143e28508c56" providerId="LiveId" clId="{4A7DDA94-6371-42D1-B025-C351617463C0}" dt="2022-11-15T20:48:45.965" v="461" actId="1076"/>
+          <ac:spMkLst>
+            <pc:docMk/>
+            <pc:sldMk cId="3265300168" sldId="257"/>
+            <ac:spMk id="4" creationId="{4A1C037F-862B-DB0E-9BFB-63FF9E935B69}"/>
+          </ac:spMkLst>
+        </pc:spChg>
+        <pc:spChg chg="mod">
+          <ac:chgData name="Clark Necciai" userId="2d3c143e28508c56" providerId="LiveId" clId="{4A7DDA94-6371-42D1-B025-C351617463C0}" dt="2022-11-15T20:46:37.385" v="440" actId="1076"/>
+          <ac:spMkLst>
+            <pc:docMk/>
+            <pc:sldMk cId="3265300168" sldId="257"/>
+            <ac:spMk id="9" creationId="{50C2FC4D-2AEB-28A5-225D-5C71EC72E750}"/>
+          </ac:spMkLst>
+        </pc:spChg>
+        <pc:spChg chg="mod">
+          <ac:chgData name="Clark Necciai" userId="2d3c143e28508c56" providerId="LiveId" clId="{4A7DDA94-6371-42D1-B025-C351617463C0}" dt="2022-11-10T15:26:51.776" v="40" actId="1076"/>
+          <ac:spMkLst>
+            <pc:docMk/>
+            <pc:sldMk cId="3265300168" sldId="257"/>
+            <ac:spMk id="16" creationId="{098D29A4-D1BA-5297-E222-79FE349EE517}"/>
+          </ac:spMkLst>
+        </pc:spChg>
+        <pc:spChg chg="add mod ord topLvl">
+          <ac:chgData name="Clark Necciai" userId="2d3c143e28508c56" providerId="LiveId" clId="{4A7DDA94-6371-42D1-B025-C351617463C0}" dt="2022-11-10T15:34:52.793" v="169" actId="1076"/>
+          <ac:spMkLst>
+            <pc:docMk/>
+            <pc:sldMk cId="3265300168" sldId="257"/>
+            <ac:spMk id="20" creationId="{32F25DBB-02A7-F0C3-B18A-6E9AF0FC46B4}"/>
+          </ac:spMkLst>
+        </pc:spChg>
+        <pc:spChg chg="add del mod topLvl">
+          <ac:chgData name="Clark Necciai" userId="2d3c143e28508c56" providerId="LiveId" clId="{4A7DDA94-6371-42D1-B025-C351617463C0}" dt="2022-11-10T15:34:12.367" v="164" actId="478"/>
+          <ac:spMkLst>
+            <pc:docMk/>
+            <pc:sldMk cId="3265300168" sldId="257"/>
+            <ac:spMk id="21" creationId="{53C446EB-44D9-97D5-CA9D-0D883B778AF7}"/>
+          </ac:spMkLst>
+        </pc:spChg>
+        <pc:spChg chg="add mod">
+          <ac:chgData name="Clark Necciai" userId="2d3c143e28508c56" providerId="LiveId" clId="{4A7DDA94-6371-42D1-B025-C351617463C0}" dt="2022-11-15T20:48:49.650" v="462" actId="1076"/>
+          <ac:spMkLst>
+            <pc:docMk/>
+            <pc:sldMk cId="3265300168" sldId="257"/>
+            <ac:spMk id="26" creationId="{A3212B53-C4ED-22A7-E047-947996D6F31B}"/>
+          </ac:spMkLst>
+        </pc:spChg>
+        <pc:spChg chg="add mod">
+          <ac:chgData name="Clark Necciai" userId="2d3c143e28508c56" providerId="LiveId" clId="{4A7DDA94-6371-42D1-B025-C351617463C0}" dt="2022-11-10T15:31:57.378" v="160" actId="1076"/>
+          <ac:spMkLst>
+            <pc:docMk/>
+            <pc:sldMk cId="3265300168" sldId="257"/>
+            <ac:spMk id="36" creationId="{C5183DD8-AD63-135F-B551-46B5334C36D5}"/>
+          </ac:spMkLst>
+        </pc:spChg>
+        <pc:spChg chg="add mod">
+          <ac:chgData name="Clark Necciai" userId="2d3c143e28508c56" providerId="LiveId" clId="{4A7DDA94-6371-42D1-B025-C351617463C0}" dt="2022-11-10T15:31:59.593" v="161" actId="1076"/>
+          <ac:spMkLst>
+            <pc:docMk/>
+            <pc:sldMk cId="3265300168" sldId="257"/>
+            <ac:spMk id="37" creationId="{9ADDFD0A-ECD2-8441-E63F-3CF908903118}"/>
+          </ac:spMkLst>
+        </pc:spChg>
+        <pc:spChg chg="add mod ord topLvl">
+          <ac:chgData name="Clark Necciai" userId="2d3c143e28508c56" providerId="LiveId" clId="{4A7DDA94-6371-42D1-B025-C351617463C0}" dt="2022-11-10T15:34:07.755" v="163" actId="165"/>
+          <ac:spMkLst>
+            <pc:docMk/>
+            <pc:sldMk cId="3265300168" sldId="257"/>
+            <ac:spMk id="38" creationId="{2A35CB83-1396-AF14-5659-2B120F6AB726}"/>
+          </ac:spMkLst>
+        </pc:spChg>
+        <pc:spChg chg="add mod">
+          <ac:chgData name="Clark Necciai" userId="2d3c143e28508c56" providerId="LiveId" clId="{4A7DDA94-6371-42D1-B025-C351617463C0}" dt="2022-11-15T20:48:33.287" v="459" actId="1076"/>
+          <ac:spMkLst>
+            <pc:docMk/>
+            <pc:sldMk cId="3265300168" sldId="257"/>
+            <ac:spMk id="59" creationId="{F42B7CD0-D1AD-F100-F90E-9F565A784941}"/>
+          </ac:spMkLst>
+        </pc:spChg>
+        <pc:spChg chg="mod">
+          <ac:chgData name="Clark Necciai" userId="2d3c143e28508c56" providerId="LiveId" clId="{4A7DDA94-6371-42D1-B025-C351617463C0}" dt="2022-11-15T20:45:37.026" v="418" actId="1076"/>
+          <ac:spMkLst>
+            <pc:docMk/>
+            <pc:sldMk cId="3265300168" sldId="257"/>
+            <ac:spMk id="194" creationId="{09685404-D215-D3A0-FA4E-3F2AA108597D}"/>
+          </ac:spMkLst>
+        </pc:spChg>
+        <pc:spChg chg="mod">
+          <ac:chgData name="Clark Necciai" userId="2d3c143e28508c56" providerId="LiveId" clId="{4A7DDA94-6371-42D1-B025-C351617463C0}" dt="2022-11-15T20:48:21.576" v="455" actId="1076"/>
+          <ac:spMkLst>
+            <pc:docMk/>
+            <pc:sldMk cId="3265300168" sldId="257"/>
+            <ac:spMk id="234" creationId="{66D19437-939F-5A79-99D5-F72C4DEC4C95}"/>
+          </ac:spMkLst>
+        </pc:spChg>
+        <pc:grpChg chg="add del mod">
+          <ac:chgData name="Clark Necciai" userId="2d3c143e28508c56" providerId="LiveId" clId="{4A7DDA94-6371-42D1-B025-C351617463C0}" dt="2022-11-10T15:34:15.954" v="165" actId="165"/>
+          <ac:grpSpMkLst>
+            <pc:docMk/>
+            <pc:sldMk cId="3265300168" sldId="257"/>
+            <ac:grpSpMk id="35" creationId="{B852F7B1-E7AC-A571-FF86-BF4A9767D1C0}"/>
+          </ac:grpSpMkLst>
+        </pc:grpChg>
+        <pc:grpChg chg="add del mod">
+          <ac:chgData name="Clark Necciai" userId="2d3c143e28508c56" providerId="LiveId" clId="{4A7DDA94-6371-42D1-B025-C351617463C0}" dt="2022-11-10T15:34:07.755" v="163" actId="165"/>
+          <ac:grpSpMkLst>
+            <pc:docMk/>
+            <pc:sldMk cId="3265300168" sldId="257"/>
+            <ac:grpSpMk id="46" creationId="{B81EF34D-9993-5068-721D-FF2CA8C6DABE}"/>
+          </ac:grpSpMkLst>
+        </pc:grpChg>
+        <pc:grpChg chg="mod">
+          <ac:chgData name="Clark Necciai" userId="2d3c143e28508c56" providerId="LiveId" clId="{4A7DDA94-6371-42D1-B025-C351617463C0}" dt="2022-11-15T20:45:46.359" v="423" actId="1076"/>
+          <ac:grpSpMkLst>
+            <pc:docMk/>
+            <pc:sldMk cId="3265300168" sldId="257"/>
+            <ac:grpSpMk id="195" creationId="{50E2324A-C040-F4E1-FDD1-54D5FF9745C1}"/>
+          </ac:grpSpMkLst>
+        </pc:grpChg>
+        <pc:cxnChg chg="add mod">
+          <ac:chgData name="Clark Necciai" userId="2d3c143e28508c56" providerId="LiveId" clId="{4A7DDA94-6371-42D1-B025-C351617463C0}" dt="2022-11-10T20:45:53.134" v="411" actId="14100"/>
+          <ac:cxnSpMkLst>
+            <pc:docMk/>
+            <pc:sldMk cId="3265300168" sldId="257"/>
+            <ac:cxnSpMk id="3" creationId="{7C79688D-A9BE-0B7D-1F05-88FC63EF0CEE}"/>
+          </ac:cxnSpMkLst>
+        </pc:cxnChg>
+        <pc:cxnChg chg="mod">
+          <ac:chgData name="Clark Necciai" userId="2d3c143e28508c56" providerId="LiveId" clId="{4A7DDA94-6371-42D1-B025-C351617463C0}" dt="2022-11-10T15:26:53.809" v="41" actId="14100"/>
+          <ac:cxnSpMkLst>
+            <pc:docMk/>
+            <pc:sldMk cId="3265300168" sldId="257"/>
+            <ac:cxnSpMk id="17" creationId="{2908FEA3-3F65-7118-477F-FCEC86E40A39}"/>
+          </ac:cxnSpMkLst>
+        </pc:cxnChg>
+        <pc:cxnChg chg="mod">
+          <ac:chgData name="Clark Necciai" userId="2d3c143e28508c56" providerId="LiveId" clId="{4A7DDA94-6371-42D1-B025-C351617463C0}" dt="2022-11-15T20:48:45.965" v="461" actId="1076"/>
+          <ac:cxnSpMkLst>
+            <pc:docMk/>
+            <pc:sldMk cId="3265300168" sldId="257"/>
+            <ac:cxnSpMk id="18" creationId="{96707A57-E3A1-652D-76B9-9CC1C91A65A1}"/>
+          </ac:cxnSpMkLst>
+        </pc:cxnChg>
+        <pc:cxnChg chg="add mod">
+          <ac:chgData name="Clark Necciai" userId="2d3c143e28508c56" providerId="LiveId" clId="{4A7DDA94-6371-42D1-B025-C351617463C0}" dt="2022-11-15T20:48:49.650" v="462" actId="1076"/>
+          <ac:cxnSpMkLst>
+            <pc:docMk/>
+            <pc:sldMk cId="3265300168" sldId="257"/>
+            <ac:cxnSpMk id="21" creationId="{CB8EDF73-4625-2318-98A1-F5350A9ADC30}"/>
+          </ac:cxnSpMkLst>
+        </pc:cxnChg>
+        <pc:cxnChg chg="add mod">
+          <ac:chgData name="Clark Necciai" userId="2d3c143e28508c56" providerId="LiveId" clId="{4A7DDA94-6371-42D1-B025-C351617463C0}" dt="2022-11-10T15:31:55.186" v="159" actId="1076"/>
+          <ac:cxnSpMkLst>
+            <pc:docMk/>
+            <pc:sldMk cId="3265300168" sldId="257"/>
+            <ac:cxnSpMk id="22" creationId="{15333F18-1238-FD55-1ED2-22F290DDD873}"/>
+          </ac:cxnSpMkLst>
+        </pc:cxnChg>
+        <pc:cxnChg chg="del mod">
+          <ac:chgData name="Clark Necciai" userId="2d3c143e28508c56" providerId="LiveId" clId="{4A7DDA94-6371-42D1-B025-C351617463C0}" dt="2022-11-15T20:48:17.990" v="454" actId="478"/>
+          <ac:cxnSpMkLst>
+            <pc:docMk/>
+            <pc:sldMk cId="3265300168" sldId="257"/>
+            <ac:cxnSpMk id="28" creationId="{2A6FC7FD-49B4-CA70-4548-E644A0AE6D58}"/>
+          </ac:cxnSpMkLst>
+        </pc:cxnChg>
+        <pc:cxnChg chg="mod">
+          <ac:chgData name="Clark Necciai" userId="2d3c143e28508c56" providerId="LiveId" clId="{4A7DDA94-6371-42D1-B025-C351617463C0}" dt="2022-11-15T20:46:37.385" v="440" actId="1076"/>
+          <ac:cxnSpMkLst>
+            <pc:docMk/>
+            <pc:sldMk cId="3265300168" sldId="257"/>
+            <ac:cxnSpMk id="29" creationId="{96E51764-604E-BA68-17AB-C96E314151A0}"/>
+          </ac:cxnSpMkLst>
+        </pc:cxnChg>
+        <pc:cxnChg chg="add mod">
+          <ac:chgData name="Clark Necciai" userId="2d3c143e28508c56" providerId="LiveId" clId="{4A7DDA94-6371-42D1-B025-C351617463C0}" dt="2022-11-10T15:35:26.033" v="170" actId="692"/>
+          <ac:cxnSpMkLst>
+            <pc:docMk/>
+            <pc:sldMk cId="3265300168" sldId="257"/>
+            <ac:cxnSpMk id="31" creationId="{8071CAE8-4D15-C46C-B8FE-2EEA5AF62A13}"/>
+          </ac:cxnSpMkLst>
+        </pc:cxnChg>
+        <pc:cxnChg chg="add mod">
+          <ac:chgData name="Clark Necciai" userId="2d3c143e28508c56" providerId="LiveId" clId="{4A7DDA94-6371-42D1-B025-C351617463C0}" dt="2022-11-15T20:48:49.650" v="462" actId="1076"/>
+          <ac:cxnSpMkLst>
+            <pc:docMk/>
+            <pc:sldMk cId="3265300168" sldId="257"/>
+            <ac:cxnSpMk id="35" creationId="{64603A7F-42B6-A491-3EE0-BB440D66FBA9}"/>
+          </ac:cxnSpMkLst>
+        </pc:cxnChg>
+        <pc:cxnChg chg="mod">
+          <ac:chgData name="Clark Necciai" userId="2d3c143e28508c56" providerId="LiveId" clId="{4A7DDA94-6371-42D1-B025-C351617463C0}" dt="2022-11-15T20:48:45.965" v="461" actId="1076"/>
+          <ac:cxnSpMkLst>
+            <pc:docMk/>
+            <pc:sldMk cId="3265300168" sldId="257"/>
+            <ac:cxnSpMk id="45" creationId="{44DB48E6-BEFA-8353-32B8-4C8A2A71CE99}"/>
+          </ac:cxnSpMkLst>
+        </pc:cxnChg>
+        <pc:cxnChg chg="mod">
+          <ac:chgData name="Clark Necciai" userId="2d3c143e28508c56" providerId="LiveId" clId="{4A7DDA94-6371-42D1-B025-C351617463C0}" dt="2022-11-15T20:48:45.965" v="461" actId="1076"/>
+          <ac:cxnSpMkLst>
+            <pc:docMk/>
+            <pc:sldMk cId="3265300168" sldId="257"/>
+            <ac:cxnSpMk id="49" creationId="{3A69E441-5885-1B5B-1A4D-62ABCD69D6CD}"/>
+          </ac:cxnSpMkLst>
+        </pc:cxnChg>
+      </pc:sldChg>
+      <pc:sldChg chg="delSp modSp mod">
+        <pc:chgData name="Clark Necciai" userId="2d3c143e28508c56" providerId="LiveId" clId="{4A7DDA94-6371-42D1-B025-C351617463C0}" dt="2022-11-10T15:38:02.150" v="214" actId="1076"/>
+        <pc:sldMkLst>
+          <pc:docMk/>
+          <pc:sldMk cId="2741865147" sldId="259"/>
+        </pc:sldMkLst>
+        <pc:spChg chg="del">
+          <ac:chgData name="Clark Necciai" userId="2d3c143e28508c56" providerId="LiveId" clId="{4A7DDA94-6371-42D1-B025-C351617463C0}" dt="2022-11-10T15:25:18.683" v="1" actId="478"/>
+          <ac:spMkLst>
+            <pc:docMk/>
+            <pc:sldMk cId="2741865147" sldId="259"/>
+            <ac:spMk id="5" creationId="{066223B1-B84F-2D14-FBFE-6B79371FA81F}"/>
+          </ac:spMkLst>
+        </pc:spChg>
+        <pc:spChg chg="mod">
+          <ac:chgData name="Clark Necciai" userId="2d3c143e28508c56" providerId="LiveId" clId="{4A7DDA94-6371-42D1-B025-C351617463C0}" dt="2022-11-10T15:38:00.292" v="212" actId="1076"/>
+          <ac:spMkLst>
+            <pc:docMk/>
+            <pc:sldMk cId="2741865147" sldId="259"/>
+            <ac:spMk id="6" creationId="{447B28B3-62F3-290B-E37D-6C9BA063259D}"/>
+          </ac:spMkLst>
+        </pc:spChg>
+        <pc:spChg chg="mod">
+          <ac:chgData name="Clark Necciai" userId="2d3c143e28508c56" providerId="LiveId" clId="{4A7DDA94-6371-42D1-B025-C351617463C0}" dt="2022-11-10T15:25:25.280" v="6" actId="1076"/>
+          <ac:spMkLst>
+            <pc:docMk/>
+            <pc:sldMk cId="2741865147" sldId="259"/>
+            <ac:spMk id="7" creationId="{25E964E7-99DE-1239-D786-70B14193E0D2}"/>
+          </ac:spMkLst>
+        </pc:spChg>
+        <pc:spChg chg="del">
+          <ac:chgData name="Clark Necciai" userId="2d3c143e28508c56" providerId="LiveId" clId="{4A7DDA94-6371-42D1-B025-C351617463C0}" dt="2022-11-10T15:25:18.064" v="0" actId="478"/>
+          <ac:spMkLst>
+            <pc:docMk/>
+            <pc:sldMk cId="2741865147" sldId="259"/>
+            <ac:spMk id="8" creationId="{3D8C3E6B-2AE1-0A03-1A6E-B1D1186E90EE}"/>
+          </ac:spMkLst>
+        </pc:spChg>
+        <pc:spChg chg="del">
+          <ac:chgData name="Clark Necciai" userId="2d3c143e28508c56" providerId="LiveId" clId="{4A7DDA94-6371-42D1-B025-C351617463C0}" dt="2022-11-10T15:25:19.643" v="2" actId="478"/>
+          <ac:spMkLst>
+            <pc:docMk/>
+            <pc:sldMk cId="2741865147" sldId="259"/>
+            <ac:spMk id="9" creationId="{A07A628D-644A-468F-3FFA-45614AB26C4A}"/>
+          </ac:spMkLst>
+        </pc:spChg>
+        <pc:spChg chg="mod">
+          <ac:chgData name="Clark Necciai" userId="2d3c143e28508c56" providerId="LiveId" clId="{4A7DDA94-6371-42D1-B025-C351617463C0}" dt="2022-11-10T15:38:02.150" v="214" actId="1076"/>
+          <ac:spMkLst>
+            <pc:docMk/>
+            <pc:sldMk cId="2741865147" sldId="259"/>
+            <ac:spMk id="10" creationId="{298EE954-4EA3-FDAF-9183-74D74A43262F}"/>
+          </ac:spMkLst>
+        </pc:spChg>
+        <pc:spChg chg="mod">
+          <ac:chgData name="Clark Necciai" userId="2d3c143e28508c56" providerId="LiveId" clId="{4A7DDA94-6371-42D1-B025-C351617463C0}" dt="2022-11-10T15:38:01.241" v="213" actId="1076"/>
+          <ac:spMkLst>
+            <pc:docMk/>
+            <pc:sldMk cId="2741865147" sldId="259"/>
+            <ac:spMk id="11" creationId="{C5D7E4A1-5C41-BC6E-D19E-FFD3E6AE88F6}"/>
+          </ac:spMkLst>
+        </pc:spChg>
+        <pc:spChg chg="mod">
+          <ac:chgData name="Clark Necciai" userId="2d3c143e28508c56" providerId="LiveId" clId="{4A7DDA94-6371-42D1-B025-C351617463C0}" dt="2022-11-10T15:37:59.215" v="211" actId="1076"/>
+          <ac:spMkLst>
+            <pc:docMk/>
+            <pc:sldMk cId="2741865147" sldId="259"/>
+            <ac:spMk id="12" creationId="{900FADDD-C907-2638-6CAC-45829E5065EF}"/>
+          </ac:spMkLst>
+        </pc:spChg>
+        <pc:cxnChg chg="mod">
+          <ac:chgData name="Clark Necciai" userId="2d3c143e28508c56" providerId="LiveId" clId="{4A7DDA94-6371-42D1-B025-C351617463C0}" dt="2022-11-10T15:25:25.280" v="6" actId="1076"/>
+          <ac:cxnSpMkLst>
+            <pc:docMk/>
+            <pc:sldMk cId="2741865147" sldId="259"/>
+            <ac:cxnSpMk id="20" creationId="{8A9934D4-824E-69C0-BE9C-89F258C16798}"/>
+          </ac:cxnSpMkLst>
+        </pc:cxnChg>
+        <pc:cxnChg chg="del mod">
+          <ac:chgData name="Clark Necciai" userId="2d3c143e28508c56" providerId="LiveId" clId="{4A7DDA94-6371-42D1-B025-C351617463C0}" dt="2022-11-10T15:25:21.901" v="4" actId="478"/>
+          <ac:cxnSpMkLst>
+            <pc:docMk/>
+            <pc:sldMk cId="2741865147" sldId="259"/>
+            <ac:cxnSpMk id="23" creationId="{32FCAEAE-67A6-6849-428D-54E492C50C29}"/>
+          </ac:cxnSpMkLst>
+        </pc:cxnChg>
+        <pc:cxnChg chg="del mod">
+          <ac:chgData name="Clark Necciai" userId="2d3c143e28508c56" providerId="LiveId" clId="{4A7DDA94-6371-42D1-B025-C351617463C0}" dt="2022-11-10T15:25:22.704" v="5" actId="478"/>
+          <ac:cxnSpMkLst>
+            <pc:docMk/>
+            <pc:sldMk cId="2741865147" sldId="259"/>
+            <ac:cxnSpMk id="26" creationId="{9E1B4B4D-D670-1758-ACA2-8546A2FBCB5C}"/>
+          </ac:cxnSpMkLst>
+        </pc:cxnChg>
+        <pc:cxnChg chg="del mod">
+          <ac:chgData name="Clark Necciai" userId="2d3c143e28508c56" providerId="LiveId" clId="{4A7DDA94-6371-42D1-B025-C351617463C0}" dt="2022-11-10T15:25:21.225" v="3" actId="478"/>
+          <ac:cxnSpMkLst>
+            <pc:docMk/>
+            <pc:sldMk cId="2741865147" sldId="259"/>
+            <ac:cxnSpMk id="29" creationId="{05580FF9-95A9-0480-A2BF-61EC898479C2}"/>
+          </ac:cxnSpMkLst>
+        </pc:cxnChg>
+        <pc:cxnChg chg="mod">
+          <ac:chgData name="Clark Necciai" userId="2d3c143e28508c56" providerId="LiveId" clId="{4A7DDA94-6371-42D1-B025-C351617463C0}" dt="2022-11-10T15:38:02.150" v="214" actId="1076"/>
+          <ac:cxnSpMkLst>
+            <pc:docMk/>
+            <pc:sldMk cId="2741865147" sldId="259"/>
+            <ac:cxnSpMk id="33" creationId="{34BB4620-8EE0-E6D1-25B9-F91EE66F9296}"/>
+          </ac:cxnSpMkLst>
+        </pc:cxnChg>
+        <pc:cxnChg chg="mod">
+          <ac:chgData name="Clark Necciai" userId="2d3c143e28508c56" providerId="LiveId" clId="{4A7DDA94-6371-42D1-B025-C351617463C0}" dt="2022-11-10T15:38:01.241" v="213" actId="1076"/>
+          <ac:cxnSpMkLst>
+            <pc:docMk/>
+            <pc:sldMk cId="2741865147" sldId="259"/>
+            <ac:cxnSpMk id="36" creationId="{275E30C0-5BBF-8836-D99D-B15538B244D8}"/>
+          </ac:cxnSpMkLst>
+        </pc:cxnChg>
+        <pc:cxnChg chg="mod">
+          <ac:chgData name="Clark Necciai" userId="2d3c143e28508c56" providerId="LiveId" clId="{4A7DDA94-6371-42D1-B025-C351617463C0}" dt="2022-11-10T15:38:00.292" v="212" actId="1076"/>
+          <ac:cxnSpMkLst>
+            <pc:docMk/>
+            <pc:sldMk cId="2741865147" sldId="259"/>
+            <ac:cxnSpMk id="40" creationId="{27085B2D-6422-3018-4498-A60FD1971F01}"/>
+          </ac:cxnSpMkLst>
+        </pc:cxnChg>
+        <pc:cxnChg chg="mod">
+          <ac:chgData name="Clark Necciai" userId="2d3c143e28508c56" providerId="LiveId" clId="{4A7DDA94-6371-42D1-B025-C351617463C0}" dt="2022-11-10T15:37:59.215" v="211" actId="1076"/>
+          <ac:cxnSpMkLst>
+            <pc:docMk/>
+            <pc:sldMk cId="2741865147" sldId="259"/>
+            <ac:cxnSpMk id="43" creationId="{3C68F683-9EF4-C3F2-E664-742E7B0403EB}"/>
+          </ac:cxnSpMkLst>
+        </pc:cxnChg>
+      </pc:sldChg>
+      <pc:sldChg chg="modSp mod">
+        <pc:chgData name="Clark Necciai" userId="2d3c143e28508c56" providerId="LiveId" clId="{4A7DDA94-6371-42D1-B025-C351617463C0}" dt="2022-11-10T15:41:41.512" v="388" actId="20577"/>
+        <pc:sldMkLst>
+          <pc:docMk/>
+          <pc:sldMk cId="1871788821" sldId="260"/>
+        </pc:sldMkLst>
+        <pc:spChg chg="mod">
+          <ac:chgData name="Clark Necciai" userId="2d3c143e28508c56" providerId="LiveId" clId="{4A7DDA94-6371-42D1-B025-C351617463C0}" dt="2022-11-10T15:41:41.512" v="388" actId="20577"/>
+          <ac:spMkLst>
+            <pc:docMk/>
+            <pc:sldMk cId="1871788821" sldId="260"/>
+            <ac:spMk id="3" creationId="{59C44DD6-9389-6B4C-6D7C-CE926EF1EED2}"/>
+          </ac:spMkLst>
+        </pc:spChg>
+      </pc:sldChg>
+      <pc:sldChg chg="modSp mod">
+        <pc:chgData name="Clark Necciai" userId="2d3c143e28508c56" providerId="LiveId" clId="{4A7DDA94-6371-42D1-B025-C351617463C0}" dt="2022-11-10T18:43:45.017" v="402" actId="20577"/>
+        <pc:sldMkLst>
+          <pc:docMk/>
+          <pc:sldMk cId="298272431" sldId="261"/>
+        </pc:sldMkLst>
+        <pc:spChg chg="mod">
+          <ac:chgData name="Clark Necciai" userId="2d3c143e28508c56" providerId="LiveId" clId="{4A7DDA94-6371-42D1-B025-C351617463C0}" dt="2022-11-10T18:43:45.017" v="402" actId="20577"/>
+          <ac:spMkLst>
+            <pc:docMk/>
+            <pc:sldMk cId="298272431" sldId="261"/>
+            <ac:spMk id="14" creationId="{78A00FC0-0405-9527-02BB-751FA92154E5}"/>
+          </ac:spMkLst>
+        </pc:spChg>
+        <pc:spChg chg="mod">
+          <ac:chgData name="Clark Necciai" userId="2d3c143e28508c56" providerId="LiveId" clId="{4A7DDA94-6371-42D1-B025-C351617463C0}" dt="2022-11-10T15:40:32.573" v="295" actId="20577"/>
+          <ac:spMkLst>
+            <pc:docMk/>
+            <pc:sldMk cId="298272431" sldId="261"/>
+            <ac:spMk id="15" creationId="{645AFB24-AF41-6A9E-0A67-ADDB00DBC052}"/>
+          </ac:spMkLst>
+        </pc:spChg>
+      </pc:sldChg>
+      <pc:sldChg chg="addSp delSp modSp mod">
+        <pc:chgData name="Clark Necciai" userId="2d3c143e28508c56" providerId="LiveId" clId="{4A7DDA94-6371-42D1-B025-C351617463C0}" dt="2022-11-10T17:22:51.880" v="400" actId="1076"/>
+        <pc:sldMkLst>
+          <pc:docMk/>
+          <pc:sldMk cId="804916847" sldId="262"/>
+        </pc:sldMkLst>
+        <pc:spChg chg="add del mod">
+          <ac:chgData name="Clark Necciai" userId="2d3c143e28508c56" providerId="LiveId" clId="{4A7DDA94-6371-42D1-B025-C351617463C0}" dt="2022-11-10T15:30:30.175" v="103" actId="21"/>
+          <ac:spMkLst>
+            <pc:docMk/>
+            <pc:sldMk cId="804916847" sldId="262"/>
+            <ac:spMk id="2" creationId="{BC817C43-E9AF-756A-C6E8-94E4E8B34730}"/>
+          </ac:spMkLst>
+        </pc:spChg>
+        <pc:spChg chg="mod">
+          <ac:chgData name="Clark Necciai" userId="2d3c143e28508c56" providerId="LiveId" clId="{4A7DDA94-6371-42D1-B025-C351617463C0}" dt="2022-11-10T17:22:28.127" v="394" actId="14100"/>
+          <ac:spMkLst>
+            <pc:docMk/>
+            <pc:sldMk cId="804916847" sldId="262"/>
+            <ac:spMk id="3" creationId="{37B4A138-19A4-8C60-1F83-BF00B5CE4074}"/>
+          </ac:spMkLst>
+        </pc:spChg>
+        <pc:spChg chg="mod">
+          <ac:chgData name="Clark Necciai" userId="2d3c143e28508c56" providerId="LiveId" clId="{4A7DDA94-6371-42D1-B025-C351617463C0}" dt="2022-11-10T15:36:24.869" v="182" actId="1076"/>
+          <ac:spMkLst>
+            <pc:docMk/>
+            <pc:sldMk cId="804916847" sldId="262"/>
+            <ac:spMk id="4" creationId="{49FA73DF-3738-EDE6-43FE-9FD5FA590594}"/>
+          </ac:spMkLst>
+        </pc:spChg>
+        <pc:spChg chg="mod">
+          <ac:chgData name="Clark Necciai" userId="2d3c143e28508c56" providerId="LiveId" clId="{4A7DDA94-6371-42D1-B025-C351617463C0}" dt="2022-11-10T17:22:22.504" v="391" actId="1076"/>
+          <ac:spMkLst>
+            <pc:docMk/>
+            <pc:sldMk cId="804916847" sldId="262"/>
+            <ac:spMk id="8" creationId="{37D7C8C4-A62D-EE1B-6A0A-862D6219969E}"/>
+          </ac:spMkLst>
+        </pc:spChg>
+        <pc:spChg chg="mod">
+          <ac:chgData name="Clark Necciai" userId="2d3c143e28508c56" providerId="LiveId" clId="{4A7DDA94-6371-42D1-B025-C351617463C0}" dt="2022-11-10T15:36:29.188" v="184" actId="1076"/>
+          <ac:spMkLst>
+            <pc:docMk/>
+            <pc:sldMk cId="804916847" sldId="262"/>
+            <ac:spMk id="13" creationId="{C8C613BA-362A-DCC3-145C-A77FEF830EE5}"/>
+          </ac:spMkLst>
+        </pc:spChg>
+        <pc:spChg chg="add mod">
+          <ac:chgData name="Clark Necciai" userId="2d3c143e28508c56" providerId="LiveId" clId="{4A7DDA94-6371-42D1-B025-C351617463C0}" dt="2022-11-10T15:38:43.664" v="217" actId="1076"/>
+          <ac:spMkLst>
+            <pc:docMk/>
+            <pc:sldMk cId="804916847" sldId="262"/>
+            <ac:spMk id="42" creationId="{7F5B2175-151D-A4C4-48E7-997C314BDAD1}"/>
+          </ac:spMkLst>
+        </pc:spChg>
+        <pc:spChg chg="mod">
+          <ac:chgData name="Clark Necciai" userId="2d3c143e28508c56" providerId="LiveId" clId="{4A7DDA94-6371-42D1-B025-C351617463C0}" dt="2022-11-10T15:36:51.950" v="193" actId="1076"/>
+          <ac:spMkLst>
+            <pc:docMk/>
+            <pc:sldMk cId="804916847" sldId="262"/>
+            <ac:spMk id="44" creationId="{ABB099F3-34FE-2449-5921-87CFFD7D4A65}"/>
+          </ac:spMkLst>
+        </pc:spChg>
+        <pc:spChg chg="add del mod">
+          <ac:chgData name="Clark Necciai" userId="2d3c143e28508c56" providerId="LiveId" clId="{4A7DDA94-6371-42D1-B025-C351617463C0}" dt="2022-11-10T15:38:39.891" v="215" actId="478"/>
+          <ac:spMkLst>
+            <pc:docMk/>
+            <pc:sldMk cId="804916847" sldId="262"/>
+            <ac:spMk id="46" creationId="{4D52B6B2-B492-444C-E2FE-29C85ACCFC46}"/>
+          </ac:spMkLst>
+        </pc:spChg>
+        <pc:spChg chg="add mod">
+          <ac:chgData name="Clark Necciai" userId="2d3c143e28508c56" providerId="LiveId" clId="{4A7DDA94-6371-42D1-B025-C351617463C0}" dt="2022-11-10T17:22:51.880" v="400" actId="1076"/>
+          <ac:spMkLst>
+            <pc:docMk/>
+            <pc:sldMk cId="804916847" sldId="262"/>
+            <ac:spMk id="47" creationId="{1C687A2B-D75D-CD26-4B3B-8F77663D1073}"/>
+          </ac:spMkLst>
+        </pc:spChg>
+        <pc:spChg chg="add mod">
+          <ac:chgData name="Clark Necciai" userId="2d3c143e28508c56" providerId="LiveId" clId="{4A7DDA94-6371-42D1-B025-C351617463C0}" dt="2022-11-10T17:22:49.386" v="399" actId="1076"/>
+          <ac:spMkLst>
+            <pc:docMk/>
+            <pc:sldMk cId="804916847" sldId="262"/>
+            <ac:spMk id="49" creationId="{1713136E-260E-2057-5ACA-9ADC9B6BFE22}"/>
+          </ac:spMkLst>
+        </pc:spChg>
+        <pc:spChg chg="mod">
+          <ac:chgData name="Clark Necciai" userId="2d3c143e28508c56" providerId="LiveId" clId="{4A7DDA94-6371-42D1-B025-C351617463C0}" dt="2022-11-10T15:36:27.311" v="183" actId="1076"/>
+          <ac:spMkLst>
+            <pc:docMk/>
+            <pc:sldMk cId="804916847" sldId="262"/>
+            <ac:spMk id="63" creationId="{0737FC5F-2528-97B6-16A0-3731D8E6B3A2}"/>
+          </ac:spMkLst>
+        </pc:spChg>
+        <pc:spChg chg="mod">
+          <ac:chgData name="Clark Necciai" userId="2d3c143e28508c56" providerId="LiveId" clId="{4A7DDA94-6371-42D1-B025-C351617463C0}" dt="2022-11-10T15:36:57.540" v="196" actId="1076"/>
+          <ac:spMkLst>
+            <pc:docMk/>
+            <pc:sldMk cId="804916847" sldId="262"/>
+            <ac:spMk id="64" creationId="{541D6C8A-22C1-F9D8-8D20-9C159E64CE4F}"/>
+          </ac:spMkLst>
+        </pc:spChg>
+        <pc:spChg chg="mod">
+          <ac:chgData name="Clark Necciai" userId="2d3c143e28508c56" providerId="LiveId" clId="{4A7DDA94-6371-42D1-B025-C351617463C0}" dt="2022-11-10T15:36:53.873" v="194" actId="1076"/>
+          <ac:spMkLst>
+            <pc:docMk/>
+            <pc:sldMk cId="804916847" sldId="262"/>
+            <ac:spMk id="65" creationId="{EC784165-8B9F-0EFC-8C9B-203B97E34B5D}"/>
+          </ac:spMkLst>
+        </pc:spChg>
+        <pc:spChg chg="mod">
+          <ac:chgData name="Clark Necciai" userId="2d3c143e28508c56" providerId="LiveId" clId="{4A7DDA94-6371-42D1-B025-C351617463C0}" dt="2022-11-10T15:36:55.645" v="195" actId="1076"/>
+          <ac:spMkLst>
+            <pc:docMk/>
+            <pc:sldMk cId="804916847" sldId="262"/>
+            <ac:spMk id="66" creationId="{1F057F01-9458-9F80-69FF-FBECB3265856}"/>
+          </ac:spMkLst>
+        </pc:spChg>
+        <pc:spChg chg="mod">
+          <ac:chgData name="Clark Necciai" userId="2d3c143e28508c56" providerId="LiveId" clId="{4A7DDA94-6371-42D1-B025-C351617463C0}" dt="2022-11-10T15:36:50.607" v="192" actId="1076"/>
+          <ac:spMkLst>
+            <pc:docMk/>
+            <pc:sldMk cId="804916847" sldId="262"/>
+            <ac:spMk id="67" creationId="{6A3EB60A-51DC-F3F1-4615-140FBF7D2523}"/>
+          </ac:spMkLst>
+        </pc:spChg>
+        <pc:spChg chg="mod">
+          <ac:chgData name="Clark Necciai" userId="2d3c143e28508c56" providerId="LiveId" clId="{4A7DDA94-6371-42D1-B025-C351617463C0}" dt="2022-11-10T17:22:37.129" v="396" actId="1076"/>
+          <ac:spMkLst>
+            <pc:docMk/>
+            <pc:sldMk cId="804916847" sldId="262"/>
+            <ac:spMk id="68" creationId="{18F3115D-1711-31B7-F619-1F8F222BEBAA}"/>
+          </ac:spMkLst>
+        </pc:spChg>
+        <pc:spChg chg="del">
+          <ac:chgData name="Clark Necciai" userId="2d3c143e28508c56" providerId="LiveId" clId="{4A7DDA94-6371-42D1-B025-C351617463C0}" dt="2022-11-10T15:36:46.023" v="189" actId="478"/>
+          <ac:spMkLst>
+            <pc:docMk/>
+            <pc:sldMk cId="804916847" sldId="262"/>
+            <ac:spMk id="69" creationId="{26BB20C4-8BE6-1E04-0C34-BEEB9FBEE7D8}"/>
+          </ac:spMkLst>
+        </pc:spChg>
+        <pc:spChg chg="mod">
+          <ac:chgData name="Clark Necciai" userId="2d3c143e28508c56" providerId="LiveId" clId="{4A7DDA94-6371-42D1-B025-C351617463C0}" dt="2022-11-10T17:22:39.097" v="397" actId="1076"/>
+          <ac:spMkLst>
+            <pc:docMk/>
+            <pc:sldMk cId="804916847" sldId="262"/>
+            <ac:spMk id="70" creationId="{23BE8124-FF89-BBB3-52FD-034DB657D323}"/>
+          </ac:spMkLst>
+        </pc:spChg>
+        <pc:cxnChg chg="mod">
+          <ac:chgData name="Clark Necciai" userId="2d3c143e28508c56" providerId="LiveId" clId="{4A7DDA94-6371-42D1-B025-C351617463C0}" dt="2022-11-10T17:22:22.504" v="391" actId="1076"/>
+          <ac:cxnSpMkLst>
+            <pc:docMk/>
+            <pc:sldMk cId="804916847" sldId="262"/>
+            <ac:cxnSpMk id="10" creationId="{8073A10E-A8B8-B2E4-4584-3205A8E38915}"/>
+          </ac:cxnSpMkLst>
+        </pc:cxnChg>
+        <pc:cxnChg chg="mod">
+          <ac:chgData name="Clark Necciai" userId="2d3c143e28508c56" providerId="LiveId" clId="{4A7DDA94-6371-42D1-B025-C351617463C0}" dt="2022-11-10T15:36:29.188" v="184" actId="1076"/>
+          <ac:cxnSpMkLst>
+            <pc:docMk/>
+            <pc:sldMk cId="804916847" sldId="262"/>
+            <ac:cxnSpMk id="14" creationId="{7385F875-491E-0A9C-5FF4-9BA918EFC8D1}"/>
+          </ac:cxnSpMkLst>
+        </pc:cxnChg>
+        <pc:cxnChg chg="mod">
+          <ac:chgData name="Clark Necciai" userId="2d3c143e28508c56" providerId="LiveId" clId="{4A7DDA94-6371-42D1-B025-C351617463C0}" dt="2022-11-10T17:22:29.962" v="395" actId="14100"/>
+          <ac:cxnSpMkLst>
+            <pc:docMk/>
+            <pc:sldMk cId="804916847" sldId="262"/>
+            <ac:cxnSpMk id="17" creationId="{05C61E30-9BFD-8251-939D-2662AE0E24B5}"/>
+          </ac:cxnSpMkLst>
+        </pc:cxnChg>
+        <pc:cxnChg chg="add mod">
+          <ac:chgData name="Clark Necciai" userId="2d3c143e28508c56" providerId="LiveId" clId="{4A7DDA94-6371-42D1-B025-C351617463C0}" dt="2022-11-10T17:22:49.386" v="399" actId="1076"/>
+          <ac:cxnSpMkLst>
+            <pc:docMk/>
+            <pc:sldMk cId="804916847" sldId="262"/>
+            <ac:cxnSpMk id="43" creationId="{826938B7-2B4A-6E6D-7BCA-D9A22D590929}"/>
+          </ac:cxnSpMkLst>
+        </pc:cxnChg>
+        <pc:cxnChg chg="add mod">
+          <ac:chgData name="Clark Necciai" userId="2d3c143e28508c56" providerId="LiveId" clId="{4A7DDA94-6371-42D1-B025-C351617463C0}" dt="2022-11-10T17:22:51.880" v="400" actId="1076"/>
+          <ac:cxnSpMkLst>
+            <pc:docMk/>
+            <pc:sldMk cId="804916847" sldId="262"/>
+            <ac:cxnSpMk id="45" creationId="{8924DA3C-A942-D568-B5DA-2D5804E66ABC}"/>
+          </ac:cxnSpMkLst>
+        </pc:cxnChg>
+        <pc:cxnChg chg="mod">
+          <ac:chgData name="Clark Necciai" userId="2d3c143e28508c56" providerId="LiveId" clId="{4A7DDA94-6371-42D1-B025-C351617463C0}" dt="2022-11-10T15:36:51.950" v="193" actId="1076"/>
+          <ac:cxnSpMkLst>
+            <pc:docMk/>
+            <pc:sldMk cId="804916847" sldId="262"/>
+            <ac:cxnSpMk id="48" creationId="{2B4DE48D-43FF-185D-DA97-55DC167D103D}"/>
+          </ac:cxnSpMkLst>
+        </pc:cxnChg>
+        <pc:cxnChg chg="add del mod">
+          <ac:chgData name="Clark Necciai" userId="2d3c143e28508c56" providerId="LiveId" clId="{4A7DDA94-6371-42D1-B025-C351617463C0}" dt="2022-11-10T15:38:42.092" v="216" actId="478"/>
+          <ac:cxnSpMkLst>
+            <pc:docMk/>
+            <pc:sldMk cId="804916847" sldId="262"/>
+            <ac:cxnSpMk id="50" creationId="{206AEDE7-8EC3-0897-546F-FA1A86D7065E}"/>
+          </ac:cxnSpMkLst>
+        </pc:cxnChg>
+        <pc:cxnChg chg="mod">
+          <ac:chgData name="Clark Necciai" userId="2d3c143e28508c56" providerId="LiveId" clId="{4A7DDA94-6371-42D1-B025-C351617463C0}" dt="2022-11-10T15:36:27.311" v="183" actId="1076"/>
+          <ac:cxnSpMkLst>
+            <pc:docMk/>
+            <pc:sldMk cId="804916847" sldId="262"/>
+            <ac:cxnSpMk id="71" creationId="{AC968C82-3B61-1831-FCD2-2AFF732F41C0}"/>
+          </ac:cxnSpMkLst>
+        </pc:cxnChg>
+        <pc:cxnChg chg="mod">
+          <ac:chgData name="Clark Necciai" userId="2d3c143e28508c56" providerId="LiveId" clId="{4A7DDA94-6371-42D1-B025-C351617463C0}" dt="2022-11-10T15:36:50.607" v="192" actId="1076"/>
+          <ac:cxnSpMkLst>
+            <pc:docMk/>
+            <pc:sldMk cId="804916847" sldId="262"/>
+            <ac:cxnSpMk id="76" creationId="{74D6E3A2-6F14-8490-6179-06D757C6C3BD}"/>
+          </ac:cxnSpMkLst>
+        </pc:cxnChg>
+        <pc:cxnChg chg="mod">
+          <ac:chgData name="Clark Necciai" userId="2d3c143e28508c56" providerId="LiveId" clId="{4A7DDA94-6371-42D1-B025-C351617463C0}" dt="2022-11-10T15:36:53.873" v="194" actId="1076"/>
+          <ac:cxnSpMkLst>
+            <pc:docMk/>
+            <pc:sldMk cId="804916847" sldId="262"/>
+            <ac:cxnSpMk id="79" creationId="{A228EE20-5CEC-7B44-AEFA-D166DA374C82}"/>
+          </ac:cxnSpMkLst>
+        </pc:cxnChg>
+        <pc:cxnChg chg="mod">
+          <ac:chgData name="Clark Necciai" userId="2d3c143e28508c56" providerId="LiveId" clId="{4A7DDA94-6371-42D1-B025-C351617463C0}" dt="2022-11-10T15:36:55.645" v="195" actId="1076"/>
+          <ac:cxnSpMkLst>
+            <pc:docMk/>
+            <pc:sldMk cId="804916847" sldId="262"/>
+            <ac:cxnSpMk id="82" creationId="{19B3D5D7-359B-C410-3C3C-AE077E298AED}"/>
+          </ac:cxnSpMkLst>
+        </pc:cxnChg>
+        <pc:cxnChg chg="mod">
+          <ac:chgData name="Clark Necciai" userId="2d3c143e28508c56" providerId="LiveId" clId="{4A7DDA94-6371-42D1-B025-C351617463C0}" dt="2022-11-10T15:36:57.540" v="196" actId="1076"/>
+          <ac:cxnSpMkLst>
+            <pc:docMk/>
+            <pc:sldMk cId="804916847" sldId="262"/>
+            <ac:cxnSpMk id="85" creationId="{C79CCE4D-13EA-72E4-4EB5-C601C4B0765D}"/>
+          </ac:cxnSpMkLst>
+        </pc:cxnChg>
+        <pc:cxnChg chg="mod">
+          <ac:chgData name="Clark Necciai" userId="2d3c143e28508c56" providerId="LiveId" clId="{4A7DDA94-6371-42D1-B025-C351617463C0}" dt="2022-11-10T17:22:39.097" v="397" actId="1076"/>
+          <ac:cxnSpMkLst>
+            <pc:docMk/>
+            <pc:sldMk cId="804916847" sldId="262"/>
+            <ac:cxnSpMk id="89" creationId="{CD7E0F41-2768-E694-C916-4048BE80CA72}"/>
+          </ac:cxnSpMkLst>
+        </pc:cxnChg>
+        <pc:cxnChg chg="del mod">
+          <ac:chgData name="Clark Necciai" userId="2d3c143e28508c56" providerId="LiveId" clId="{4A7DDA94-6371-42D1-B025-C351617463C0}" dt="2022-11-10T15:36:46.752" v="190" actId="478"/>
+          <ac:cxnSpMkLst>
+            <pc:docMk/>
+            <pc:sldMk cId="804916847" sldId="262"/>
+            <ac:cxnSpMk id="90" creationId="{7C8B479A-B08B-0147-6969-DF366D79A4A7}"/>
+          </ac:cxnSpMkLst>
+        </pc:cxnChg>
+        <pc:cxnChg chg="mod">
+          <ac:chgData name="Clark Necciai" userId="2d3c143e28508c56" providerId="LiveId" clId="{4A7DDA94-6371-42D1-B025-C351617463C0}" dt="2022-11-10T17:22:37.129" v="396" actId="1076"/>
+          <ac:cxnSpMkLst>
+            <pc:docMk/>
+            <pc:sldMk cId="804916847" sldId="262"/>
+            <ac:cxnSpMk id="91" creationId="{AEF3D326-3650-E95A-C64C-DFCF751F6AB8}"/>
+          </ac:cxnSpMkLst>
+        </pc:cxnChg>
+      </pc:sldChg>
+      <pc:sldChg chg="addSp delSp modSp new del mod">
+        <pc:chgData name="Clark Necciai" userId="2d3c143e28508c56" providerId="LiveId" clId="{4A7DDA94-6371-42D1-B025-C351617463C0}" dt="2022-11-10T15:38:56.203" v="220" actId="47"/>
+        <pc:sldMkLst>
+          <pc:docMk/>
+          <pc:sldMk cId="1467993957" sldId="263"/>
+        </pc:sldMkLst>
+        <pc:spChg chg="del mod topLvl">
+          <ac:chgData name="Clark Necciai" userId="2d3c143e28508c56" providerId="LiveId" clId="{4A7DDA94-6371-42D1-B025-C351617463C0}" dt="2022-11-10T15:37:30.151" v="197" actId="21"/>
+          <ac:spMkLst>
+            <pc:docMk/>
+            <pc:sldMk cId="1467993957" sldId="263"/>
+            <ac:spMk id="3" creationId="{98084D88-ADD7-03DF-B6F5-B252EAD5B875}"/>
+          </ac:spMkLst>
+        </pc:spChg>
+        <pc:spChg chg="del mod topLvl">
+          <ac:chgData name="Clark Necciai" userId="2d3c143e28508c56" providerId="LiveId" clId="{4A7DDA94-6371-42D1-B025-C351617463C0}" dt="2022-11-10T15:34:29.286" v="168" actId="478"/>
+          <ac:spMkLst>
+            <pc:docMk/>
+            <pc:sldMk cId="1467993957" sldId="263"/>
+            <ac:spMk id="4" creationId="{5826AF91-08E4-6D6E-DAC9-A10B4580FC73}"/>
+          </ac:spMkLst>
+        </pc:spChg>
+        <pc:spChg chg="add del mod">
+          <ac:chgData name="Clark Necciai" userId="2d3c143e28508c56" providerId="LiveId" clId="{4A7DDA94-6371-42D1-B025-C351617463C0}" dt="2022-11-10T15:31:25.414" v="151" actId="478"/>
+          <ac:spMkLst>
+            <pc:docMk/>
+            <pc:sldMk cId="1467993957" sldId="263"/>
+            <ac:spMk id="11" creationId="{865A94B5-8A0F-CCD6-2BCF-2D9A10D165CB}"/>
+          </ac:spMkLst>
+        </pc:spChg>
+        <pc:spChg chg="add del mod">
+          <ac:chgData name="Clark Necciai" userId="2d3c143e28508c56" providerId="LiveId" clId="{4A7DDA94-6371-42D1-B025-C351617463C0}" dt="2022-11-10T15:37:30.151" v="197" actId="21"/>
+          <ac:spMkLst>
+            <pc:docMk/>
+            <pc:sldMk cId="1467993957" sldId="263"/>
+            <ac:spMk id="12" creationId="{D1973D95-E208-27E9-4C3F-4220158FB26F}"/>
+          </ac:spMkLst>
+        </pc:spChg>
+        <pc:spChg chg="add del mod">
+          <ac:chgData name="Clark Necciai" userId="2d3c143e28508c56" providerId="LiveId" clId="{4A7DDA94-6371-42D1-B025-C351617463C0}" dt="2022-11-10T15:37:30.151" v="197" actId="21"/>
+          <ac:spMkLst>
+            <pc:docMk/>
+            <pc:sldMk cId="1467993957" sldId="263"/>
+            <ac:spMk id="13" creationId="{7C0545EB-6263-8206-FAAF-83DE4EDEDB8A}"/>
+          </ac:spMkLst>
+        </pc:spChg>
+        <pc:spChg chg="add del mod">
+          <ac:chgData name="Clark Necciai" userId="2d3c143e28508c56" providerId="LiveId" clId="{4A7DDA94-6371-42D1-B025-C351617463C0}" dt="2022-11-10T15:37:30.151" v="197" actId="21"/>
+          <ac:spMkLst>
+            <pc:docMk/>
+            <pc:sldMk cId="1467993957" sldId="263"/>
+            <ac:spMk id="15" creationId="{6F47CFC5-F53A-0E75-D3B1-412233AF2CC0}"/>
+          </ac:spMkLst>
+        </pc:spChg>
+        <pc:grpChg chg="add del mod">
+          <ac:chgData name="Clark Necciai" userId="2d3c143e28508c56" providerId="LiveId" clId="{4A7DDA94-6371-42D1-B025-C351617463C0}" dt="2022-11-10T15:34:27.187" v="167" actId="165"/>
+          <ac:grpSpMkLst>
+            <pc:docMk/>
+            <pc:sldMk cId="1467993957" sldId="263"/>
+            <ac:grpSpMk id="2" creationId="{33B7DB99-A0DF-892A-ACF1-511188ACAF4D}"/>
+          </ac:grpSpMkLst>
+        </pc:grpChg>
+        <pc:cxnChg chg="add del mod">
+          <ac:chgData name="Clark Necciai" userId="2d3c143e28508c56" providerId="LiveId" clId="{4A7DDA94-6371-42D1-B025-C351617463C0}" dt="2022-11-10T15:37:30.151" v="197" actId="21"/>
+          <ac:cxnSpMkLst>
+            <pc:docMk/>
+            <pc:sldMk cId="1467993957" sldId="263"/>
+            <ac:cxnSpMk id="5" creationId="{D547980E-272F-A5F7-51A3-3F3D6073EF10}"/>
+          </ac:cxnSpMkLst>
+        </pc:cxnChg>
+        <pc:cxnChg chg="add del mod">
+          <ac:chgData name="Clark Necciai" userId="2d3c143e28508c56" providerId="LiveId" clId="{4A7DDA94-6371-42D1-B025-C351617463C0}" dt="2022-11-10T15:37:30.151" v="197" actId="21"/>
+          <ac:cxnSpMkLst>
+            <pc:docMk/>
+            <pc:sldMk cId="1467993957" sldId="263"/>
+            <ac:cxnSpMk id="8" creationId="{105741B6-9DE4-9C0F-BE1A-49DE68A4FE25}"/>
+          </ac:cxnSpMkLst>
+        </pc:cxnChg>
+        <pc:cxnChg chg="add del mod">
+          <ac:chgData name="Clark Necciai" userId="2d3c143e28508c56" providerId="LiveId" clId="{4A7DDA94-6371-42D1-B025-C351617463C0}" dt="2022-11-10T15:37:30.151" v="197" actId="21"/>
+          <ac:cxnSpMkLst>
+            <pc:docMk/>
+            <pc:sldMk cId="1467993957" sldId="263"/>
+            <ac:cxnSpMk id="20" creationId="{15B42C2F-F193-7BDB-2D1E-DDF7E9430A98}"/>
+          </ac:cxnSpMkLst>
+        </pc:cxnChg>
+      </pc:sldChg>
+    </pc:docChg>
+  </pc:docChgLst>
+  <pc:docChgLst>
+    <pc:chgData name="Clark Necciai" userId="2d3c143e28508c56" providerId="LiveId" clId="{506E90BC-1642-4847-A1C6-BFE6A2FBBF3C}"/>
+    <pc:docChg chg="undo custSel modSld">
+      <pc:chgData name="Clark Necciai" userId="2d3c143e28508c56" providerId="LiveId" clId="{506E90BC-1642-4847-A1C6-BFE6A2FBBF3C}" dt="2022-12-04T19:51:29.970" v="71" actId="20577"/>
+      <pc:docMkLst>
+        <pc:docMk/>
+      </pc:docMkLst>
+      <pc:sldChg chg="modSp mod">
+        <pc:chgData name="Clark Necciai" userId="2d3c143e28508c56" providerId="LiveId" clId="{506E90BC-1642-4847-A1C6-BFE6A2FBBF3C}" dt="2022-12-04T19:51:29.970" v="71" actId="20577"/>
+        <pc:sldMkLst>
+          <pc:docMk/>
+          <pc:sldMk cId="2115511993" sldId="256"/>
+        </pc:sldMkLst>
+        <pc:spChg chg="mod">
+          <ac:chgData name="Clark Necciai" userId="2d3c143e28508c56" providerId="LiveId" clId="{506E90BC-1642-4847-A1C6-BFE6A2FBBF3C}" dt="2022-12-04T19:51:29.970" v="71" actId="20577"/>
+          <ac:spMkLst>
+            <pc:docMk/>
+            <pc:sldMk cId="2115511993" sldId="256"/>
+            <ac:spMk id="3" creationId="{2B5014BD-12E1-3047-D037-54E706D33604}"/>
+          </ac:spMkLst>
+        </pc:spChg>
+      </pc:sldChg>
+      <pc:sldChg chg="modSp mod">
+        <pc:chgData name="Clark Necciai" userId="2d3c143e28508c56" providerId="LiveId" clId="{506E90BC-1642-4847-A1C6-BFE6A2FBBF3C}" dt="2022-12-04T19:23:55.265" v="56" actId="20577"/>
+        <pc:sldMkLst>
+          <pc:docMk/>
+          <pc:sldMk cId="1871788821" sldId="260"/>
+        </pc:sldMkLst>
+        <pc:spChg chg="mod">
+          <ac:chgData name="Clark Necciai" userId="2d3c143e28508c56" providerId="LiveId" clId="{506E90BC-1642-4847-A1C6-BFE6A2FBBF3C}" dt="2022-12-04T19:23:55.265" v="56" actId="20577"/>
+          <ac:spMkLst>
+            <pc:docMk/>
+            <pc:sldMk cId="1871788821" sldId="260"/>
+            <ac:spMk id="3" creationId="{59C44DD6-9389-6B4C-6D7C-CE926EF1EED2}"/>
+          </ac:spMkLst>
+        </pc:spChg>
+      </pc:sldChg>
+    </pc:docChg>
+  </pc:docChgLst>
+  <pc:docChgLst>
+    <pc:chgData name="Parmanto, Dharma" userId="4f9a10d7-3858-4ebd-b991-a7b30feaabcd" providerId="ADAL" clId="{3702DADB-023C-45AA-BE49-595FA9D5C0EA}"/>
+    <pc:docChg chg="custSel modSld">
+      <pc:chgData name="Parmanto, Dharma" userId="4f9a10d7-3858-4ebd-b991-a7b30feaabcd" providerId="ADAL" clId="{3702DADB-023C-45AA-BE49-595FA9D5C0EA}" dt="2022-11-24T14:36:30.604" v="17" actId="14100"/>
+      <pc:docMkLst>
+        <pc:docMk/>
+      </pc:docMkLst>
+      <pc:sldChg chg="modSp mod">
+        <pc:chgData name="Parmanto, Dharma" userId="4f9a10d7-3858-4ebd-b991-a7b30feaabcd" providerId="ADAL" clId="{3702DADB-023C-45AA-BE49-595FA9D5C0EA}" dt="2022-11-24T14:35:39.721" v="2" actId="1076"/>
+        <pc:sldMkLst>
+          <pc:docMk/>
+          <pc:sldMk cId="3265300168" sldId="257"/>
+        </pc:sldMkLst>
+        <pc:spChg chg="mod">
+          <ac:chgData name="Parmanto, Dharma" userId="4f9a10d7-3858-4ebd-b991-a7b30feaabcd" providerId="ADAL" clId="{3702DADB-023C-45AA-BE49-595FA9D5C0EA}" dt="2022-11-24T14:35:39.721" v="2" actId="1076"/>
+          <ac:spMkLst>
+            <pc:docMk/>
+            <pc:sldMk cId="3265300168" sldId="257"/>
+            <ac:spMk id="36" creationId="{C5183DD8-AD63-135F-B551-46B5334C36D5}"/>
+          </ac:spMkLst>
+        </pc:spChg>
+      </pc:sldChg>
+      <pc:sldChg chg="addSp modSp mod">
+        <pc:chgData name="Parmanto, Dharma" userId="4f9a10d7-3858-4ebd-b991-a7b30feaabcd" providerId="ADAL" clId="{3702DADB-023C-45AA-BE49-595FA9D5C0EA}" dt="2022-11-24T14:36:30.604" v="17" actId="14100"/>
+        <pc:sldMkLst>
+          <pc:docMk/>
+          <pc:sldMk cId="804916847" sldId="262"/>
+        </pc:sldMkLst>
+        <pc:spChg chg="add mod">
+          <ac:chgData name="Parmanto, Dharma" userId="4f9a10d7-3858-4ebd-b991-a7b30feaabcd" providerId="ADAL" clId="{3702DADB-023C-45AA-BE49-595FA9D5C0EA}" dt="2022-11-24T14:36:22.826" v="14" actId="1076"/>
+          <ac:spMkLst>
+            <pc:docMk/>
+            <pc:sldMk cId="804916847" sldId="262"/>
+            <ac:spMk id="5" creationId="{AFB70D9D-DB7C-F7F8-2493-5454F4EBD029}"/>
+          </ac:spMkLst>
+        </pc:spChg>
+        <pc:cxnChg chg="add mod">
+          <ac:chgData name="Parmanto, Dharma" userId="4f9a10d7-3858-4ebd-b991-a7b30feaabcd" providerId="ADAL" clId="{3702DADB-023C-45AA-BE49-595FA9D5C0EA}" dt="2022-11-24T14:36:30.604" v="17" actId="14100"/>
+          <ac:cxnSpMkLst>
+            <pc:docMk/>
+            <pc:sldMk cId="804916847" sldId="262"/>
+            <ac:cxnSpMk id="6" creationId="{ABE47B3D-9042-53EB-4273-E067525DFCDC}"/>
+          </ac:cxnSpMkLst>
+        </pc:cxnChg>
       </pc:sldChg>
     </pc:docChg>
   </pc:docChgLst>
@@ -4810,7 +4841,7 @@
           <a:p>
             <a:fld id="{E0981F5B-2BEF-4D8E-8064-E6D20D34FC04}" type="datetimeFigureOut">
               <a:rPr lang="en-US" smtClean="0"/>
-              <a:t>11/29/2022</a:t>
+              <a:t>12/4/2022</a:t>
             </a:fld>
             <a:endParaRPr lang="en-US"/>
           </a:p>
@@ -5018,7 +5049,7 @@
           <a:p>
             <a:fld id="{E0981F5B-2BEF-4D8E-8064-E6D20D34FC04}" type="datetimeFigureOut">
               <a:rPr lang="en-US" smtClean="0"/>
-              <a:t>11/29/2022</a:t>
+              <a:t>12/4/2022</a:t>
             </a:fld>
             <a:endParaRPr lang="en-US"/>
           </a:p>
@@ -5274,7 +5305,7 @@
           <a:p>
             <a:fld id="{E0981F5B-2BEF-4D8E-8064-E6D20D34FC04}" type="datetimeFigureOut">
               <a:rPr lang="en-US" smtClean="0"/>
-              <a:t>11/29/2022</a:t>
+              <a:t>12/4/2022</a:t>
             </a:fld>
             <a:endParaRPr lang="en-US"/>
           </a:p>
@@ -5448,7 +5479,7 @@
           <a:p>
             <a:fld id="{E0981F5B-2BEF-4D8E-8064-E6D20D34FC04}" type="datetimeFigureOut">
               <a:rPr lang="en-US" smtClean="0"/>
-              <a:t>11/29/2022</a:t>
+              <a:t>12/4/2022</a:t>
             </a:fld>
             <a:endParaRPr lang="en-US"/>
           </a:p>
@@ -5791,7 +5822,7 @@
           <a:p>
             <a:fld id="{E0981F5B-2BEF-4D8E-8064-E6D20D34FC04}" type="datetimeFigureOut">
               <a:rPr lang="en-US" smtClean="0"/>
-              <a:t>11/29/2022</a:t>
+              <a:t>12/4/2022</a:t>
             </a:fld>
             <a:endParaRPr lang="en-US"/>
           </a:p>
@@ -6066,7 +6097,7 @@
           <a:p>
             <a:fld id="{E0981F5B-2BEF-4D8E-8064-E6D20D34FC04}" type="datetimeFigureOut">
               <a:rPr lang="en-US" smtClean="0"/>
-              <a:t>11/29/2022</a:t>
+              <a:t>12/4/2022</a:t>
             </a:fld>
             <a:endParaRPr lang="en-US"/>
           </a:p>
@@ -6445,7 +6476,7 @@
           <a:p>
             <a:fld id="{E0981F5B-2BEF-4D8E-8064-E6D20D34FC04}" type="datetimeFigureOut">
               <a:rPr lang="en-US" smtClean="0"/>
-              <a:t>11/29/2022</a:t>
+              <a:t>12/4/2022</a:t>
             </a:fld>
             <a:endParaRPr lang="en-US"/>
           </a:p>
@@ -6563,7 +6594,7 @@
           <a:p>
             <a:fld id="{E0981F5B-2BEF-4D8E-8064-E6D20D34FC04}" type="datetimeFigureOut">
               <a:rPr lang="en-US" smtClean="0"/>
-              <a:t>11/29/2022</a:t>
+              <a:t>12/4/2022</a:t>
             </a:fld>
             <a:endParaRPr lang="en-US"/>
           </a:p>
@@ -6734,7 +6765,7 @@
           <a:p>
             <a:fld id="{E0981F5B-2BEF-4D8E-8064-E6D20D34FC04}" type="datetimeFigureOut">
               <a:rPr lang="en-US" smtClean="0"/>
-              <a:t>11/29/2022</a:t>
+              <a:t>12/4/2022</a:t>
             </a:fld>
             <a:endParaRPr lang="en-US"/>
           </a:p>
@@ -7088,7 +7119,7 @@
           <a:p>
             <a:fld id="{E0981F5B-2BEF-4D8E-8064-E6D20D34FC04}" type="datetimeFigureOut">
               <a:rPr lang="en-US" smtClean="0"/>
-              <a:t>11/29/2022</a:t>
+              <a:t>12/4/2022</a:t>
             </a:fld>
             <a:endParaRPr lang="en-US"/>
           </a:p>
@@ -7470,7 +7501,7 @@
           <a:p>
             <a:fld id="{E0981F5B-2BEF-4D8E-8064-E6D20D34FC04}" type="datetimeFigureOut">
               <a:rPr lang="en-US" smtClean="0"/>
-              <a:t>11/29/2022</a:t>
+              <a:t>12/4/2022</a:t>
             </a:fld>
             <a:endParaRPr lang="en-US"/>
           </a:p>
@@ -7757,7 +7788,7 @@
           <a:p>
             <a:fld id="{E0981F5B-2BEF-4D8E-8064-E6D20D34FC04}" type="datetimeFigureOut">
               <a:rPr lang="en-US" smtClean="0"/>
-              <a:t>11/29/2022</a:t>
+              <a:t>12/4/2022</a:t>
             </a:fld>
             <a:endParaRPr lang="en-US"/>
           </a:p>
@@ -8372,8 +8403,21 @@
                   <a:schemeClr val="bg1"/>
                 </a:solidFill>
               </a:rPr>
-              <a:t>Project Phase #1</a:t>
-            </a:r>
+              <a:t>Project Phase #1 - </a:t>
+            </a:r>
+            <a:r>
+              <a:rPr lang="en-US" sz="3600" dirty="0" err="1">
+                <a:solidFill>
+                  <a:schemeClr val="bg1"/>
+                </a:solidFill>
+              </a:rPr>
+              <a:t>rESUBMISSION</a:t>
+            </a:r>
+            <a:endParaRPr lang="en-US" sz="3600" dirty="0">
+              <a:solidFill>
+                <a:schemeClr val="bg1"/>
+              </a:solidFill>
+            </a:endParaRPr>
           </a:p>
           <a:p>
             <a:r>
